--- a/model zonnecollector/achtergrond/Solar collector.pptx
+++ b/model zonnecollector/achtergrond/Solar collector.pptx
@@ -8,14 +8,19 @@
     <p:sldId id="256" r:id="rId5"/>
     <p:sldId id="257" r:id="rId6"/>
     <p:sldId id="264" r:id="rId7"/>
-    <p:sldId id="259" r:id="rId8"/>
-    <p:sldId id="260" r:id="rId9"/>
-    <p:sldId id="258" r:id="rId10"/>
-    <p:sldId id="261" r:id="rId11"/>
-    <p:sldId id="263" r:id="rId12"/>
-    <p:sldId id="262" r:id="rId13"/>
-    <p:sldId id="265" r:id="rId14"/>
-    <p:sldId id="266" r:id="rId15"/>
+    <p:sldId id="269" r:id="rId8"/>
+    <p:sldId id="259" r:id="rId9"/>
+    <p:sldId id="270" r:id="rId10"/>
+    <p:sldId id="260" r:id="rId11"/>
+    <p:sldId id="258" r:id="rId12"/>
+    <p:sldId id="263" r:id="rId13"/>
+    <p:sldId id="262" r:id="rId14"/>
+    <p:sldId id="265" r:id="rId15"/>
+    <p:sldId id="266" r:id="rId16"/>
+    <p:sldId id="267" r:id="rId17"/>
+    <p:sldId id="268" r:id="rId18"/>
+    <p:sldId id="272" r:id="rId19"/>
+    <p:sldId id="271" r:id="rId20"/>
   </p:sldIdLst>
   <p:sldSz cx="12192000" cy="6858000"/>
   <p:notesSz cx="6858000" cy="9144000"/>
@@ -114,13 +119,18 @@
       </a:defRPr>
     </a:lvl9pPr>
   </p:defaultTextStyle>
+  <p:extLst>
+    <p:ext uri="{EFAFB233-063F-42B5-8137-9DF3F51BA10A}">
+      <p15:sldGuideLst xmlns:p15="http://schemas.microsoft.com/office/powerpoint/2012/main"/>
+    </p:ext>
+  </p:extLst>
 </p:presentation>
 </file>
 
 <file path=ppt/revisionInfo.xml><?xml version="1.0" encoding="utf-8"?>
 <p1510:revInfo xmlns:a="http://schemas.openxmlformats.org/drawingml/2006/main" xmlns:r="http://schemas.openxmlformats.org/officeDocument/2006/relationships" xmlns:p1510="http://schemas.microsoft.com/office/powerpoint/2015/10/main">
   <p1510:revLst>
-    <p1510:client id="{227785E4-E897-4780-B1DE-F6031874B212}" v="33" dt="2020-05-29T21:50:56.879"/>
+    <p1510:client id="{227785E4-E897-4780-B1DE-F6031874B212}" v="47" dt="2020-06-05T10:29:04.802"/>
   </p1510:revLst>
 </p1510:revInfo>
 </file>
@@ -129,13 +139,13 @@
 <pc:chgInfo xmlns:a="http://schemas.openxmlformats.org/drawingml/2006/main" xmlns:r="http://schemas.openxmlformats.org/officeDocument/2006/relationships" xmlns:ac="http://schemas.microsoft.com/office/drawing/2013/main/command" xmlns:pc="http://schemas.microsoft.com/office/powerpoint/2013/main/command">
   <pc:docChgLst>
     <pc:chgData name="Margot De Pauw" userId="ff91cfd3-9220-4e03-b827-a4ee8068399d" providerId="ADAL" clId="{227785E4-E897-4780-B1DE-F6031874B212}"/>
-    <pc:docChg chg="custSel addSld modSld sldOrd">
-      <pc:chgData name="Margot De Pauw" userId="ff91cfd3-9220-4e03-b827-a4ee8068399d" providerId="ADAL" clId="{227785E4-E897-4780-B1DE-F6031874B212}" dt="2020-05-29T21:51:04.376" v="1753" actId="1076"/>
+    <pc:docChg chg="custSel addSld delSld modSld sldOrd">
+      <pc:chgData name="Margot De Pauw" userId="ff91cfd3-9220-4e03-b827-a4ee8068399d" providerId="ADAL" clId="{227785E4-E897-4780-B1DE-F6031874B212}" dt="2020-06-05T10:29:08.599" v="3482" actId="1076"/>
       <pc:docMkLst>
         <pc:docMk/>
       </pc:docMkLst>
       <pc:sldChg chg="addSp modSp">
-        <pc:chgData name="Margot De Pauw" userId="ff91cfd3-9220-4e03-b827-a4ee8068399d" providerId="ADAL" clId="{227785E4-E897-4780-B1DE-F6031874B212}" dt="2020-05-28T10:04:27.716" v="135" actId="14100"/>
+        <pc:chgData name="Margot De Pauw" userId="ff91cfd3-9220-4e03-b827-a4ee8068399d" providerId="ADAL" clId="{227785E4-E897-4780-B1DE-F6031874B212}" dt="2020-06-03T09:28:28.140" v="2043" actId="5793"/>
         <pc:sldMkLst>
           <pc:docMk/>
           <pc:sldMk cId="2995060201" sldId="258"/>
@@ -154,6 +164,22 @@
             <pc:docMk/>
             <pc:sldMk cId="2995060201" sldId="258"/>
             <ac:spMk id="3" creationId="{8D2E4816-591F-4F50-A193-C831BD8BDA28}"/>
+          </ac:spMkLst>
+        </pc:spChg>
+        <pc:spChg chg="add mod">
+          <ac:chgData name="Margot De Pauw" userId="ff91cfd3-9220-4e03-b827-a4ee8068399d" providerId="ADAL" clId="{227785E4-E897-4780-B1DE-F6031874B212}" dt="2020-06-03T09:28:28.140" v="2043" actId="5793"/>
+          <ac:spMkLst>
+            <pc:docMk/>
+            <pc:sldMk cId="2995060201" sldId="258"/>
+            <ac:spMk id="7" creationId="{999D2F9E-6B4C-4114-974E-BE65D6F3BEBA}"/>
+          </ac:spMkLst>
+        </pc:spChg>
+        <pc:spChg chg="add mod">
+          <ac:chgData name="Margot De Pauw" userId="ff91cfd3-9220-4e03-b827-a4ee8068399d" providerId="ADAL" clId="{227785E4-E897-4780-B1DE-F6031874B212}" dt="2020-06-03T09:25:10.418" v="1817" actId="208"/>
+          <ac:spMkLst>
+            <pc:docMk/>
+            <pc:sldMk cId="2995060201" sldId="258"/>
+            <ac:spMk id="10" creationId="{F9C28760-7AF9-4A25-95CD-66E5A986F84C}"/>
           </ac:spMkLst>
         </pc:spChg>
         <pc:picChg chg="add mod">
@@ -180,9 +206,17 @@
             <ac:picMk id="6" creationId="{89DAAC53-F55B-4956-B041-0C89A7FD3149}"/>
           </ac:picMkLst>
         </pc:picChg>
+        <pc:cxnChg chg="add mod">
+          <ac:chgData name="Margot De Pauw" userId="ff91cfd3-9220-4e03-b827-a4ee8068399d" providerId="ADAL" clId="{227785E4-E897-4780-B1DE-F6031874B212}" dt="2020-06-03T09:28:17.965" v="2000" actId="20577"/>
+          <ac:cxnSpMkLst>
+            <pc:docMk/>
+            <pc:sldMk cId="2995060201" sldId="258"/>
+            <ac:cxnSpMk id="9" creationId="{F4F12C18-3D8A-4B34-BA3A-B66E9D522CC5}"/>
+          </ac:cxnSpMkLst>
+        </pc:cxnChg>
       </pc:sldChg>
       <pc:sldChg chg="addSp delSp modSp">
-        <pc:chgData name="Margot De Pauw" userId="ff91cfd3-9220-4e03-b827-a4ee8068399d" providerId="ADAL" clId="{227785E4-E897-4780-B1DE-F6031874B212}" dt="2020-05-28T10:05:02.283" v="137" actId="14100"/>
+        <pc:chgData name="Margot De Pauw" userId="ff91cfd3-9220-4e03-b827-a4ee8068399d" providerId="ADAL" clId="{227785E4-E897-4780-B1DE-F6031874B212}" dt="2020-06-03T09:28:08.265" v="1999" actId="1076"/>
         <pc:sldMkLst>
           <pc:docMk/>
           <pc:sldMk cId="3585554591" sldId="260"/>
@@ -204,11 +238,27 @@
           </ac:spMkLst>
         </pc:spChg>
         <pc:spChg chg="add mod">
-          <ac:chgData name="Margot De Pauw" userId="ff91cfd3-9220-4e03-b827-a4ee8068399d" providerId="ADAL" clId="{227785E4-E897-4780-B1DE-F6031874B212}" dt="2020-05-28T09:45:04.573" v="103" actId="20577"/>
+          <ac:chgData name="Margot De Pauw" userId="ff91cfd3-9220-4e03-b827-a4ee8068399d" providerId="ADAL" clId="{227785E4-E897-4780-B1DE-F6031874B212}" dt="2020-06-03T09:26:18.578" v="1961" actId="20577"/>
           <ac:spMkLst>
             <pc:docMk/>
             <pc:sldMk cId="3585554591" sldId="260"/>
             <ac:spMk id="11" creationId="{85536B40-8120-4442-BD29-EE5528719544}"/>
+          </ac:spMkLst>
+        </pc:spChg>
+        <pc:spChg chg="add mod">
+          <ac:chgData name="Margot De Pauw" userId="ff91cfd3-9220-4e03-b827-a4ee8068399d" providerId="ADAL" clId="{227785E4-E897-4780-B1DE-F6031874B212}" dt="2020-06-03T09:27:33.587" v="1970" actId="14100"/>
+          <ac:spMkLst>
+            <pc:docMk/>
+            <pc:sldMk cId="3585554591" sldId="260"/>
+            <ac:spMk id="16" creationId="{8FE0A733-8DD0-46F8-8E16-B66E2EDA62DE}"/>
+          </ac:spMkLst>
+        </pc:spChg>
+        <pc:spChg chg="add mod">
+          <ac:chgData name="Margot De Pauw" userId="ff91cfd3-9220-4e03-b827-a4ee8068399d" providerId="ADAL" clId="{227785E4-E897-4780-B1DE-F6031874B212}" dt="2020-06-03T09:28:08.265" v="1999" actId="1076"/>
+          <ac:spMkLst>
+            <pc:docMk/>
+            <pc:sldMk cId="3585554591" sldId="260"/>
+            <ac:spMk id="17" creationId="{B3151F92-8D25-4717-AA4B-4A766339F781}"/>
           </ac:spMkLst>
         </pc:spChg>
         <pc:picChg chg="add mod">
@@ -227,17 +277,25 @@
             <ac:picMk id="13" creationId="{703977A6-60D8-4E3A-99D0-7F40DFCEB6F1}"/>
           </ac:picMkLst>
         </pc:picChg>
-        <pc:cxnChg chg="add">
-          <ac:chgData name="Margot De Pauw" userId="ff91cfd3-9220-4e03-b827-a4ee8068399d" providerId="ADAL" clId="{227785E4-E897-4780-B1DE-F6031874B212}" dt="2020-05-28T09:37:17.712" v="7" actId="11529"/>
+        <pc:cxnChg chg="add mod">
+          <ac:chgData name="Margot De Pauw" userId="ff91cfd3-9220-4e03-b827-a4ee8068399d" providerId="ADAL" clId="{227785E4-E897-4780-B1DE-F6031874B212}" dt="2020-06-03T09:27:01.059" v="1963" actId="14100"/>
           <ac:cxnSpMkLst>
             <pc:docMk/>
             <pc:sldMk cId="3585554591" sldId="260"/>
             <ac:cxnSpMk id="10" creationId="{BBD6E1F0-FE76-44D5-BE60-4208298BA778}"/>
           </ac:cxnSpMkLst>
         </pc:cxnChg>
+        <pc:cxnChg chg="add mod">
+          <ac:chgData name="Margot De Pauw" userId="ff91cfd3-9220-4e03-b827-a4ee8068399d" providerId="ADAL" clId="{227785E4-E897-4780-B1DE-F6031874B212}" dt="2020-06-03T09:28:05.850" v="1998" actId="14100"/>
+          <ac:cxnSpMkLst>
+            <pc:docMk/>
+            <pc:sldMk cId="3585554591" sldId="260"/>
+            <ac:cxnSpMk id="14" creationId="{F665DE93-2262-40EB-9128-7B015A0F4502}"/>
+          </ac:cxnSpMkLst>
+        </pc:cxnChg>
       </pc:sldChg>
-      <pc:sldChg chg="modSp add ord">
-        <pc:chgData name="Margot De Pauw" userId="ff91cfd3-9220-4e03-b827-a4ee8068399d" providerId="ADAL" clId="{227785E4-E897-4780-B1DE-F6031874B212}" dt="2020-05-28T11:43:29.604" v="185" actId="20577"/>
+      <pc:sldChg chg="modSp add del ord">
+        <pc:chgData name="Margot De Pauw" userId="ff91cfd3-9220-4e03-b827-a4ee8068399d" providerId="ADAL" clId="{227785E4-E897-4780-B1DE-F6031874B212}" dt="2020-06-05T09:37:37.774" v="2834" actId="2696"/>
         <pc:sldMkLst>
           <pc:docMk/>
           <pc:sldMk cId="3096591386" sldId="261"/>
@@ -486,6 +544,201 @@
           </ac:picMkLst>
         </pc:picChg>
       </pc:sldChg>
+      <pc:sldChg chg="modSp">
+        <pc:chgData name="Margot De Pauw" userId="ff91cfd3-9220-4e03-b827-a4ee8068399d" providerId="ADAL" clId="{227785E4-E897-4780-B1DE-F6031874B212}" dt="2020-06-05T09:48:39.846" v="3342" actId="20577"/>
+        <pc:sldMkLst>
+          <pc:docMk/>
+          <pc:sldMk cId="1429751300" sldId="268"/>
+        </pc:sldMkLst>
+        <pc:spChg chg="mod">
+          <ac:chgData name="Margot De Pauw" userId="ff91cfd3-9220-4e03-b827-a4ee8068399d" providerId="ADAL" clId="{227785E4-E897-4780-B1DE-F6031874B212}" dt="2020-06-05T09:48:39.846" v="3342" actId="20577"/>
+          <ac:spMkLst>
+            <pc:docMk/>
+            <pc:sldMk cId="1429751300" sldId="268"/>
+            <ac:spMk id="3" creationId="{9761466D-D366-4CB1-87BC-78FA90F22707}"/>
+          </ac:spMkLst>
+        </pc:spChg>
+      </pc:sldChg>
+      <pc:sldChg chg="modSp new add">
+        <pc:chgData name="Margot De Pauw" userId="ff91cfd3-9220-4e03-b827-a4ee8068399d" providerId="ADAL" clId="{227785E4-E897-4780-B1DE-F6031874B212}" dt="2020-06-05T09:19:53.939" v="2833" actId="20577"/>
+        <pc:sldMkLst>
+          <pc:docMk/>
+          <pc:sldMk cId="265870514" sldId="269"/>
+        </pc:sldMkLst>
+        <pc:spChg chg="mod">
+          <ac:chgData name="Margot De Pauw" userId="ff91cfd3-9220-4e03-b827-a4ee8068399d" providerId="ADAL" clId="{227785E4-E897-4780-B1DE-F6031874B212}" dt="2020-06-04T09:29:38.810" v="2064" actId="20577"/>
+          <ac:spMkLst>
+            <pc:docMk/>
+            <pc:sldMk cId="265870514" sldId="269"/>
+            <ac:spMk id="2" creationId="{CA8283BD-F15F-49C7-BB58-E16C5C4073E3}"/>
+          </ac:spMkLst>
+        </pc:spChg>
+        <pc:spChg chg="mod">
+          <ac:chgData name="Margot De Pauw" userId="ff91cfd3-9220-4e03-b827-a4ee8068399d" providerId="ADAL" clId="{227785E4-E897-4780-B1DE-F6031874B212}" dt="2020-06-05T09:19:53.939" v="2833" actId="20577"/>
+          <ac:spMkLst>
+            <pc:docMk/>
+            <pc:sldMk cId="265870514" sldId="269"/>
+            <ac:spMk id="3" creationId="{701FFC47-01AE-48CA-BE38-A6D647DD3891}"/>
+          </ac:spMkLst>
+        </pc:spChg>
+      </pc:sldChg>
+      <pc:sldChg chg="addSp modSp new add">
+        <pc:chgData name="Margot De Pauw" userId="ff91cfd3-9220-4e03-b827-a4ee8068399d" providerId="ADAL" clId="{227785E4-E897-4780-B1DE-F6031874B212}" dt="2020-06-04T11:44:35.505" v="2793" actId="207"/>
+        <pc:sldMkLst>
+          <pc:docMk/>
+          <pc:sldMk cId="1987397801" sldId="270"/>
+        </pc:sldMkLst>
+        <pc:spChg chg="mod">
+          <ac:chgData name="Margot De Pauw" userId="ff91cfd3-9220-4e03-b827-a4ee8068399d" providerId="ADAL" clId="{227785E4-E897-4780-B1DE-F6031874B212}" dt="2020-06-04T09:39:58.210" v="2485" actId="20577"/>
+          <ac:spMkLst>
+            <pc:docMk/>
+            <pc:sldMk cId="1987397801" sldId="270"/>
+            <ac:spMk id="2" creationId="{B77077F9-D2FA-419B-A2A6-749D4A595A5F}"/>
+          </ac:spMkLst>
+        </pc:spChg>
+        <pc:spChg chg="mod">
+          <ac:chgData name="Margot De Pauw" userId="ff91cfd3-9220-4e03-b827-a4ee8068399d" providerId="ADAL" clId="{227785E4-E897-4780-B1DE-F6031874B212}" dt="2020-06-04T09:48:09.988" v="2760" actId="20577"/>
+          <ac:spMkLst>
+            <pc:docMk/>
+            <pc:sldMk cId="1987397801" sldId="270"/>
+            <ac:spMk id="3" creationId="{0C73BF78-FBEF-46C5-AECC-D352421AF02D}"/>
+          </ac:spMkLst>
+        </pc:spChg>
+        <pc:spChg chg="add mod">
+          <ac:chgData name="Margot De Pauw" userId="ff91cfd3-9220-4e03-b827-a4ee8068399d" providerId="ADAL" clId="{227785E4-E897-4780-B1DE-F6031874B212}" dt="2020-06-04T11:44:06.044" v="2764" actId="1582"/>
+          <ac:spMkLst>
+            <pc:docMk/>
+            <pc:sldMk cId="1987397801" sldId="270"/>
+            <ac:spMk id="5" creationId="{D61A4118-5AB3-4A2F-94F1-842050E30C4A}"/>
+          </ac:spMkLst>
+        </pc:spChg>
+        <pc:spChg chg="add mod">
+          <ac:chgData name="Margot De Pauw" userId="ff91cfd3-9220-4e03-b827-a4ee8068399d" providerId="ADAL" clId="{227785E4-E897-4780-B1DE-F6031874B212}" dt="2020-06-04T11:44:35.505" v="2793" actId="207"/>
+          <ac:spMkLst>
+            <pc:docMk/>
+            <pc:sldMk cId="1987397801" sldId="270"/>
+            <ac:spMk id="8" creationId="{C8526457-129A-49C5-9EA8-BF076F897DBA}"/>
+          </ac:spMkLst>
+        </pc:spChg>
+        <pc:picChg chg="add mod">
+          <ac:chgData name="Margot De Pauw" userId="ff91cfd3-9220-4e03-b827-a4ee8068399d" providerId="ADAL" clId="{227785E4-E897-4780-B1DE-F6031874B212}" dt="2020-06-04T09:46:44.628" v="2489" actId="14100"/>
+          <ac:picMkLst>
+            <pc:docMk/>
+            <pc:sldMk cId="1987397801" sldId="270"/>
+            <ac:picMk id="4" creationId="{6295668F-D505-48C5-892E-580C1B09826C}"/>
+          </ac:picMkLst>
+        </pc:picChg>
+        <pc:cxnChg chg="add mod">
+          <ac:chgData name="Margot De Pauw" userId="ff91cfd3-9220-4e03-b827-a4ee8068399d" providerId="ADAL" clId="{227785E4-E897-4780-B1DE-F6031874B212}" dt="2020-06-04T11:44:11.010" v="2766" actId="13822"/>
+          <ac:cxnSpMkLst>
+            <pc:docMk/>
+            <pc:sldMk cId="1987397801" sldId="270"/>
+            <ac:cxnSpMk id="7" creationId="{D18A0995-4135-4D11-BA07-E45B4A5A86E7}"/>
+          </ac:cxnSpMkLst>
+        </pc:cxnChg>
+      </pc:sldChg>
+      <pc:sldChg chg="modSp new add">
+        <pc:chgData name="Margot De Pauw" userId="ff91cfd3-9220-4e03-b827-a4ee8068399d" providerId="ADAL" clId="{227785E4-E897-4780-B1DE-F6031874B212}" dt="2020-06-05T09:44:09.802" v="3309" actId="20577"/>
+        <pc:sldMkLst>
+          <pc:docMk/>
+          <pc:sldMk cId="3092109684" sldId="271"/>
+        </pc:sldMkLst>
+        <pc:spChg chg="mod">
+          <ac:chgData name="Margot De Pauw" userId="ff91cfd3-9220-4e03-b827-a4ee8068399d" providerId="ADAL" clId="{227785E4-E897-4780-B1DE-F6031874B212}" dt="2020-06-05T09:38:47.483" v="2838" actId="20577"/>
+          <ac:spMkLst>
+            <pc:docMk/>
+            <pc:sldMk cId="3092109684" sldId="271"/>
+            <ac:spMk id="2" creationId="{78B7A5A0-3956-4D53-BE46-2736BFCB2509}"/>
+          </ac:spMkLst>
+        </pc:spChg>
+        <pc:spChg chg="mod">
+          <ac:chgData name="Margot De Pauw" userId="ff91cfd3-9220-4e03-b827-a4ee8068399d" providerId="ADAL" clId="{227785E4-E897-4780-B1DE-F6031874B212}" dt="2020-06-05T09:44:09.802" v="3309" actId="20577"/>
+          <ac:spMkLst>
+            <pc:docMk/>
+            <pc:sldMk cId="3092109684" sldId="271"/>
+            <ac:spMk id="3" creationId="{E56D5EFE-1051-430F-B289-6F6E49A1750F}"/>
+          </ac:spMkLst>
+        </pc:spChg>
+      </pc:sldChg>
+      <pc:sldChg chg="addSp delSp modSp add mod">
+        <pc:chgData name="Margot De Pauw" userId="ff91cfd3-9220-4e03-b827-a4ee8068399d" providerId="ADAL" clId="{227785E4-E897-4780-B1DE-F6031874B212}" dt="2020-06-05T10:29:08.599" v="3482" actId="1076"/>
+        <pc:sldMkLst>
+          <pc:docMk/>
+          <pc:sldMk cId="2009739893" sldId="272"/>
+        </pc:sldMkLst>
+        <pc:spChg chg="mod">
+          <ac:chgData name="Margot De Pauw" userId="ff91cfd3-9220-4e03-b827-a4ee8068399d" providerId="ADAL" clId="{227785E4-E897-4780-B1DE-F6031874B212}" dt="2020-06-05T09:50:44.035" v="3464" actId="20577"/>
+          <ac:spMkLst>
+            <pc:docMk/>
+            <pc:sldMk cId="2009739893" sldId="272"/>
+            <ac:spMk id="2" creationId="{AE2C7563-49CC-4A95-B8A9-1189C1CE6417}"/>
+          </ac:spMkLst>
+        </pc:spChg>
+        <pc:spChg chg="mod">
+          <ac:chgData name="Margot De Pauw" userId="ff91cfd3-9220-4e03-b827-a4ee8068399d" providerId="ADAL" clId="{227785E4-E897-4780-B1DE-F6031874B212}" dt="2020-06-05T10:26:21.509" v="3471" actId="6549"/>
+          <ac:spMkLst>
+            <pc:docMk/>
+            <pc:sldMk cId="2009739893" sldId="272"/>
+            <ac:spMk id="3" creationId="{9761466D-D366-4CB1-87BC-78FA90F22707}"/>
+          </ac:spMkLst>
+        </pc:spChg>
+        <pc:graphicFrameChg chg="add del">
+          <ac:chgData name="Margot De Pauw" userId="ff91cfd3-9220-4e03-b827-a4ee8068399d" providerId="ADAL" clId="{227785E4-E897-4780-B1DE-F6031874B212}" dt="2020-06-05T10:27:54.667" v="3478" actId="478"/>
+          <ac:graphicFrameMkLst>
+            <pc:docMk/>
+            <pc:sldMk cId="2009739893" sldId="272"/>
+            <ac:graphicFrameMk id="10" creationId="{FE9EA79B-890D-4D2F-8FB3-CC361225B570}"/>
+          </ac:graphicFrameMkLst>
+        </pc:graphicFrameChg>
+        <pc:picChg chg="del">
+          <ac:chgData name="Margot De Pauw" userId="ff91cfd3-9220-4e03-b827-a4ee8068399d" providerId="ADAL" clId="{227785E4-E897-4780-B1DE-F6031874B212}" dt="2020-06-05T10:26:26.923" v="3472" actId="478"/>
+          <ac:picMkLst>
+            <pc:docMk/>
+            <pc:sldMk cId="2009739893" sldId="272"/>
+            <ac:picMk id="4" creationId="{9A7027E2-28A5-43F0-BC84-C5EE7887BFEF}"/>
+          </ac:picMkLst>
+        </pc:picChg>
+        <pc:picChg chg="del">
+          <ac:chgData name="Margot De Pauw" userId="ff91cfd3-9220-4e03-b827-a4ee8068399d" providerId="ADAL" clId="{227785E4-E897-4780-B1DE-F6031874B212}" dt="2020-06-05T10:26:29.572" v="3475" actId="478"/>
+          <ac:picMkLst>
+            <pc:docMk/>
+            <pc:sldMk cId="2009739893" sldId="272"/>
+            <ac:picMk id="5" creationId="{1F402326-7EA2-46E8-BF13-84CE9B982FB2}"/>
+          </ac:picMkLst>
+        </pc:picChg>
+        <pc:picChg chg="add mod">
+          <ac:chgData name="Margot De Pauw" userId="ff91cfd3-9220-4e03-b827-a4ee8068399d" providerId="ADAL" clId="{227785E4-E897-4780-B1DE-F6031874B212}" dt="2020-06-05T10:28:25.708" v="3480" actId="1076"/>
+          <ac:picMkLst>
+            <pc:docMk/>
+            <pc:sldMk cId="2009739893" sldId="272"/>
+            <ac:picMk id="6" creationId="{57FCEC55-AA21-4382-85CC-20687B0B0538}"/>
+          </ac:picMkLst>
+        </pc:picChg>
+        <pc:picChg chg="add mod">
+          <ac:chgData name="Margot De Pauw" userId="ff91cfd3-9220-4e03-b827-a4ee8068399d" providerId="ADAL" clId="{227785E4-E897-4780-B1DE-F6031874B212}" dt="2020-06-05T10:29:08.599" v="3482" actId="1076"/>
+          <ac:picMkLst>
+            <pc:docMk/>
+            <pc:sldMk cId="2009739893" sldId="272"/>
+            <ac:picMk id="7" creationId="{B9720F0E-941E-49D9-9C0E-C23F3A411B20}"/>
+          </ac:picMkLst>
+        </pc:picChg>
+        <pc:picChg chg="del">
+          <ac:chgData name="Margot De Pauw" userId="ff91cfd3-9220-4e03-b827-a4ee8068399d" providerId="ADAL" clId="{227785E4-E897-4780-B1DE-F6031874B212}" dt="2020-06-05T10:26:27.982" v="3473" actId="478"/>
+          <ac:picMkLst>
+            <pc:docMk/>
+            <pc:sldMk cId="2009739893" sldId="272"/>
+            <ac:picMk id="8" creationId="{CF6D3D79-02DF-4253-B8DA-AD03FE81FE09}"/>
+          </ac:picMkLst>
+        </pc:picChg>
+        <pc:picChg chg="del">
+          <ac:chgData name="Margot De Pauw" userId="ff91cfd3-9220-4e03-b827-a4ee8068399d" providerId="ADAL" clId="{227785E4-E897-4780-B1DE-F6031874B212}" dt="2020-06-05T10:26:28.864" v="3474" actId="478"/>
+          <ac:picMkLst>
+            <pc:docMk/>
+            <pc:sldMk cId="2009739893" sldId="272"/>
+            <ac:picMk id="9" creationId="{C87B48D7-F765-4099-BD31-9D413F77E886}"/>
+          </ac:picMkLst>
+        </pc:picChg>
+      </pc:sldChg>
     </pc:docChg>
   </pc:docChgLst>
 </pc:chgInfo>
@@ -640,7 +893,7 @@
           <a:p>
             <a:fld id="{093676F6-08B4-4D43-8044-4A86E6E6818F}" type="datetimeFigureOut">
               <a:rPr lang="nl-BE" smtClean="0"/>
-              <a:t>28/05/2020</a:t>
+              <a:t>3/06/2020</a:t>
             </a:fld>
             <a:endParaRPr lang="nl-BE"/>
           </a:p>
@@ -840,7 +1093,7 @@
           <a:p>
             <a:fld id="{093676F6-08B4-4D43-8044-4A86E6E6818F}" type="datetimeFigureOut">
               <a:rPr lang="nl-BE" smtClean="0"/>
-              <a:t>28/05/2020</a:t>
+              <a:t>3/06/2020</a:t>
             </a:fld>
             <a:endParaRPr lang="nl-BE"/>
           </a:p>
@@ -1050,7 +1303,7 @@
           <a:p>
             <a:fld id="{093676F6-08B4-4D43-8044-4A86E6E6818F}" type="datetimeFigureOut">
               <a:rPr lang="nl-BE" smtClean="0"/>
-              <a:t>28/05/2020</a:t>
+              <a:t>3/06/2020</a:t>
             </a:fld>
             <a:endParaRPr lang="nl-BE"/>
           </a:p>
@@ -1250,7 +1503,7 @@
           <a:p>
             <a:fld id="{093676F6-08B4-4D43-8044-4A86E6E6818F}" type="datetimeFigureOut">
               <a:rPr lang="nl-BE" smtClean="0"/>
-              <a:t>28/05/2020</a:t>
+              <a:t>3/06/2020</a:t>
             </a:fld>
             <a:endParaRPr lang="nl-BE"/>
           </a:p>
@@ -1526,7 +1779,7 @@
           <a:p>
             <a:fld id="{093676F6-08B4-4D43-8044-4A86E6E6818F}" type="datetimeFigureOut">
               <a:rPr lang="nl-BE" smtClean="0"/>
-              <a:t>28/05/2020</a:t>
+              <a:t>3/06/2020</a:t>
             </a:fld>
             <a:endParaRPr lang="nl-BE"/>
           </a:p>
@@ -1794,7 +2047,7 @@
           <a:p>
             <a:fld id="{093676F6-08B4-4D43-8044-4A86E6E6818F}" type="datetimeFigureOut">
               <a:rPr lang="nl-BE" smtClean="0"/>
-              <a:t>28/05/2020</a:t>
+              <a:t>3/06/2020</a:t>
             </a:fld>
             <a:endParaRPr lang="nl-BE"/>
           </a:p>
@@ -2209,7 +2462,7 @@
           <a:p>
             <a:fld id="{093676F6-08B4-4D43-8044-4A86E6E6818F}" type="datetimeFigureOut">
               <a:rPr lang="nl-BE" smtClean="0"/>
-              <a:t>28/05/2020</a:t>
+              <a:t>3/06/2020</a:t>
             </a:fld>
             <a:endParaRPr lang="nl-BE"/>
           </a:p>
@@ -2351,7 +2604,7 @@
           <a:p>
             <a:fld id="{093676F6-08B4-4D43-8044-4A86E6E6818F}" type="datetimeFigureOut">
               <a:rPr lang="nl-BE" smtClean="0"/>
-              <a:t>28/05/2020</a:t>
+              <a:t>3/06/2020</a:t>
             </a:fld>
             <a:endParaRPr lang="nl-BE"/>
           </a:p>
@@ -2464,7 +2717,7 @@
           <a:p>
             <a:fld id="{093676F6-08B4-4D43-8044-4A86E6E6818F}" type="datetimeFigureOut">
               <a:rPr lang="nl-BE" smtClean="0"/>
-              <a:t>28/05/2020</a:t>
+              <a:t>3/06/2020</a:t>
             </a:fld>
             <a:endParaRPr lang="nl-BE"/>
           </a:p>
@@ -2777,7 +3030,7 @@
           <a:p>
             <a:fld id="{093676F6-08B4-4D43-8044-4A86E6E6818F}" type="datetimeFigureOut">
               <a:rPr lang="nl-BE" smtClean="0"/>
-              <a:t>28/05/2020</a:t>
+              <a:t>3/06/2020</a:t>
             </a:fld>
             <a:endParaRPr lang="nl-BE"/>
           </a:p>
@@ -3066,7 +3319,7 @@
           <a:p>
             <a:fld id="{093676F6-08B4-4D43-8044-4A86E6E6818F}" type="datetimeFigureOut">
               <a:rPr lang="nl-BE" smtClean="0"/>
-              <a:t>28/05/2020</a:t>
+              <a:t>3/06/2020</a:t>
             </a:fld>
             <a:endParaRPr lang="nl-BE"/>
           </a:p>
@@ -3309,7 +3562,7 @@
           <a:p>
             <a:fld id="{093676F6-08B4-4D43-8044-4A86E6E6818F}" type="datetimeFigureOut">
               <a:rPr lang="nl-BE" smtClean="0"/>
-              <a:t>28/05/2020</a:t>
+              <a:t>3/06/2020</a:t>
             </a:fld>
             <a:endParaRPr lang="nl-BE"/>
           </a:p>
@@ -3846,36 +4099,24 @@
           <a:lstStyle/>
           <a:p>
             <a:r>
+              <a:rPr lang="nl-BE" sz="3600" dirty="0"/>
+              <a:t>Incident </a:t>
+            </a:r>
+            <a:r>
               <a:rPr lang="nl-BE" sz="3600" dirty="0" err="1"/>
-              <a:t>comparison</a:t>
+              <a:t>angle</a:t>
             </a:r>
             <a:r>
               <a:rPr lang="nl-BE" sz="3600" dirty="0"/>
-              <a:t> </a:t>
+              <a:t> in </a:t>
             </a:r>
             <a:r>
               <a:rPr lang="nl-BE" sz="3600" dirty="0" err="1"/>
-              <a:t>matlab</a:t>
+              <a:t>longitudinal</a:t>
             </a:r>
             <a:r>
               <a:rPr lang="nl-BE" sz="3600" dirty="0"/>
-              <a:t> model </a:t>
-            </a:r>
-            <a:r>
-              <a:rPr lang="nl-BE" sz="3600" dirty="0" err="1"/>
-              <a:t>with</a:t>
-            </a:r>
-            <a:r>
-              <a:rPr lang="nl-BE" sz="3600" dirty="0"/>
-              <a:t> </a:t>
-            </a:r>
-            <a:r>
-              <a:rPr lang="nl-BE" sz="3600" dirty="0" err="1"/>
-              <a:t>trnsys</a:t>
-            </a:r>
-            <a:r>
-              <a:rPr lang="nl-BE" sz="3600" dirty="0"/>
-              <a:t> Type1 </a:t>
+              <a:t> </a:t>
             </a:r>
             <a:r>
               <a:rPr lang="nl-BE" sz="3600" dirty="0" err="1"/>
@@ -3883,8 +4124,21 @@
             </a:r>
             <a:r>
               <a:rPr lang="nl-BE" sz="3600" dirty="0"/>
-              <a:t> 71</a:t>
-            </a:r>
+              <a:t> </a:t>
+            </a:r>
+            <a:r>
+              <a:rPr lang="nl-BE" sz="3600" dirty="0" err="1"/>
+              <a:t>transversal</a:t>
+            </a:r>
+            <a:r>
+              <a:rPr lang="nl-BE" sz="3600" dirty="0"/>
+              <a:t> </a:t>
+            </a:r>
+            <a:r>
+              <a:rPr lang="nl-BE" sz="3600" dirty="0" err="1"/>
+              <a:t>direction</a:t>
+            </a:r>
+            <a:endParaRPr lang="nl-BE" sz="3600" dirty="0"/>
           </a:p>
         </p:txBody>
       </p:sp>
@@ -3921,79 +4175,47 @@
             </a:pPr>
             <a:r>
               <a:rPr lang="nl-BE" sz="2000" dirty="0"/>
-              <a:t>!!! </a:t>
-            </a:r>
-            <a:r>
-              <a:rPr lang="nl-BE" sz="2000" dirty="0" err="1"/>
-              <a:t>Coefficients</a:t>
-            </a:r>
-            <a:r>
-              <a:rPr lang="nl-BE" sz="2000" dirty="0"/>
-              <a:t> a1,a2 in </a:t>
-            </a:r>
-            <a:r>
-              <a:rPr lang="nl-BE" sz="2000" dirty="0" err="1"/>
-              <a:t>eff</a:t>
-            </a:r>
-            <a:r>
-              <a:rPr lang="nl-BE" sz="2000" dirty="0"/>
-              <a:t>=a0-a1*</a:t>
-            </a:r>
-            <a:r>
-              <a:rPr lang="nl-BE" sz="2000" dirty="0" err="1"/>
-              <a:t>deltaT</a:t>
-            </a:r>
-            <a:r>
-              <a:rPr lang="nl-BE" sz="2000" dirty="0"/>
-              <a:t>/It – a2*deltaT²/It are </a:t>
-            </a:r>
-            <a:r>
-              <a:rPr lang="nl-BE" sz="2000" dirty="0" err="1"/>
-              <a:t>given</a:t>
-            </a:r>
-            <a:r>
-              <a:rPr lang="nl-BE" sz="2000" dirty="0"/>
-              <a:t> in W/m²K or W/m²K² !! (</a:t>
-            </a:r>
-            <a:r>
-              <a:rPr lang="nl-BE" sz="2000" dirty="0" err="1"/>
-              <a:t>so</a:t>
-            </a:r>
-            <a:r>
-              <a:rPr lang="nl-BE" sz="2000" dirty="0"/>
-              <a:t> </a:t>
-            </a:r>
-            <a:r>
-              <a:rPr lang="nl-BE" sz="2000" dirty="0" err="1"/>
-              <a:t>correction</a:t>
-            </a:r>
-            <a:r>
-              <a:rPr lang="nl-BE" sz="2000" dirty="0"/>
-              <a:t> </a:t>
-            </a:r>
-            <a:r>
-              <a:rPr lang="nl-BE" sz="2000" dirty="0" err="1"/>
-              <a:t>needed</a:t>
-            </a:r>
-            <a:r>
-              <a:rPr lang="nl-BE" sz="2000" dirty="0"/>
-              <a:t> </a:t>
-            </a:r>
-            <a:r>
-              <a:rPr lang="nl-BE" sz="2000" dirty="0" err="1"/>
-              <a:t>for</a:t>
-            </a:r>
-            <a:r>
-              <a:rPr lang="nl-BE" sz="2000" dirty="0"/>
-              <a:t> </a:t>
-            </a:r>
-            <a:r>
-              <a:rPr lang="nl-BE" sz="2000" dirty="0" err="1"/>
-              <a:t>trnsys</a:t>
-            </a:r>
-            <a:r>
-              <a:rPr lang="nl-BE" sz="2000" dirty="0"/>
-              <a:t> kJ/h)</a:t>
+              <a:t>Cf Solar </a:t>
+            </a:r>
+            <a:r>
+              <a:rPr lang="nl-BE" sz="2000" dirty="0" err="1"/>
+              <a:t>transmittance</a:t>
+            </a:r>
+            <a:r>
+              <a:rPr lang="nl-BE" sz="2000" dirty="0"/>
+              <a:t> </a:t>
+            </a:r>
+            <a:r>
+              <a:rPr lang="nl-BE" sz="2000" dirty="0" err="1"/>
+              <a:t>characteristics</a:t>
+            </a:r>
+            <a:r>
+              <a:rPr lang="nl-BE" sz="2000" dirty="0"/>
+              <a:t> of </a:t>
+            </a:r>
+            <a:r>
+              <a:rPr lang="nl-BE" sz="2000" dirty="0" err="1"/>
+              <a:t>evacuated</a:t>
+            </a:r>
+            <a:r>
+              <a:rPr lang="nl-BE" sz="2000" dirty="0"/>
+              <a:t> </a:t>
+            </a:r>
+            <a:r>
+              <a:rPr lang="nl-BE" sz="2000" dirty="0" err="1"/>
+              <a:t>tubular</a:t>
+            </a:r>
+            <a:r>
+              <a:rPr lang="nl-BE" sz="2000" dirty="0"/>
+              <a:t> collectors </a:t>
+            </a:r>
+            <a:r>
+              <a:rPr lang="nl-BE" sz="2000" dirty="0" err="1"/>
+              <a:t>with</a:t>
+            </a:r>
+            <a:r>
+              <a:rPr lang="nl-BE" sz="2000" dirty="0"/>
+              <a:t> diffuse black collectors. P.-H. Theunissen, W.A. Beckman</a:t>
             </a:r>
           </a:p>
           <a:p>
@@ -4008,63 +4230,99 @@
             </a:pPr>
             <a:r>
               <a:rPr lang="nl-BE" sz="2000" dirty="0"/>
-              <a:t>!! </a:t>
-            </a:r>
-            <a:r>
-              <a:rPr lang="nl-BE" sz="2000" dirty="0" err="1"/>
-              <a:t>This</a:t>
-            </a:r>
-            <a:r>
-              <a:rPr lang="nl-BE" sz="2000" dirty="0"/>
-              <a:t> </a:t>
-            </a:r>
-            <a:r>
-              <a:rPr lang="nl-BE" sz="2000" dirty="0" err="1"/>
-              <a:t>simplified</a:t>
-            </a:r>
-            <a:r>
-              <a:rPr lang="nl-BE" sz="2000" dirty="0"/>
-              <a:t> model </a:t>
-            </a:r>
-            <a:r>
-              <a:rPr lang="nl-BE" sz="2000" dirty="0" err="1"/>
-              <a:t>doesn’t</a:t>
-            </a:r>
-            <a:r>
-              <a:rPr lang="nl-BE" sz="2000" dirty="0"/>
-              <a:t> </a:t>
-            </a:r>
-            <a:r>
-              <a:rPr lang="nl-BE" sz="2000" dirty="0" err="1"/>
-              <a:t>consider</a:t>
-            </a:r>
-            <a:r>
-              <a:rPr lang="nl-BE" sz="2000" dirty="0"/>
-              <a:t> </a:t>
-            </a:r>
-            <a:r>
-              <a:rPr lang="nl-BE" sz="2000" dirty="0" err="1"/>
-              <a:t>cooling</a:t>
-            </a:r>
-            <a:r>
-              <a:rPr lang="nl-BE" sz="2000" dirty="0"/>
-              <a:t>/</a:t>
-            </a:r>
-            <a:r>
-              <a:rPr lang="nl-BE" sz="2000" dirty="0" err="1"/>
-              <a:t>heating</a:t>
-            </a:r>
-            <a:r>
-              <a:rPr lang="nl-BE" sz="2000" dirty="0"/>
-              <a:t> of collector </a:t>
-            </a:r>
-            <a:r>
-              <a:rPr lang="nl-BE" sz="2000" dirty="0" err="1"/>
-              <a:t>itself</a:t>
-            </a:r>
-            <a:r>
-              <a:rPr lang="nl-BE" sz="2000" dirty="0"/>
-              <a:t> (</a:t>
+              <a:t>But, in (15) </a:t>
+            </a:r>
+            <a:r>
+              <a:rPr lang="nl-BE" sz="2000" dirty="0" err="1"/>
+              <a:t>and</a:t>
+            </a:r>
+            <a:r>
+              <a:rPr lang="nl-BE" sz="2000" dirty="0"/>
+              <a:t> (16) </a:t>
+            </a:r>
+            <a:r>
+              <a:rPr lang="el-GR" sz="2000" dirty="0"/>
+              <a:t>Ψ</a:t>
+            </a:r>
+            <a:r>
+              <a:rPr lang="nl-BE" sz="2000" dirty="0"/>
+              <a:t> is </a:t>
+            </a:r>
+            <a:r>
+              <a:rPr lang="nl-BE" sz="2000" dirty="0" err="1"/>
+              <a:t>the</a:t>
+            </a:r>
+            <a:r>
+              <a:rPr lang="nl-BE" sz="2000" dirty="0"/>
+              <a:t> </a:t>
+            </a:r>
+            <a:r>
+              <a:rPr lang="nl-BE" sz="2000" dirty="0" err="1"/>
+              <a:t>angle</a:t>
+            </a:r>
+            <a:r>
+              <a:rPr lang="nl-BE" sz="2000" dirty="0"/>
+              <a:t> </a:t>
+            </a:r>
+            <a:r>
+              <a:rPr lang="nl-BE" sz="2000" dirty="0" err="1"/>
+              <a:t>between</a:t>
+            </a:r>
+            <a:r>
+              <a:rPr lang="nl-BE" sz="2000" dirty="0"/>
+              <a:t> collector </a:t>
+            </a:r>
+            <a:r>
+              <a:rPr lang="nl-BE" sz="2000" dirty="0" err="1"/>
+              <a:t>and</a:t>
+            </a:r>
+            <a:r>
+              <a:rPr lang="nl-BE" sz="2000" dirty="0"/>
+              <a:t> </a:t>
+            </a:r>
+            <a:r>
+              <a:rPr lang="nl-BE" sz="2000" dirty="0" err="1"/>
+              <a:t>sollar</a:t>
+            </a:r>
+            <a:r>
+              <a:rPr lang="nl-BE" sz="2000" dirty="0"/>
+              <a:t> </a:t>
+            </a:r>
+            <a:r>
+              <a:rPr lang="nl-BE" sz="2000" dirty="0" err="1"/>
+              <a:t>azimuth</a:t>
+            </a:r>
+            <a:r>
+              <a:rPr lang="nl-BE" sz="2000" dirty="0"/>
+              <a:t> </a:t>
+            </a:r>
+            <a:r>
+              <a:rPr lang="nl-BE" sz="2000" u="sng" dirty="0"/>
+              <a:t>in </a:t>
+            </a:r>
+            <a:r>
+              <a:rPr lang="nl-BE" sz="2000" u="sng" dirty="0" err="1"/>
+              <a:t>the</a:t>
+            </a:r>
+            <a:r>
+              <a:rPr lang="nl-BE" sz="2000" u="sng" dirty="0"/>
+              <a:t> collector </a:t>
+            </a:r>
+            <a:r>
+              <a:rPr lang="nl-BE" sz="2000" u="sng" dirty="0" err="1"/>
+              <a:t>plane</a:t>
+            </a:r>
+            <a:r>
+              <a:rPr lang="nl-BE" sz="2000" dirty="0"/>
+              <a:t>, </a:t>
+            </a:r>
+            <a:r>
+              <a:rPr lang="nl-BE" sz="2000" dirty="0" err="1"/>
+              <a:t>so</a:t>
+            </a:r>
+            <a:r>
+              <a:rPr lang="nl-BE" sz="2000" dirty="0"/>
+              <a:t> </a:t>
             </a:r>
             <a:r>
               <a:rPr lang="nl-BE" sz="2000" dirty="0" err="1"/>
@@ -4072,87 +4330,39 @@
             </a:r>
             <a:r>
               <a:rPr lang="nl-BE" sz="2000" dirty="0"/>
-              <a:t> </a:t>
-            </a:r>
-            <a:r>
-              <a:rPr lang="nl-BE" sz="2000" dirty="0" err="1"/>
-              <a:t>instance</a:t>
-            </a:r>
-            <a:r>
-              <a:rPr lang="nl-BE" sz="2000" dirty="0"/>
-              <a:t> </a:t>
-            </a:r>
-            <a:r>
-              <a:rPr lang="nl-BE" sz="2000" dirty="0" err="1"/>
-              <a:t>cooling</a:t>
-            </a:r>
-            <a:r>
-              <a:rPr lang="nl-BE" sz="2000" dirty="0"/>
-              <a:t> </a:t>
-            </a:r>
-            <a:r>
-              <a:rPr lang="nl-BE" sz="2000" dirty="0" err="1"/>
-              <a:t>during</a:t>
-            </a:r>
-            <a:r>
-              <a:rPr lang="nl-BE" sz="2000" dirty="0"/>
-              <a:t> </a:t>
-            </a:r>
-            <a:r>
-              <a:rPr lang="nl-BE" sz="2000" dirty="0" err="1"/>
-              <a:t>night</a:t>
-            </a:r>
-            <a:r>
-              <a:rPr lang="nl-BE" sz="2000" dirty="0"/>
-              <a:t>)/in TRNSYS collector </a:t>
-            </a:r>
-            <a:r>
-              <a:rPr lang="nl-BE" sz="2000" dirty="0" err="1"/>
-              <a:t>fluid</a:t>
-            </a:r>
-            <a:r>
-              <a:rPr lang="nl-BE" sz="2000" dirty="0"/>
-              <a:t> is </a:t>
-            </a:r>
-            <a:r>
-              <a:rPr lang="nl-BE" sz="2000" dirty="0" err="1"/>
-              <a:t>cooling</a:t>
-            </a:r>
-            <a:r>
-              <a:rPr lang="nl-BE" sz="2000" dirty="0"/>
-              <a:t> down </a:t>
-            </a:r>
-            <a:r>
-              <a:rPr lang="nl-BE" sz="2000" dirty="0" err="1"/>
-              <a:t>if</a:t>
-            </a:r>
-            <a:r>
-              <a:rPr lang="nl-BE" sz="2000" dirty="0"/>
-              <a:t> </a:t>
-            </a:r>
-            <a:r>
-              <a:rPr lang="nl-BE" sz="2000" dirty="0" err="1"/>
-              <a:t>there</a:t>
-            </a:r>
-            <a:r>
-              <a:rPr lang="nl-BE" sz="2000" dirty="0"/>
-              <a:t> is no </a:t>
-            </a:r>
-            <a:r>
-              <a:rPr lang="nl-BE" sz="2000" dirty="0" err="1"/>
-              <a:t>solar</a:t>
-            </a:r>
-            <a:r>
-              <a:rPr lang="nl-BE" sz="2000" dirty="0"/>
-              <a:t> </a:t>
-            </a:r>
-            <a:r>
-              <a:rPr lang="nl-BE" sz="2000" dirty="0" err="1"/>
-              <a:t>radiation</a:t>
-            </a:r>
-            <a:r>
-              <a:rPr lang="nl-BE" sz="2000" dirty="0"/>
-              <a:t>…</a:t>
+              <a:t> non-</a:t>
+            </a:r>
+            <a:r>
+              <a:rPr lang="nl-BE" sz="2000" dirty="0" err="1"/>
+              <a:t>horizontal</a:t>
+            </a:r>
+            <a:r>
+              <a:rPr lang="nl-BE" sz="2000" dirty="0"/>
+              <a:t> collector </a:t>
+            </a:r>
+            <a:r>
+              <a:rPr lang="nl-BE" sz="2000" dirty="0" err="1"/>
+              <a:t>with</a:t>
+            </a:r>
+            <a:r>
+              <a:rPr lang="nl-BE" sz="2000" dirty="0"/>
+              <a:t> </a:t>
+            </a:r>
+            <a:r>
+              <a:rPr lang="nl-BE" sz="2000" dirty="0" err="1"/>
+              <a:t>slope</a:t>
+            </a:r>
+            <a:r>
+              <a:rPr lang="nl-BE" sz="2000" dirty="0"/>
+              <a:t> </a:t>
+            </a:r>
+            <a:r>
+              <a:rPr lang="el-GR" sz="2000" dirty="0"/>
+              <a:t>β</a:t>
+            </a:r>
+            <a:r>
+              <a:rPr lang="nl-BE" sz="2000" dirty="0"/>
+              <a:t>:</a:t>
             </a:r>
           </a:p>
           <a:p>
@@ -4161,73 +4371,41 @@
             </a:pPr>
             <a:endParaRPr lang="nl-BE" sz="2000" dirty="0"/>
           </a:p>
-          <a:p>
-            <a:pPr marL="0" indent="0">
-              <a:buNone/>
-            </a:pPr>
-            <a:r>
-              <a:rPr lang="nl-BE" sz="2000" dirty="0" err="1"/>
-              <a:t>Seems</a:t>
-            </a:r>
-            <a:r>
-              <a:rPr lang="nl-BE" sz="2000" dirty="0"/>
-              <a:t> like It is important, </a:t>
-            </a:r>
-            <a:r>
-              <a:rPr lang="nl-BE" sz="2000" dirty="0" err="1"/>
-              <a:t>inc</a:t>
-            </a:r>
-            <a:r>
-              <a:rPr lang="nl-BE" sz="2000" dirty="0"/>
-              <a:t> </a:t>
-            </a:r>
-            <a:r>
-              <a:rPr lang="nl-BE" sz="2000" dirty="0" err="1"/>
-              <a:t>angle</a:t>
-            </a:r>
-            <a:r>
-              <a:rPr lang="nl-BE" sz="2000" dirty="0"/>
-              <a:t> </a:t>
-            </a:r>
-            <a:r>
-              <a:rPr lang="nl-BE" sz="2000" dirty="0" err="1"/>
-              <a:t>and</a:t>
-            </a:r>
-            <a:r>
-              <a:rPr lang="nl-BE" sz="2000" dirty="0"/>
-              <a:t> IAM </a:t>
-            </a:r>
-            <a:r>
-              <a:rPr lang="nl-BE" sz="2000" dirty="0" err="1"/>
-              <a:t>not</a:t>
-            </a:r>
-            <a:r>
-              <a:rPr lang="nl-BE" sz="2000" dirty="0"/>
-              <a:t> </a:t>
-            </a:r>
-            <a:r>
-              <a:rPr lang="nl-BE" sz="2000" dirty="0" err="1"/>
-              <a:t>that</a:t>
-            </a:r>
-            <a:r>
-              <a:rPr lang="nl-BE" sz="2000" dirty="0"/>
-              <a:t> </a:t>
-            </a:r>
-            <a:r>
-              <a:rPr lang="nl-BE" sz="2000" dirty="0" err="1"/>
-              <a:t>much</a:t>
-            </a:r>
-            <a:r>
-              <a:rPr lang="nl-BE" sz="2000" dirty="0"/>
-              <a:t> …</a:t>
-            </a:r>
-          </a:p>
         </p:txBody>
       </p:sp>
+      <p:pic>
+        <p:nvPicPr>
+          <p:cNvPr id="6" name="Afbeelding 5">
+            <a:extLst>
+              <a:ext uri="{FF2B5EF4-FFF2-40B4-BE49-F238E27FC236}">
+                <a16:creationId xmlns:a16="http://schemas.microsoft.com/office/drawing/2014/main" id="{DFA979BD-4E88-4015-A341-3A76DD0036F6}"/>
+              </a:ext>
+            </a:extLst>
+          </p:cNvPr>
+          <p:cNvPicPr>
+            <a:picLocks noChangeAspect="1"/>
+          </p:cNvPicPr>
+          <p:nvPr/>
+        </p:nvPicPr>
+        <p:blipFill rotWithShape="1">
+          <a:blip r:embed="rId2"/>
+          <a:srcRect t="18698"/>
+          <a:stretch/>
+        </p:blipFill>
+        <p:spPr>
+          <a:xfrm>
+            <a:off x="1066856" y="3074809"/>
+            <a:ext cx="4718026" cy="3526016"/>
+          </a:xfrm>
+          <a:prstGeom prst="rect">
+            <a:avLst/>
+          </a:prstGeom>
+        </p:spPr>
+      </p:pic>
     </p:spTree>
     <p:extLst>
       <p:ext uri="{BB962C8B-B14F-4D97-AF65-F5344CB8AC3E}">
-        <p14:creationId xmlns:p14="http://schemas.microsoft.com/office/powerpoint/2010/main" val="226542827"/>
+        <p14:creationId xmlns:p14="http://schemas.microsoft.com/office/powerpoint/2010/main" val="1229892518"/>
       </p:ext>
     </p:extLst>
   </p:cSld>
@@ -4333,6 +4511,451 @@
           </a:p>
         </p:txBody>
       </p:sp>
+      <p:sp>
+        <p:nvSpPr>
+          <p:cNvPr id="3" name="Tijdelijke aanduiding voor inhoud 2">
+            <a:extLst>
+              <a:ext uri="{FF2B5EF4-FFF2-40B4-BE49-F238E27FC236}">
+                <a16:creationId xmlns:a16="http://schemas.microsoft.com/office/drawing/2014/main" id="{FA8BA756-D5E9-4CF7-9422-DE10107CA025}"/>
+              </a:ext>
+            </a:extLst>
+          </p:cNvPr>
+          <p:cNvSpPr>
+            <a:spLocks noGrp="1"/>
+          </p:cNvSpPr>
+          <p:nvPr>
+            <p:ph idx="1"/>
+          </p:nvPr>
+        </p:nvSpPr>
+        <p:spPr>
+          <a:xfrm>
+            <a:off x="838200" y="1291472"/>
+            <a:ext cx="10515600" cy="5309353"/>
+          </a:xfrm>
+        </p:spPr>
+        <p:txBody>
+          <a:bodyPr>
+            <a:normAutofit/>
+          </a:bodyPr>
+          <a:lstStyle/>
+          <a:p>
+            <a:pPr marL="0" indent="0">
+              <a:buNone/>
+            </a:pPr>
+            <a:r>
+              <a:rPr lang="nl-BE" sz="2000" dirty="0"/>
+              <a:t>!!! </a:t>
+            </a:r>
+            <a:r>
+              <a:rPr lang="nl-BE" sz="2000" dirty="0" err="1"/>
+              <a:t>Coefficients</a:t>
+            </a:r>
+            <a:r>
+              <a:rPr lang="nl-BE" sz="2000" dirty="0"/>
+              <a:t> a1,a2 in </a:t>
+            </a:r>
+            <a:r>
+              <a:rPr lang="nl-BE" sz="2000" dirty="0" err="1"/>
+              <a:t>eff</a:t>
+            </a:r>
+            <a:r>
+              <a:rPr lang="nl-BE" sz="2000" dirty="0"/>
+              <a:t>=a0-a1*</a:t>
+            </a:r>
+            <a:r>
+              <a:rPr lang="nl-BE" sz="2000" dirty="0" err="1"/>
+              <a:t>deltaT</a:t>
+            </a:r>
+            <a:r>
+              <a:rPr lang="nl-BE" sz="2000" dirty="0"/>
+              <a:t>/It – a2*deltaT²/It are </a:t>
+            </a:r>
+            <a:r>
+              <a:rPr lang="nl-BE" sz="2000" dirty="0" err="1"/>
+              <a:t>given</a:t>
+            </a:r>
+            <a:r>
+              <a:rPr lang="nl-BE" sz="2000" dirty="0"/>
+              <a:t> in W/m²K or W/m²K² !! (</a:t>
+            </a:r>
+            <a:r>
+              <a:rPr lang="nl-BE" sz="2000" dirty="0" err="1"/>
+              <a:t>so</a:t>
+            </a:r>
+            <a:r>
+              <a:rPr lang="nl-BE" sz="2000" dirty="0"/>
+              <a:t> </a:t>
+            </a:r>
+            <a:r>
+              <a:rPr lang="nl-BE" sz="2000" dirty="0" err="1"/>
+              <a:t>correction</a:t>
+            </a:r>
+            <a:r>
+              <a:rPr lang="nl-BE" sz="2000" dirty="0"/>
+              <a:t> </a:t>
+            </a:r>
+            <a:r>
+              <a:rPr lang="nl-BE" sz="2000" dirty="0" err="1"/>
+              <a:t>needed</a:t>
+            </a:r>
+            <a:r>
+              <a:rPr lang="nl-BE" sz="2000" dirty="0"/>
+              <a:t> </a:t>
+            </a:r>
+            <a:r>
+              <a:rPr lang="nl-BE" sz="2000" dirty="0" err="1"/>
+              <a:t>for</a:t>
+            </a:r>
+            <a:r>
+              <a:rPr lang="nl-BE" sz="2000" dirty="0"/>
+              <a:t> </a:t>
+            </a:r>
+            <a:r>
+              <a:rPr lang="nl-BE" sz="2000" dirty="0" err="1"/>
+              <a:t>trnsys</a:t>
+            </a:r>
+            <a:r>
+              <a:rPr lang="nl-BE" sz="2000" dirty="0"/>
+              <a:t> kJ/h)</a:t>
+            </a:r>
+          </a:p>
+          <a:p>
+            <a:pPr marL="0" indent="0">
+              <a:buNone/>
+            </a:pPr>
+            <a:endParaRPr lang="nl-BE" sz="2000" dirty="0"/>
+          </a:p>
+          <a:p>
+            <a:pPr marL="0" indent="0">
+              <a:buNone/>
+            </a:pPr>
+            <a:r>
+              <a:rPr lang="nl-BE" sz="2000" dirty="0"/>
+              <a:t>!! </a:t>
+            </a:r>
+            <a:r>
+              <a:rPr lang="nl-BE" sz="2000" dirty="0" err="1"/>
+              <a:t>This</a:t>
+            </a:r>
+            <a:r>
+              <a:rPr lang="nl-BE" sz="2000" dirty="0"/>
+              <a:t> </a:t>
+            </a:r>
+            <a:r>
+              <a:rPr lang="nl-BE" sz="2000" dirty="0" err="1"/>
+              <a:t>simplified</a:t>
+            </a:r>
+            <a:r>
+              <a:rPr lang="nl-BE" sz="2000" dirty="0"/>
+              <a:t> model </a:t>
+            </a:r>
+            <a:r>
+              <a:rPr lang="nl-BE" sz="2000" dirty="0" err="1"/>
+              <a:t>doesn’t</a:t>
+            </a:r>
+            <a:r>
+              <a:rPr lang="nl-BE" sz="2000" dirty="0"/>
+              <a:t> </a:t>
+            </a:r>
+            <a:r>
+              <a:rPr lang="nl-BE" sz="2000" dirty="0" err="1"/>
+              <a:t>consider</a:t>
+            </a:r>
+            <a:r>
+              <a:rPr lang="nl-BE" sz="2000" dirty="0"/>
+              <a:t> </a:t>
+            </a:r>
+            <a:r>
+              <a:rPr lang="nl-BE" sz="2000" dirty="0" err="1"/>
+              <a:t>cooling</a:t>
+            </a:r>
+            <a:r>
+              <a:rPr lang="nl-BE" sz="2000" dirty="0"/>
+              <a:t>/</a:t>
+            </a:r>
+            <a:r>
+              <a:rPr lang="nl-BE" sz="2000" dirty="0" err="1"/>
+              <a:t>heating</a:t>
+            </a:r>
+            <a:r>
+              <a:rPr lang="nl-BE" sz="2000" dirty="0"/>
+              <a:t> of collector </a:t>
+            </a:r>
+            <a:r>
+              <a:rPr lang="nl-BE" sz="2000" dirty="0" err="1"/>
+              <a:t>itself</a:t>
+            </a:r>
+            <a:r>
+              <a:rPr lang="nl-BE" sz="2000" dirty="0"/>
+              <a:t> (</a:t>
+            </a:r>
+            <a:r>
+              <a:rPr lang="nl-BE" sz="2000" dirty="0" err="1"/>
+              <a:t>for</a:t>
+            </a:r>
+            <a:r>
+              <a:rPr lang="nl-BE" sz="2000" dirty="0"/>
+              <a:t> </a:t>
+            </a:r>
+            <a:r>
+              <a:rPr lang="nl-BE" sz="2000" dirty="0" err="1"/>
+              <a:t>instance</a:t>
+            </a:r>
+            <a:r>
+              <a:rPr lang="nl-BE" sz="2000" dirty="0"/>
+              <a:t> </a:t>
+            </a:r>
+            <a:r>
+              <a:rPr lang="nl-BE" sz="2000" dirty="0" err="1"/>
+              <a:t>cooling</a:t>
+            </a:r>
+            <a:r>
+              <a:rPr lang="nl-BE" sz="2000" dirty="0"/>
+              <a:t> </a:t>
+            </a:r>
+            <a:r>
+              <a:rPr lang="nl-BE" sz="2000" dirty="0" err="1"/>
+              <a:t>during</a:t>
+            </a:r>
+            <a:r>
+              <a:rPr lang="nl-BE" sz="2000" dirty="0"/>
+              <a:t> </a:t>
+            </a:r>
+            <a:r>
+              <a:rPr lang="nl-BE" sz="2000" dirty="0" err="1"/>
+              <a:t>night</a:t>
+            </a:r>
+            <a:r>
+              <a:rPr lang="nl-BE" sz="2000" dirty="0"/>
+              <a:t>)/in TRNSYS collector </a:t>
+            </a:r>
+            <a:r>
+              <a:rPr lang="nl-BE" sz="2000" dirty="0" err="1"/>
+              <a:t>fluid</a:t>
+            </a:r>
+            <a:r>
+              <a:rPr lang="nl-BE" sz="2000" dirty="0"/>
+              <a:t> is </a:t>
+            </a:r>
+            <a:r>
+              <a:rPr lang="nl-BE" sz="2000" dirty="0" err="1"/>
+              <a:t>cooling</a:t>
+            </a:r>
+            <a:r>
+              <a:rPr lang="nl-BE" sz="2000" dirty="0"/>
+              <a:t> down </a:t>
+            </a:r>
+            <a:r>
+              <a:rPr lang="nl-BE" sz="2000" dirty="0" err="1"/>
+              <a:t>if</a:t>
+            </a:r>
+            <a:r>
+              <a:rPr lang="nl-BE" sz="2000" dirty="0"/>
+              <a:t> </a:t>
+            </a:r>
+            <a:r>
+              <a:rPr lang="nl-BE" sz="2000" dirty="0" err="1"/>
+              <a:t>there</a:t>
+            </a:r>
+            <a:r>
+              <a:rPr lang="nl-BE" sz="2000" dirty="0"/>
+              <a:t> is no </a:t>
+            </a:r>
+            <a:r>
+              <a:rPr lang="nl-BE" sz="2000" dirty="0" err="1"/>
+              <a:t>solar</a:t>
+            </a:r>
+            <a:r>
+              <a:rPr lang="nl-BE" sz="2000" dirty="0"/>
+              <a:t> </a:t>
+            </a:r>
+            <a:r>
+              <a:rPr lang="nl-BE" sz="2000" dirty="0" err="1"/>
+              <a:t>radiation</a:t>
+            </a:r>
+            <a:r>
+              <a:rPr lang="nl-BE" sz="2000" dirty="0"/>
+              <a:t>…</a:t>
+            </a:r>
+          </a:p>
+          <a:p>
+            <a:pPr marL="0" indent="0">
+              <a:buNone/>
+            </a:pPr>
+            <a:endParaRPr lang="nl-BE" sz="2000" dirty="0"/>
+          </a:p>
+          <a:p>
+            <a:pPr marL="0" indent="0">
+              <a:buNone/>
+            </a:pPr>
+            <a:r>
+              <a:rPr lang="nl-BE" sz="2000" dirty="0" err="1"/>
+              <a:t>Seems</a:t>
+            </a:r>
+            <a:r>
+              <a:rPr lang="nl-BE" sz="2000" dirty="0"/>
+              <a:t> like It is important, </a:t>
+            </a:r>
+            <a:r>
+              <a:rPr lang="nl-BE" sz="2000" dirty="0" err="1"/>
+              <a:t>inc</a:t>
+            </a:r>
+            <a:r>
+              <a:rPr lang="nl-BE" sz="2000" dirty="0"/>
+              <a:t> </a:t>
+            </a:r>
+            <a:r>
+              <a:rPr lang="nl-BE" sz="2000" dirty="0" err="1"/>
+              <a:t>angle</a:t>
+            </a:r>
+            <a:r>
+              <a:rPr lang="nl-BE" sz="2000" dirty="0"/>
+              <a:t> </a:t>
+            </a:r>
+            <a:r>
+              <a:rPr lang="nl-BE" sz="2000" dirty="0" err="1"/>
+              <a:t>and</a:t>
+            </a:r>
+            <a:r>
+              <a:rPr lang="nl-BE" sz="2000" dirty="0"/>
+              <a:t> IAM </a:t>
+            </a:r>
+            <a:r>
+              <a:rPr lang="nl-BE" sz="2000" dirty="0" err="1"/>
+              <a:t>not</a:t>
+            </a:r>
+            <a:r>
+              <a:rPr lang="nl-BE" sz="2000" dirty="0"/>
+              <a:t> </a:t>
+            </a:r>
+            <a:r>
+              <a:rPr lang="nl-BE" sz="2000" dirty="0" err="1"/>
+              <a:t>that</a:t>
+            </a:r>
+            <a:r>
+              <a:rPr lang="nl-BE" sz="2000" dirty="0"/>
+              <a:t> </a:t>
+            </a:r>
+            <a:r>
+              <a:rPr lang="nl-BE" sz="2000" dirty="0" err="1"/>
+              <a:t>much</a:t>
+            </a:r>
+            <a:r>
+              <a:rPr lang="nl-BE" sz="2000" dirty="0"/>
+              <a:t> …</a:t>
+            </a:r>
+          </a:p>
+        </p:txBody>
+      </p:sp>
+    </p:spTree>
+    <p:extLst>
+      <p:ext uri="{BB962C8B-B14F-4D97-AF65-F5344CB8AC3E}">
+        <p14:creationId xmlns:p14="http://schemas.microsoft.com/office/powerpoint/2010/main" val="226542827"/>
+      </p:ext>
+    </p:extLst>
+  </p:cSld>
+  <p:clrMapOvr>
+    <a:masterClrMapping/>
+  </p:clrMapOvr>
+</p:sld>
+</file>
+
+<file path=ppt/slides/slide12.xml><?xml version="1.0" encoding="utf-8"?>
+<p:sld xmlns:a="http://schemas.openxmlformats.org/drawingml/2006/main" xmlns:r="http://schemas.openxmlformats.org/officeDocument/2006/relationships" xmlns:p="http://schemas.openxmlformats.org/presentationml/2006/main">
+  <p:cSld>
+    <p:bg>
+      <p:bgPr>
+        <a:solidFill>
+          <a:schemeClr val="bg1"/>
+        </a:solidFill>
+        <a:effectLst/>
+      </p:bgPr>
+    </p:bg>
+    <p:spTree>
+      <p:nvGrpSpPr>
+        <p:cNvPr id="1" name=""/>
+        <p:cNvGrpSpPr/>
+        <p:nvPr/>
+      </p:nvGrpSpPr>
+      <p:grpSpPr>
+        <a:xfrm>
+          <a:off x="0" y="0"/>
+          <a:ext cx="0" cy="0"/>
+          <a:chOff x="0" y="0"/>
+          <a:chExt cx="0" cy="0"/>
+        </a:xfrm>
+      </p:grpSpPr>
+      <p:sp>
+        <p:nvSpPr>
+          <p:cNvPr id="2" name="Titel 1">
+            <a:extLst>
+              <a:ext uri="{FF2B5EF4-FFF2-40B4-BE49-F238E27FC236}">
+                <a16:creationId xmlns:a16="http://schemas.microsoft.com/office/drawing/2014/main" id="{AE2C7563-49CC-4A95-B8A9-1189C1CE6417}"/>
+              </a:ext>
+            </a:extLst>
+          </p:cNvPr>
+          <p:cNvSpPr>
+            <a:spLocks noGrp="1"/>
+          </p:cNvSpPr>
+          <p:nvPr>
+            <p:ph type="title"/>
+          </p:nvPr>
+        </p:nvSpPr>
+        <p:spPr>
+          <a:xfrm>
+            <a:off x="838200" y="365126"/>
+            <a:ext cx="10515600" cy="711200"/>
+          </a:xfrm>
+        </p:spPr>
+        <p:txBody>
+          <a:bodyPr>
+            <a:normAutofit/>
+          </a:bodyPr>
+          <a:lstStyle/>
+          <a:p>
+            <a:r>
+              <a:rPr lang="nl-BE" sz="3600" dirty="0" err="1"/>
+              <a:t>comparison</a:t>
+            </a:r>
+            <a:r>
+              <a:rPr lang="nl-BE" sz="3600" dirty="0"/>
+              <a:t> </a:t>
+            </a:r>
+            <a:r>
+              <a:rPr lang="nl-BE" sz="3600" dirty="0" err="1"/>
+              <a:t>matlab</a:t>
+            </a:r>
+            <a:r>
+              <a:rPr lang="nl-BE" sz="3600" dirty="0"/>
+              <a:t> model </a:t>
+            </a:r>
+            <a:r>
+              <a:rPr lang="nl-BE" sz="3600" dirty="0" err="1"/>
+              <a:t>with</a:t>
+            </a:r>
+            <a:r>
+              <a:rPr lang="nl-BE" sz="3600" dirty="0"/>
+              <a:t> </a:t>
+            </a:r>
+            <a:r>
+              <a:rPr lang="nl-BE" sz="3600" dirty="0" err="1"/>
+              <a:t>trnsys</a:t>
+            </a:r>
+            <a:r>
+              <a:rPr lang="nl-BE" sz="3600" dirty="0"/>
+              <a:t> Type1 </a:t>
+            </a:r>
+            <a:r>
+              <a:rPr lang="nl-BE" sz="3600" dirty="0" err="1"/>
+              <a:t>and</a:t>
+            </a:r>
+            <a:r>
+              <a:rPr lang="nl-BE" sz="3600" dirty="0"/>
+              <a:t> 71</a:t>
+            </a:r>
+          </a:p>
+        </p:txBody>
+      </p:sp>
       <p:pic>
         <p:nvPicPr>
           <p:cNvPr id="4" name="Afbeelding 3">
@@ -4397,6 +5020,1193 @@
     <p:extLst>
       <p:ext uri="{BB962C8B-B14F-4D97-AF65-F5344CB8AC3E}">
         <p14:creationId xmlns:p14="http://schemas.microsoft.com/office/powerpoint/2010/main" val="2945660218"/>
+      </p:ext>
+    </p:extLst>
+  </p:cSld>
+  <p:clrMapOvr>
+    <a:masterClrMapping/>
+  </p:clrMapOvr>
+</p:sld>
+</file>
+
+<file path=ppt/slides/slide13.xml><?xml version="1.0" encoding="utf-8"?>
+<p:sld xmlns:a="http://schemas.openxmlformats.org/drawingml/2006/main" xmlns:r="http://schemas.openxmlformats.org/officeDocument/2006/relationships" xmlns:p="http://schemas.openxmlformats.org/presentationml/2006/main">
+  <p:cSld>
+    <p:bg>
+      <p:bgPr>
+        <a:solidFill>
+          <a:schemeClr val="bg1"/>
+        </a:solidFill>
+        <a:effectLst/>
+      </p:bgPr>
+    </p:bg>
+    <p:spTree>
+      <p:nvGrpSpPr>
+        <p:cNvPr id="1" name=""/>
+        <p:cNvGrpSpPr/>
+        <p:nvPr/>
+      </p:nvGrpSpPr>
+      <p:grpSpPr>
+        <a:xfrm>
+          <a:off x="0" y="0"/>
+          <a:ext cx="0" cy="0"/>
+          <a:chOff x="0" y="0"/>
+          <a:chExt cx="0" cy="0"/>
+        </a:xfrm>
+      </p:grpSpPr>
+      <p:sp>
+        <p:nvSpPr>
+          <p:cNvPr id="2" name="Titel 1">
+            <a:extLst>
+              <a:ext uri="{FF2B5EF4-FFF2-40B4-BE49-F238E27FC236}">
+                <a16:creationId xmlns:a16="http://schemas.microsoft.com/office/drawing/2014/main" id="{AE2C7563-49CC-4A95-B8A9-1189C1CE6417}"/>
+              </a:ext>
+            </a:extLst>
+          </p:cNvPr>
+          <p:cNvSpPr>
+            <a:spLocks noGrp="1"/>
+          </p:cNvSpPr>
+          <p:nvPr>
+            <p:ph type="title"/>
+          </p:nvPr>
+        </p:nvSpPr>
+        <p:spPr/>
+        <p:txBody>
+          <a:bodyPr>
+            <a:normAutofit/>
+          </a:bodyPr>
+          <a:lstStyle/>
+          <a:p>
+            <a:r>
+              <a:rPr lang="nl-BE" sz="3600" dirty="0" err="1"/>
+              <a:t>Consider</a:t>
+            </a:r>
+            <a:r>
+              <a:rPr lang="nl-BE" sz="3600" dirty="0"/>
+              <a:t> </a:t>
+            </a:r>
+            <a:r>
+              <a:rPr lang="nl-BE" sz="3600" dirty="0" err="1"/>
+              <a:t>capacitance</a:t>
+            </a:r>
+            <a:r>
+              <a:rPr lang="nl-BE" sz="3600" dirty="0"/>
+              <a:t> of collector (TRNSYS)?</a:t>
+            </a:r>
+          </a:p>
+        </p:txBody>
+      </p:sp>
+      <p:sp>
+        <p:nvSpPr>
+          <p:cNvPr id="3" name="Tijdelijke aanduiding voor inhoud 2">
+            <a:extLst>
+              <a:ext uri="{FF2B5EF4-FFF2-40B4-BE49-F238E27FC236}">
+                <a16:creationId xmlns:a16="http://schemas.microsoft.com/office/drawing/2014/main" id="{9761466D-D366-4CB1-87BC-78FA90F22707}"/>
+              </a:ext>
+            </a:extLst>
+          </p:cNvPr>
+          <p:cNvSpPr>
+            <a:spLocks noGrp="1"/>
+          </p:cNvSpPr>
+          <p:nvPr>
+            <p:ph idx="1"/>
+          </p:nvPr>
+        </p:nvSpPr>
+        <p:spPr/>
+        <p:txBody>
+          <a:bodyPr>
+            <a:normAutofit/>
+          </a:bodyPr>
+          <a:lstStyle/>
+          <a:p>
+            <a:pPr marL="0" indent="0">
+              <a:buNone/>
+            </a:pPr>
+            <a:r>
+              <a:rPr lang="nl-BE" sz="1800" dirty="0"/>
+              <a:t>TRNSYS model Type71 </a:t>
+            </a:r>
+            <a:r>
+              <a:rPr lang="nl-BE" sz="1800" dirty="0" err="1"/>
+              <a:t>and</a:t>
+            </a:r>
+            <a:r>
+              <a:rPr lang="nl-BE" sz="1800" dirty="0"/>
+              <a:t> 538 are </a:t>
+            </a:r>
+            <a:r>
+              <a:rPr lang="nl-BE" sz="1800" dirty="0" err="1"/>
+              <a:t>similar</a:t>
+            </a:r>
+            <a:r>
+              <a:rPr lang="nl-BE" sz="1800" dirty="0"/>
+              <a:t> </a:t>
+            </a:r>
+            <a:r>
+              <a:rPr lang="nl-BE" sz="1800" dirty="0" err="1"/>
+              <a:t>models</a:t>
+            </a:r>
+            <a:r>
+              <a:rPr lang="nl-BE" sz="1800" dirty="0"/>
+              <a:t> </a:t>
+            </a:r>
+            <a:r>
+              <a:rPr lang="nl-BE" sz="1800" dirty="0" err="1"/>
+              <a:t>for</a:t>
+            </a:r>
+            <a:r>
+              <a:rPr lang="nl-BE" sz="1800" dirty="0"/>
+              <a:t> </a:t>
+            </a:r>
+            <a:r>
+              <a:rPr lang="nl-BE" sz="1800" dirty="0" err="1"/>
+              <a:t>evacuated</a:t>
+            </a:r>
+            <a:r>
+              <a:rPr lang="nl-BE" sz="1800" dirty="0"/>
+              <a:t> tube </a:t>
+            </a:r>
+            <a:r>
+              <a:rPr lang="nl-BE" sz="1800" dirty="0" err="1"/>
+              <a:t>solar</a:t>
+            </a:r>
+            <a:r>
+              <a:rPr lang="nl-BE" sz="1800" dirty="0"/>
+              <a:t> collector, </a:t>
+            </a:r>
+            <a:r>
+              <a:rPr lang="nl-BE" sz="1800" dirty="0" err="1"/>
+              <a:t>both</a:t>
+            </a:r>
+            <a:r>
+              <a:rPr lang="nl-BE" sz="1800" dirty="0"/>
+              <a:t> </a:t>
+            </a:r>
+            <a:r>
+              <a:rPr lang="nl-BE" sz="1800" dirty="0" err="1"/>
+              <a:t>with</a:t>
+            </a:r>
+            <a:r>
+              <a:rPr lang="nl-BE" sz="1800" dirty="0"/>
+              <a:t> </a:t>
+            </a:r>
+            <a:r>
+              <a:rPr lang="nl-BE" sz="1800" dirty="0" err="1"/>
+              <a:t>quadratic</a:t>
+            </a:r>
+            <a:r>
+              <a:rPr lang="nl-BE" sz="1800" dirty="0"/>
+              <a:t> efficiency curve </a:t>
+            </a:r>
+            <a:r>
+              <a:rPr lang="nl-BE" sz="1800" dirty="0" err="1"/>
+              <a:t>and</a:t>
+            </a:r>
+            <a:r>
+              <a:rPr lang="nl-BE" sz="1800" dirty="0"/>
+              <a:t> bi-</a:t>
+            </a:r>
+            <a:r>
+              <a:rPr lang="nl-BE" sz="1800" dirty="0" err="1"/>
+              <a:t>axial</a:t>
+            </a:r>
+            <a:r>
+              <a:rPr lang="nl-BE" sz="1800" dirty="0"/>
+              <a:t> </a:t>
+            </a:r>
+            <a:r>
+              <a:rPr lang="nl-BE" sz="1800" dirty="0" err="1"/>
+              <a:t>incidence</a:t>
+            </a:r>
+            <a:r>
+              <a:rPr lang="nl-BE" sz="1800" dirty="0"/>
+              <a:t> </a:t>
+            </a:r>
+            <a:r>
+              <a:rPr lang="nl-BE" sz="1800" dirty="0" err="1"/>
+              <a:t>angle</a:t>
+            </a:r>
+            <a:r>
+              <a:rPr lang="nl-BE" sz="1800" dirty="0"/>
+              <a:t> </a:t>
+            </a:r>
+            <a:r>
+              <a:rPr lang="nl-BE" sz="1800" dirty="0" err="1"/>
+              <a:t>modifiers</a:t>
+            </a:r>
+            <a:r>
+              <a:rPr lang="nl-BE" sz="1800" dirty="0"/>
+              <a:t>, but </a:t>
+            </a:r>
+            <a:r>
+              <a:rPr lang="nl-BE" sz="1800" dirty="0" err="1"/>
+              <a:t>only</a:t>
+            </a:r>
+            <a:r>
+              <a:rPr lang="nl-BE" sz="1800" dirty="0"/>
+              <a:t> in Type538 </a:t>
+            </a:r>
+            <a:r>
+              <a:rPr lang="nl-BE" sz="1800" dirty="0" err="1"/>
+              <a:t>the</a:t>
+            </a:r>
+            <a:r>
+              <a:rPr lang="nl-BE" sz="1800" dirty="0"/>
+              <a:t> </a:t>
+            </a:r>
+            <a:r>
+              <a:rPr lang="nl-BE" sz="1800" dirty="0" err="1"/>
+              <a:t>capacitance</a:t>
+            </a:r>
+            <a:r>
+              <a:rPr lang="nl-BE" sz="1800" dirty="0"/>
+              <a:t> of </a:t>
+            </a:r>
+            <a:r>
+              <a:rPr lang="nl-BE" sz="1800" dirty="0" err="1"/>
+              <a:t>the</a:t>
+            </a:r>
+            <a:r>
+              <a:rPr lang="nl-BE" sz="1800" dirty="0"/>
+              <a:t> collector </a:t>
+            </a:r>
+            <a:r>
+              <a:rPr lang="nl-BE" sz="1800" dirty="0" err="1"/>
+              <a:t>may</a:t>
+            </a:r>
+            <a:r>
+              <a:rPr lang="nl-BE" sz="1800" dirty="0"/>
+              <a:t> </a:t>
+            </a:r>
+            <a:r>
+              <a:rPr lang="nl-BE" sz="1800" dirty="0" err="1"/>
+              <a:t>be</a:t>
+            </a:r>
+            <a:r>
+              <a:rPr lang="nl-BE" sz="1800" dirty="0"/>
+              <a:t> </a:t>
+            </a:r>
+            <a:r>
+              <a:rPr lang="nl-BE" sz="1800" dirty="0" err="1"/>
+              <a:t>accounted</a:t>
+            </a:r>
+            <a:r>
+              <a:rPr lang="nl-BE" sz="1800" dirty="0"/>
+              <a:t> </a:t>
+            </a:r>
+            <a:r>
+              <a:rPr lang="nl-BE" sz="1800" dirty="0" err="1"/>
+              <a:t>for</a:t>
+            </a:r>
+            <a:r>
+              <a:rPr lang="nl-BE" sz="1800" dirty="0"/>
+              <a:t>.</a:t>
+            </a:r>
+          </a:p>
+          <a:p>
+            <a:pPr marL="0" indent="0">
+              <a:buNone/>
+            </a:pPr>
+            <a:r>
+              <a:rPr lang="nl-BE" sz="1800" dirty="0" err="1"/>
+              <a:t>Results</a:t>
+            </a:r>
+            <a:r>
+              <a:rPr lang="nl-BE" sz="1800" dirty="0"/>
+              <a:t> </a:t>
+            </a:r>
+            <a:r>
+              <a:rPr lang="nl-BE" sz="1800" dirty="0" err="1"/>
+              <a:t>for</a:t>
+            </a:r>
+            <a:r>
+              <a:rPr lang="nl-BE" sz="1800" dirty="0"/>
+              <a:t> </a:t>
+            </a:r>
+            <a:r>
+              <a:rPr lang="nl-BE" sz="1800" dirty="0" err="1"/>
+              <a:t>the</a:t>
+            </a:r>
+            <a:r>
+              <a:rPr lang="nl-BE" sz="1800" dirty="0"/>
+              <a:t> </a:t>
+            </a:r>
+            <a:r>
+              <a:rPr lang="nl-BE" sz="1800" dirty="0" err="1"/>
+              <a:t>same</a:t>
+            </a:r>
+            <a:r>
+              <a:rPr lang="nl-BE" sz="1800" dirty="0"/>
+              <a:t> (single) collector:</a:t>
+            </a:r>
+          </a:p>
+        </p:txBody>
+      </p:sp>
+      <p:pic>
+        <p:nvPicPr>
+          <p:cNvPr id="6" name="Afbeelding 5">
+            <a:extLst>
+              <a:ext uri="{FF2B5EF4-FFF2-40B4-BE49-F238E27FC236}">
+                <a16:creationId xmlns:a16="http://schemas.microsoft.com/office/drawing/2014/main" id="{2338BBB0-F0B2-4467-B802-3B6676A110FD}"/>
+              </a:ext>
+            </a:extLst>
+          </p:cNvPr>
+          <p:cNvPicPr>
+            <a:picLocks noChangeAspect="1"/>
+          </p:cNvPicPr>
+          <p:nvPr/>
+        </p:nvPicPr>
+        <p:blipFill>
+          <a:blip r:embed="rId2"/>
+          <a:stretch>
+            <a:fillRect/>
+          </a:stretch>
+        </p:blipFill>
+        <p:spPr>
+          <a:xfrm>
+            <a:off x="564789" y="3298093"/>
+            <a:ext cx="4578493" cy="2755631"/>
+          </a:xfrm>
+          <a:prstGeom prst="rect">
+            <a:avLst/>
+          </a:prstGeom>
+        </p:spPr>
+      </p:pic>
+      <p:pic>
+        <p:nvPicPr>
+          <p:cNvPr id="7" name="Afbeelding 6">
+            <a:extLst>
+              <a:ext uri="{FF2B5EF4-FFF2-40B4-BE49-F238E27FC236}">
+                <a16:creationId xmlns:a16="http://schemas.microsoft.com/office/drawing/2014/main" id="{80568791-AABE-4C87-B823-BA2E0A189798}"/>
+              </a:ext>
+            </a:extLst>
+          </p:cNvPr>
+          <p:cNvPicPr>
+            <a:picLocks noChangeAspect="1"/>
+          </p:cNvPicPr>
+          <p:nvPr/>
+        </p:nvPicPr>
+        <p:blipFill>
+          <a:blip r:embed="rId3"/>
+          <a:stretch>
+            <a:fillRect/>
+          </a:stretch>
+        </p:blipFill>
+        <p:spPr>
+          <a:xfrm>
+            <a:off x="5758675" y="3227251"/>
+            <a:ext cx="4572396" cy="2749534"/>
+          </a:xfrm>
+          <a:prstGeom prst="rect">
+            <a:avLst/>
+          </a:prstGeom>
+        </p:spPr>
+      </p:pic>
+    </p:spTree>
+    <p:extLst>
+      <p:ext uri="{BB962C8B-B14F-4D97-AF65-F5344CB8AC3E}">
+        <p14:creationId xmlns:p14="http://schemas.microsoft.com/office/powerpoint/2010/main" val="2388487876"/>
+      </p:ext>
+    </p:extLst>
+  </p:cSld>
+  <p:clrMapOvr>
+    <a:masterClrMapping/>
+  </p:clrMapOvr>
+</p:sld>
+</file>
+
+<file path=ppt/slides/slide14.xml><?xml version="1.0" encoding="utf-8"?>
+<p:sld xmlns:a="http://schemas.openxmlformats.org/drawingml/2006/main" xmlns:r="http://schemas.openxmlformats.org/officeDocument/2006/relationships" xmlns:p="http://schemas.openxmlformats.org/presentationml/2006/main">
+  <p:cSld>
+    <p:bg>
+      <p:bgPr>
+        <a:solidFill>
+          <a:schemeClr val="bg1"/>
+        </a:solidFill>
+        <a:effectLst/>
+      </p:bgPr>
+    </p:bg>
+    <p:spTree>
+      <p:nvGrpSpPr>
+        <p:cNvPr id="1" name=""/>
+        <p:cNvGrpSpPr/>
+        <p:nvPr/>
+      </p:nvGrpSpPr>
+      <p:grpSpPr>
+        <a:xfrm>
+          <a:off x="0" y="0"/>
+          <a:ext cx="0" cy="0"/>
+          <a:chOff x="0" y="0"/>
+          <a:chExt cx="0" cy="0"/>
+        </a:xfrm>
+      </p:grpSpPr>
+      <p:sp>
+        <p:nvSpPr>
+          <p:cNvPr id="2" name="Titel 1">
+            <a:extLst>
+              <a:ext uri="{FF2B5EF4-FFF2-40B4-BE49-F238E27FC236}">
+                <a16:creationId xmlns:a16="http://schemas.microsoft.com/office/drawing/2014/main" id="{AE2C7563-49CC-4A95-B8A9-1189C1CE6417}"/>
+              </a:ext>
+            </a:extLst>
+          </p:cNvPr>
+          <p:cNvSpPr>
+            <a:spLocks noGrp="1"/>
+          </p:cNvSpPr>
+          <p:nvPr>
+            <p:ph type="title"/>
+          </p:nvPr>
+        </p:nvSpPr>
+        <p:spPr/>
+        <p:txBody>
+          <a:bodyPr>
+            <a:normAutofit/>
+          </a:bodyPr>
+          <a:lstStyle/>
+          <a:p>
+            <a:r>
+              <a:rPr lang="nl-BE" sz="3600" dirty="0" err="1"/>
+              <a:t>capacitance</a:t>
+            </a:r>
+            <a:r>
+              <a:rPr lang="nl-BE" sz="3600" dirty="0"/>
+              <a:t> of collector (</a:t>
+            </a:r>
+            <a:r>
+              <a:rPr lang="nl-BE" sz="3600" dirty="0" err="1"/>
+              <a:t>Matlab</a:t>
+            </a:r>
+            <a:r>
+              <a:rPr lang="nl-BE" sz="3600" dirty="0"/>
+              <a:t>)?</a:t>
+            </a:r>
+          </a:p>
+        </p:txBody>
+      </p:sp>
+      <p:sp>
+        <p:nvSpPr>
+          <p:cNvPr id="3" name="Tijdelijke aanduiding voor inhoud 2">
+            <a:extLst>
+              <a:ext uri="{FF2B5EF4-FFF2-40B4-BE49-F238E27FC236}">
+                <a16:creationId xmlns:a16="http://schemas.microsoft.com/office/drawing/2014/main" id="{9761466D-D366-4CB1-87BC-78FA90F22707}"/>
+              </a:ext>
+            </a:extLst>
+          </p:cNvPr>
+          <p:cNvSpPr>
+            <a:spLocks noGrp="1"/>
+          </p:cNvSpPr>
+          <p:nvPr>
+            <p:ph idx="1"/>
+          </p:nvPr>
+        </p:nvSpPr>
+        <p:spPr/>
+        <p:txBody>
+          <a:bodyPr>
+            <a:normAutofit/>
+          </a:bodyPr>
+          <a:lstStyle/>
+          <a:p>
+            <a:pPr marL="0" indent="0">
+              <a:buNone/>
+            </a:pPr>
+            <a:r>
+              <a:rPr lang="nl-BE" sz="1800" dirty="0" err="1"/>
+              <a:t>Results</a:t>
+            </a:r>
+            <a:r>
+              <a:rPr lang="nl-BE" sz="1800" dirty="0"/>
+              <a:t> </a:t>
+            </a:r>
+            <a:r>
+              <a:rPr lang="nl-BE" sz="1800" dirty="0" err="1"/>
+              <a:t>for</a:t>
+            </a:r>
+            <a:r>
+              <a:rPr lang="nl-BE" sz="1800" dirty="0"/>
+              <a:t> </a:t>
+            </a:r>
+            <a:r>
+              <a:rPr lang="nl-BE" sz="1800" dirty="0" err="1"/>
+              <a:t>the</a:t>
+            </a:r>
+            <a:r>
+              <a:rPr lang="nl-BE" sz="1800" dirty="0"/>
+              <a:t> </a:t>
+            </a:r>
+            <a:r>
+              <a:rPr lang="nl-BE" sz="1800" dirty="0" err="1"/>
+              <a:t>same</a:t>
+            </a:r>
+            <a:r>
+              <a:rPr lang="nl-BE" sz="1800" dirty="0"/>
+              <a:t> (single) collector, flow=testflow:	collector </a:t>
+            </a:r>
+            <a:r>
+              <a:rPr lang="nl-BE" sz="1800" dirty="0" err="1"/>
+              <a:t>capacitance</a:t>
+            </a:r>
+            <a:r>
+              <a:rPr lang="nl-BE" sz="1800" dirty="0"/>
+              <a:t> *10, flow=testflow:</a:t>
+            </a:r>
+          </a:p>
+        </p:txBody>
+      </p:sp>
+      <p:pic>
+        <p:nvPicPr>
+          <p:cNvPr id="4" name="Afbeelding 3">
+            <a:extLst>
+              <a:ext uri="{FF2B5EF4-FFF2-40B4-BE49-F238E27FC236}">
+                <a16:creationId xmlns:a16="http://schemas.microsoft.com/office/drawing/2014/main" id="{9A7027E2-28A5-43F0-BC84-C5EE7887BFEF}"/>
+              </a:ext>
+            </a:extLst>
+          </p:cNvPr>
+          <p:cNvPicPr>
+            <a:picLocks noChangeAspect="1"/>
+          </p:cNvPicPr>
+          <p:nvPr/>
+        </p:nvPicPr>
+        <p:blipFill>
+          <a:blip r:embed="rId2"/>
+          <a:stretch>
+            <a:fillRect/>
+          </a:stretch>
+        </p:blipFill>
+        <p:spPr>
+          <a:xfrm>
+            <a:off x="661077" y="2328275"/>
+            <a:ext cx="5591941" cy="1970037"/>
+          </a:xfrm>
+          <a:prstGeom prst="rect">
+            <a:avLst/>
+          </a:prstGeom>
+        </p:spPr>
+      </p:pic>
+      <p:pic>
+        <p:nvPicPr>
+          <p:cNvPr id="5" name="Afbeelding 4">
+            <a:extLst>
+              <a:ext uri="{FF2B5EF4-FFF2-40B4-BE49-F238E27FC236}">
+                <a16:creationId xmlns:a16="http://schemas.microsoft.com/office/drawing/2014/main" id="{1F402326-7EA2-46E8-BF13-84CE9B982FB2}"/>
+              </a:ext>
+            </a:extLst>
+          </p:cNvPr>
+          <p:cNvPicPr>
+            <a:picLocks noChangeAspect="1"/>
+          </p:cNvPicPr>
+          <p:nvPr/>
+        </p:nvPicPr>
+        <p:blipFill>
+          <a:blip r:embed="rId3"/>
+          <a:stretch>
+            <a:fillRect/>
+          </a:stretch>
+        </p:blipFill>
+        <p:spPr>
+          <a:xfrm>
+            <a:off x="661077" y="4378525"/>
+            <a:ext cx="5591942" cy="1970037"/>
+          </a:xfrm>
+          <a:prstGeom prst="rect">
+            <a:avLst/>
+          </a:prstGeom>
+        </p:spPr>
+      </p:pic>
+      <p:pic>
+        <p:nvPicPr>
+          <p:cNvPr id="8" name="Afbeelding 7">
+            <a:extLst>
+              <a:ext uri="{FF2B5EF4-FFF2-40B4-BE49-F238E27FC236}">
+                <a16:creationId xmlns:a16="http://schemas.microsoft.com/office/drawing/2014/main" id="{CF6D3D79-02DF-4253-B8DA-AD03FE81FE09}"/>
+              </a:ext>
+            </a:extLst>
+          </p:cNvPr>
+          <p:cNvPicPr>
+            <a:picLocks noChangeAspect="1"/>
+          </p:cNvPicPr>
+          <p:nvPr/>
+        </p:nvPicPr>
+        <p:blipFill>
+          <a:blip r:embed="rId4"/>
+          <a:stretch>
+            <a:fillRect/>
+          </a:stretch>
+        </p:blipFill>
+        <p:spPr>
+          <a:xfrm>
+            <a:off x="6500096" y="2364068"/>
+            <a:ext cx="5388741" cy="1898450"/>
+          </a:xfrm>
+          <a:prstGeom prst="rect">
+            <a:avLst/>
+          </a:prstGeom>
+        </p:spPr>
+      </p:pic>
+      <p:pic>
+        <p:nvPicPr>
+          <p:cNvPr id="9" name="Afbeelding 8">
+            <a:extLst>
+              <a:ext uri="{FF2B5EF4-FFF2-40B4-BE49-F238E27FC236}">
+                <a16:creationId xmlns:a16="http://schemas.microsoft.com/office/drawing/2014/main" id="{C87B48D7-F765-4099-BD31-9D413F77E886}"/>
+              </a:ext>
+            </a:extLst>
+          </p:cNvPr>
+          <p:cNvPicPr>
+            <a:picLocks noChangeAspect="1"/>
+          </p:cNvPicPr>
+          <p:nvPr/>
+        </p:nvPicPr>
+        <p:blipFill>
+          <a:blip r:embed="rId5"/>
+          <a:stretch>
+            <a:fillRect/>
+          </a:stretch>
+        </p:blipFill>
+        <p:spPr>
+          <a:xfrm>
+            <a:off x="6570325" y="4323623"/>
+            <a:ext cx="5318512" cy="1873708"/>
+          </a:xfrm>
+          <a:prstGeom prst="rect">
+            <a:avLst/>
+          </a:prstGeom>
+        </p:spPr>
+      </p:pic>
+    </p:spTree>
+    <p:extLst>
+      <p:ext uri="{BB962C8B-B14F-4D97-AF65-F5344CB8AC3E}">
+        <p14:creationId xmlns:p14="http://schemas.microsoft.com/office/powerpoint/2010/main" val="1429751300"/>
+      </p:ext>
+    </p:extLst>
+  </p:cSld>
+  <p:clrMapOvr>
+    <a:masterClrMapping/>
+  </p:clrMapOvr>
+</p:sld>
+</file>
+
+<file path=ppt/slides/slide15.xml><?xml version="1.0" encoding="utf-8"?>
+<p:sld xmlns:a="http://schemas.openxmlformats.org/drawingml/2006/main" xmlns:r="http://schemas.openxmlformats.org/officeDocument/2006/relationships" xmlns:p="http://schemas.openxmlformats.org/presentationml/2006/main">
+  <p:cSld>
+    <p:bg>
+      <p:bgPr>
+        <a:solidFill>
+          <a:schemeClr val="bg1"/>
+        </a:solidFill>
+        <a:effectLst/>
+      </p:bgPr>
+    </p:bg>
+    <p:spTree>
+      <p:nvGrpSpPr>
+        <p:cNvPr id="1" name=""/>
+        <p:cNvGrpSpPr/>
+        <p:nvPr/>
+      </p:nvGrpSpPr>
+      <p:grpSpPr>
+        <a:xfrm>
+          <a:off x="0" y="0"/>
+          <a:ext cx="0" cy="0"/>
+          <a:chOff x="0" y="0"/>
+          <a:chExt cx="0" cy="0"/>
+        </a:xfrm>
+      </p:grpSpPr>
+      <p:sp>
+        <p:nvSpPr>
+          <p:cNvPr id="2" name="Titel 1">
+            <a:extLst>
+              <a:ext uri="{FF2B5EF4-FFF2-40B4-BE49-F238E27FC236}">
+                <a16:creationId xmlns:a16="http://schemas.microsoft.com/office/drawing/2014/main" id="{AE2C7563-49CC-4A95-B8A9-1189C1CE6417}"/>
+              </a:ext>
+            </a:extLst>
+          </p:cNvPr>
+          <p:cNvSpPr>
+            <a:spLocks noGrp="1"/>
+          </p:cNvSpPr>
+          <p:nvPr>
+            <p:ph type="title"/>
+          </p:nvPr>
+        </p:nvSpPr>
+        <p:spPr/>
+        <p:txBody>
+          <a:bodyPr>
+            <a:normAutofit fontScale="90000"/>
+          </a:bodyPr>
+          <a:lstStyle/>
+          <a:p>
+            <a:r>
+              <a:rPr lang="nl-BE" sz="3600" dirty="0" err="1"/>
+              <a:t>capacitance</a:t>
+            </a:r>
+            <a:r>
+              <a:rPr lang="nl-BE" sz="3600" dirty="0"/>
+              <a:t> of collector (</a:t>
+            </a:r>
+            <a:r>
+              <a:rPr lang="nl-BE" sz="3600" dirty="0" err="1"/>
+              <a:t>Matlab</a:t>
+            </a:r>
+            <a:r>
+              <a:rPr lang="nl-BE" sz="3600" dirty="0"/>
+              <a:t>)? Is </a:t>
+            </a:r>
+            <a:r>
+              <a:rPr lang="nl-BE" sz="3600" dirty="0" err="1"/>
+              <a:t>it</a:t>
+            </a:r>
+            <a:r>
+              <a:rPr lang="nl-BE" sz="3600" dirty="0"/>
+              <a:t> </a:t>
+            </a:r>
+            <a:r>
+              <a:rPr lang="nl-BE" sz="3600" dirty="0" err="1"/>
+              <a:t>problem</a:t>
+            </a:r>
+            <a:r>
+              <a:rPr lang="nl-BE" sz="3600" dirty="0"/>
+              <a:t> </a:t>
+            </a:r>
+            <a:r>
+              <a:rPr lang="nl-BE" sz="3600" dirty="0" err="1"/>
+              <a:t>to</a:t>
+            </a:r>
+            <a:r>
+              <a:rPr lang="nl-BE" sz="3600" dirty="0"/>
+              <a:t> </a:t>
+            </a:r>
+            <a:r>
+              <a:rPr lang="nl-BE" sz="3600" dirty="0" err="1"/>
+              <a:t>work</a:t>
+            </a:r>
+            <a:r>
+              <a:rPr lang="nl-BE" sz="3600" dirty="0"/>
+              <a:t> </a:t>
+            </a:r>
+            <a:r>
+              <a:rPr lang="nl-BE" sz="3600" dirty="0" err="1"/>
+              <a:t>with</a:t>
+            </a:r>
+            <a:r>
+              <a:rPr lang="nl-BE" sz="3600" dirty="0"/>
+              <a:t> FR </a:t>
+            </a:r>
+            <a:r>
+              <a:rPr lang="nl-BE" sz="3600" dirty="0" err="1"/>
+              <a:t>instead</a:t>
+            </a:r>
+            <a:r>
+              <a:rPr lang="nl-BE" sz="3600" dirty="0"/>
+              <a:t> of F’ -&gt; impact </a:t>
+            </a:r>
+            <a:r>
+              <a:rPr lang="nl-BE" sz="3600" dirty="0" err="1"/>
+              <a:t>for</a:t>
+            </a:r>
+            <a:r>
+              <a:rPr lang="nl-BE" sz="3600" dirty="0"/>
+              <a:t> different </a:t>
+            </a:r>
+            <a:r>
+              <a:rPr lang="nl-BE" sz="3600" dirty="0" err="1"/>
+              <a:t>flows</a:t>
+            </a:r>
+            <a:r>
+              <a:rPr lang="nl-BE" sz="3600" dirty="0"/>
+              <a:t> (</a:t>
+            </a:r>
+            <a:r>
+              <a:rPr lang="nl-BE" sz="3600" dirty="0" err="1"/>
+              <a:t>cf</a:t>
+            </a:r>
+            <a:r>
+              <a:rPr lang="nl-BE" sz="3600" dirty="0"/>
+              <a:t> F’’ </a:t>
+            </a:r>
+            <a:r>
+              <a:rPr lang="nl-BE" sz="3600" dirty="0" err="1"/>
+              <a:t>depends</a:t>
+            </a:r>
+            <a:r>
+              <a:rPr lang="nl-BE" sz="3600" dirty="0"/>
+              <a:t> on flow)</a:t>
+            </a:r>
+          </a:p>
+        </p:txBody>
+      </p:sp>
+      <p:sp>
+        <p:nvSpPr>
+          <p:cNvPr id="3" name="Tijdelijke aanduiding voor inhoud 2">
+            <a:extLst>
+              <a:ext uri="{FF2B5EF4-FFF2-40B4-BE49-F238E27FC236}">
+                <a16:creationId xmlns:a16="http://schemas.microsoft.com/office/drawing/2014/main" id="{9761466D-D366-4CB1-87BC-78FA90F22707}"/>
+              </a:ext>
+            </a:extLst>
+          </p:cNvPr>
+          <p:cNvSpPr>
+            <a:spLocks noGrp="1"/>
+          </p:cNvSpPr>
+          <p:nvPr>
+            <p:ph idx="1"/>
+          </p:nvPr>
+        </p:nvSpPr>
+        <p:spPr/>
+        <p:txBody>
+          <a:bodyPr>
+            <a:normAutofit/>
+          </a:bodyPr>
+          <a:lstStyle/>
+          <a:p>
+            <a:pPr marL="0" indent="0">
+              <a:buNone/>
+            </a:pPr>
+            <a:r>
+              <a:rPr lang="nl-BE" sz="1800" dirty="0" err="1"/>
+              <a:t>Results</a:t>
+            </a:r>
+            <a:r>
+              <a:rPr lang="nl-BE" sz="1800" dirty="0"/>
+              <a:t> </a:t>
+            </a:r>
+            <a:r>
+              <a:rPr lang="nl-BE" sz="1800" dirty="0" err="1"/>
+              <a:t>for</a:t>
+            </a:r>
+            <a:r>
+              <a:rPr lang="nl-BE" sz="1800" dirty="0"/>
+              <a:t> </a:t>
+            </a:r>
+            <a:r>
+              <a:rPr lang="nl-BE" sz="1800" dirty="0" err="1"/>
+              <a:t>the</a:t>
+            </a:r>
+            <a:r>
+              <a:rPr lang="nl-BE" sz="1800" dirty="0"/>
+              <a:t> </a:t>
+            </a:r>
+            <a:r>
+              <a:rPr lang="nl-BE" sz="1800" dirty="0" err="1"/>
+              <a:t>same</a:t>
+            </a:r>
+            <a:r>
+              <a:rPr lang="nl-BE" sz="1800" dirty="0"/>
+              <a:t> (single) collector, flow=testflow/10:	</a:t>
+            </a:r>
+          </a:p>
+        </p:txBody>
+      </p:sp>
+      <p:pic>
+        <p:nvPicPr>
+          <p:cNvPr id="6" name="Afbeelding 5">
+            <a:extLst>
+              <a:ext uri="{FF2B5EF4-FFF2-40B4-BE49-F238E27FC236}">
+                <a16:creationId xmlns:a16="http://schemas.microsoft.com/office/drawing/2014/main" id="{57FCEC55-AA21-4382-85CC-20687B0B0538}"/>
+              </a:ext>
+            </a:extLst>
+          </p:cNvPr>
+          <p:cNvPicPr>
+            <a:picLocks noChangeAspect="1"/>
+          </p:cNvPicPr>
+          <p:nvPr/>
+        </p:nvPicPr>
+        <p:blipFill>
+          <a:blip r:embed="rId2"/>
+          <a:stretch>
+            <a:fillRect/>
+          </a:stretch>
+        </p:blipFill>
+        <p:spPr>
+          <a:xfrm>
+            <a:off x="548855" y="2494529"/>
+            <a:ext cx="5700254" cy="2755631"/>
+          </a:xfrm>
+          <a:prstGeom prst="rect">
+            <a:avLst/>
+          </a:prstGeom>
+        </p:spPr>
+      </p:pic>
+      <p:pic>
+        <p:nvPicPr>
+          <p:cNvPr id="7" name="Afbeelding 6">
+            <a:extLst>
+              <a:ext uri="{FF2B5EF4-FFF2-40B4-BE49-F238E27FC236}">
+                <a16:creationId xmlns:a16="http://schemas.microsoft.com/office/drawing/2014/main" id="{B9720F0E-941E-49D9-9C0E-C23F3A411B20}"/>
+              </a:ext>
+            </a:extLst>
+          </p:cNvPr>
+          <p:cNvPicPr>
+            <a:picLocks noChangeAspect="1"/>
+          </p:cNvPicPr>
+          <p:nvPr/>
+        </p:nvPicPr>
+        <p:blipFill>
+          <a:blip r:embed="rId3"/>
+          <a:stretch>
+            <a:fillRect/>
+          </a:stretch>
+        </p:blipFill>
+        <p:spPr>
+          <a:xfrm>
+            <a:off x="6321582" y="2494529"/>
+            <a:ext cx="5700254" cy="2755631"/>
+          </a:xfrm>
+          <a:prstGeom prst="rect">
+            <a:avLst/>
+          </a:prstGeom>
+        </p:spPr>
+      </p:pic>
+    </p:spTree>
+    <p:extLst>
+      <p:ext uri="{BB962C8B-B14F-4D97-AF65-F5344CB8AC3E}">
+        <p14:creationId xmlns:p14="http://schemas.microsoft.com/office/powerpoint/2010/main" val="2009739893"/>
+      </p:ext>
+    </p:extLst>
+  </p:cSld>
+  <p:clrMapOvr>
+    <a:masterClrMapping/>
+  </p:clrMapOvr>
+</p:sld>
+</file>
+
+<file path=ppt/slides/slide16.xml><?xml version="1.0" encoding="utf-8"?>
+<p:sld xmlns:a="http://schemas.openxmlformats.org/drawingml/2006/main" xmlns:r="http://schemas.openxmlformats.org/officeDocument/2006/relationships" xmlns:p="http://schemas.openxmlformats.org/presentationml/2006/main">
+  <p:cSld>
+    <p:spTree>
+      <p:nvGrpSpPr>
+        <p:cNvPr id="1" name=""/>
+        <p:cNvGrpSpPr/>
+        <p:nvPr/>
+      </p:nvGrpSpPr>
+      <p:grpSpPr>
+        <a:xfrm>
+          <a:off x="0" y="0"/>
+          <a:ext cx="0" cy="0"/>
+          <a:chOff x="0" y="0"/>
+          <a:chExt cx="0" cy="0"/>
+        </a:xfrm>
+      </p:grpSpPr>
+      <p:sp>
+        <p:nvSpPr>
+          <p:cNvPr id="2" name="Titel 1">
+            <a:extLst>
+              <a:ext uri="{FF2B5EF4-FFF2-40B4-BE49-F238E27FC236}">
+                <a16:creationId xmlns:a16="http://schemas.microsoft.com/office/drawing/2014/main" id="{78B7A5A0-3956-4D53-BE46-2736BFCB2509}"/>
+              </a:ext>
+            </a:extLst>
+          </p:cNvPr>
+          <p:cNvSpPr>
+            <a:spLocks noGrp="1"/>
+          </p:cNvSpPr>
+          <p:nvPr>
+            <p:ph type="title"/>
+          </p:nvPr>
+        </p:nvSpPr>
+        <p:spPr/>
+        <p:txBody>
+          <a:bodyPr/>
+          <a:lstStyle/>
+          <a:p>
+            <a:r>
+              <a:rPr lang="nl-BE" dirty="0"/>
+              <a:t>??</a:t>
+            </a:r>
+          </a:p>
+        </p:txBody>
+      </p:sp>
+      <p:sp>
+        <p:nvSpPr>
+          <p:cNvPr id="3" name="Tijdelijke aanduiding voor inhoud 2">
+            <a:extLst>
+              <a:ext uri="{FF2B5EF4-FFF2-40B4-BE49-F238E27FC236}">
+                <a16:creationId xmlns:a16="http://schemas.microsoft.com/office/drawing/2014/main" id="{E56D5EFE-1051-430F-B289-6F6E49A1750F}"/>
+              </a:ext>
+            </a:extLst>
+          </p:cNvPr>
+          <p:cNvSpPr>
+            <a:spLocks noGrp="1"/>
+          </p:cNvSpPr>
+          <p:nvPr>
+            <p:ph idx="1"/>
+          </p:nvPr>
+        </p:nvSpPr>
+        <p:spPr/>
+        <p:txBody>
+          <a:bodyPr/>
+          <a:lstStyle/>
+          <a:p>
+            <a:r>
+              <a:rPr lang="nl-BE" dirty="0"/>
+              <a:t>Model </a:t>
+            </a:r>
+            <a:r>
+              <a:rPr lang="nl-BE" dirty="0" err="1"/>
+              <a:t>with</a:t>
+            </a:r>
+            <a:r>
+              <a:rPr lang="nl-BE" dirty="0"/>
+              <a:t> </a:t>
+            </a:r>
+            <a:r>
+              <a:rPr lang="nl-BE" dirty="0" err="1"/>
+              <a:t>capacitance</a:t>
+            </a:r>
+            <a:r>
+              <a:rPr lang="nl-BE" dirty="0"/>
+              <a:t> </a:t>
+            </a:r>
+            <a:r>
+              <a:rPr lang="nl-BE" dirty="0" err="1"/>
+              <a:t>should</a:t>
+            </a:r>
+            <a:r>
+              <a:rPr lang="nl-BE" dirty="0"/>
+              <a:t> </a:t>
+            </a:r>
+            <a:r>
+              <a:rPr lang="nl-BE" dirty="0" err="1"/>
+              <a:t>be</a:t>
+            </a:r>
+            <a:r>
+              <a:rPr lang="nl-BE" dirty="0"/>
+              <a:t> </a:t>
+            </a:r>
+            <a:r>
+              <a:rPr lang="nl-BE" dirty="0" err="1"/>
+              <a:t>with</a:t>
+            </a:r>
+            <a:r>
+              <a:rPr lang="nl-BE" dirty="0"/>
+              <a:t> F’ </a:t>
+            </a:r>
+            <a:r>
+              <a:rPr lang="nl-BE" dirty="0" err="1"/>
+              <a:t>instead</a:t>
+            </a:r>
+            <a:r>
+              <a:rPr lang="nl-BE" dirty="0"/>
+              <a:t> of FR, but </a:t>
+            </a:r>
+            <a:r>
+              <a:rPr lang="nl-BE" dirty="0" err="1"/>
+              <a:t>this</a:t>
+            </a:r>
+            <a:r>
+              <a:rPr lang="nl-BE" dirty="0"/>
+              <a:t> wil </a:t>
+            </a:r>
+            <a:r>
+              <a:rPr lang="nl-BE" dirty="0" err="1"/>
+              <a:t>cause</a:t>
+            </a:r>
+            <a:r>
+              <a:rPr lang="nl-BE" dirty="0"/>
+              <a:t> extra loops in </a:t>
+            </a:r>
+            <a:r>
+              <a:rPr lang="nl-BE" dirty="0" err="1"/>
+              <a:t>calculation</a:t>
+            </a:r>
+            <a:r>
+              <a:rPr lang="nl-BE" dirty="0"/>
+              <a:t> </a:t>
+            </a:r>
+            <a:r>
+              <a:rPr lang="nl-BE" dirty="0" err="1"/>
+              <a:t>and</a:t>
+            </a:r>
+            <a:r>
+              <a:rPr lang="nl-BE" dirty="0"/>
+              <a:t> </a:t>
+            </a:r>
+            <a:r>
+              <a:rPr lang="nl-BE" dirty="0" err="1"/>
+              <a:t>not</a:t>
+            </a:r>
+            <a:r>
+              <a:rPr lang="nl-BE" dirty="0"/>
+              <a:t> </a:t>
+            </a:r>
+            <a:r>
+              <a:rPr lang="nl-BE" dirty="0" err="1"/>
+              <a:t>bring</a:t>
+            </a:r>
+            <a:r>
+              <a:rPr lang="nl-BE" dirty="0"/>
+              <a:t> in </a:t>
+            </a:r>
+            <a:r>
+              <a:rPr lang="nl-BE" dirty="0" err="1"/>
+              <a:t>much</a:t>
+            </a:r>
+            <a:r>
+              <a:rPr lang="nl-BE" dirty="0"/>
+              <a:t>…</a:t>
+            </a:r>
+          </a:p>
+          <a:p>
+            <a:r>
+              <a:rPr lang="nl-BE" dirty="0"/>
+              <a:t>Collectors in series: </a:t>
+            </a:r>
+            <a:r>
+              <a:rPr lang="nl-BE" dirty="0" err="1"/>
+              <a:t>correction</a:t>
+            </a:r>
+            <a:r>
+              <a:rPr lang="nl-BE" dirty="0"/>
+              <a:t> of FR is </a:t>
+            </a:r>
+            <a:r>
+              <a:rPr lang="nl-BE" dirty="0" err="1"/>
+              <a:t>possible</a:t>
+            </a:r>
+            <a:r>
+              <a:rPr lang="nl-BE" dirty="0"/>
+              <a:t> (or run model </a:t>
+            </a:r>
+            <a:r>
+              <a:rPr lang="nl-BE" dirty="0" err="1"/>
+              <a:t>for</a:t>
+            </a:r>
+            <a:r>
+              <a:rPr lang="nl-BE" dirty="0"/>
+              <a:t> 1 collector multiple </a:t>
+            </a:r>
+            <a:r>
+              <a:rPr lang="nl-BE" dirty="0" err="1"/>
+              <a:t>times</a:t>
+            </a:r>
+            <a:r>
+              <a:rPr lang="nl-BE" dirty="0"/>
+              <a:t>?)</a:t>
+            </a:r>
+          </a:p>
+          <a:p>
+            <a:endParaRPr lang="nl-BE" dirty="0"/>
+          </a:p>
+          <a:p>
+            <a:r>
+              <a:rPr lang="nl-BE" dirty="0"/>
+              <a:t>Control? (flow </a:t>
+            </a:r>
+            <a:r>
+              <a:rPr lang="nl-BE" dirty="0" err="1"/>
+              <a:t>rate</a:t>
+            </a:r>
+            <a:r>
+              <a:rPr lang="nl-BE" dirty="0"/>
+              <a:t> constant?)</a:t>
+            </a:r>
+          </a:p>
+          <a:p>
+            <a:r>
+              <a:rPr lang="nl-BE" dirty="0"/>
+              <a:t>Serie or parallel?</a:t>
+            </a:r>
+          </a:p>
+        </p:txBody>
+      </p:sp>
+    </p:spTree>
+    <p:extLst>
+      <p:ext uri="{BB962C8B-B14F-4D97-AF65-F5344CB8AC3E}">
+        <p14:creationId xmlns:p14="http://schemas.microsoft.com/office/powerpoint/2010/main" val="3092109684"/>
       </p:ext>
     </p:extLst>
   </p:cSld>
@@ -5380,14 +7190,6 @@
 <file path=ppt/slides/slide4.xml><?xml version="1.0" encoding="utf-8"?>
 <p:sld xmlns:a="http://schemas.openxmlformats.org/drawingml/2006/main" xmlns:r="http://schemas.openxmlformats.org/officeDocument/2006/relationships" xmlns:p="http://schemas.openxmlformats.org/presentationml/2006/main">
   <p:cSld>
-    <p:bg>
-      <p:bgPr>
-        <a:solidFill>
-          <a:schemeClr val="bg1"/>
-        </a:solidFill>
-        <a:effectLst/>
-      </p:bgPr>
-    </p:bg>
     <p:spTree>
       <p:nvGrpSpPr>
         <p:cNvPr id="1" name=""/>
@@ -5407,7 +7209,7 @@
           <p:cNvPr id="2" name="Titel 1">
             <a:extLst>
               <a:ext uri="{FF2B5EF4-FFF2-40B4-BE49-F238E27FC236}">
-                <a16:creationId xmlns:a16="http://schemas.microsoft.com/office/drawing/2014/main" id="{AE2C7563-49CC-4A95-B8A9-1189C1CE6417}"/>
+                <a16:creationId xmlns:a16="http://schemas.microsoft.com/office/drawing/2014/main" id="{CA8283BD-F15F-49C7-BB58-E16C5C4073E3}"/>
               </a:ext>
             </a:extLst>
           </p:cNvPr>
@@ -5418,31 +7220,23 @@
             <p:ph type="title"/>
           </p:nvPr>
         </p:nvSpPr>
-        <p:spPr>
-          <a:xfrm>
-            <a:off x="838200" y="365126"/>
-            <a:ext cx="10515600" cy="711200"/>
-          </a:xfrm>
-        </p:spPr>
+        <p:spPr/>
         <p:txBody>
-          <a:bodyPr>
-            <a:normAutofit/>
-          </a:bodyPr>
+          <a:bodyPr/>
           <a:lstStyle/>
           <a:p>
             <a:r>
-              <a:rPr lang="nl-BE" sz="3600" dirty="0" err="1"/>
-              <a:t>Trnsys</a:t>
-            </a:r>
-            <a:r>
-              <a:rPr lang="nl-BE" sz="3600" dirty="0"/>
-              <a:t> Type1: </a:t>
-            </a:r>
-            <a:r>
-              <a:rPr lang="nl-BE" sz="3600" dirty="0" err="1"/>
-              <a:t>corrections</a:t>
-            </a:r>
-            <a:endParaRPr lang="nl-BE" sz="3600" dirty="0"/>
+              <a:rPr lang="nl-BE" dirty="0"/>
+              <a:t>Heat </a:t>
+            </a:r>
+            <a:r>
+              <a:rPr lang="nl-BE" dirty="0" err="1"/>
+              <a:t>Removal</a:t>
+            </a:r>
+            <a:r>
+              <a:rPr lang="nl-BE" dirty="0"/>
+              <a:t> factor</a:t>
+            </a:r>
           </a:p>
         </p:txBody>
       </p:sp>
@@ -5451,7 +7245,7 @@
           <p:cNvPr id="3" name="Tijdelijke aanduiding voor inhoud 2">
             <a:extLst>
               <a:ext uri="{FF2B5EF4-FFF2-40B4-BE49-F238E27FC236}">
-                <a16:creationId xmlns:a16="http://schemas.microsoft.com/office/drawing/2014/main" id="{FA8BA756-D5E9-4CF7-9422-DE10107CA025}"/>
+                <a16:creationId xmlns:a16="http://schemas.microsoft.com/office/drawing/2014/main" id="{701FFC47-01AE-48CA-BE38-A6D647DD3891}"/>
               </a:ext>
             </a:extLst>
           </p:cNvPr>
@@ -5462,90 +7256,259 @@
             <p:ph idx="1"/>
           </p:nvPr>
         </p:nvSpPr>
-        <p:spPr>
-          <a:xfrm>
-            <a:off x="838200" y="1291472"/>
-            <a:ext cx="10515600" cy="5309353"/>
-          </a:xfrm>
-        </p:spPr>
+        <p:spPr/>
         <p:txBody>
-          <a:bodyPr>
-            <a:normAutofit/>
-          </a:bodyPr>
+          <a:bodyPr/>
           <a:lstStyle/>
           <a:p>
-            <a:pPr>
-              <a:buFontTx/>
-              <a:buChar char="-"/>
+            <a:pPr marL="0" indent="0">
+              <a:buNone/>
             </a:pPr>
             <a:r>
-              <a:rPr lang="nl-BE" sz="2000" dirty="0"/>
-              <a:t>Flow </a:t>
-            </a:r>
-            <a:r>
-              <a:rPr lang="nl-BE" sz="2000" dirty="0" err="1"/>
-              <a:t>rate</a:t>
-            </a:r>
-            <a:r>
-              <a:rPr lang="nl-BE" sz="2000" dirty="0"/>
-              <a:t> different </a:t>
-            </a:r>
-            <a:r>
-              <a:rPr lang="nl-BE" sz="2000" dirty="0" err="1"/>
+              <a:rPr lang="nl-BE" dirty="0"/>
+              <a:t>FR=F’*F’’</a:t>
+            </a:r>
+          </a:p>
+          <a:p>
+            <a:r>
+              <a:rPr lang="nl-BE" dirty="0" err="1"/>
+              <a:t>with</a:t>
+            </a:r>
+            <a:r>
+              <a:rPr lang="nl-BE" dirty="0"/>
+              <a:t> F’ is </a:t>
+            </a:r>
+            <a:r>
+              <a:rPr lang="nl-BE" dirty="0" err="1"/>
+              <a:t>the</a:t>
+            </a:r>
+            <a:r>
+              <a:rPr lang="nl-BE" dirty="0"/>
+              <a:t> collector fin efficiency factor (</a:t>
+            </a:r>
+            <a:r>
+              <a:rPr lang="nl-BE" dirty="0" err="1"/>
+              <a:t>depends</a:t>
+            </a:r>
+            <a:r>
+              <a:rPr lang="nl-BE" dirty="0"/>
+              <a:t> on </a:t>
+            </a:r>
+            <a:r>
+              <a:rPr lang="nl-BE" dirty="0" err="1"/>
+              <a:t>geometry</a:t>
+            </a:r>
+            <a:r>
+              <a:rPr lang="nl-BE" dirty="0"/>
+              <a:t>: diameter, </a:t>
+            </a:r>
+            <a:r>
+              <a:rPr lang="nl-BE" dirty="0" err="1"/>
+              <a:t>distance</a:t>
+            </a:r>
+            <a:r>
+              <a:rPr lang="nl-BE" dirty="0"/>
+              <a:t> </a:t>
+            </a:r>
+            <a:r>
+              <a:rPr lang="nl-BE" dirty="0" err="1"/>
+              <a:t>between</a:t>
+            </a:r>
+            <a:r>
+              <a:rPr lang="nl-BE" dirty="0"/>
+              <a:t> </a:t>
+            </a:r>
+            <a:r>
+              <a:rPr lang="nl-BE" dirty="0" err="1"/>
+              <a:t>pipes</a:t>
+            </a:r>
+            <a:r>
+              <a:rPr lang="nl-BE" dirty="0"/>
+              <a:t>,…)</a:t>
+            </a:r>
+          </a:p>
+          <a:p>
+            <a:r>
+              <a:rPr lang="nl-BE" dirty="0" err="1"/>
+              <a:t>Trnsys</a:t>
+            </a:r>
+            <a:r>
+              <a:rPr lang="nl-BE" dirty="0"/>
+              <a:t> </a:t>
+            </a:r>
+            <a:r>
+              <a:rPr lang="nl-BE" dirty="0" err="1"/>
+              <a:t>models</a:t>
+            </a:r>
+            <a:r>
+              <a:rPr lang="nl-BE" dirty="0"/>
+              <a:t> </a:t>
+            </a:r>
+            <a:r>
+              <a:rPr lang="nl-BE" dirty="0" err="1"/>
+              <a:t>with</a:t>
+            </a:r>
+            <a:r>
+              <a:rPr lang="nl-BE" dirty="0"/>
+              <a:t> </a:t>
+            </a:r>
+            <a:r>
+              <a:rPr lang="nl-BE" dirty="0" err="1"/>
+              <a:t>capacitance</a:t>
+            </a:r>
+            <a:r>
+              <a:rPr lang="nl-BE" dirty="0"/>
+              <a:t> </a:t>
+            </a:r>
+            <a:r>
+              <a:rPr lang="nl-BE" dirty="0" err="1"/>
+              <a:t>and</a:t>
+            </a:r>
+            <a:r>
+              <a:rPr lang="nl-BE" dirty="0"/>
+              <a:t> #</a:t>
+            </a:r>
+            <a:r>
+              <a:rPr lang="nl-BE" dirty="0" err="1"/>
+              <a:t>segments</a:t>
+            </a:r>
+            <a:r>
+              <a:rPr lang="nl-BE" dirty="0"/>
+              <a:t>, </a:t>
+            </a:r>
+            <a:r>
+              <a:rPr lang="nl-BE" dirty="0" err="1"/>
+              <a:t>use</a:t>
+            </a:r>
+            <a:r>
+              <a:rPr lang="nl-BE" dirty="0"/>
+              <a:t> </a:t>
+            </a:r>
+            <a:r>
+              <a:rPr lang="nl-BE" dirty="0" err="1"/>
+              <a:t>only</a:t>
+            </a:r>
+            <a:r>
+              <a:rPr lang="nl-BE" dirty="0"/>
+              <a:t> F’ (</a:t>
+            </a:r>
+            <a:r>
+              <a:rPr lang="nl-BE" dirty="0" err="1"/>
+              <a:t>derived</a:t>
+            </a:r>
+            <a:r>
+              <a:rPr lang="nl-BE" dirty="0"/>
+              <a:t> </a:t>
+            </a:r>
+            <a:r>
+              <a:rPr lang="nl-BE" dirty="0" err="1"/>
               <a:t>from</a:t>
             </a:r>
             <a:r>
-              <a:rPr lang="nl-BE" sz="2000" dirty="0"/>
-              <a:t> test</a:t>
-            </a:r>
-          </a:p>
-          <a:p>
-            <a:pPr>
-              <a:buFontTx/>
-              <a:buChar char="-"/>
-            </a:pPr>
-            <a:r>
-              <a:rPr lang="nl-BE" sz="2000" dirty="0"/>
-              <a:t>Collectors in series</a:t>
-            </a:r>
-          </a:p>
-          <a:p>
-            <a:pPr>
-              <a:buFontTx/>
-              <a:buChar char="-"/>
-            </a:pPr>
-            <a:r>
-              <a:rPr lang="nl-BE" sz="2000" dirty="0"/>
-              <a:t>Non </a:t>
-            </a:r>
-            <a:r>
-              <a:rPr lang="nl-BE" sz="2000" dirty="0" err="1"/>
-              <a:t>normal</a:t>
-            </a:r>
-            <a:r>
-              <a:rPr lang="nl-BE" sz="2000" dirty="0"/>
-              <a:t> </a:t>
-            </a:r>
-            <a:r>
-              <a:rPr lang="nl-BE" sz="2000" dirty="0" err="1"/>
-              <a:t>solar</a:t>
-            </a:r>
-            <a:r>
-              <a:rPr lang="nl-BE" sz="2000" dirty="0"/>
-              <a:t> </a:t>
-            </a:r>
-            <a:r>
-              <a:rPr lang="nl-BE" sz="2000" dirty="0" err="1"/>
-              <a:t>incidence</a:t>
-            </a:r>
-            <a:endParaRPr lang="nl-BE" sz="2000" dirty="0"/>
+              <a:rPr lang="nl-BE" dirty="0"/>
+              <a:t> test data), </a:t>
+            </a:r>
+            <a:r>
+              <a:rPr lang="nl-BE" dirty="0" err="1"/>
+              <a:t>so</a:t>
+            </a:r>
+            <a:r>
+              <a:rPr lang="nl-BE" dirty="0"/>
+              <a:t> </a:t>
+            </a:r>
+            <a:r>
+              <a:rPr lang="nl-BE" dirty="0" err="1"/>
+              <a:t>differential</a:t>
+            </a:r>
+            <a:r>
+              <a:rPr lang="nl-BE" dirty="0"/>
+              <a:t> </a:t>
+            </a:r>
+            <a:r>
+              <a:rPr lang="nl-BE" dirty="0" err="1"/>
+              <a:t>equation</a:t>
+            </a:r>
+            <a:r>
+              <a:rPr lang="nl-BE" dirty="0"/>
+              <a:t> is </a:t>
+            </a:r>
+            <a:r>
+              <a:rPr lang="nl-BE" dirty="0" err="1"/>
+              <a:t>with</a:t>
+            </a:r>
+            <a:r>
+              <a:rPr lang="nl-BE" dirty="0"/>
+              <a:t> F’ </a:t>
+            </a:r>
+            <a:r>
+              <a:rPr lang="nl-BE" dirty="0" err="1"/>
+              <a:t>instead</a:t>
+            </a:r>
+            <a:r>
+              <a:rPr lang="nl-BE" dirty="0"/>
+              <a:t> of FR</a:t>
+            </a:r>
+          </a:p>
+          <a:p>
+            <a:r>
+              <a:rPr lang="nl-BE" dirty="0"/>
+              <a:t>F’’ </a:t>
+            </a:r>
+            <a:r>
+              <a:rPr lang="nl-BE" dirty="0" err="1"/>
+              <a:t>depends</a:t>
+            </a:r>
+            <a:r>
+              <a:rPr lang="nl-BE" dirty="0"/>
+              <a:t> on </a:t>
+            </a:r>
+            <a:r>
+              <a:rPr lang="nl-BE" dirty="0" err="1"/>
+              <a:t>mass</a:t>
+            </a:r>
+            <a:r>
+              <a:rPr lang="nl-BE" dirty="0"/>
+              <a:t> flow… (</a:t>
+            </a:r>
+            <a:r>
+              <a:rPr lang="nl-BE" dirty="0" err="1"/>
+              <a:t>counts</a:t>
+            </a:r>
+            <a:r>
+              <a:rPr lang="nl-BE" dirty="0"/>
+              <a:t> </a:t>
+            </a:r>
+            <a:r>
+              <a:rPr lang="nl-BE" dirty="0" err="1"/>
+              <a:t>for</a:t>
+            </a:r>
+            <a:r>
+              <a:rPr lang="nl-BE" dirty="0"/>
+              <a:t> </a:t>
+            </a:r>
+            <a:r>
+              <a:rPr lang="nl-BE" dirty="0" err="1"/>
+              <a:t>dynamic</a:t>
+            </a:r>
+            <a:r>
+              <a:rPr lang="nl-BE" dirty="0"/>
+              <a:t> </a:t>
+            </a:r>
+            <a:r>
+              <a:rPr lang="nl-BE" dirty="0" err="1"/>
+              <a:t>behaviour</a:t>
+            </a:r>
+            <a:r>
+              <a:rPr lang="nl-BE" dirty="0"/>
+              <a:t>…(?))</a:t>
+            </a:r>
           </a:p>
         </p:txBody>
       </p:sp>
     </p:spTree>
     <p:extLst>
       <p:ext uri="{BB962C8B-B14F-4D97-AF65-F5344CB8AC3E}">
-        <p14:creationId xmlns:p14="http://schemas.microsoft.com/office/powerpoint/2010/main" val="3112114836"/>
+        <p14:creationId xmlns:p14="http://schemas.microsoft.com/office/powerpoint/2010/main" val="265870514"/>
       </p:ext>
     </p:extLst>
   </p:cSld>
@@ -5618,6 +7581,504 @@
             </a:r>
             <a:r>
               <a:rPr lang="nl-BE" sz="3600" dirty="0" err="1"/>
+              <a:t>corrections</a:t>
+            </a:r>
+            <a:endParaRPr lang="nl-BE" sz="3600" dirty="0"/>
+          </a:p>
+        </p:txBody>
+      </p:sp>
+      <p:sp>
+        <p:nvSpPr>
+          <p:cNvPr id="3" name="Tijdelijke aanduiding voor inhoud 2">
+            <a:extLst>
+              <a:ext uri="{FF2B5EF4-FFF2-40B4-BE49-F238E27FC236}">
+                <a16:creationId xmlns:a16="http://schemas.microsoft.com/office/drawing/2014/main" id="{FA8BA756-D5E9-4CF7-9422-DE10107CA025}"/>
+              </a:ext>
+            </a:extLst>
+          </p:cNvPr>
+          <p:cNvSpPr>
+            <a:spLocks noGrp="1"/>
+          </p:cNvSpPr>
+          <p:nvPr>
+            <p:ph idx="1"/>
+          </p:nvPr>
+        </p:nvSpPr>
+        <p:spPr>
+          <a:xfrm>
+            <a:off x="838200" y="1291472"/>
+            <a:ext cx="10515600" cy="5309353"/>
+          </a:xfrm>
+        </p:spPr>
+        <p:txBody>
+          <a:bodyPr>
+            <a:normAutofit/>
+          </a:bodyPr>
+          <a:lstStyle/>
+          <a:p>
+            <a:pPr>
+              <a:buFontTx/>
+              <a:buChar char="-"/>
+            </a:pPr>
+            <a:r>
+              <a:rPr lang="nl-BE" sz="2000" dirty="0"/>
+              <a:t>Flow </a:t>
+            </a:r>
+            <a:r>
+              <a:rPr lang="nl-BE" sz="2000" dirty="0" err="1"/>
+              <a:t>rate</a:t>
+            </a:r>
+            <a:r>
+              <a:rPr lang="nl-BE" sz="2000" dirty="0"/>
+              <a:t> different </a:t>
+            </a:r>
+            <a:r>
+              <a:rPr lang="nl-BE" sz="2000" dirty="0" err="1"/>
+              <a:t>from</a:t>
+            </a:r>
+            <a:r>
+              <a:rPr lang="nl-BE" sz="2000" dirty="0"/>
+              <a:t> test</a:t>
+            </a:r>
+          </a:p>
+          <a:p>
+            <a:pPr>
+              <a:buFontTx/>
+              <a:buChar char="-"/>
+            </a:pPr>
+            <a:r>
+              <a:rPr lang="nl-BE" sz="2000" dirty="0"/>
+              <a:t>Collectors in series</a:t>
+            </a:r>
+          </a:p>
+          <a:p>
+            <a:pPr>
+              <a:buFontTx/>
+              <a:buChar char="-"/>
+            </a:pPr>
+            <a:r>
+              <a:rPr lang="nl-BE" sz="2000" dirty="0"/>
+              <a:t>Non </a:t>
+            </a:r>
+            <a:r>
+              <a:rPr lang="nl-BE" sz="2000" dirty="0" err="1"/>
+              <a:t>normal</a:t>
+            </a:r>
+            <a:r>
+              <a:rPr lang="nl-BE" sz="2000" dirty="0"/>
+              <a:t> </a:t>
+            </a:r>
+            <a:r>
+              <a:rPr lang="nl-BE" sz="2000" dirty="0" err="1"/>
+              <a:t>solar</a:t>
+            </a:r>
+            <a:r>
+              <a:rPr lang="nl-BE" sz="2000" dirty="0"/>
+              <a:t> </a:t>
+            </a:r>
+            <a:r>
+              <a:rPr lang="nl-BE" sz="2000" dirty="0" err="1"/>
+              <a:t>incidence</a:t>
+            </a:r>
+            <a:endParaRPr lang="nl-BE" sz="2000" dirty="0"/>
+          </a:p>
+        </p:txBody>
+      </p:sp>
+    </p:spTree>
+    <p:extLst>
+      <p:ext uri="{BB962C8B-B14F-4D97-AF65-F5344CB8AC3E}">
+        <p14:creationId xmlns:p14="http://schemas.microsoft.com/office/powerpoint/2010/main" val="3112114836"/>
+      </p:ext>
+    </p:extLst>
+  </p:cSld>
+  <p:clrMapOvr>
+    <a:masterClrMapping/>
+  </p:clrMapOvr>
+</p:sld>
+</file>
+
+<file path=ppt/slides/slide6.xml><?xml version="1.0" encoding="utf-8"?>
+<p:sld xmlns:a="http://schemas.openxmlformats.org/drawingml/2006/main" xmlns:r="http://schemas.openxmlformats.org/officeDocument/2006/relationships" xmlns:p="http://schemas.openxmlformats.org/presentationml/2006/main">
+  <p:cSld>
+    <p:spTree>
+      <p:nvGrpSpPr>
+        <p:cNvPr id="1" name=""/>
+        <p:cNvGrpSpPr/>
+        <p:nvPr/>
+      </p:nvGrpSpPr>
+      <p:grpSpPr>
+        <a:xfrm>
+          <a:off x="0" y="0"/>
+          <a:ext cx="0" cy="0"/>
+          <a:chOff x="0" y="0"/>
+          <a:chExt cx="0" cy="0"/>
+        </a:xfrm>
+      </p:grpSpPr>
+      <p:sp>
+        <p:nvSpPr>
+          <p:cNvPr id="2" name="Titel 1">
+            <a:extLst>
+              <a:ext uri="{FF2B5EF4-FFF2-40B4-BE49-F238E27FC236}">
+                <a16:creationId xmlns:a16="http://schemas.microsoft.com/office/drawing/2014/main" id="{B77077F9-D2FA-419B-A2A6-749D4A595A5F}"/>
+              </a:ext>
+            </a:extLst>
+          </p:cNvPr>
+          <p:cNvSpPr>
+            <a:spLocks noGrp="1"/>
+          </p:cNvSpPr>
+          <p:nvPr>
+            <p:ph type="title"/>
+          </p:nvPr>
+        </p:nvSpPr>
+        <p:spPr/>
+        <p:txBody>
+          <a:bodyPr/>
+          <a:lstStyle/>
+          <a:p>
+            <a:r>
+              <a:rPr lang="nl-BE" dirty="0"/>
+              <a:t>TRNSYS Type1: </a:t>
+            </a:r>
+            <a:r>
+              <a:rPr lang="nl-BE" dirty="0" err="1"/>
+              <a:t>correction</a:t>
+            </a:r>
+            <a:r>
+              <a:rPr lang="nl-BE" dirty="0"/>
+              <a:t> flow </a:t>
+            </a:r>
+            <a:r>
+              <a:rPr lang="nl-BE" dirty="0" err="1"/>
+              <a:t>rate</a:t>
+            </a:r>
+            <a:endParaRPr lang="nl-BE" dirty="0"/>
+          </a:p>
+        </p:txBody>
+      </p:sp>
+      <p:sp>
+        <p:nvSpPr>
+          <p:cNvPr id="3" name="Tijdelijke aanduiding voor inhoud 2">
+            <a:extLst>
+              <a:ext uri="{FF2B5EF4-FFF2-40B4-BE49-F238E27FC236}">
+                <a16:creationId xmlns:a16="http://schemas.microsoft.com/office/drawing/2014/main" id="{0C73BF78-FBEF-46C5-AECC-D352421AF02D}"/>
+              </a:ext>
+            </a:extLst>
+          </p:cNvPr>
+          <p:cNvSpPr>
+            <a:spLocks noGrp="1"/>
+          </p:cNvSpPr>
+          <p:nvPr>
+            <p:ph idx="1"/>
+          </p:nvPr>
+        </p:nvSpPr>
+        <p:spPr>
+          <a:xfrm>
+            <a:off x="838200" y="5167311"/>
+            <a:ext cx="10515600" cy="1009651"/>
+          </a:xfrm>
+        </p:spPr>
+        <p:txBody>
+          <a:bodyPr/>
+          <a:lstStyle/>
+          <a:p>
+            <a:pPr marL="0" indent="0">
+              <a:buNone/>
+            </a:pPr>
+            <a:r>
+              <a:rPr lang="nl-BE" dirty="0" err="1"/>
+              <a:t>This</a:t>
+            </a:r>
+            <a:r>
+              <a:rPr lang="nl-BE" dirty="0"/>
+              <a:t> is </a:t>
+            </a:r>
+            <a:r>
+              <a:rPr lang="nl-BE" dirty="0" err="1"/>
+              <a:t>correction</a:t>
+            </a:r>
+            <a:r>
+              <a:rPr lang="nl-BE" dirty="0"/>
+              <a:t> of F’’, </a:t>
+            </a:r>
+          </a:p>
+          <a:p>
+            <a:pPr marL="0" indent="0">
+              <a:buNone/>
+            </a:pPr>
+            <a:r>
+              <a:rPr lang="nl-BE" dirty="0" err="1"/>
+              <a:t>so</a:t>
+            </a:r>
+            <a:r>
+              <a:rPr lang="nl-BE" dirty="0"/>
+              <a:t> no </a:t>
+            </a:r>
+            <a:r>
+              <a:rPr lang="nl-BE" dirty="0" err="1"/>
+              <a:t>correction</a:t>
+            </a:r>
+            <a:r>
+              <a:rPr lang="nl-BE" dirty="0"/>
+              <a:t> on F’ in </a:t>
+            </a:r>
+            <a:r>
+              <a:rPr lang="nl-BE" dirty="0" err="1"/>
+              <a:t>capacitance</a:t>
+            </a:r>
+            <a:r>
+              <a:rPr lang="nl-BE" dirty="0"/>
+              <a:t> </a:t>
+            </a:r>
+            <a:r>
+              <a:rPr lang="nl-BE" dirty="0" err="1"/>
+              <a:t>models</a:t>
+            </a:r>
+            <a:r>
+              <a:rPr lang="nl-BE" dirty="0"/>
+              <a:t>…</a:t>
+            </a:r>
+          </a:p>
+        </p:txBody>
+      </p:sp>
+      <p:pic>
+        <p:nvPicPr>
+          <p:cNvPr id="4" name="Afbeelding 3">
+            <a:extLst>
+              <a:ext uri="{FF2B5EF4-FFF2-40B4-BE49-F238E27FC236}">
+                <a16:creationId xmlns:a16="http://schemas.microsoft.com/office/drawing/2014/main" id="{6295668F-D505-48C5-892E-580C1B09826C}"/>
+              </a:ext>
+            </a:extLst>
+          </p:cNvPr>
+          <p:cNvPicPr>
+            <a:picLocks noChangeAspect="1"/>
+          </p:cNvPicPr>
+          <p:nvPr/>
+        </p:nvPicPr>
+        <p:blipFill>
+          <a:blip r:embed="rId2"/>
+          <a:stretch>
+            <a:fillRect/>
+          </a:stretch>
+        </p:blipFill>
+        <p:spPr>
+          <a:xfrm>
+            <a:off x="757383" y="1690688"/>
+            <a:ext cx="5846618" cy="3035845"/>
+          </a:xfrm>
+          <a:prstGeom prst="rect">
+            <a:avLst/>
+          </a:prstGeom>
+        </p:spPr>
+      </p:pic>
+      <p:sp>
+        <p:nvSpPr>
+          <p:cNvPr id="5" name="Ovaal 4">
+            <a:extLst>
+              <a:ext uri="{FF2B5EF4-FFF2-40B4-BE49-F238E27FC236}">
+                <a16:creationId xmlns:a16="http://schemas.microsoft.com/office/drawing/2014/main" id="{D61A4118-5AB3-4A2F-94F1-842050E30C4A}"/>
+              </a:ext>
+            </a:extLst>
+          </p:cNvPr>
+          <p:cNvSpPr/>
+          <p:nvPr/>
+        </p:nvSpPr>
+        <p:spPr>
+          <a:xfrm>
+            <a:off x="2687782" y="1819564"/>
+            <a:ext cx="1995054" cy="794327"/>
+          </a:xfrm>
+          <a:prstGeom prst="ellipse">
+            <a:avLst/>
+          </a:prstGeom>
+          <a:noFill/>
+          <a:ln w="28575">
+            <a:solidFill>
+              <a:srgbClr val="FF0000"/>
+            </a:solidFill>
+          </a:ln>
+        </p:spPr>
+        <p:style>
+          <a:lnRef idx="2">
+            <a:schemeClr val="accent1">
+              <a:shade val="50000"/>
+            </a:schemeClr>
+          </a:lnRef>
+          <a:fillRef idx="1">
+            <a:schemeClr val="accent1"/>
+          </a:fillRef>
+          <a:effectRef idx="0">
+            <a:schemeClr val="accent1"/>
+          </a:effectRef>
+          <a:fontRef idx="minor">
+            <a:schemeClr val="lt1"/>
+          </a:fontRef>
+        </p:style>
+        <p:txBody>
+          <a:bodyPr rtlCol="0" anchor="ctr"/>
+          <a:lstStyle/>
+          <a:p>
+            <a:pPr algn="ctr"/>
+            <a:endParaRPr lang="nl-BE"/>
+          </a:p>
+        </p:txBody>
+      </p:sp>
+      <p:cxnSp>
+        <p:nvCxnSpPr>
+          <p:cNvPr id="7" name="Rechte verbindingslijn met pijl 6">
+            <a:extLst>
+              <a:ext uri="{FF2B5EF4-FFF2-40B4-BE49-F238E27FC236}">
+                <a16:creationId xmlns:a16="http://schemas.microsoft.com/office/drawing/2014/main" id="{D18A0995-4135-4D11-BA07-E45B4A5A86E7}"/>
+              </a:ext>
+            </a:extLst>
+          </p:cNvPr>
+          <p:cNvCxnSpPr/>
+          <p:nvPr/>
+        </p:nvCxnSpPr>
+        <p:spPr>
+          <a:xfrm flipV="1">
+            <a:off x="4682836" y="1907931"/>
+            <a:ext cx="2781833" cy="223535"/>
+          </a:xfrm>
+          <a:prstGeom prst="straightConnector1">
+            <a:avLst/>
+          </a:prstGeom>
+          <a:ln>
+            <a:tailEnd type="triangle"/>
+          </a:ln>
+        </p:spPr>
+        <p:style>
+          <a:lnRef idx="1">
+            <a:schemeClr val="accent2"/>
+          </a:lnRef>
+          <a:fillRef idx="0">
+            <a:schemeClr val="accent2"/>
+          </a:fillRef>
+          <a:effectRef idx="0">
+            <a:schemeClr val="accent2"/>
+          </a:effectRef>
+          <a:fontRef idx="minor">
+            <a:schemeClr val="tx1"/>
+          </a:fontRef>
+        </p:style>
+      </p:cxnSp>
+      <p:sp>
+        <p:nvSpPr>
+          <p:cNvPr id="8" name="Tekstvak 7">
+            <a:extLst>
+              <a:ext uri="{FF2B5EF4-FFF2-40B4-BE49-F238E27FC236}">
+                <a16:creationId xmlns:a16="http://schemas.microsoft.com/office/drawing/2014/main" id="{C8526457-129A-49C5-9EA8-BF076F897DBA}"/>
+              </a:ext>
+            </a:extLst>
+          </p:cNvPr>
+          <p:cNvSpPr txBox="1"/>
+          <p:nvPr/>
+        </p:nvSpPr>
+        <p:spPr>
+          <a:xfrm>
+            <a:off x="7639283" y="1705736"/>
+            <a:ext cx="1790234" cy="369332"/>
+          </a:xfrm>
+          <a:prstGeom prst="rect">
+            <a:avLst/>
+          </a:prstGeom>
+          <a:noFill/>
+        </p:spPr>
+        <p:txBody>
+          <a:bodyPr wrap="none" rtlCol="0">
+            <a:spAutoFit/>
+          </a:bodyPr>
+          <a:lstStyle/>
+          <a:p>
+            <a:r>
+              <a:rPr lang="nl-BE" dirty="0">
+                <a:solidFill>
+                  <a:srgbClr val="FF0000"/>
+                </a:solidFill>
+              </a:rPr>
+              <a:t>=F’’ </a:t>
+            </a:r>
+            <a:r>
+              <a:rPr lang="nl-BE" dirty="0"/>
+              <a:t>(in FR=F’*F’’)</a:t>
+            </a:r>
+          </a:p>
+        </p:txBody>
+      </p:sp>
+    </p:spTree>
+    <p:extLst>
+      <p:ext uri="{BB962C8B-B14F-4D97-AF65-F5344CB8AC3E}">
+        <p14:creationId xmlns:p14="http://schemas.microsoft.com/office/powerpoint/2010/main" val="1987397801"/>
+      </p:ext>
+    </p:extLst>
+  </p:cSld>
+  <p:clrMapOvr>
+    <a:masterClrMapping/>
+  </p:clrMapOvr>
+</p:sld>
+</file>
+
+<file path=ppt/slides/slide7.xml><?xml version="1.0" encoding="utf-8"?>
+<p:sld xmlns:a="http://schemas.openxmlformats.org/drawingml/2006/main" xmlns:r="http://schemas.openxmlformats.org/officeDocument/2006/relationships" xmlns:p="http://schemas.openxmlformats.org/presentationml/2006/main">
+  <p:cSld>
+    <p:bg>
+      <p:bgPr>
+        <a:solidFill>
+          <a:schemeClr val="bg1"/>
+        </a:solidFill>
+        <a:effectLst/>
+      </p:bgPr>
+    </p:bg>
+    <p:spTree>
+      <p:nvGrpSpPr>
+        <p:cNvPr id="1" name=""/>
+        <p:cNvGrpSpPr/>
+        <p:nvPr/>
+      </p:nvGrpSpPr>
+      <p:grpSpPr>
+        <a:xfrm>
+          <a:off x="0" y="0"/>
+          <a:ext cx="0" cy="0"/>
+          <a:chOff x="0" y="0"/>
+          <a:chExt cx="0" cy="0"/>
+        </a:xfrm>
+      </p:grpSpPr>
+      <p:sp>
+        <p:nvSpPr>
+          <p:cNvPr id="2" name="Titel 1">
+            <a:extLst>
+              <a:ext uri="{FF2B5EF4-FFF2-40B4-BE49-F238E27FC236}">
+                <a16:creationId xmlns:a16="http://schemas.microsoft.com/office/drawing/2014/main" id="{AE2C7563-49CC-4A95-B8A9-1189C1CE6417}"/>
+              </a:ext>
+            </a:extLst>
+          </p:cNvPr>
+          <p:cNvSpPr>
+            <a:spLocks noGrp="1"/>
+          </p:cNvSpPr>
+          <p:nvPr>
+            <p:ph type="title"/>
+          </p:nvPr>
+        </p:nvSpPr>
+        <p:spPr>
+          <a:xfrm>
+            <a:off x="838200" y="365126"/>
+            <a:ext cx="10515600" cy="711200"/>
+          </a:xfrm>
+        </p:spPr>
+        <p:txBody>
+          <a:bodyPr>
+            <a:normAutofit/>
+          </a:bodyPr>
+          <a:lstStyle/>
+          <a:p>
+            <a:r>
+              <a:rPr lang="nl-BE" sz="3600" dirty="0" err="1"/>
+              <a:t>Trnsys</a:t>
+            </a:r>
+            <a:r>
+              <a:rPr lang="nl-BE" sz="3600" dirty="0"/>
+              <a:t> Type1: </a:t>
+            </a:r>
+            <a:r>
+              <a:rPr lang="nl-BE" sz="3600" dirty="0" err="1"/>
               <a:t>correction</a:t>
             </a:r>
             <a:r>
@@ -6313,13 +8774,15 @@
               </a:ext>
             </a:extLst>
           </p:cNvPr>
-          <p:cNvCxnSpPr/>
+          <p:cNvCxnSpPr>
+            <a:cxnSpLocks/>
+          </p:cNvCxnSpPr>
           <p:nvPr/>
         </p:nvCxnSpPr>
         <p:spPr>
           <a:xfrm flipV="1">
-            <a:off x="3143250" y="2228850"/>
-            <a:ext cx="5812214" cy="361522"/>
+            <a:off x="3168436" y="1933334"/>
+            <a:ext cx="5133484" cy="295516"/>
           </a:xfrm>
           <a:prstGeom prst="straightConnector1">
             <a:avLst/>
@@ -6357,8 +8820,8 @@
         </p:nvSpPr>
         <p:spPr>
           <a:xfrm>
-            <a:off x="9029209" y="1859518"/>
-            <a:ext cx="2696892" cy="369332"/>
+            <a:off x="8365820" y="1523391"/>
+            <a:ext cx="3448573" cy="461665"/>
           </a:xfrm>
           <a:prstGeom prst="rect">
             <a:avLst/>
@@ -6372,20 +8835,142 @@
           <a:lstStyle/>
           <a:p>
             <a:r>
-              <a:rPr lang="nl-BE" dirty="0" err="1">
+              <a:rPr lang="nl-BE" sz="1200" dirty="0" err="1">
                 <a:solidFill>
                   <a:srgbClr val="FF0000"/>
                 </a:solidFill>
               </a:rPr>
-              <a:t>Not</a:t>
-            </a:r>
-            <a:r>
-              <a:rPr lang="nl-BE" dirty="0">
+              <a:t>Sky</a:t>
+            </a:r>
+            <a:r>
+              <a:rPr lang="nl-BE" sz="1200" dirty="0">
                 <a:solidFill>
                   <a:srgbClr val="FF0000"/>
                 </a:solidFill>
               </a:rPr>
-              <a:t> correct? See next slide</a:t>
+              <a:t> diffuse </a:t>
+            </a:r>
+            <a:r>
+              <a:rPr lang="nl-BE" sz="1200" dirty="0" err="1">
+                <a:solidFill>
+                  <a:srgbClr val="FF0000"/>
+                </a:solidFill>
+              </a:rPr>
+              <a:t>radiation</a:t>
+            </a:r>
+            <a:r>
+              <a:rPr lang="nl-BE" sz="1200" dirty="0">
+                <a:solidFill>
+                  <a:srgbClr val="FF0000"/>
+                </a:solidFill>
+              </a:rPr>
+              <a:t> on </a:t>
+            </a:r>
+            <a:r>
+              <a:rPr lang="nl-BE" sz="1200" dirty="0" err="1">
+                <a:solidFill>
+                  <a:srgbClr val="FF0000"/>
+                </a:solidFill>
+              </a:rPr>
+              <a:t>tilted</a:t>
+            </a:r>
+            <a:r>
+              <a:rPr lang="nl-BE" sz="1200" dirty="0">
+                <a:solidFill>
+                  <a:srgbClr val="FF0000"/>
+                </a:solidFill>
+              </a:rPr>
+              <a:t> </a:t>
+            </a:r>
+            <a:r>
+              <a:rPr lang="nl-BE" sz="1200" dirty="0" err="1">
+                <a:solidFill>
+                  <a:srgbClr val="FF0000"/>
+                </a:solidFill>
+              </a:rPr>
+              <a:t>surface</a:t>
+            </a:r>
+            <a:r>
+              <a:rPr lang="nl-BE" sz="1200" dirty="0">
+                <a:solidFill>
+                  <a:srgbClr val="FF0000"/>
+                </a:solidFill>
+              </a:rPr>
+              <a:t> </a:t>
+            </a:r>
+          </a:p>
+          <a:p>
+            <a:r>
+              <a:rPr lang="nl-BE" sz="1200" dirty="0">
+                <a:solidFill>
+                  <a:srgbClr val="FF0000"/>
+                </a:solidFill>
+              </a:rPr>
+              <a:t>as a </a:t>
+            </a:r>
+            <a:r>
+              <a:rPr lang="nl-BE" sz="1200" dirty="0" err="1">
+                <a:solidFill>
+                  <a:srgbClr val="FF0000"/>
+                </a:solidFill>
+              </a:rPr>
+              <a:t>fraction</a:t>
+            </a:r>
+            <a:r>
+              <a:rPr lang="nl-BE" sz="1200" dirty="0">
+                <a:solidFill>
+                  <a:srgbClr val="FF0000"/>
+                </a:solidFill>
+              </a:rPr>
+              <a:t> of </a:t>
+            </a:r>
+            <a:r>
+              <a:rPr lang="nl-BE" sz="1200" dirty="0" err="1">
+                <a:solidFill>
+                  <a:srgbClr val="FF0000"/>
+                </a:solidFill>
+              </a:rPr>
+              <a:t>sky</a:t>
+            </a:r>
+            <a:r>
+              <a:rPr lang="nl-BE" sz="1200" dirty="0">
+                <a:solidFill>
+                  <a:srgbClr val="FF0000"/>
+                </a:solidFill>
+              </a:rPr>
+              <a:t> diffuse </a:t>
+            </a:r>
+            <a:r>
+              <a:rPr lang="nl-BE" sz="1200" dirty="0" err="1">
+                <a:solidFill>
+                  <a:srgbClr val="FF0000"/>
+                </a:solidFill>
+              </a:rPr>
+              <a:t>radiation</a:t>
+            </a:r>
+            <a:r>
+              <a:rPr lang="nl-BE" sz="1200" dirty="0">
+                <a:solidFill>
+                  <a:srgbClr val="FF0000"/>
+                </a:solidFill>
+              </a:rPr>
+              <a:t> on </a:t>
+            </a:r>
+            <a:r>
+              <a:rPr lang="nl-BE" sz="1200" dirty="0" err="1">
+                <a:solidFill>
+                  <a:srgbClr val="FF0000"/>
+                </a:solidFill>
+              </a:rPr>
+              <a:t>horizontal</a:t>
+            </a:r>
+            <a:r>
+              <a:rPr lang="nl-BE" sz="1200" dirty="0">
+                <a:solidFill>
+                  <a:srgbClr val="FF0000"/>
+                </a:solidFill>
+              </a:rPr>
+              <a:t> ok</a:t>
             </a:r>
           </a:p>
         </p:txBody>
@@ -6450,6 +9035,300 @@
           </a:prstGeom>
         </p:spPr>
       </p:pic>
+      <p:cxnSp>
+        <p:nvCxnSpPr>
+          <p:cNvPr id="14" name="Rechte verbindingslijn met pijl 13">
+            <a:extLst>
+              <a:ext uri="{FF2B5EF4-FFF2-40B4-BE49-F238E27FC236}">
+                <a16:creationId xmlns:a16="http://schemas.microsoft.com/office/drawing/2014/main" id="{F665DE93-2262-40EB-9128-7B015A0F4502}"/>
+              </a:ext>
+            </a:extLst>
+          </p:cNvPr>
+          <p:cNvCxnSpPr>
+            <a:cxnSpLocks/>
+          </p:cNvCxnSpPr>
+          <p:nvPr/>
+        </p:nvCxnSpPr>
+        <p:spPr>
+          <a:xfrm>
+            <a:off x="3991447" y="2629452"/>
+            <a:ext cx="3952403" cy="728074"/>
+          </a:xfrm>
+          <a:prstGeom prst="straightConnector1">
+            <a:avLst/>
+          </a:prstGeom>
+          <a:ln>
+            <a:tailEnd type="triangle"/>
+          </a:ln>
+        </p:spPr>
+        <p:style>
+          <a:lnRef idx="1">
+            <a:schemeClr val="accent1"/>
+          </a:lnRef>
+          <a:fillRef idx="0">
+            <a:schemeClr val="accent1"/>
+          </a:fillRef>
+          <a:effectRef idx="0">
+            <a:schemeClr val="accent1"/>
+          </a:effectRef>
+          <a:fontRef idx="minor">
+            <a:schemeClr val="tx1"/>
+          </a:fontRef>
+        </p:style>
+      </p:cxnSp>
+      <p:sp>
+        <p:nvSpPr>
+          <p:cNvPr id="16" name="Ovaal 15">
+            <a:extLst>
+              <a:ext uri="{FF2B5EF4-FFF2-40B4-BE49-F238E27FC236}">
+                <a16:creationId xmlns:a16="http://schemas.microsoft.com/office/drawing/2014/main" id="{8FE0A733-8DD0-46F8-8E16-B66E2EDA62DE}"/>
+              </a:ext>
+            </a:extLst>
+          </p:cNvPr>
+          <p:cNvSpPr/>
+          <p:nvPr/>
+        </p:nvSpPr>
+        <p:spPr>
+          <a:xfrm>
+            <a:off x="3615209" y="2240032"/>
+            <a:ext cx="891294" cy="476250"/>
+          </a:xfrm>
+          <a:prstGeom prst="ellipse">
+            <a:avLst/>
+          </a:prstGeom>
+          <a:noFill/>
+          <a:ln w="38100">
+            <a:solidFill>
+              <a:srgbClr val="FF0000"/>
+            </a:solidFill>
+          </a:ln>
+        </p:spPr>
+        <p:style>
+          <a:lnRef idx="2">
+            <a:schemeClr val="accent1">
+              <a:shade val="50000"/>
+            </a:schemeClr>
+          </a:lnRef>
+          <a:fillRef idx="1">
+            <a:schemeClr val="accent1"/>
+          </a:fillRef>
+          <a:effectRef idx="0">
+            <a:schemeClr val="accent1"/>
+          </a:effectRef>
+          <a:fontRef idx="minor">
+            <a:schemeClr val="lt1"/>
+          </a:fontRef>
+        </p:style>
+        <p:txBody>
+          <a:bodyPr rtlCol="0" anchor="ctr"/>
+          <a:lstStyle/>
+          <a:p>
+            <a:pPr algn="ctr"/>
+            <a:endParaRPr lang="nl-BE"/>
+          </a:p>
+        </p:txBody>
+      </p:sp>
+      <p:sp>
+        <p:nvSpPr>
+          <p:cNvPr id="17" name="Tekstvak 16">
+            <a:extLst>
+              <a:ext uri="{FF2B5EF4-FFF2-40B4-BE49-F238E27FC236}">
+                <a16:creationId xmlns:a16="http://schemas.microsoft.com/office/drawing/2014/main" id="{B3151F92-8D25-4717-AA4B-4A766339F781}"/>
+              </a:ext>
+            </a:extLst>
+          </p:cNvPr>
+          <p:cNvSpPr txBox="1"/>
+          <p:nvPr/>
+        </p:nvSpPr>
+        <p:spPr>
+          <a:xfrm>
+            <a:off x="8083685" y="3247411"/>
+            <a:ext cx="3950312" cy="461665"/>
+          </a:xfrm>
+          <a:prstGeom prst="rect">
+            <a:avLst/>
+          </a:prstGeom>
+          <a:noFill/>
+        </p:spPr>
+        <p:txBody>
+          <a:bodyPr wrap="none" rtlCol="0">
+            <a:spAutoFit/>
+          </a:bodyPr>
+          <a:lstStyle/>
+          <a:p>
+            <a:r>
+              <a:rPr lang="nl-BE" sz="1200" dirty="0" err="1">
+                <a:solidFill>
+                  <a:srgbClr val="FF0000"/>
+                </a:solidFill>
+              </a:rPr>
+              <a:t>Ground</a:t>
+            </a:r>
+            <a:r>
+              <a:rPr lang="nl-BE" sz="1200" dirty="0">
+                <a:solidFill>
+                  <a:srgbClr val="FF0000"/>
+                </a:solidFill>
+              </a:rPr>
+              <a:t> </a:t>
+            </a:r>
+            <a:r>
+              <a:rPr lang="nl-BE" sz="1200" dirty="0" err="1">
+                <a:solidFill>
+                  <a:srgbClr val="FF0000"/>
+                </a:solidFill>
+              </a:rPr>
+              <a:t>reflected</a:t>
+            </a:r>
+            <a:r>
+              <a:rPr lang="nl-BE" sz="1200" dirty="0">
+                <a:solidFill>
+                  <a:srgbClr val="FF0000"/>
+                </a:solidFill>
+              </a:rPr>
+              <a:t> </a:t>
+            </a:r>
+            <a:r>
+              <a:rPr lang="nl-BE" sz="1200" dirty="0" err="1">
+                <a:solidFill>
+                  <a:srgbClr val="FF0000"/>
+                </a:solidFill>
+              </a:rPr>
+              <a:t>radiation</a:t>
+            </a:r>
+            <a:r>
+              <a:rPr lang="nl-BE" sz="1200" dirty="0">
+                <a:solidFill>
+                  <a:srgbClr val="FF0000"/>
+                </a:solidFill>
+              </a:rPr>
+              <a:t> on </a:t>
+            </a:r>
+            <a:r>
+              <a:rPr lang="nl-BE" sz="1200" dirty="0" err="1">
+                <a:solidFill>
+                  <a:srgbClr val="FF0000"/>
+                </a:solidFill>
+              </a:rPr>
+              <a:t>tilted</a:t>
+            </a:r>
+            <a:r>
+              <a:rPr lang="nl-BE" sz="1200" dirty="0">
+                <a:solidFill>
+                  <a:srgbClr val="FF0000"/>
+                </a:solidFill>
+              </a:rPr>
+              <a:t> </a:t>
+            </a:r>
+            <a:r>
+              <a:rPr lang="nl-BE" sz="1200" dirty="0" err="1">
+                <a:solidFill>
+                  <a:srgbClr val="FF0000"/>
+                </a:solidFill>
+              </a:rPr>
+              <a:t>surface</a:t>
+            </a:r>
+            <a:r>
+              <a:rPr lang="nl-BE" sz="1200" dirty="0">
+                <a:solidFill>
+                  <a:srgbClr val="FF0000"/>
+                </a:solidFill>
+              </a:rPr>
+              <a:t> </a:t>
+            </a:r>
+          </a:p>
+          <a:p>
+            <a:r>
+              <a:rPr lang="nl-BE" sz="1200" dirty="0">
+                <a:solidFill>
+                  <a:srgbClr val="FF0000"/>
+                </a:solidFill>
+              </a:rPr>
+              <a:t>as a </a:t>
+            </a:r>
+            <a:r>
+              <a:rPr lang="nl-BE" sz="1200" dirty="0" err="1">
+                <a:solidFill>
+                  <a:srgbClr val="FF0000"/>
+                </a:solidFill>
+              </a:rPr>
+              <a:t>fraction</a:t>
+            </a:r>
+            <a:r>
+              <a:rPr lang="nl-BE" sz="1200" dirty="0">
+                <a:solidFill>
+                  <a:srgbClr val="FF0000"/>
+                </a:solidFill>
+              </a:rPr>
+              <a:t> of </a:t>
+            </a:r>
+            <a:r>
+              <a:rPr lang="nl-BE" sz="1200" dirty="0" err="1">
+                <a:solidFill>
+                  <a:srgbClr val="FF0000"/>
+                </a:solidFill>
+              </a:rPr>
+              <a:t>beam</a:t>
+            </a:r>
+            <a:r>
+              <a:rPr lang="nl-BE" sz="1200" dirty="0">
+                <a:solidFill>
+                  <a:srgbClr val="FF0000"/>
+                </a:solidFill>
+              </a:rPr>
+              <a:t> + </a:t>
+            </a:r>
+            <a:r>
+              <a:rPr lang="nl-BE" sz="1200" dirty="0" err="1">
+                <a:solidFill>
+                  <a:srgbClr val="FF0000"/>
+                </a:solidFill>
+              </a:rPr>
+              <a:t>sky</a:t>
+            </a:r>
+            <a:r>
+              <a:rPr lang="nl-BE" sz="1200" dirty="0">
+                <a:solidFill>
+                  <a:srgbClr val="FF0000"/>
+                </a:solidFill>
+              </a:rPr>
+              <a:t> diffuse </a:t>
+            </a:r>
+            <a:r>
+              <a:rPr lang="nl-BE" sz="1200" dirty="0" err="1">
+                <a:solidFill>
+                  <a:srgbClr val="FF0000"/>
+                </a:solidFill>
+              </a:rPr>
+              <a:t>radiation</a:t>
+            </a:r>
+            <a:r>
+              <a:rPr lang="nl-BE" sz="1200" dirty="0">
+                <a:solidFill>
+                  <a:srgbClr val="FF0000"/>
+                </a:solidFill>
+              </a:rPr>
+              <a:t> on </a:t>
+            </a:r>
+            <a:r>
+              <a:rPr lang="nl-BE" sz="1200" dirty="0" err="1">
+                <a:solidFill>
+                  <a:srgbClr val="FF0000"/>
+                </a:solidFill>
+              </a:rPr>
+              <a:t>horizontal</a:t>
+            </a:r>
+            <a:r>
+              <a:rPr lang="nl-BE" sz="1200" dirty="0">
+                <a:solidFill>
+                  <a:srgbClr val="FF0000"/>
+                </a:solidFill>
+              </a:rPr>
+              <a:t> ok</a:t>
+            </a:r>
+          </a:p>
+        </p:txBody>
+      </p:sp>
     </p:spTree>
     <p:extLst>
       <p:ext uri="{BB962C8B-B14F-4D97-AF65-F5344CB8AC3E}">
@@ -6463,7 +9342,7 @@
 </p:sld>
 </file>
 
-<file path=ppt/slides/slide6.xml><?xml version="1.0" encoding="utf-8"?>
+<file path=ppt/slides/slide8.xml><?xml version="1.0" encoding="utf-8"?>
 <p:sld xmlns:a="http://schemas.openxmlformats.org/drawingml/2006/main" xmlns:r="http://schemas.openxmlformats.org/officeDocument/2006/relationships" xmlns:p="http://schemas.openxmlformats.org/presentationml/2006/main">
   <p:cSld>
     <p:spTree>
@@ -6674,475 +9553,168 @@
           </a:prstGeom>
         </p:spPr>
       </p:pic>
-    </p:spTree>
-    <p:extLst>
-      <p:ext uri="{BB962C8B-B14F-4D97-AF65-F5344CB8AC3E}">
-        <p14:creationId xmlns:p14="http://schemas.microsoft.com/office/powerpoint/2010/main" val="2995060201"/>
-      </p:ext>
-    </p:extLst>
-  </p:cSld>
-  <p:clrMapOvr>
-    <a:masterClrMapping/>
-  </p:clrMapOvr>
-</p:sld>
-</file>
-
-<file path=ppt/slides/slide7.xml><?xml version="1.0" encoding="utf-8"?>
-<p:sld xmlns:a="http://schemas.openxmlformats.org/drawingml/2006/main" xmlns:r="http://schemas.openxmlformats.org/officeDocument/2006/relationships" xmlns:p="http://schemas.openxmlformats.org/presentationml/2006/main">
-  <p:cSld>
-    <p:bg>
-      <p:bgPr>
-        <a:solidFill>
-          <a:schemeClr val="bg1"/>
-        </a:solidFill>
-        <a:effectLst/>
-      </p:bgPr>
-    </p:bg>
-    <p:spTree>
-      <p:nvGrpSpPr>
-        <p:cNvPr id="1" name=""/>
-        <p:cNvGrpSpPr/>
-        <p:nvPr/>
-      </p:nvGrpSpPr>
-      <p:grpSpPr>
-        <a:xfrm>
-          <a:off x="0" y="0"/>
-          <a:ext cx="0" cy="0"/>
-          <a:chOff x="0" y="0"/>
-          <a:chExt cx="0" cy="0"/>
-        </a:xfrm>
-      </p:grpSpPr>
       <p:sp>
         <p:nvSpPr>
-          <p:cNvPr id="2" name="Titel 1">
-            <a:extLst>
-              <a:ext uri="{FF2B5EF4-FFF2-40B4-BE49-F238E27FC236}">
-                <a16:creationId xmlns:a16="http://schemas.microsoft.com/office/drawing/2014/main" id="{AE2C7563-49CC-4A95-B8A9-1189C1CE6417}"/>
-              </a:ext>
-            </a:extLst>
-          </p:cNvPr>
-          <p:cNvSpPr>
-            <a:spLocks noGrp="1"/>
-          </p:cNvSpPr>
-          <p:nvPr>
-            <p:ph type="title"/>
-          </p:nvPr>
+          <p:cNvPr id="7" name="Tekstvak 6">
+            <a:extLst>
+              <a:ext uri="{FF2B5EF4-FFF2-40B4-BE49-F238E27FC236}">
+                <a16:creationId xmlns:a16="http://schemas.microsoft.com/office/drawing/2014/main" id="{999D2F9E-6B4C-4114-974E-BE65D6F3BEBA}"/>
+              </a:ext>
+            </a:extLst>
+          </p:cNvPr>
+          <p:cNvSpPr txBox="1"/>
+          <p:nvPr/>
         </p:nvSpPr>
         <p:spPr>
           <a:xfrm>
-            <a:off x="838200" y="365126"/>
-            <a:ext cx="10515600" cy="711200"/>
+            <a:off x="6163408" y="3333334"/>
+            <a:ext cx="3753463" cy="369332"/>
           </a:xfrm>
+          <a:prstGeom prst="rect">
+            <a:avLst/>
+          </a:prstGeom>
+          <a:solidFill>
+            <a:srgbClr val="FFC000"/>
+          </a:solidFill>
         </p:spPr>
         <p:txBody>
-          <a:bodyPr>
-            <a:normAutofit/>
+          <a:bodyPr wrap="none" rtlCol="0">
+            <a:spAutoFit/>
           </a:bodyPr>
           <a:lstStyle/>
           <a:p>
             <a:r>
-              <a:rPr lang="nl-BE" sz="3600" dirty="0" err="1"/>
-              <a:t>Trnsys</a:t>
-            </a:r>
-            <a:r>
-              <a:rPr lang="nl-BE" sz="3600" dirty="0"/>
-              <a:t> Type1: </a:t>
-            </a:r>
-            <a:r>
-              <a:rPr lang="nl-BE" sz="3600" dirty="0" err="1"/>
-              <a:t>corrections</a:t>
-            </a:r>
-            <a:endParaRPr lang="nl-BE" sz="3600" dirty="0"/>
+              <a:rPr lang="nl-BE" dirty="0" err="1"/>
+              <a:t>Should</a:t>
+            </a:r>
+            <a:r>
+              <a:rPr lang="nl-BE" dirty="0"/>
+              <a:t> </a:t>
+            </a:r>
+            <a:r>
+              <a:rPr lang="nl-BE" dirty="0" err="1"/>
+              <a:t>be</a:t>
+            </a:r>
+            <a:r>
+              <a:rPr lang="nl-BE" dirty="0"/>
+              <a:t> diffuse </a:t>
+            </a:r>
+            <a:r>
+              <a:rPr lang="nl-BE" dirty="0" err="1"/>
+              <a:t>radiation</a:t>
+            </a:r>
+            <a:r>
+              <a:rPr lang="nl-BE" dirty="0"/>
+              <a:t> on </a:t>
+            </a:r>
+            <a:r>
+              <a:rPr lang="nl-BE" dirty="0" err="1"/>
+              <a:t>horiz</a:t>
+            </a:r>
+            <a:r>
+              <a:rPr lang="nl-BE" dirty="0"/>
+              <a:t> …</a:t>
+            </a:r>
           </a:p>
         </p:txBody>
       </p:sp>
+      <p:cxnSp>
+        <p:nvCxnSpPr>
+          <p:cNvPr id="9" name="Rechte verbindingslijn met pijl 8">
+            <a:extLst>
+              <a:ext uri="{FF2B5EF4-FFF2-40B4-BE49-F238E27FC236}">
+                <a16:creationId xmlns:a16="http://schemas.microsoft.com/office/drawing/2014/main" id="{F4F12C18-3D8A-4B34-BA3A-B66E9D522CC5}"/>
+              </a:ext>
+            </a:extLst>
+          </p:cNvPr>
+          <p:cNvCxnSpPr>
+            <a:endCxn id="7" idx="1"/>
+          </p:cNvCxnSpPr>
+          <p:nvPr/>
+        </p:nvCxnSpPr>
+        <p:spPr>
+          <a:xfrm flipV="1">
+            <a:off x="1987062" y="3518000"/>
+            <a:ext cx="4176346" cy="275332"/>
+          </a:xfrm>
+          <a:prstGeom prst="straightConnector1">
+            <a:avLst/>
+          </a:prstGeom>
+          <a:ln>
+            <a:tailEnd type="triangle"/>
+          </a:ln>
+        </p:spPr>
+        <p:style>
+          <a:lnRef idx="1">
+            <a:schemeClr val="accent2"/>
+          </a:lnRef>
+          <a:fillRef idx="0">
+            <a:schemeClr val="accent2"/>
+          </a:fillRef>
+          <a:effectRef idx="0">
+            <a:schemeClr val="accent2"/>
+          </a:effectRef>
+          <a:fontRef idx="minor">
+            <a:schemeClr val="tx1"/>
+          </a:fontRef>
+        </p:style>
+      </p:cxnSp>
       <p:sp>
         <p:nvSpPr>
-          <p:cNvPr id="3" name="Tijdelijke aanduiding voor inhoud 2">
-            <a:extLst>
-              <a:ext uri="{FF2B5EF4-FFF2-40B4-BE49-F238E27FC236}">
-                <a16:creationId xmlns:a16="http://schemas.microsoft.com/office/drawing/2014/main" id="{FA8BA756-D5E9-4CF7-9422-DE10107CA025}"/>
-              </a:ext>
-            </a:extLst>
-          </p:cNvPr>
-          <p:cNvSpPr>
-            <a:spLocks noGrp="1"/>
-          </p:cNvSpPr>
-          <p:nvPr>
-            <p:ph idx="1"/>
-          </p:nvPr>
+          <p:cNvPr id="10" name="Ovaal 9">
+            <a:extLst>
+              <a:ext uri="{FF2B5EF4-FFF2-40B4-BE49-F238E27FC236}">
+                <a16:creationId xmlns:a16="http://schemas.microsoft.com/office/drawing/2014/main" id="{F9C28760-7AF9-4A25-95CD-66E5A986F84C}"/>
+              </a:ext>
+            </a:extLst>
+          </p:cNvPr>
+          <p:cNvSpPr/>
+          <p:nvPr/>
         </p:nvSpPr>
         <p:spPr>
           <a:xfrm>
-            <a:off x="838200" y="1291472"/>
-            <a:ext cx="10515600" cy="5309353"/>
+            <a:off x="1793631" y="3657600"/>
+            <a:ext cx="167054" cy="175846"/>
           </a:xfrm>
+          <a:prstGeom prst="ellipse">
+            <a:avLst/>
+          </a:prstGeom>
+          <a:noFill/>
+          <a:ln>
+            <a:solidFill>
+              <a:schemeClr val="accent2"/>
+            </a:solidFill>
+          </a:ln>
         </p:spPr>
+        <p:style>
+          <a:lnRef idx="2">
+            <a:schemeClr val="accent1">
+              <a:shade val="50000"/>
+            </a:schemeClr>
+          </a:lnRef>
+          <a:fillRef idx="1">
+            <a:schemeClr val="accent1"/>
+          </a:fillRef>
+          <a:effectRef idx="0">
+            <a:schemeClr val="accent1"/>
+          </a:effectRef>
+          <a:fontRef idx="minor">
+            <a:schemeClr val="lt1"/>
+          </a:fontRef>
+        </p:style>
         <p:txBody>
-          <a:bodyPr>
-            <a:normAutofit/>
-          </a:bodyPr>
+          <a:bodyPr rtlCol="0" anchor="ctr"/>
           <a:lstStyle/>
           <a:p>
-            <a:pPr>
-              <a:buFontTx/>
-              <a:buChar char="-"/>
-            </a:pPr>
-            <a:r>
-              <a:rPr lang="nl-BE" sz="2000" dirty="0"/>
-              <a:t>Flow </a:t>
-            </a:r>
-            <a:r>
-              <a:rPr lang="nl-BE" sz="2000" dirty="0" err="1"/>
-              <a:t>rate</a:t>
-            </a:r>
-            <a:r>
-              <a:rPr lang="nl-BE" sz="2000" dirty="0"/>
-              <a:t> different </a:t>
-            </a:r>
-            <a:r>
-              <a:rPr lang="nl-BE" sz="2000" dirty="0" err="1"/>
-              <a:t>from</a:t>
-            </a:r>
-            <a:r>
-              <a:rPr lang="nl-BE" sz="2000" dirty="0"/>
-              <a:t> test</a:t>
-            </a:r>
-          </a:p>
-          <a:p>
-            <a:pPr>
-              <a:buFontTx/>
-              <a:buChar char="-"/>
-            </a:pPr>
-            <a:r>
-              <a:rPr lang="nl-BE" sz="2000" dirty="0"/>
-              <a:t>Collectors in series</a:t>
-            </a:r>
-          </a:p>
-          <a:p>
-            <a:pPr>
-              <a:buFontTx/>
-              <a:buChar char="-"/>
-            </a:pPr>
-            <a:endParaRPr lang="nl-BE" sz="2000" dirty="0"/>
-          </a:p>
-          <a:p>
-            <a:pPr>
-              <a:buFontTx/>
-              <a:buChar char="-"/>
-            </a:pPr>
-            <a:endParaRPr lang="nl-BE" sz="2000" dirty="0"/>
-          </a:p>
-          <a:p>
-            <a:pPr marL="0" indent="0">
-              <a:buNone/>
-            </a:pPr>
-            <a:r>
-              <a:rPr lang="nl-BE" sz="2000" dirty="0"/>
-              <a:t>Is </a:t>
-            </a:r>
-            <a:r>
-              <a:rPr lang="nl-BE" sz="2000" dirty="0" err="1"/>
-              <a:t>this</a:t>
-            </a:r>
-            <a:r>
-              <a:rPr lang="nl-BE" sz="2000" dirty="0"/>
-              <a:t> </a:t>
-            </a:r>
-            <a:r>
-              <a:rPr lang="nl-BE" sz="2000" dirty="0" err="1"/>
-              <a:t>necessary</a:t>
-            </a:r>
-            <a:r>
-              <a:rPr lang="nl-BE" sz="2000" dirty="0"/>
-              <a:t>?</a:t>
-            </a:r>
+            <a:pPr algn="ctr"/>
+            <a:endParaRPr lang="nl-BE"/>
           </a:p>
         </p:txBody>
       </p:sp>
     </p:spTree>
     <p:extLst>
       <p:ext uri="{BB962C8B-B14F-4D97-AF65-F5344CB8AC3E}">
-        <p14:creationId xmlns:p14="http://schemas.microsoft.com/office/powerpoint/2010/main" val="3096591386"/>
-      </p:ext>
-    </p:extLst>
-  </p:cSld>
-  <p:clrMapOvr>
-    <a:masterClrMapping/>
-  </p:clrMapOvr>
-</p:sld>
-</file>
-
-<file path=ppt/slides/slide8.xml><?xml version="1.0" encoding="utf-8"?>
-<p:sld xmlns:a="http://schemas.openxmlformats.org/drawingml/2006/main" xmlns:r="http://schemas.openxmlformats.org/officeDocument/2006/relationships" xmlns:p="http://schemas.openxmlformats.org/presentationml/2006/main">
-  <p:cSld>
-    <p:bg>
-      <p:bgPr>
-        <a:solidFill>
-          <a:schemeClr val="bg1"/>
-        </a:solidFill>
-        <a:effectLst/>
-      </p:bgPr>
-    </p:bg>
-    <p:spTree>
-      <p:nvGrpSpPr>
-        <p:cNvPr id="1" name=""/>
-        <p:cNvGrpSpPr/>
-        <p:nvPr/>
-      </p:nvGrpSpPr>
-      <p:grpSpPr>
-        <a:xfrm>
-          <a:off x="0" y="0"/>
-          <a:ext cx="0" cy="0"/>
-          <a:chOff x="0" y="0"/>
-          <a:chExt cx="0" cy="0"/>
-        </a:xfrm>
-      </p:grpSpPr>
-      <p:sp>
-        <p:nvSpPr>
-          <p:cNvPr id="2" name="Titel 1">
-            <a:extLst>
-              <a:ext uri="{FF2B5EF4-FFF2-40B4-BE49-F238E27FC236}">
-                <a16:creationId xmlns:a16="http://schemas.microsoft.com/office/drawing/2014/main" id="{AE2C7563-49CC-4A95-B8A9-1189C1CE6417}"/>
-              </a:ext>
-            </a:extLst>
-          </p:cNvPr>
-          <p:cNvSpPr>
-            <a:spLocks noGrp="1"/>
-          </p:cNvSpPr>
-          <p:nvPr>
-            <p:ph type="title"/>
-          </p:nvPr>
-        </p:nvSpPr>
-        <p:spPr>
-          <a:xfrm>
-            <a:off x="838200" y="365126"/>
-            <a:ext cx="10515600" cy="711200"/>
-          </a:xfrm>
-        </p:spPr>
-        <p:txBody>
-          <a:bodyPr>
-            <a:normAutofit/>
-          </a:bodyPr>
-          <a:lstStyle/>
-          <a:p>
-            <a:r>
-              <a:rPr lang="nl-BE" sz="3600" dirty="0"/>
-              <a:t>Incident </a:t>
-            </a:r>
-            <a:r>
-              <a:rPr lang="nl-BE" sz="3600" dirty="0" err="1"/>
-              <a:t>angle</a:t>
-            </a:r>
-            <a:r>
-              <a:rPr lang="nl-BE" sz="3600" dirty="0"/>
-              <a:t> in </a:t>
-            </a:r>
-            <a:r>
-              <a:rPr lang="nl-BE" sz="3600" dirty="0" err="1"/>
-              <a:t>longitudinal</a:t>
-            </a:r>
-            <a:r>
-              <a:rPr lang="nl-BE" sz="3600" dirty="0"/>
-              <a:t> </a:t>
-            </a:r>
-            <a:r>
-              <a:rPr lang="nl-BE" sz="3600" dirty="0" err="1"/>
-              <a:t>and</a:t>
-            </a:r>
-            <a:r>
-              <a:rPr lang="nl-BE" sz="3600" dirty="0"/>
-              <a:t> </a:t>
-            </a:r>
-            <a:r>
-              <a:rPr lang="nl-BE" sz="3600" dirty="0" err="1"/>
-              <a:t>transversal</a:t>
-            </a:r>
-            <a:r>
-              <a:rPr lang="nl-BE" sz="3600" dirty="0"/>
-              <a:t> </a:t>
-            </a:r>
-            <a:r>
-              <a:rPr lang="nl-BE" sz="3600" dirty="0" err="1"/>
-              <a:t>direction</a:t>
-            </a:r>
-            <a:endParaRPr lang="nl-BE" sz="3600" dirty="0"/>
-          </a:p>
-        </p:txBody>
-      </p:sp>
-      <p:sp>
-        <p:nvSpPr>
-          <p:cNvPr id="3" name="Tijdelijke aanduiding voor inhoud 2">
-            <a:extLst>
-              <a:ext uri="{FF2B5EF4-FFF2-40B4-BE49-F238E27FC236}">
-                <a16:creationId xmlns:a16="http://schemas.microsoft.com/office/drawing/2014/main" id="{FA8BA756-D5E9-4CF7-9422-DE10107CA025}"/>
-              </a:ext>
-            </a:extLst>
-          </p:cNvPr>
-          <p:cNvSpPr>
-            <a:spLocks noGrp="1"/>
-          </p:cNvSpPr>
-          <p:nvPr>
-            <p:ph idx="1"/>
-          </p:nvPr>
-        </p:nvSpPr>
-        <p:spPr>
-          <a:xfrm>
-            <a:off x="838200" y="1291472"/>
-            <a:ext cx="10515600" cy="5309353"/>
-          </a:xfrm>
-        </p:spPr>
-        <p:txBody>
-          <a:bodyPr>
-            <a:normAutofit/>
-          </a:bodyPr>
-          <a:lstStyle/>
-          <a:p>
-            <a:pPr marL="0" indent="0">
-              <a:buNone/>
-            </a:pPr>
-            <a:r>
-              <a:rPr lang="nl-BE" sz="2000" dirty="0"/>
-              <a:t>Cf Solar </a:t>
-            </a:r>
-            <a:r>
-              <a:rPr lang="nl-BE" sz="2000" dirty="0" err="1"/>
-              <a:t>transmittance</a:t>
-            </a:r>
-            <a:r>
-              <a:rPr lang="nl-BE" sz="2000" dirty="0"/>
-              <a:t> </a:t>
-            </a:r>
-            <a:r>
-              <a:rPr lang="nl-BE" sz="2000" dirty="0" err="1"/>
-              <a:t>characteristics</a:t>
-            </a:r>
-            <a:r>
-              <a:rPr lang="nl-BE" sz="2000" dirty="0"/>
-              <a:t> of </a:t>
-            </a:r>
-            <a:r>
-              <a:rPr lang="nl-BE" sz="2000" dirty="0" err="1"/>
-              <a:t>evacuated</a:t>
-            </a:r>
-            <a:r>
-              <a:rPr lang="nl-BE" sz="2000" dirty="0"/>
-              <a:t> </a:t>
-            </a:r>
-            <a:r>
-              <a:rPr lang="nl-BE" sz="2000" dirty="0" err="1"/>
-              <a:t>tubular</a:t>
-            </a:r>
-            <a:r>
-              <a:rPr lang="nl-BE" sz="2000" dirty="0"/>
-              <a:t> collectors </a:t>
-            </a:r>
-            <a:r>
-              <a:rPr lang="nl-BE" sz="2000" dirty="0" err="1"/>
-              <a:t>with</a:t>
-            </a:r>
-            <a:r>
-              <a:rPr lang="nl-BE" sz="2000" dirty="0"/>
-              <a:t> diffuse black collectors. P.-H. Theunissen, W.A. Beckman</a:t>
-            </a:r>
-          </a:p>
-          <a:p>
-            <a:pPr>
-              <a:buFontTx/>
-              <a:buChar char="-"/>
-            </a:pPr>
-            <a:endParaRPr lang="nl-BE" sz="2000" dirty="0"/>
-          </a:p>
-          <a:p>
-            <a:pPr>
-              <a:buFontTx/>
-              <a:buChar char="-"/>
-            </a:pPr>
-            <a:endParaRPr lang="nl-BE" sz="2000" dirty="0"/>
-          </a:p>
-          <a:p>
-            <a:pPr>
-              <a:buFontTx/>
-              <a:buChar char="-"/>
-            </a:pPr>
-            <a:endParaRPr lang="nl-BE" sz="2000" dirty="0"/>
-          </a:p>
-          <a:p>
-            <a:pPr>
-              <a:buFontTx/>
-              <a:buChar char="-"/>
-            </a:pPr>
-            <a:endParaRPr lang="nl-BE" sz="2000" dirty="0"/>
-          </a:p>
-          <a:p>
-            <a:pPr marL="0" indent="0">
-              <a:buNone/>
-            </a:pPr>
-            <a:endParaRPr lang="nl-BE" sz="2000" dirty="0"/>
-          </a:p>
-        </p:txBody>
-      </p:sp>
-      <p:pic>
-        <p:nvPicPr>
-          <p:cNvPr id="4" name="Afbeelding 3">
-            <a:extLst>
-              <a:ext uri="{FF2B5EF4-FFF2-40B4-BE49-F238E27FC236}">
-                <a16:creationId xmlns:a16="http://schemas.microsoft.com/office/drawing/2014/main" id="{9BA5F2F0-D1AC-4B32-992A-6CA7D3E37831}"/>
-              </a:ext>
-            </a:extLst>
-          </p:cNvPr>
-          <p:cNvPicPr/>
-          <p:nvPr/>
-        </p:nvPicPr>
-        <p:blipFill>
-          <a:blip r:embed="rId2"/>
-          <a:stretch>
-            <a:fillRect/>
-          </a:stretch>
-        </p:blipFill>
-        <p:spPr>
-          <a:xfrm>
-            <a:off x="6768446" y="2057854"/>
-            <a:ext cx="3491256" cy="2742292"/>
-          </a:xfrm>
-          <a:prstGeom prst="rect">
-            <a:avLst/>
-          </a:prstGeom>
-        </p:spPr>
-      </p:pic>
-      <p:pic>
-        <p:nvPicPr>
-          <p:cNvPr id="5" name="Afbeelding 4">
-            <a:extLst>
-              <a:ext uri="{FF2B5EF4-FFF2-40B4-BE49-F238E27FC236}">
-                <a16:creationId xmlns:a16="http://schemas.microsoft.com/office/drawing/2014/main" id="{13391022-2100-4ABE-B424-30B61A92559C}"/>
-              </a:ext>
-            </a:extLst>
-          </p:cNvPr>
-          <p:cNvPicPr>
-            <a:picLocks noChangeAspect="1"/>
-          </p:cNvPicPr>
-          <p:nvPr/>
-        </p:nvPicPr>
-        <p:blipFill rotWithShape="1">
-          <a:blip r:embed="rId3"/>
-          <a:srcRect t="34667"/>
-          <a:stretch/>
-        </p:blipFill>
-        <p:spPr>
-          <a:xfrm>
-            <a:off x="968211" y="2227595"/>
-            <a:ext cx="3984209" cy="2052173"/>
-          </a:xfrm>
-          <a:prstGeom prst="rect">
-            <a:avLst/>
-          </a:prstGeom>
-        </p:spPr>
-      </p:pic>
-    </p:spTree>
-    <p:extLst>
-      <p:ext uri="{BB962C8B-B14F-4D97-AF65-F5344CB8AC3E}">
-        <p14:creationId xmlns:p14="http://schemas.microsoft.com/office/powerpoint/2010/main" val="30544260"/>
+        <p14:creationId xmlns:p14="http://schemas.microsoft.com/office/powerpoint/2010/main" val="2995060201"/>
       </p:ext>
     </p:extLst>
   </p:cSld>
@@ -7326,166 +9898,75 @@
             </a:r>
           </a:p>
           <a:p>
+            <a:pPr>
+              <a:buFontTx/>
+              <a:buChar char="-"/>
+            </a:pPr>
+            <a:endParaRPr lang="nl-BE" sz="2000" dirty="0"/>
+          </a:p>
+          <a:p>
+            <a:pPr>
+              <a:buFontTx/>
+              <a:buChar char="-"/>
+            </a:pPr>
+            <a:endParaRPr lang="nl-BE" sz="2000" dirty="0"/>
+          </a:p>
+          <a:p>
+            <a:pPr>
+              <a:buFontTx/>
+              <a:buChar char="-"/>
+            </a:pPr>
+            <a:endParaRPr lang="nl-BE" sz="2000" dirty="0"/>
+          </a:p>
+          <a:p>
+            <a:pPr>
+              <a:buFontTx/>
+              <a:buChar char="-"/>
+            </a:pPr>
+            <a:endParaRPr lang="nl-BE" sz="2000" dirty="0"/>
+          </a:p>
+          <a:p>
             <a:pPr marL="0" indent="0">
               <a:buNone/>
             </a:pPr>
             <a:endParaRPr lang="nl-BE" sz="2000" dirty="0"/>
           </a:p>
-          <a:p>
-            <a:pPr marL="0" indent="0">
-              <a:buNone/>
-            </a:pPr>
-            <a:r>
-              <a:rPr lang="nl-BE" sz="2000" dirty="0"/>
-              <a:t>But, in (15) </a:t>
-            </a:r>
-            <a:r>
-              <a:rPr lang="nl-BE" sz="2000" dirty="0" err="1"/>
-              <a:t>and</a:t>
-            </a:r>
-            <a:r>
-              <a:rPr lang="nl-BE" sz="2000" dirty="0"/>
-              <a:t> (16) </a:t>
-            </a:r>
-            <a:r>
-              <a:rPr lang="el-GR" sz="2000" dirty="0"/>
-              <a:t>Ψ</a:t>
-            </a:r>
-            <a:r>
-              <a:rPr lang="nl-BE" sz="2000" dirty="0"/>
-              <a:t> is </a:t>
-            </a:r>
-            <a:r>
-              <a:rPr lang="nl-BE" sz="2000" dirty="0" err="1"/>
-              <a:t>the</a:t>
-            </a:r>
-            <a:r>
-              <a:rPr lang="nl-BE" sz="2000" dirty="0"/>
-              <a:t> </a:t>
-            </a:r>
-            <a:r>
-              <a:rPr lang="nl-BE" sz="2000" dirty="0" err="1"/>
-              <a:t>angle</a:t>
-            </a:r>
-            <a:r>
-              <a:rPr lang="nl-BE" sz="2000" dirty="0"/>
-              <a:t> </a:t>
-            </a:r>
-            <a:r>
-              <a:rPr lang="nl-BE" sz="2000" dirty="0" err="1"/>
-              <a:t>between</a:t>
-            </a:r>
-            <a:r>
-              <a:rPr lang="nl-BE" sz="2000" dirty="0"/>
-              <a:t> collector </a:t>
-            </a:r>
-            <a:r>
-              <a:rPr lang="nl-BE" sz="2000" dirty="0" err="1"/>
-              <a:t>and</a:t>
-            </a:r>
-            <a:r>
-              <a:rPr lang="nl-BE" sz="2000" dirty="0"/>
-              <a:t> </a:t>
-            </a:r>
-            <a:r>
-              <a:rPr lang="nl-BE" sz="2000" dirty="0" err="1"/>
-              <a:t>sollar</a:t>
-            </a:r>
-            <a:r>
-              <a:rPr lang="nl-BE" sz="2000" dirty="0"/>
-              <a:t> </a:t>
-            </a:r>
-            <a:r>
-              <a:rPr lang="nl-BE" sz="2000" dirty="0" err="1"/>
-              <a:t>azimuth</a:t>
-            </a:r>
-            <a:r>
-              <a:rPr lang="nl-BE" sz="2000" dirty="0"/>
-              <a:t> </a:t>
-            </a:r>
-            <a:r>
-              <a:rPr lang="nl-BE" sz="2000" u="sng" dirty="0"/>
-              <a:t>in </a:t>
-            </a:r>
-            <a:r>
-              <a:rPr lang="nl-BE" sz="2000" u="sng" dirty="0" err="1"/>
-              <a:t>the</a:t>
-            </a:r>
-            <a:r>
-              <a:rPr lang="nl-BE" sz="2000" u="sng" dirty="0"/>
-              <a:t> collector </a:t>
-            </a:r>
-            <a:r>
-              <a:rPr lang="nl-BE" sz="2000" u="sng" dirty="0" err="1"/>
-              <a:t>plane</a:t>
-            </a:r>
-            <a:r>
-              <a:rPr lang="nl-BE" sz="2000" dirty="0"/>
-              <a:t>, </a:t>
-            </a:r>
-            <a:r>
-              <a:rPr lang="nl-BE" sz="2000" dirty="0" err="1"/>
-              <a:t>so</a:t>
-            </a:r>
-            <a:r>
-              <a:rPr lang="nl-BE" sz="2000" dirty="0"/>
-              <a:t> </a:t>
-            </a:r>
-            <a:r>
-              <a:rPr lang="nl-BE" sz="2000" dirty="0" err="1"/>
-              <a:t>for</a:t>
-            </a:r>
-            <a:r>
-              <a:rPr lang="nl-BE" sz="2000" dirty="0"/>
-              <a:t> non-</a:t>
-            </a:r>
-            <a:r>
-              <a:rPr lang="nl-BE" sz="2000" dirty="0" err="1"/>
-              <a:t>horizontal</a:t>
-            </a:r>
-            <a:r>
-              <a:rPr lang="nl-BE" sz="2000" dirty="0"/>
-              <a:t> collector </a:t>
-            </a:r>
-            <a:r>
-              <a:rPr lang="nl-BE" sz="2000" dirty="0" err="1"/>
-              <a:t>with</a:t>
-            </a:r>
-            <a:r>
-              <a:rPr lang="nl-BE" sz="2000" dirty="0"/>
-              <a:t> </a:t>
-            </a:r>
-            <a:r>
-              <a:rPr lang="nl-BE" sz="2000" dirty="0" err="1"/>
-              <a:t>slope</a:t>
-            </a:r>
-            <a:r>
-              <a:rPr lang="nl-BE" sz="2000" dirty="0"/>
-              <a:t> </a:t>
-            </a:r>
-            <a:r>
-              <a:rPr lang="el-GR" sz="2000" dirty="0"/>
-              <a:t>β</a:t>
-            </a:r>
-            <a:r>
-              <a:rPr lang="nl-BE" sz="2000" dirty="0"/>
-              <a:t>:</a:t>
-            </a:r>
-          </a:p>
-          <a:p>
-            <a:pPr marL="0" indent="0">
-              <a:buNone/>
-            </a:pPr>
-            <a:endParaRPr lang="nl-BE" sz="2000" dirty="0"/>
-          </a:p>
         </p:txBody>
       </p:sp>
       <p:pic>
         <p:nvPicPr>
-          <p:cNvPr id="6" name="Afbeelding 5">
-            <a:extLst>
-              <a:ext uri="{FF2B5EF4-FFF2-40B4-BE49-F238E27FC236}">
-                <a16:creationId xmlns:a16="http://schemas.microsoft.com/office/drawing/2014/main" id="{DFA979BD-4E88-4015-A341-3A76DD0036F6}"/>
+          <p:cNvPr id="4" name="Afbeelding 3">
+            <a:extLst>
+              <a:ext uri="{FF2B5EF4-FFF2-40B4-BE49-F238E27FC236}">
+                <a16:creationId xmlns:a16="http://schemas.microsoft.com/office/drawing/2014/main" id="{9BA5F2F0-D1AC-4B32-992A-6CA7D3E37831}"/>
+              </a:ext>
+            </a:extLst>
+          </p:cNvPr>
+          <p:cNvPicPr/>
+          <p:nvPr/>
+        </p:nvPicPr>
+        <p:blipFill>
+          <a:blip r:embed="rId2"/>
+          <a:stretch>
+            <a:fillRect/>
+          </a:stretch>
+        </p:blipFill>
+        <p:spPr>
+          <a:xfrm>
+            <a:off x="6768446" y="2057854"/>
+            <a:ext cx="3491256" cy="2742292"/>
+          </a:xfrm>
+          <a:prstGeom prst="rect">
+            <a:avLst/>
+          </a:prstGeom>
+        </p:spPr>
+      </p:pic>
+      <p:pic>
+        <p:nvPicPr>
+          <p:cNvPr id="5" name="Afbeelding 4">
+            <a:extLst>
+              <a:ext uri="{FF2B5EF4-FFF2-40B4-BE49-F238E27FC236}">
+                <a16:creationId xmlns:a16="http://schemas.microsoft.com/office/drawing/2014/main" id="{13391022-2100-4ABE-B424-30B61A92559C}"/>
               </a:ext>
             </a:extLst>
           </p:cNvPr>
@@ -7495,14 +9976,14 @@
           <p:nvPr/>
         </p:nvPicPr>
         <p:blipFill rotWithShape="1">
-          <a:blip r:embed="rId2"/>
-          <a:srcRect t="18698"/>
+          <a:blip r:embed="rId3"/>
+          <a:srcRect t="34667"/>
           <a:stretch/>
         </p:blipFill>
         <p:spPr>
           <a:xfrm>
-            <a:off x="1066856" y="3074809"/>
-            <a:ext cx="4718026" cy="3526016"/>
+            <a:off x="968211" y="2227595"/>
+            <a:ext cx="3984209" cy="2052173"/>
           </a:xfrm>
           <a:prstGeom prst="rect">
             <a:avLst/>
@@ -7512,7 +9993,7 @@
     </p:spTree>
     <p:extLst>
       <p:ext uri="{BB962C8B-B14F-4D97-AF65-F5344CB8AC3E}">
-        <p14:creationId xmlns:p14="http://schemas.microsoft.com/office/powerpoint/2010/main" val="1229892518"/>
+        <p14:creationId xmlns:p14="http://schemas.microsoft.com/office/powerpoint/2010/main" val="30544260"/>
       </p:ext>
     </p:extLst>
   </p:cSld>
@@ -8035,18 +10516,18 @@
 </file>
 
 <file path=customXml/item2.xml><?xml version="1.0" encoding="utf-8"?>
+<p:properties xmlns:p="http://schemas.microsoft.com/office/2006/metadata/properties" xmlns:xsi="http://www.w3.org/2001/XMLSchema-instance" xmlns:pc="http://schemas.microsoft.com/office/infopath/2007/PartnerControls">
+  <documentManagement/>
+</p:properties>
+</file>
+
+<file path=customXml/item3.xml><?xml version="1.0" encoding="utf-8"?>
 <?mso-contentType ?>
 <FormTemplates xmlns="http://schemas.microsoft.com/sharepoint/v3/contenttype/forms">
   <Display>DocumentLibraryForm</Display>
   <Edit>DocumentLibraryForm</Edit>
   <New>DocumentLibraryForm</New>
 </FormTemplates>
-</file>
-
-<file path=customXml/item3.xml><?xml version="1.0" encoding="utf-8"?>
-<p:properties xmlns:p="http://schemas.microsoft.com/office/2006/metadata/properties" xmlns:xsi="http://www.w3.org/2001/XMLSchema-instance" xmlns:pc="http://schemas.microsoft.com/office/infopath/2007/PartnerControls">
-  <documentManagement/>
-</p:properties>
 </file>
 
 <file path=customXml/itemProps1.xml><?xml version="1.0" encoding="utf-8"?>
@@ -8069,26 +10550,26 @@
 </file>
 
 <file path=customXml/itemProps2.xml><?xml version="1.0" encoding="utf-8"?>
+<ds:datastoreItem xmlns:ds="http://schemas.openxmlformats.org/officeDocument/2006/customXml" ds:itemID="{25C28F49-CCF8-4C08-8BEF-F21A499BF089}">
+  <ds:schemaRefs>
+    <ds:schemaRef ds:uri="http://schemas.microsoft.com/office/infopath/2007/PartnerControls"/>
+    <ds:schemaRef ds:uri="06e5ad5a-5b9a-49ca-a431-d1b157b50487"/>
+    <ds:schemaRef ds:uri="http://purl.org/dc/elements/1.1/"/>
+    <ds:schemaRef ds:uri="http://schemas.microsoft.com/office/2006/metadata/properties"/>
+    <ds:schemaRef ds:uri="http://purl.org/dc/terms/"/>
+    <ds:schemaRef ds:uri="http://schemas.microsoft.com/office/2006/documentManagement/types"/>
+    <ds:schemaRef ds:uri="http://purl.org/dc/dcmitype/"/>
+    <ds:schemaRef ds:uri="http://schemas.openxmlformats.org/package/2006/metadata/core-properties"/>
+    <ds:schemaRef ds:uri="08656f9a-5533-445c-9745-8b78b9f32e94"/>
+    <ds:schemaRef ds:uri="http://www.w3.org/XML/1998/namespace"/>
+  </ds:schemaRefs>
+</ds:datastoreItem>
+</file>
+
+<file path=customXml/itemProps3.xml><?xml version="1.0" encoding="utf-8"?>
 <ds:datastoreItem xmlns:ds="http://schemas.openxmlformats.org/officeDocument/2006/customXml" ds:itemID="{08DF8E97-005B-4FEF-9F58-4A2A9CB25CBC}">
   <ds:schemaRefs>
     <ds:schemaRef ds:uri="http://schemas.microsoft.com/sharepoint/v3/contenttype/forms"/>
   </ds:schemaRefs>
 </ds:datastoreItem>
-</file>
-
-<file path=customXml/itemProps3.xml><?xml version="1.0" encoding="utf-8"?>
-<ds:datastoreItem xmlns:ds="http://schemas.openxmlformats.org/officeDocument/2006/customXml" ds:itemID="{25C28F49-CCF8-4C08-8BEF-F21A499BF089}">
-  <ds:schemaRefs>
-    <ds:schemaRef ds:uri="http://www.w3.org/XML/1998/namespace"/>
-    <ds:schemaRef ds:uri="http://purl.org/dc/terms/"/>
-    <ds:schemaRef ds:uri="06e5ad5a-5b9a-49ca-a431-d1b157b50487"/>
-    <ds:schemaRef ds:uri="http://schemas.microsoft.com/office/2006/documentManagement/types"/>
-    <ds:schemaRef ds:uri="http://schemas.microsoft.com/office/2006/metadata/properties"/>
-    <ds:schemaRef ds:uri="http://purl.org/dc/elements/1.1/"/>
-    <ds:schemaRef ds:uri="http://schemas.microsoft.com/office/infopath/2007/PartnerControls"/>
-    <ds:schemaRef ds:uri="http://schemas.openxmlformats.org/package/2006/metadata/core-properties"/>
-    <ds:schemaRef ds:uri="08656f9a-5533-445c-9745-8b78b9f32e94"/>
-    <ds:schemaRef ds:uri="http://purl.org/dc/dcmitype/"/>
-  </ds:schemaRefs>
-</ds:datastoreItem>
 </file>
--- a/model zonnecollector/achtergrond/Solar collector.pptx
+++ b/model zonnecollector/achtergrond/Solar collector.pptx
@@ -20,7 +20,8 @@
     <p:sldId id="267" r:id="rId17"/>
     <p:sldId id="268" r:id="rId18"/>
     <p:sldId id="272" r:id="rId19"/>
-    <p:sldId id="271" r:id="rId20"/>
+    <p:sldId id="273" r:id="rId20"/>
+    <p:sldId id="271" r:id="rId21"/>
   </p:sldIdLst>
   <p:sldSz cx="12192000" cy="6858000"/>
   <p:notesSz cx="6858000" cy="9144000"/>
@@ -893,7 +894,7 @@
           <a:p>
             <a:fld id="{093676F6-08B4-4D43-8044-4A86E6E6818F}" type="datetimeFigureOut">
               <a:rPr lang="nl-BE" smtClean="0"/>
-              <a:t>3/06/2020</a:t>
+              <a:t>8/06/2020</a:t>
             </a:fld>
             <a:endParaRPr lang="nl-BE"/>
           </a:p>
@@ -1093,7 +1094,7 @@
           <a:p>
             <a:fld id="{093676F6-08B4-4D43-8044-4A86E6E6818F}" type="datetimeFigureOut">
               <a:rPr lang="nl-BE" smtClean="0"/>
-              <a:t>3/06/2020</a:t>
+              <a:t>8/06/2020</a:t>
             </a:fld>
             <a:endParaRPr lang="nl-BE"/>
           </a:p>
@@ -1303,7 +1304,7 @@
           <a:p>
             <a:fld id="{093676F6-08B4-4D43-8044-4A86E6E6818F}" type="datetimeFigureOut">
               <a:rPr lang="nl-BE" smtClean="0"/>
-              <a:t>3/06/2020</a:t>
+              <a:t>8/06/2020</a:t>
             </a:fld>
             <a:endParaRPr lang="nl-BE"/>
           </a:p>
@@ -1503,7 +1504,7 @@
           <a:p>
             <a:fld id="{093676F6-08B4-4D43-8044-4A86E6E6818F}" type="datetimeFigureOut">
               <a:rPr lang="nl-BE" smtClean="0"/>
-              <a:t>3/06/2020</a:t>
+              <a:t>8/06/2020</a:t>
             </a:fld>
             <a:endParaRPr lang="nl-BE"/>
           </a:p>
@@ -1779,7 +1780,7 @@
           <a:p>
             <a:fld id="{093676F6-08B4-4D43-8044-4A86E6E6818F}" type="datetimeFigureOut">
               <a:rPr lang="nl-BE" smtClean="0"/>
-              <a:t>3/06/2020</a:t>
+              <a:t>8/06/2020</a:t>
             </a:fld>
             <a:endParaRPr lang="nl-BE"/>
           </a:p>
@@ -2047,7 +2048,7 @@
           <a:p>
             <a:fld id="{093676F6-08B4-4D43-8044-4A86E6E6818F}" type="datetimeFigureOut">
               <a:rPr lang="nl-BE" smtClean="0"/>
-              <a:t>3/06/2020</a:t>
+              <a:t>8/06/2020</a:t>
             </a:fld>
             <a:endParaRPr lang="nl-BE"/>
           </a:p>
@@ -2462,7 +2463,7 @@
           <a:p>
             <a:fld id="{093676F6-08B4-4D43-8044-4A86E6E6818F}" type="datetimeFigureOut">
               <a:rPr lang="nl-BE" smtClean="0"/>
-              <a:t>3/06/2020</a:t>
+              <a:t>8/06/2020</a:t>
             </a:fld>
             <a:endParaRPr lang="nl-BE"/>
           </a:p>
@@ -2604,7 +2605,7 @@
           <a:p>
             <a:fld id="{093676F6-08B4-4D43-8044-4A86E6E6818F}" type="datetimeFigureOut">
               <a:rPr lang="nl-BE" smtClean="0"/>
-              <a:t>3/06/2020</a:t>
+              <a:t>8/06/2020</a:t>
             </a:fld>
             <a:endParaRPr lang="nl-BE"/>
           </a:p>
@@ -2717,7 +2718,7 @@
           <a:p>
             <a:fld id="{093676F6-08B4-4D43-8044-4A86E6E6818F}" type="datetimeFigureOut">
               <a:rPr lang="nl-BE" smtClean="0"/>
-              <a:t>3/06/2020</a:t>
+              <a:t>8/06/2020</a:t>
             </a:fld>
             <a:endParaRPr lang="nl-BE"/>
           </a:p>
@@ -3030,7 +3031,7 @@
           <a:p>
             <a:fld id="{093676F6-08B4-4D43-8044-4A86E6E6818F}" type="datetimeFigureOut">
               <a:rPr lang="nl-BE" smtClean="0"/>
-              <a:t>3/06/2020</a:t>
+              <a:t>8/06/2020</a:t>
             </a:fld>
             <a:endParaRPr lang="nl-BE"/>
           </a:p>
@@ -3319,7 +3320,7 @@
           <a:p>
             <a:fld id="{093676F6-08B4-4D43-8044-4A86E6E6818F}" type="datetimeFigureOut">
               <a:rPr lang="nl-BE" smtClean="0"/>
-              <a:t>3/06/2020</a:t>
+              <a:t>8/06/2020</a:t>
             </a:fld>
             <a:endParaRPr lang="nl-BE"/>
           </a:p>
@@ -3562,7 +3563,7 @@
           <a:p>
             <a:fld id="{093676F6-08B4-4D43-8044-4A86E6E6818F}" type="datetimeFigureOut">
               <a:rPr lang="nl-BE" smtClean="0"/>
-              <a:t>3/06/2020</a:t>
+              <a:t>8/06/2020</a:t>
             </a:fld>
             <a:endParaRPr lang="nl-BE"/>
           </a:p>
@@ -5966,6 +5967,185 @@
 </file>
 
 <file path=ppt/slides/slide16.xml><?xml version="1.0" encoding="utf-8"?>
+<p:sld xmlns:a="http://schemas.openxmlformats.org/drawingml/2006/main" xmlns:r="http://schemas.openxmlformats.org/officeDocument/2006/relationships" xmlns:p="http://schemas.openxmlformats.org/presentationml/2006/main">
+  <p:cSld>
+    <p:spTree>
+      <p:nvGrpSpPr>
+        <p:cNvPr id="1" name=""/>
+        <p:cNvGrpSpPr/>
+        <p:nvPr/>
+      </p:nvGrpSpPr>
+      <p:grpSpPr>
+        <a:xfrm>
+          <a:off x="0" y="0"/>
+          <a:ext cx="0" cy="0"/>
+          <a:chOff x="0" y="0"/>
+          <a:chExt cx="0" cy="0"/>
+        </a:xfrm>
+      </p:grpSpPr>
+      <p:sp>
+        <p:nvSpPr>
+          <p:cNvPr id="2" name="Titel 1">
+            <a:extLst>
+              <a:ext uri="{FF2B5EF4-FFF2-40B4-BE49-F238E27FC236}">
+                <a16:creationId xmlns:a16="http://schemas.microsoft.com/office/drawing/2014/main" id="{0FB152EC-7524-422B-83AA-B36AD364E0C6}"/>
+              </a:ext>
+            </a:extLst>
+          </p:cNvPr>
+          <p:cNvSpPr>
+            <a:spLocks noGrp="1"/>
+          </p:cNvSpPr>
+          <p:nvPr>
+            <p:ph type="title"/>
+          </p:nvPr>
+        </p:nvSpPr>
+        <p:spPr/>
+        <p:txBody>
+          <a:bodyPr/>
+          <a:lstStyle/>
+          <a:p>
+            <a:endParaRPr lang="nl-BE" dirty="0"/>
+          </a:p>
+        </p:txBody>
+      </p:sp>
+      <p:sp>
+        <p:nvSpPr>
+          <p:cNvPr id="3" name="Tijdelijke aanduiding voor inhoud 2">
+            <a:extLst>
+              <a:ext uri="{FF2B5EF4-FFF2-40B4-BE49-F238E27FC236}">
+                <a16:creationId xmlns:a16="http://schemas.microsoft.com/office/drawing/2014/main" id="{2FEC862C-5520-4ADA-8815-6A52DECE288B}"/>
+              </a:ext>
+            </a:extLst>
+          </p:cNvPr>
+          <p:cNvSpPr>
+            <a:spLocks noGrp="1"/>
+          </p:cNvSpPr>
+          <p:nvPr>
+            <p:ph idx="1"/>
+          </p:nvPr>
+        </p:nvSpPr>
+        <p:spPr/>
+        <p:txBody>
+          <a:bodyPr/>
+          <a:lstStyle/>
+          <a:p>
+            <a:r>
+              <a:rPr lang="nl-BE" dirty="0" err="1"/>
+              <a:t>Better</a:t>
+            </a:r>
+            <a:r>
+              <a:rPr lang="nl-BE" dirty="0"/>
+              <a:t> </a:t>
+            </a:r>
+            <a:r>
+              <a:rPr lang="nl-BE" dirty="0" err="1"/>
+              <a:t>to</a:t>
+            </a:r>
+            <a:r>
+              <a:rPr lang="nl-BE" dirty="0"/>
+              <a:t> </a:t>
+            </a:r>
+            <a:r>
+              <a:rPr lang="nl-BE" dirty="0" err="1"/>
+              <a:t>use</a:t>
+            </a:r>
+            <a:r>
+              <a:rPr lang="nl-BE" dirty="0"/>
+              <a:t> model </a:t>
+            </a:r>
+            <a:r>
+              <a:rPr lang="nl-BE" dirty="0" err="1"/>
+              <a:t>with</a:t>
+            </a:r>
+            <a:r>
+              <a:rPr lang="nl-BE" dirty="0"/>
+              <a:t> </a:t>
+            </a:r>
+            <a:r>
+              <a:rPr lang="nl-BE" dirty="0" err="1"/>
+              <a:t>capacitance</a:t>
+            </a:r>
+            <a:r>
+              <a:rPr lang="nl-BE" dirty="0"/>
+              <a:t>, </a:t>
+            </a:r>
+            <a:r>
+              <a:rPr lang="nl-BE" dirty="0" err="1"/>
+              <a:t>for</a:t>
+            </a:r>
+            <a:r>
+              <a:rPr lang="nl-BE" dirty="0"/>
+              <a:t> control, </a:t>
+            </a:r>
+            <a:r>
+              <a:rPr lang="nl-BE" dirty="0" err="1"/>
+              <a:t>cf</a:t>
+            </a:r>
+            <a:r>
+              <a:rPr lang="nl-BE" dirty="0"/>
+              <a:t> </a:t>
+            </a:r>
+            <a:r>
+              <a:rPr lang="nl-BE" dirty="0" err="1"/>
+              <a:t>if</a:t>
+            </a:r>
+            <a:r>
+              <a:rPr lang="nl-BE" dirty="0"/>
+              <a:t> no </a:t>
+            </a:r>
+            <a:r>
+              <a:rPr lang="nl-BE" dirty="0" err="1"/>
+              <a:t>capacitance</a:t>
+            </a:r>
+            <a:r>
+              <a:rPr lang="nl-BE" dirty="0"/>
+              <a:t> </a:t>
+            </a:r>
+            <a:r>
+              <a:rPr lang="nl-BE" dirty="0" err="1"/>
+              <a:t>Tout</a:t>
+            </a:r>
+            <a:r>
+              <a:rPr lang="nl-BE" dirty="0"/>
+              <a:t> has no </a:t>
+            </a:r>
+            <a:r>
+              <a:rPr lang="nl-BE" dirty="0" err="1"/>
+              <a:t>meaning</a:t>
+            </a:r>
+            <a:r>
+              <a:rPr lang="nl-BE"/>
+              <a:t> if</a:t>
+            </a:r>
+            <a:r>
+              <a:rPr lang="nl-BE" dirty="0"/>
+              <a:t> flow=0 (no </a:t>
+            </a:r>
+            <a:r>
+              <a:rPr lang="nl-BE" dirty="0" err="1"/>
+              <a:t>increase</a:t>
+            </a:r>
+            <a:r>
+              <a:rPr lang="nl-BE" dirty="0"/>
+              <a:t> of collector temp)</a:t>
+            </a:r>
+          </a:p>
+        </p:txBody>
+      </p:sp>
+    </p:spTree>
+    <p:extLst>
+      <p:ext uri="{BB962C8B-B14F-4D97-AF65-F5344CB8AC3E}">
+        <p14:creationId xmlns:p14="http://schemas.microsoft.com/office/powerpoint/2010/main" val="3082891033"/>
+      </p:ext>
+    </p:extLst>
+  </p:cSld>
+  <p:clrMapOvr>
+    <a:masterClrMapping/>
+  </p:clrMapOvr>
+</p:sld>
+</file>
+
+<file path=ppt/slides/slide17.xml><?xml version="1.0" encoding="utf-8"?>
 <p:sld xmlns:a="http://schemas.openxmlformats.org/drawingml/2006/main" xmlns:r="http://schemas.openxmlformats.org/officeDocument/2006/relationships" xmlns:p="http://schemas.openxmlformats.org/presentationml/2006/main">
   <p:cSld>
     <p:spTree>
@@ -10299,6 +10479,21 @@
 </file>
 
 <file path=customXml/item1.xml><?xml version="1.0" encoding="utf-8"?>
+<p:properties xmlns:p="http://schemas.microsoft.com/office/2006/metadata/properties" xmlns:xsi="http://www.w3.org/2001/XMLSchema-instance" xmlns:pc="http://schemas.microsoft.com/office/infopath/2007/PartnerControls">
+  <documentManagement/>
+</p:properties>
+</file>
+
+<file path=customXml/item2.xml><?xml version="1.0" encoding="utf-8"?>
+<?mso-contentType ?>
+<FormTemplates xmlns="http://schemas.microsoft.com/sharepoint/v3/contenttype/forms">
+  <Display>DocumentLibraryForm</Display>
+  <Edit>DocumentLibraryForm</Edit>
+  <New>DocumentLibraryForm</New>
+</FormTemplates>
+</file>
+
+<file path=customXml/item3.xml><?xml version="1.0" encoding="utf-8"?>
 <ct:contentTypeSchema xmlns:ct="http://schemas.microsoft.com/office/2006/metadata/contentType" xmlns:ma="http://schemas.microsoft.com/office/2006/metadata/properties/metaAttributes" ct:_="" ma:_="" ma:contentTypeName="Document" ma:contentTypeID="0x0101001A307FBA45E73B4C8D5201D6E93AE7FF" ma:contentTypeVersion="12" ma:contentTypeDescription="Een nieuw document maken." ma:contentTypeScope="" ma:versionID="1511d4655840890b32fcad7f389df94f">
   <xsd:schema xmlns:xsd="http://www.w3.org/2001/XMLSchema" xmlns:xs="http://www.w3.org/2001/XMLSchema" xmlns:p="http://schemas.microsoft.com/office/2006/metadata/properties" xmlns:ns2="08656f9a-5533-445c-9745-8b78b9f32e94" xmlns:ns3="06e5ad5a-5b9a-49ca-a431-d1b157b50487" targetNamespace="http://schemas.microsoft.com/office/2006/metadata/properties" ma:root="true" ma:fieldsID="539f88e4fb7a1cbef328a6828929e87c" ns2:_="" ns3:_="">
     <xsd:import namespace="08656f9a-5533-445c-9745-8b78b9f32e94"/>
@@ -10515,22 +10710,32 @@
 </ct:contentTypeSchema>
 </file>
 
-<file path=customXml/item2.xml><?xml version="1.0" encoding="utf-8"?>
-<p:properties xmlns:p="http://schemas.microsoft.com/office/2006/metadata/properties" xmlns:xsi="http://www.w3.org/2001/XMLSchema-instance" xmlns:pc="http://schemas.microsoft.com/office/infopath/2007/PartnerControls">
-  <documentManagement/>
-</p:properties>
+<file path=customXml/itemProps1.xml><?xml version="1.0" encoding="utf-8"?>
+<ds:datastoreItem xmlns:ds="http://schemas.openxmlformats.org/officeDocument/2006/customXml" ds:itemID="{25C28F49-CCF8-4C08-8BEF-F21A499BF089}">
+  <ds:schemaRefs>
+    <ds:schemaRef ds:uri="http://schemas.microsoft.com/office/infopath/2007/PartnerControls"/>
+    <ds:schemaRef ds:uri="06e5ad5a-5b9a-49ca-a431-d1b157b50487"/>
+    <ds:schemaRef ds:uri="http://purl.org/dc/elements/1.1/"/>
+    <ds:schemaRef ds:uri="http://schemas.microsoft.com/office/2006/metadata/properties"/>
+    <ds:schemaRef ds:uri="http://purl.org/dc/terms/"/>
+    <ds:schemaRef ds:uri="http://schemas.microsoft.com/office/2006/documentManagement/types"/>
+    <ds:schemaRef ds:uri="http://purl.org/dc/dcmitype/"/>
+    <ds:schemaRef ds:uri="http://schemas.openxmlformats.org/package/2006/metadata/core-properties"/>
+    <ds:schemaRef ds:uri="08656f9a-5533-445c-9745-8b78b9f32e94"/>
+    <ds:schemaRef ds:uri="http://www.w3.org/XML/1998/namespace"/>
+  </ds:schemaRefs>
+</ds:datastoreItem>
 </file>
 
-<file path=customXml/item3.xml><?xml version="1.0" encoding="utf-8"?>
-<?mso-contentType ?>
-<FormTemplates xmlns="http://schemas.microsoft.com/sharepoint/v3/contenttype/forms">
-  <Display>DocumentLibraryForm</Display>
-  <Edit>DocumentLibraryForm</Edit>
-  <New>DocumentLibraryForm</New>
-</FormTemplates>
+<file path=customXml/itemProps2.xml><?xml version="1.0" encoding="utf-8"?>
+<ds:datastoreItem xmlns:ds="http://schemas.openxmlformats.org/officeDocument/2006/customXml" ds:itemID="{08DF8E97-005B-4FEF-9F58-4A2A9CB25CBC}">
+  <ds:schemaRefs>
+    <ds:schemaRef ds:uri="http://schemas.microsoft.com/sharepoint/v3/contenttype/forms"/>
+  </ds:schemaRefs>
+</ds:datastoreItem>
 </file>
 
-<file path=customXml/itemProps1.xml><?xml version="1.0" encoding="utf-8"?>
+<file path=customXml/itemProps3.xml><?xml version="1.0" encoding="utf-8"?>
 <ds:datastoreItem xmlns:ds="http://schemas.openxmlformats.org/officeDocument/2006/customXml" ds:itemID="{D13B0F8B-C6BF-424F-B8EF-4C8F63D24DFD}">
   <ds:schemaRefs>
     <ds:schemaRef ds:uri="http://schemas.microsoft.com/office/2006/metadata/contentType"/>
@@ -10547,29 +10752,4 @@
     <ds:schemaRef ds:uri="http://schemas.microsoft.com/internal/obd"/>
   </ds:schemaRefs>
 </ds:datastoreItem>
-</file>
-
-<file path=customXml/itemProps2.xml><?xml version="1.0" encoding="utf-8"?>
-<ds:datastoreItem xmlns:ds="http://schemas.openxmlformats.org/officeDocument/2006/customXml" ds:itemID="{25C28F49-CCF8-4C08-8BEF-F21A499BF089}">
-  <ds:schemaRefs>
-    <ds:schemaRef ds:uri="http://schemas.microsoft.com/office/infopath/2007/PartnerControls"/>
-    <ds:schemaRef ds:uri="06e5ad5a-5b9a-49ca-a431-d1b157b50487"/>
-    <ds:schemaRef ds:uri="http://purl.org/dc/elements/1.1/"/>
-    <ds:schemaRef ds:uri="http://schemas.microsoft.com/office/2006/metadata/properties"/>
-    <ds:schemaRef ds:uri="http://purl.org/dc/terms/"/>
-    <ds:schemaRef ds:uri="http://schemas.microsoft.com/office/2006/documentManagement/types"/>
-    <ds:schemaRef ds:uri="http://purl.org/dc/dcmitype/"/>
-    <ds:schemaRef ds:uri="http://schemas.openxmlformats.org/package/2006/metadata/core-properties"/>
-    <ds:schemaRef ds:uri="08656f9a-5533-445c-9745-8b78b9f32e94"/>
-    <ds:schemaRef ds:uri="http://www.w3.org/XML/1998/namespace"/>
-  </ds:schemaRefs>
-</ds:datastoreItem>
-</file>
-
-<file path=customXml/itemProps3.xml><?xml version="1.0" encoding="utf-8"?>
-<ds:datastoreItem xmlns:ds="http://schemas.openxmlformats.org/officeDocument/2006/customXml" ds:itemID="{08DF8E97-005B-4FEF-9F58-4A2A9CB25CBC}">
-  <ds:schemaRefs>
-    <ds:schemaRef ds:uri="http://schemas.microsoft.com/sharepoint/v3/contenttype/forms"/>
-  </ds:schemaRefs>
-</ds:datastoreItem>
 </file>
--- a/model zonnecollector/achtergrond/Solar collector.pptx
+++ b/model zonnecollector/achtergrond/Solar collector.pptx
@@ -15,13 +15,27 @@
     <p:sldId id="258" r:id="rId12"/>
     <p:sldId id="263" r:id="rId13"/>
     <p:sldId id="262" r:id="rId14"/>
-    <p:sldId id="265" r:id="rId15"/>
-    <p:sldId id="266" r:id="rId16"/>
-    <p:sldId id="267" r:id="rId17"/>
-    <p:sldId id="268" r:id="rId18"/>
-    <p:sldId id="272" r:id="rId19"/>
-    <p:sldId id="273" r:id="rId20"/>
-    <p:sldId id="271" r:id="rId21"/>
+    <p:sldId id="276" r:id="rId15"/>
+    <p:sldId id="265" r:id="rId16"/>
+    <p:sldId id="266" r:id="rId17"/>
+    <p:sldId id="267" r:id="rId18"/>
+    <p:sldId id="268" r:id="rId19"/>
+    <p:sldId id="272" r:id="rId20"/>
+    <p:sldId id="273" r:id="rId21"/>
+    <p:sldId id="271" r:id="rId22"/>
+    <p:sldId id="275" r:id="rId23"/>
+    <p:sldId id="274" r:id="rId24"/>
+    <p:sldId id="277" r:id="rId25"/>
+    <p:sldId id="278" r:id="rId26"/>
+    <p:sldId id="279" r:id="rId27"/>
+    <p:sldId id="280" r:id="rId28"/>
+    <p:sldId id="284" r:id="rId29"/>
+    <p:sldId id="285" r:id="rId30"/>
+    <p:sldId id="286" r:id="rId31"/>
+    <p:sldId id="287" r:id="rId32"/>
+    <p:sldId id="283" r:id="rId33"/>
+    <p:sldId id="281" r:id="rId34"/>
+    <p:sldId id="282" r:id="rId35"/>
   </p:sldIdLst>
   <p:sldSz cx="12192000" cy="6858000"/>
   <p:notesSz cx="6858000" cy="9144000"/>
@@ -894,7 +908,7 @@
           <a:p>
             <a:fld id="{093676F6-08B4-4D43-8044-4A86E6E6818F}" type="datetimeFigureOut">
               <a:rPr lang="nl-BE" smtClean="0"/>
-              <a:t>8/06/2020</a:t>
+              <a:t>3/07/2020</a:t>
             </a:fld>
             <a:endParaRPr lang="nl-BE"/>
           </a:p>
@@ -1094,7 +1108,7 @@
           <a:p>
             <a:fld id="{093676F6-08B4-4D43-8044-4A86E6E6818F}" type="datetimeFigureOut">
               <a:rPr lang="nl-BE" smtClean="0"/>
-              <a:t>8/06/2020</a:t>
+              <a:t>3/07/2020</a:t>
             </a:fld>
             <a:endParaRPr lang="nl-BE"/>
           </a:p>
@@ -1304,7 +1318,7 @@
           <a:p>
             <a:fld id="{093676F6-08B4-4D43-8044-4A86E6E6818F}" type="datetimeFigureOut">
               <a:rPr lang="nl-BE" smtClean="0"/>
-              <a:t>8/06/2020</a:t>
+              <a:t>3/07/2020</a:t>
             </a:fld>
             <a:endParaRPr lang="nl-BE"/>
           </a:p>
@@ -1504,7 +1518,7 @@
           <a:p>
             <a:fld id="{093676F6-08B4-4D43-8044-4A86E6E6818F}" type="datetimeFigureOut">
               <a:rPr lang="nl-BE" smtClean="0"/>
-              <a:t>8/06/2020</a:t>
+              <a:t>3/07/2020</a:t>
             </a:fld>
             <a:endParaRPr lang="nl-BE"/>
           </a:p>
@@ -1780,7 +1794,7 @@
           <a:p>
             <a:fld id="{093676F6-08B4-4D43-8044-4A86E6E6818F}" type="datetimeFigureOut">
               <a:rPr lang="nl-BE" smtClean="0"/>
-              <a:t>8/06/2020</a:t>
+              <a:t>3/07/2020</a:t>
             </a:fld>
             <a:endParaRPr lang="nl-BE"/>
           </a:p>
@@ -2048,7 +2062,7 @@
           <a:p>
             <a:fld id="{093676F6-08B4-4D43-8044-4A86E6E6818F}" type="datetimeFigureOut">
               <a:rPr lang="nl-BE" smtClean="0"/>
-              <a:t>8/06/2020</a:t>
+              <a:t>3/07/2020</a:t>
             </a:fld>
             <a:endParaRPr lang="nl-BE"/>
           </a:p>
@@ -2463,7 +2477,7 @@
           <a:p>
             <a:fld id="{093676F6-08B4-4D43-8044-4A86E6E6818F}" type="datetimeFigureOut">
               <a:rPr lang="nl-BE" smtClean="0"/>
-              <a:t>8/06/2020</a:t>
+              <a:t>3/07/2020</a:t>
             </a:fld>
             <a:endParaRPr lang="nl-BE"/>
           </a:p>
@@ -2605,7 +2619,7 @@
           <a:p>
             <a:fld id="{093676F6-08B4-4D43-8044-4A86E6E6818F}" type="datetimeFigureOut">
               <a:rPr lang="nl-BE" smtClean="0"/>
-              <a:t>8/06/2020</a:t>
+              <a:t>3/07/2020</a:t>
             </a:fld>
             <a:endParaRPr lang="nl-BE"/>
           </a:p>
@@ -2718,7 +2732,7 @@
           <a:p>
             <a:fld id="{093676F6-08B4-4D43-8044-4A86E6E6818F}" type="datetimeFigureOut">
               <a:rPr lang="nl-BE" smtClean="0"/>
-              <a:t>8/06/2020</a:t>
+              <a:t>3/07/2020</a:t>
             </a:fld>
             <a:endParaRPr lang="nl-BE"/>
           </a:p>
@@ -3031,7 +3045,7 @@
           <a:p>
             <a:fld id="{093676F6-08B4-4D43-8044-4A86E6E6818F}" type="datetimeFigureOut">
               <a:rPr lang="nl-BE" smtClean="0"/>
-              <a:t>8/06/2020</a:t>
+              <a:t>3/07/2020</a:t>
             </a:fld>
             <a:endParaRPr lang="nl-BE"/>
           </a:p>
@@ -3320,7 +3334,7 @@
           <a:p>
             <a:fld id="{093676F6-08B4-4D43-8044-4A86E6E6818F}" type="datetimeFigureOut">
               <a:rPr lang="nl-BE" smtClean="0"/>
-              <a:t>8/06/2020</a:t>
+              <a:t>3/07/2020</a:t>
             </a:fld>
             <a:endParaRPr lang="nl-BE"/>
           </a:p>
@@ -3563,7 +3577,7 @@
           <a:p>
             <a:fld id="{093676F6-08B4-4D43-8044-4A86E6E6818F}" type="datetimeFigureOut">
               <a:rPr lang="nl-BE" smtClean="0"/>
-              <a:t>8/06/2020</a:t>
+              <a:t>3/07/2020</a:t>
             </a:fld>
             <a:endParaRPr lang="nl-BE"/>
           </a:p>
@@ -4419,14 +4433,6 @@
 <file path=ppt/slides/slide11.xml><?xml version="1.0" encoding="utf-8"?>
 <p:sld xmlns:a="http://schemas.openxmlformats.org/drawingml/2006/main" xmlns:r="http://schemas.openxmlformats.org/officeDocument/2006/relationships" xmlns:p="http://schemas.openxmlformats.org/presentationml/2006/main">
   <p:cSld>
-    <p:bg>
-      <p:bgPr>
-        <a:solidFill>
-          <a:schemeClr val="bg1"/>
-        </a:solidFill>
-        <a:effectLst/>
-      </p:bgPr>
-    </p:bg>
     <p:spTree>
       <p:nvGrpSpPr>
         <p:cNvPr id="1" name=""/>
@@ -4446,7 +4452,7 @@
           <p:cNvPr id="2" name="Titel 1">
             <a:extLst>
               <a:ext uri="{FF2B5EF4-FFF2-40B4-BE49-F238E27FC236}">
-                <a16:creationId xmlns:a16="http://schemas.microsoft.com/office/drawing/2014/main" id="{AE2C7563-49CC-4A95-B8A9-1189C1CE6417}"/>
+                <a16:creationId xmlns:a16="http://schemas.microsoft.com/office/drawing/2014/main" id="{AFFB9182-3175-4D4C-90E0-C7E6FEBFAC6D}"/>
               </a:ext>
             </a:extLst>
           </p:cNvPr>
@@ -4457,67 +4463,29 @@
             <p:ph type="title"/>
           </p:nvPr>
         </p:nvSpPr>
-        <p:spPr>
-          <a:xfrm>
-            <a:off x="838200" y="365126"/>
-            <a:ext cx="10515600" cy="711200"/>
-          </a:xfrm>
-        </p:spPr>
+        <p:spPr/>
         <p:txBody>
-          <a:bodyPr>
-            <a:normAutofit/>
-          </a:bodyPr>
+          <a:bodyPr/>
           <a:lstStyle/>
           <a:p>
             <a:r>
-              <a:rPr lang="nl-BE" sz="3600" dirty="0" err="1"/>
-              <a:t>comparison</a:t>
-            </a:r>
-            <a:r>
-              <a:rPr lang="nl-BE" sz="3600" dirty="0"/>
-              <a:t> </a:t>
-            </a:r>
-            <a:r>
-              <a:rPr lang="nl-BE" sz="3600" dirty="0" err="1"/>
-              <a:t>matlab</a:t>
-            </a:r>
-            <a:r>
-              <a:rPr lang="nl-BE" sz="3600" dirty="0"/>
-              <a:t> model </a:t>
-            </a:r>
-            <a:r>
-              <a:rPr lang="nl-BE" sz="3600" dirty="0" err="1"/>
-              <a:t>with</a:t>
-            </a:r>
-            <a:r>
-              <a:rPr lang="nl-BE" sz="3600" dirty="0"/>
-              <a:t> </a:t>
-            </a:r>
-            <a:r>
-              <a:rPr lang="nl-BE" sz="3600" dirty="0" err="1"/>
+              <a:rPr lang="nl-BE" dirty="0"/>
+              <a:t>Validation1: </a:t>
+            </a:r>
+            <a:r>
+              <a:rPr lang="nl-BE" dirty="0" err="1"/>
               <a:t>trnsys</a:t>
             </a:r>
-            <a:r>
-              <a:rPr lang="nl-BE" sz="3600" dirty="0"/>
-              <a:t> Type1 </a:t>
-            </a:r>
-            <a:r>
-              <a:rPr lang="nl-BE" sz="3600" dirty="0" err="1"/>
-              <a:t>and</a:t>
-            </a:r>
-            <a:r>
-              <a:rPr lang="nl-BE" sz="3600" dirty="0"/>
-              <a:t> 71</a:t>
-            </a:r>
+            <a:endParaRPr lang="nl-BE" dirty="0"/>
           </a:p>
         </p:txBody>
       </p:sp>
       <p:sp>
         <p:nvSpPr>
-          <p:cNvPr id="3" name="Tijdelijke aanduiding voor inhoud 2">
-            <a:extLst>
-              <a:ext uri="{FF2B5EF4-FFF2-40B4-BE49-F238E27FC236}">
-                <a16:creationId xmlns:a16="http://schemas.microsoft.com/office/drawing/2014/main" id="{FA8BA756-D5E9-4CF7-9422-DE10107CA025}"/>
+          <p:cNvPr id="3" name="Tijdelijke aanduiding voor tekst 2">
+            <a:extLst>
+              <a:ext uri="{FF2B5EF4-FFF2-40B4-BE49-F238E27FC236}">
+                <a16:creationId xmlns:a16="http://schemas.microsoft.com/office/drawing/2014/main" id="{A22052DD-B39B-4B6B-9E99-B0C346237CF7}"/>
               </a:ext>
             </a:extLst>
           </p:cNvPr>
@@ -4525,333 +4493,22 @@
             <a:spLocks noGrp="1"/>
           </p:cNvSpPr>
           <p:nvPr>
-            <p:ph idx="1"/>
+            <p:ph type="body" idx="1"/>
           </p:nvPr>
         </p:nvSpPr>
-        <p:spPr>
-          <a:xfrm>
-            <a:off x="838200" y="1291472"/>
-            <a:ext cx="10515600" cy="5309353"/>
-          </a:xfrm>
-        </p:spPr>
+        <p:spPr/>
         <p:txBody>
-          <a:bodyPr>
-            <a:normAutofit/>
-          </a:bodyPr>
+          <a:bodyPr/>
           <a:lstStyle/>
           <a:p>
-            <a:pPr marL="0" indent="0">
-              <a:buNone/>
-            </a:pPr>
-            <a:r>
-              <a:rPr lang="nl-BE" sz="2000" dirty="0"/>
-              <a:t>!!! </a:t>
-            </a:r>
-            <a:r>
-              <a:rPr lang="nl-BE" sz="2000" dirty="0" err="1"/>
-              <a:t>Coefficients</a:t>
-            </a:r>
-            <a:r>
-              <a:rPr lang="nl-BE" sz="2000" dirty="0"/>
-              <a:t> a1,a2 in </a:t>
-            </a:r>
-            <a:r>
-              <a:rPr lang="nl-BE" sz="2000" dirty="0" err="1"/>
-              <a:t>eff</a:t>
-            </a:r>
-            <a:r>
-              <a:rPr lang="nl-BE" sz="2000" dirty="0"/>
-              <a:t>=a0-a1*</a:t>
-            </a:r>
-            <a:r>
-              <a:rPr lang="nl-BE" sz="2000" dirty="0" err="1"/>
-              <a:t>deltaT</a:t>
-            </a:r>
-            <a:r>
-              <a:rPr lang="nl-BE" sz="2000" dirty="0"/>
-              <a:t>/It – a2*deltaT²/It are </a:t>
-            </a:r>
-            <a:r>
-              <a:rPr lang="nl-BE" sz="2000" dirty="0" err="1"/>
-              <a:t>given</a:t>
-            </a:r>
-            <a:r>
-              <a:rPr lang="nl-BE" sz="2000" dirty="0"/>
-              <a:t> in W/m²K or W/m²K² !! (</a:t>
-            </a:r>
-            <a:r>
-              <a:rPr lang="nl-BE" sz="2000" dirty="0" err="1"/>
-              <a:t>so</a:t>
-            </a:r>
-            <a:r>
-              <a:rPr lang="nl-BE" sz="2000" dirty="0"/>
-              <a:t> </a:t>
-            </a:r>
-            <a:r>
-              <a:rPr lang="nl-BE" sz="2000" dirty="0" err="1"/>
-              <a:t>correction</a:t>
-            </a:r>
-            <a:r>
-              <a:rPr lang="nl-BE" sz="2000" dirty="0"/>
-              <a:t> </a:t>
-            </a:r>
-            <a:r>
-              <a:rPr lang="nl-BE" sz="2000" dirty="0" err="1"/>
-              <a:t>needed</a:t>
-            </a:r>
-            <a:r>
-              <a:rPr lang="nl-BE" sz="2000" dirty="0"/>
-              <a:t> </a:t>
-            </a:r>
-            <a:r>
-              <a:rPr lang="nl-BE" sz="2000" dirty="0" err="1"/>
-              <a:t>for</a:t>
-            </a:r>
-            <a:r>
-              <a:rPr lang="nl-BE" sz="2000" dirty="0"/>
-              <a:t> </a:t>
-            </a:r>
-            <a:r>
-              <a:rPr lang="nl-BE" sz="2000" dirty="0" err="1"/>
-              <a:t>trnsys</a:t>
-            </a:r>
-            <a:r>
-              <a:rPr lang="nl-BE" sz="2000" dirty="0"/>
-              <a:t> kJ/h)</a:t>
-            </a:r>
-          </a:p>
-          <a:p>
-            <a:pPr marL="0" indent="0">
-              <a:buNone/>
-            </a:pPr>
-            <a:endParaRPr lang="nl-BE" sz="2000" dirty="0"/>
-          </a:p>
-          <a:p>
-            <a:pPr marL="0" indent="0">
-              <a:buNone/>
-            </a:pPr>
-            <a:r>
-              <a:rPr lang="nl-BE" sz="2000" dirty="0"/>
-              <a:t>!! </a:t>
-            </a:r>
-            <a:r>
-              <a:rPr lang="nl-BE" sz="2000" dirty="0" err="1"/>
-              <a:t>This</a:t>
-            </a:r>
-            <a:r>
-              <a:rPr lang="nl-BE" sz="2000" dirty="0"/>
-              <a:t> </a:t>
-            </a:r>
-            <a:r>
-              <a:rPr lang="nl-BE" sz="2000" dirty="0" err="1"/>
-              <a:t>simplified</a:t>
-            </a:r>
-            <a:r>
-              <a:rPr lang="nl-BE" sz="2000" dirty="0"/>
-              <a:t> model </a:t>
-            </a:r>
-            <a:r>
-              <a:rPr lang="nl-BE" sz="2000" dirty="0" err="1"/>
-              <a:t>doesn’t</a:t>
-            </a:r>
-            <a:r>
-              <a:rPr lang="nl-BE" sz="2000" dirty="0"/>
-              <a:t> </a:t>
-            </a:r>
-            <a:r>
-              <a:rPr lang="nl-BE" sz="2000" dirty="0" err="1"/>
-              <a:t>consider</a:t>
-            </a:r>
-            <a:r>
-              <a:rPr lang="nl-BE" sz="2000" dirty="0"/>
-              <a:t> </a:t>
-            </a:r>
-            <a:r>
-              <a:rPr lang="nl-BE" sz="2000" dirty="0" err="1"/>
-              <a:t>cooling</a:t>
-            </a:r>
-            <a:r>
-              <a:rPr lang="nl-BE" sz="2000" dirty="0"/>
-              <a:t>/</a:t>
-            </a:r>
-            <a:r>
-              <a:rPr lang="nl-BE" sz="2000" dirty="0" err="1"/>
-              <a:t>heating</a:t>
-            </a:r>
-            <a:r>
-              <a:rPr lang="nl-BE" sz="2000" dirty="0"/>
-              <a:t> of collector </a:t>
-            </a:r>
-            <a:r>
-              <a:rPr lang="nl-BE" sz="2000" dirty="0" err="1"/>
-              <a:t>itself</a:t>
-            </a:r>
-            <a:r>
-              <a:rPr lang="nl-BE" sz="2000" dirty="0"/>
-              <a:t> (</a:t>
-            </a:r>
-            <a:r>
-              <a:rPr lang="nl-BE" sz="2000" dirty="0" err="1"/>
-              <a:t>for</a:t>
-            </a:r>
-            <a:r>
-              <a:rPr lang="nl-BE" sz="2000" dirty="0"/>
-              <a:t> </a:t>
-            </a:r>
-            <a:r>
-              <a:rPr lang="nl-BE" sz="2000" dirty="0" err="1"/>
-              <a:t>instance</a:t>
-            </a:r>
-            <a:r>
-              <a:rPr lang="nl-BE" sz="2000" dirty="0"/>
-              <a:t> </a:t>
-            </a:r>
-            <a:r>
-              <a:rPr lang="nl-BE" sz="2000" dirty="0" err="1"/>
-              <a:t>cooling</a:t>
-            </a:r>
-            <a:r>
-              <a:rPr lang="nl-BE" sz="2000" dirty="0"/>
-              <a:t> </a:t>
-            </a:r>
-            <a:r>
-              <a:rPr lang="nl-BE" sz="2000" dirty="0" err="1"/>
-              <a:t>during</a:t>
-            </a:r>
-            <a:r>
-              <a:rPr lang="nl-BE" sz="2000" dirty="0"/>
-              <a:t> </a:t>
-            </a:r>
-            <a:r>
-              <a:rPr lang="nl-BE" sz="2000" dirty="0" err="1"/>
-              <a:t>night</a:t>
-            </a:r>
-            <a:r>
-              <a:rPr lang="nl-BE" sz="2000" dirty="0"/>
-              <a:t>)/in TRNSYS collector </a:t>
-            </a:r>
-            <a:r>
-              <a:rPr lang="nl-BE" sz="2000" dirty="0" err="1"/>
-              <a:t>fluid</a:t>
-            </a:r>
-            <a:r>
-              <a:rPr lang="nl-BE" sz="2000" dirty="0"/>
-              <a:t> is </a:t>
-            </a:r>
-            <a:r>
-              <a:rPr lang="nl-BE" sz="2000" dirty="0" err="1"/>
-              <a:t>cooling</a:t>
-            </a:r>
-            <a:r>
-              <a:rPr lang="nl-BE" sz="2000" dirty="0"/>
-              <a:t> down </a:t>
-            </a:r>
-            <a:r>
-              <a:rPr lang="nl-BE" sz="2000" dirty="0" err="1"/>
-              <a:t>if</a:t>
-            </a:r>
-            <a:r>
-              <a:rPr lang="nl-BE" sz="2000" dirty="0"/>
-              <a:t> </a:t>
-            </a:r>
-            <a:r>
-              <a:rPr lang="nl-BE" sz="2000" dirty="0" err="1"/>
-              <a:t>there</a:t>
-            </a:r>
-            <a:r>
-              <a:rPr lang="nl-BE" sz="2000" dirty="0"/>
-              <a:t> is no </a:t>
-            </a:r>
-            <a:r>
-              <a:rPr lang="nl-BE" sz="2000" dirty="0" err="1"/>
-              <a:t>solar</a:t>
-            </a:r>
-            <a:r>
-              <a:rPr lang="nl-BE" sz="2000" dirty="0"/>
-              <a:t> </a:t>
-            </a:r>
-            <a:r>
-              <a:rPr lang="nl-BE" sz="2000" dirty="0" err="1"/>
-              <a:t>radiation</a:t>
-            </a:r>
-            <a:r>
-              <a:rPr lang="nl-BE" sz="2000" dirty="0"/>
-              <a:t>…</a:t>
-            </a:r>
-          </a:p>
-          <a:p>
-            <a:pPr marL="0" indent="0">
-              <a:buNone/>
-            </a:pPr>
-            <a:endParaRPr lang="nl-BE" sz="2000" dirty="0"/>
-          </a:p>
-          <a:p>
-            <a:pPr marL="0" indent="0">
-              <a:buNone/>
-            </a:pPr>
-            <a:r>
-              <a:rPr lang="nl-BE" sz="2000" dirty="0" err="1"/>
-              <a:t>Seems</a:t>
-            </a:r>
-            <a:r>
-              <a:rPr lang="nl-BE" sz="2000" dirty="0"/>
-              <a:t> like It is important, </a:t>
-            </a:r>
-            <a:r>
-              <a:rPr lang="nl-BE" sz="2000" dirty="0" err="1"/>
-              <a:t>inc</a:t>
-            </a:r>
-            <a:r>
-              <a:rPr lang="nl-BE" sz="2000" dirty="0"/>
-              <a:t> </a:t>
-            </a:r>
-            <a:r>
-              <a:rPr lang="nl-BE" sz="2000" dirty="0" err="1"/>
-              <a:t>angle</a:t>
-            </a:r>
-            <a:r>
-              <a:rPr lang="nl-BE" sz="2000" dirty="0"/>
-              <a:t> </a:t>
-            </a:r>
-            <a:r>
-              <a:rPr lang="nl-BE" sz="2000" dirty="0" err="1"/>
-              <a:t>and</a:t>
-            </a:r>
-            <a:r>
-              <a:rPr lang="nl-BE" sz="2000" dirty="0"/>
-              <a:t> IAM </a:t>
-            </a:r>
-            <a:r>
-              <a:rPr lang="nl-BE" sz="2000" dirty="0" err="1"/>
-              <a:t>not</a:t>
-            </a:r>
-            <a:r>
-              <a:rPr lang="nl-BE" sz="2000" dirty="0"/>
-              <a:t> </a:t>
-            </a:r>
-            <a:r>
-              <a:rPr lang="nl-BE" sz="2000" dirty="0" err="1"/>
-              <a:t>that</a:t>
-            </a:r>
-            <a:r>
-              <a:rPr lang="nl-BE" sz="2000" dirty="0"/>
-              <a:t> </a:t>
-            </a:r>
-            <a:r>
-              <a:rPr lang="nl-BE" sz="2000" dirty="0" err="1"/>
-              <a:t>much</a:t>
-            </a:r>
-            <a:r>
-              <a:rPr lang="nl-BE" sz="2000" dirty="0"/>
-              <a:t> …</a:t>
-            </a:r>
+            <a:endParaRPr lang="nl-BE"/>
           </a:p>
         </p:txBody>
       </p:sp>
     </p:spTree>
     <p:extLst>
       <p:ext uri="{BB962C8B-B14F-4D97-AF65-F5344CB8AC3E}">
-        <p14:creationId xmlns:p14="http://schemas.microsoft.com/office/powerpoint/2010/main" val="226542827"/>
+        <p14:creationId xmlns:p14="http://schemas.microsoft.com/office/powerpoint/2010/main" val="3068200242"/>
       </p:ext>
     </p:extLst>
   </p:cSld>
@@ -4957,70 +4614,346 @@
           </a:p>
         </p:txBody>
       </p:sp>
-      <p:pic>
-        <p:nvPicPr>
-          <p:cNvPr id="4" name="Afbeelding 3">
-            <a:extLst>
-              <a:ext uri="{FF2B5EF4-FFF2-40B4-BE49-F238E27FC236}">
-                <a16:creationId xmlns:a16="http://schemas.microsoft.com/office/drawing/2014/main" id="{DD7B6710-9B56-40DC-90F7-70360C903827}"/>
-              </a:ext>
-            </a:extLst>
-          </p:cNvPr>
-          <p:cNvPicPr>
-            <a:picLocks noChangeAspect="1"/>
-          </p:cNvPicPr>
-          <p:nvPr/>
-        </p:nvPicPr>
-        <p:blipFill>
-          <a:blip r:embed="rId2"/>
-          <a:stretch>
-            <a:fillRect/>
-          </a:stretch>
-        </p:blipFill>
+      <p:sp>
+        <p:nvSpPr>
+          <p:cNvPr id="3" name="Tijdelijke aanduiding voor inhoud 2">
+            <a:extLst>
+              <a:ext uri="{FF2B5EF4-FFF2-40B4-BE49-F238E27FC236}">
+                <a16:creationId xmlns:a16="http://schemas.microsoft.com/office/drawing/2014/main" id="{FA8BA756-D5E9-4CF7-9422-DE10107CA025}"/>
+              </a:ext>
+            </a:extLst>
+          </p:cNvPr>
+          <p:cNvSpPr>
+            <a:spLocks noGrp="1"/>
+          </p:cNvSpPr>
+          <p:nvPr>
+            <p:ph idx="1"/>
+          </p:nvPr>
+        </p:nvSpPr>
         <p:spPr>
           <a:xfrm>
-            <a:off x="771914" y="3971347"/>
-            <a:ext cx="7821846" cy="2755631"/>
+            <a:off x="838200" y="1291472"/>
+            <a:ext cx="10515600" cy="5309353"/>
           </a:xfrm>
-          <a:prstGeom prst="rect">
-            <a:avLst/>
-          </a:prstGeom>
         </p:spPr>
-      </p:pic>
-      <p:pic>
-        <p:nvPicPr>
-          <p:cNvPr id="5" name="Afbeelding 4">
-            <a:extLst>
-              <a:ext uri="{FF2B5EF4-FFF2-40B4-BE49-F238E27FC236}">
-                <a16:creationId xmlns:a16="http://schemas.microsoft.com/office/drawing/2014/main" id="{2F3A1DC2-3FBB-4005-AE58-3B8C90BF5078}"/>
-              </a:ext>
-            </a:extLst>
-          </p:cNvPr>
-          <p:cNvPicPr>
-            <a:picLocks noChangeAspect="1"/>
-          </p:cNvPicPr>
-          <p:nvPr/>
-        </p:nvPicPr>
-        <p:blipFill>
-          <a:blip r:embed="rId3"/>
-          <a:stretch>
-            <a:fillRect/>
-          </a:stretch>
-        </p:blipFill>
-        <p:spPr>
-          <a:xfrm>
-            <a:off x="771914" y="1146021"/>
-            <a:ext cx="7821846" cy="2755631"/>
-          </a:xfrm>
-          <a:prstGeom prst="rect">
-            <a:avLst/>
-          </a:prstGeom>
-        </p:spPr>
-      </p:pic>
+        <p:txBody>
+          <a:bodyPr>
+            <a:normAutofit/>
+          </a:bodyPr>
+          <a:lstStyle/>
+          <a:p>
+            <a:pPr marL="0" indent="0">
+              <a:buNone/>
+            </a:pPr>
+            <a:r>
+              <a:rPr lang="nl-BE" sz="2000" dirty="0"/>
+              <a:t>!!! </a:t>
+            </a:r>
+            <a:r>
+              <a:rPr lang="nl-BE" sz="2000" dirty="0" err="1"/>
+              <a:t>Coefficients</a:t>
+            </a:r>
+            <a:r>
+              <a:rPr lang="nl-BE" sz="2000" dirty="0"/>
+              <a:t> a1,a2 in </a:t>
+            </a:r>
+            <a:r>
+              <a:rPr lang="nl-BE" sz="2000" dirty="0" err="1"/>
+              <a:t>eff</a:t>
+            </a:r>
+            <a:r>
+              <a:rPr lang="nl-BE" sz="2000" dirty="0"/>
+              <a:t>=a0-a1*</a:t>
+            </a:r>
+            <a:r>
+              <a:rPr lang="nl-BE" sz="2000" dirty="0" err="1"/>
+              <a:t>deltaT</a:t>
+            </a:r>
+            <a:r>
+              <a:rPr lang="nl-BE" sz="2000" dirty="0"/>
+              <a:t>/It – a2*deltaT²/It are </a:t>
+            </a:r>
+            <a:r>
+              <a:rPr lang="nl-BE" sz="2000" dirty="0" err="1"/>
+              <a:t>given</a:t>
+            </a:r>
+            <a:r>
+              <a:rPr lang="nl-BE" sz="2000" dirty="0"/>
+              <a:t> in W/m²K or W/m²K² !! (</a:t>
+            </a:r>
+            <a:r>
+              <a:rPr lang="nl-BE" sz="2000" dirty="0" err="1"/>
+              <a:t>so</a:t>
+            </a:r>
+            <a:r>
+              <a:rPr lang="nl-BE" sz="2000" dirty="0"/>
+              <a:t> </a:t>
+            </a:r>
+            <a:r>
+              <a:rPr lang="nl-BE" sz="2000" dirty="0" err="1"/>
+              <a:t>correction</a:t>
+            </a:r>
+            <a:r>
+              <a:rPr lang="nl-BE" sz="2000" dirty="0"/>
+              <a:t> </a:t>
+            </a:r>
+            <a:r>
+              <a:rPr lang="nl-BE" sz="2000" dirty="0" err="1"/>
+              <a:t>needed</a:t>
+            </a:r>
+            <a:r>
+              <a:rPr lang="nl-BE" sz="2000" dirty="0"/>
+              <a:t> </a:t>
+            </a:r>
+            <a:r>
+              <a:rPr lang="nl-BE" sz="2000" dirty="0" err="1"/>
+              <a:t>for</a:t>
+            </a:r>
+            <a:r>
+              <a:rPr lang="nl-BE" sz="2000" dirty="0"/>
+              <a:t> </a:t>
+            </a:r>
+            <a:r>
+              <a:rPr lang="nl-BE" sz="2000" dirty="0" err="1"/>
+              <a:t>trnsys</a:t>
+            </a:r>
+            <a:r>
+              <a:rPr lang="nl-BE" sz="2000" dirty="0"/>
+              <a:t> kJ/h)</a:t>
+            </a:r>
+          </a:p>
+          <a:p>
+            <a:pPr marL="0" indent="0">
+              <a:buNone/>
+            </a:pPr>
+            <a:endParaRPr lang="nl-BE" sz="2000" dirty="0"/>
+          </a:p>
+          <a:p>
+            <a:pPr marL="0" indent="0">
+              <a:buNone/>
+            </a:pPr>
+            <a:r>
+              <a:rPr lang="nl-BE" sz="2000" dirty="0"/>
+              <a:t>!! </a:t>
+            </a:r>
+            <a:r>
+              <a:rPr lang="nl-BE" sz="2000" dirty="0" err="1"/>
+              <a:t>This</a:t>
+            </a:r>
+            <a:r>
+              <a:rPr lang="nl-BE" sz="2000" dirty="0"/>
+              <a:t> </a:t>
+            </a:r>
+            <a:r>
+              <a:rPr lang="nl-BE" sz="2000" dirty="0" err="1"/>
+              <a:t>simplified</a:t>
+            </a:r>
+            <a:r>
+              <a:rPr lang="nl-BE" sz="2000" dirty="0"/>
+              <a:t> model </a:t>
+            </a:r>
+            <a:r>
+              <a:rPr lang="nl-BE" sz="2000" dirty="0" err="1"/>
+              <a:t>doesn’t</a:t>
+            </a:r>
+            <a:r>
+              <a:rPr lang="nl-BE" sz="2000" dirty="0"/>
+              <a:t> </a:t>
+            </a:r>
+            <a:r>
+              <a:rPr lang="nl-BE" sz="2000" dirty="0" err="1"/>
+              <a:t>consider</a:t>
+            </a:r>
+            <a:r>
+              <a:rPr lang="nl-BE" sz="2000" dirty="0"/>
+              <a:t> </a:t>
+            </a:r>
+            <a:r>
+              <a:rPr lang="nl-BE" sz="2000" dirty="0" err="1"/>
+              <a:t>cooling</a:t>
+            </a:r>
+            <a:r>
+              <a:rPr lang="nl-BE" sz="2000" dirty="0"/>
+              <a:t>/</a:t>
+            </a:r>
+            <a:r>
+              <a:rPr lang="nl-BE" sz="2000" dirty="0" err="1"/>
+              <a:t>heating</a:t>
+            </a:r>
+            <a:r>
+              <a:rPr lang="nl-BE" sz="2000" dirty="0"/>
+              <a:t> of collector </a:t>
+            </a:r>
+            <a:r>
+              <a:rPr lang="nl-BE" sz="2000" dirty="0" err="1"/>
+              <a:t>itself</a:t>
+            </a:r>
+            <a:r>
+              <a:rPr lang="nl-BE" sz="2000" dirty="0"/>
+              <a:t> (</a:t>
+            </a:r>
+            <a:r>
+              <a:rPr lang="nl-BE" sz="2000" dirty="0" err="1"/>
+              <a:t>for</a:t>
+            </a:r>
+            <a:r>
+              <a:rPr lang="nl-BE" sz="2000" dirty="0"/>
+              <a:t> </a:t>
+            </a:r>
+            <a:r>
+              <a:rPr lang="nl-BE" sz="2000" dirty="0" err="1"/>
+              <a:t>instance</a:t>
+            </a:r>
+            <a:r>
+              <a:rPr lang="nl-BE" sz="2000" dirty="0"/>
+              <a:t> </a:t>
+            </a:r>
+            <a:r>
+              <a:rPr lang="nl-BE" sz="2000" dirty="0" err="1"/>
+              <a:t>cooling</a:t>
+            </a:r>
+            <a:r>
+              <a:rPr lang="nl-BE" sz="2000" dirty="0"/>
+              <a:t> </a:t>
+            </a:r>
+            <a:r>
+              <a:rPr lang="nl-BE" sz="2000" dirty="0" err="1"/>
+              <a:t>during</a:t>
+            </a:r>
+            <a:r>
+              <a:rPr lang="nl-BE" sz="2000" dirty="0"/>
+              <a:t> </a:t>
+            </a:r>
+            <a:r>
+              <a:rPr lang="nl-BE" sz="2000" dirty="0" err="1"/>
+              <a:t>night</a:t>
+            </a:r>
+            <a:r>
+              <a:rPr lang="nl-BE" sz="2000" dirty="0"/>
+              <a:t>)/in TRNSYS collector </a:t>
+            </a:r>
+            <a:r>
+              <a:rPr lang="nl-BE" sz="2000" dirty="0" err="1"/>
+              <a:t>fluid</a:t>
+            </a:r>
+            <a:r>
+              <a:rPr lang="nl-BE" sz="2000" dirty="0"/>
+              <a:t> is </a:t>
+            </a:r>
+            <a:r>
+              <a:rPr lang="nl-BE" sz="2000" dirty="0" err="1"/>
+              <a:t>cooling</a:t>
+            </a:r>
+            <a:r>
+              <a:rPr lang="nl-BE" sz="2000" dirty="0"/>
+              <a:t> down </a:t>
+            </a:r>
+            <a:r>
+              <a:rPr lang="nl-BE" sz="2000" dirty="0" err="1"/>
+              <a:t>if</a:t>
+            </a:r>
+            <a:r>
+              <a:rPr lang="nl-BE" sz="2000" dirty="0"/>
+              <a:t> </a:t>
+            </a:r>
+            <a:r>
+              <a:rPr lang="nl-BE" sz="2000" dirty="0" err="1"/>
+              <a:t>there</a:t>
+            </a:r>
+            <a:r>
+              <a:rPr lang="nl-BE" sz="2000" dirty="0"/>
+              <a:t> is no </a:t>
+            </a:r>
+            <a:r>
+              <a:rPr lang="nl-BE" sz="2000" dirty="0" err="1"/>
+              <a:t>solar</a:t>
+            </a:r>
+            <a:r>
+              <a:rPr lang="nl-BE" sz="2000" dirty="0"/>
+              <a:t> </a:t>
+            </a:r>
+            <a:r>
+              <a:rPr lang="nl-BE" sz="2000" dirty="0" err="1"/>
+              <a:t>radiation</a:t>
+            </a:r>
+            <a:r>
+              <a:rPr lang="nl-BE" sz="2000" dirty="0"/>
+              <a:t>…</a:t>
+            </a:r>
+          </a:p>
+          <a:p>
+            <a:pPr marL="0" indent="0">
+              <a:buNone/>
+            </a:pPr>
+            <a:endParaRPr lang="nl-BE" sz="2000" dirty="0"/>
+          </a:p>
+          <a:p>
+            <a:pPr marL="0" indent="0">
+              <a:buNone/>
+            </a:pPr>
+            <a:r>
+              <a:rPr lang="nl-BE" sz="2000" dirty="0" err="1"/>
+              <a:t>Seems</a:t>
+            </a:r>
+            <a:r>
+              <a:rPr lang="nl-BE" sz="2000" dirty="0"/>
+              <a:t> like It is important, </a:t>
+            </a:r>
+            <a:r>
+              <a:rPr lang="nl-BE" sz="2000" dirty="0" err="1"/>
+              <a:t>inc</a:t>
+            </a:r>
+            <a:r>
+              <a:rPr lang="nl-BE" sz="2000" dirty="0"/>
+              <a:t> </a:t>
+            </a:r>
+            <a:r>
+              <a:rPr lang="nl-BE" sz="2000" dirty="0" err="1"/>
+              <a:t>angle</a:t>
+            </a:r>
+            <a:r>
+              <a:rPr lang="nl-BE" sz="2000" dirty="0"/>
+              <a:t> </a:t>
+            </a:r>
+            <a:r>
+              <a:rPr lang="nl-BE" sz="2000" dirty="0" err="1"/>
+              <a:t>and</a:t>
+            </a:r>
+            <a:r>
+              <a:rPr lang="nl-BE" sz="2000" dirty="0"/>
+              <a:t> IAM </a:t>
+            </a:r>
+            <a:r>
+              <a:rPr lang="nl-BE" sz="2000" dirty="0" err="1"/>
+              <a:t>not</a:t>
+            </a:r>
+            <a:r>
+              <a:rPr lang="nl-BE" sz="2000" dirty="0"/>
+              <a:t> </a:t>
+            </a:r>
+            <a:r>
+              <a:rPr lang="nl-BE" sz="2000" dirty="0" err="1"/>
+              <a:t>that</a:t>
+            </a:r>
+            <a:r>
+              <a:rPr lang="nl-BE" sz="2000" dirty="0"/>
+              <a:t> </a:t>
+            </a:r>
+            <a:r>
+              <a:rPr lang="nl-BE" sz="2000" dirty="0" err="1"/>
+              <a:t>much</a:t>
+            </a:r>
+            <a:r>
+              <a:rPr lang="nl-BE" sz="2000" dirty="0"/>
+              <a:t> …</a:t>
+            </a:r>
+          </a:p>
+        </p:txBody>
+      </p:sp>
     </p:spTree>
     <p:extLst>
       <p:ext uri="{BB962C8B-B14F-4D97-AF65-F5344CB8AC3E}">
-        <p14:creationId xmlns:p14="http://schemas.microsoft.com/office/powerpoint/2010/main" val="2945660218"/>
+        <p14:creationId xmlns:p14="http://schemas.microsoft.com/office/powerpoint/2010/main" val="226542827"/>
       </p:ext>
     </p:extLst>
   </p:cSld>
@@ -5071,7 +5004,12 @@
             <p:ph type="title"/>
           </p:nvPr>
         </p:nvSpPr>
-        <p:spPr/>
+        <p:spPr>
+          <a:xfrm>
+            <a:off x="838200" y="365126"/>
+            <a:ext cx="10515600" cy="711200"/>
+          </a:xfrm>
+        </p:spPr>
         <p:txBody>
           <a:bodyPr>
             <a:normAutofit/>
@@ -5080,7 +5018,7 @@
           <a:p>
             <a:r>
               <a:rPr lang="nl-BE" sz="3600" dirty="0" err="1"/>
-              <a:t>Consider</a:t>
+              <a:t>comparison</a:t>
             </a:r>
             <a:r>
               <a:rPr lang="nl-BE" sz="3600" dirty="0"/>
@@ -5088,267 +5026,45 @@
             </a:r>
             <a:r>
               <a:rPr lang="nl-BE" sz="3600" dirty="0" err="1"/>
-              <a:t>capacitance</a:t>
+              <a:t>matlab</a:t>
             </a:r>
             <a:r>
               <a:rPr lang="nl-BE" sz="3600" dirty="0"/>
-              <a:t> of collector (TRNSYS)?</a:t>
-            </a:r>
-          </a:p>
-        </p:txBody>
-      </p:sp>
-      <p:sp>
-        <p:nvSpPr>
-          <p:cNvPr id="3" name="Tijdelijke aanduiding voor inhoud 2">
-            <a:extLst>
-              <a:ext uri="{FF2B5EF4-FFF2-40B4-BE49-F238E27FC236}">
-                <a16:creationId xmlns:a16="http://schemas.microsoft.com/office/drawing/2014/main" id="{9761466D-D366-4CB1-87BC-78FA90F22707}"/>
-              </a:ext>
-            </a:extLst>
-          </p:cNvPr>
-          <p:cNvSpPr>
-            <a:spLocks noGrp="1"/>
-          </p:cNvSpPr>
-          <p:nvPr>
-            <p:ph idx="1"/>
-          </p:nvPr>
-        </p:nvSpPr>
-        <p:spPr/>
-        <p:txBody>
-          <a:bodyPr>
-            <a:normAutofit/>
-          </a:bodyPr>
-          <a:lstStyle/>
-          <a:p>
-            <a:pPr marL="0" indent="0">
-              <a:buNone/>
-            </a:pPr>
-            <a:r>
-              <a:rPr lang="nl-BE" sz="1800" dirty="0"/>
-              <a:t>TRNSYS model Type71 </a:t>
-            </a:r>
-            <a:r>
-              <a:rPr lang="nl-BE" sz="1800" dirty="0" err="1"/>
+              <a:t> model </a:t>
+            </a:r>
+            <a:r>
+              <a:rPr lang="nl-BE" sz="3600" dirty="0" err="1"/>
+              <a:t>with</a:t>
+            </a:r>
+            <a:r>
+              <a:rPr lang="nl-BE" sz="3600" dirty="0"/>
+              <a:t> </a:t>
+            </a:r>
+            <a:r>
+              <a:rPr lang="nl-BE" sz="3600" dirty="0" err="1"/>
+              <a:t>trnsys</a:t>
+            </a:r>
+            <a:r>
+              <a:rPr lang="nl-BE" sz="3600" dirty="0"/>
+              <a:t> Type1 </a:t>
+            </a:r>
+            <a:r>
+              <a:rPr lang="nl-BE" sz="3600" dirty="0" err="1"/>
               <a:t>and</a:t>
             </a:r>
             <a:r>
-              <a:rPr lang="nl-BE" sz="1800" dirty="0"/>
-              <a:t> 538 are </a:t>
-            </a:r>
-            <a:r>
-              <a:rPr lang="nl-BE" sz="1800" dirty="0" err="1"/>
-              <a:t>similar</a:t>
-            </a:r>
-            <a:r>
-              <a:rPr lang="nl-BE" sz="1800" dirty="0"/>
-              <a:t> </a:t>
-            </a:r>
-            <a:r>
-              <a:rPr lang="nl-BE" sz="1800" dirty="0" err="1"/>
-              <a:t>models</a:t>
-            </a:r>
-            <a:r>
-              <a:rPr lang="nl-BE" sz="1800" dirty="0"/>
-              <a:t> </a:t>
-            </a:r>
-            <a:r>
-              <a:rPr lang="nl-BE" sz="1800" dirty="0" err="1"/>
-              <a:t>for</a:t>
-            </a:r>
-            <a:r>
-              <a:rPr lang="nl-BE" sz="1800" dirty="0"/>
-              <a:t> </a:t>
-            </a:r>
-            <a:r>
-              <a:rPr lang="nl-BE" sz="1800" dirty="0" err="1"/>
-              <a:t>evacuated</a:t>
-            </a:r>
-            <a:r>
-              <a:rPr lang="nl-BE" sz="1800" dirty="0"/>
-              <a:t> tube </a:t>
-            </a:r>
-            <a:r>
-              <a:rPr lang="nl-BE" sz="1800" dirty="0" err="1"/>
-              <a:t>solar</a:t>
-            </a:r>
-            <a:r>
-              <a:rPr lang="nl-BE" sz="1800" dirty="0"/>
-              <a:t> collector, </a:t>
-            </a:r>
-            <a:r>
-              <a:rPr lang="nl-BE" sz="1800" dirty="0" err="1"/>
-              <a:t>both</a:t>
-            </a:r>
-            <a:r>
-              <a:rPr lang="nl-BE" sz="1800" dirty="0"/>
-              <a:t> </a:t>
-            </a:r>
-            <a:r>
-              <a:rPr lang="nl-BE" sz="1800" dirty="0" err="1"/>
-              <a:t>with</a:t>
-            </a:r>
-            <a:r>
-              <a:rPr lang="nl-BE" sz="1800" dirty="0"/>
-              <a:t> </a:t>
-            </a:r>
-            <a:r>
-              <a:rPr lang="nl-BE" sz="1800" dirty="0" err="1"/>
-              <a:t>quadratic</a:t>
-            </a:r>
-            <a:r>
-              <a:rPr lang="nl-BE" sz="1800" dirty="0"/>
-              <a:t> efficiency curve </a:t>
-            </a:r>
-            <a:r>
-              <a:rPr lang="nl-BE" sz="1800" dirty="0" err="1"/>
-              <a:t>and</a:t>
-            </a:r>
-            <a:r>
-              <a:rPr lang="nl-BE" sz="1800" dirty="0"/>
-              <a:t> bi-</a:t>
-            </a:r>
-            <a:r>
-              <a:rPr lang="nl-BE" sz="1800" dirty="0" err="1"/>
-              <a:t>axial</a:t>
-            </a:r>
-            <a:r>
-              <a:rPr lang="nl-BE" sz="1800" dirty="0"/>
-              <a:t> </a:t>
-            </a:r>
-            <a:r>
-              <a:rPr lang="nl-BE" sz="1800" dirty="0" err="1"/>
-              <a:t>incidence</a:t>
-            </a:r>
-            <a:r>
-              <a:rPr lang="nl-BE" sz="1800" dirty="0"/>
-              <a:t> </a:t>
-            </a:r>
-            <a:r>
-              <a:rPr lang="nl-BE" sz="1800" dirty="0" err="1"/>
-              <a:t>angle</a:t>
-            </a:r>
-            <a:r>
-              <a:rPr lang="nl-BE" sz="1800" dirty="0"/>
-              <a:t> </a:t>
-            </a:r>
-            <a:r>
-              <a:rPr lang="nl-BE" sz="1800" dirty="0" err="1"/>
-              <a:t>modifiers</a:t>
-            </a:r>
-            <a:r>
-              <a:rPr lang="nl-BE" sz="1800" dirty="0"/>
-              <a:t>, but </a:t>
-            </a:r>
-            <a:r>
-              <a:rPr lang="nl-BE" sz="1800" dirty="0" err="1"/>
-              <a:t>only</a:t>
-            </a:r>
-            <a:r>
-              <a:rPr lang="nl-BE" sz="1800" dirty="0"/>
-              <a:t> in Type538 </a:t>
-            </a:r>
-            <a:r>
-              <a:rPr lang="nl-BE" sz="1800" dirty="0" err="1"/>
-              <a:t>the</a:t>
-            </a:r>
-            <a:r>
-              <a:rPr lang="nl-BE" sz="1800" dirty="0"/>
-              <a:t> </a:t>
-            </a:r>
-            <a:r>
-              <a:rPr lang="nl-BE" sz="1800" dirty="0" err="1"/>
-              <a:t>capacitance</a:t>
-            </a:r>
-            <a:r>
-              <a:rPr lang="nl-BE" sz="1800" dirty="0"/>
-              <a:t> of </a:t>
-            </a:r>
-            <a:r>
-              <a:rPr lang="nl-BE" sz="1800" dirty="0" err="1"/>
-              <a:t>the</a:t>
-            </a:r>
-            <a:r>
-              <a:rPr lang="nl-BE" sz="1800" dirty="0"/>
-              <a:t> collector </a:t>
-            </a:r>
-            <a:r>
-              <a:rPr lang="nl-BE" sz="1800" dirty="0" err="1"/>
-              <a:t>may</a:t>
-            </a:r>
-            <a:r>
-              <a:rPr lang="nl-BE" sz="1800" dirty="0"/>
-              <a:t> </a:t>
-            </a:r>
-            <a:r>
-              <a:rPr lang="nl-BE" sz="1800" dirty="0" err="1"/>
-              <a:t>be</a:t>
-            </a:r>
-            <a:r>
-              <a:rPr lang="nl-BE" sz="1800" dirty="0"/>
-              <a:t> </a:t>
-            </a:r>
-            <a:r>
-              <a:rPr lang="nl-BE" sz="1800" dirty="0" err="1"/>
-              <a:t>accounted</a:t>
-            </a:r>
-            <a:r>
-              <a:rPr lang="nl-BE" sz="1800" dirty="0"/>
-              <a:t> </a:t>
-            </a:r>
-            <a:r>
-              <a:rPr lang="nl-BE" sz="1800" dirty="0" err="1"/>
-              <a:t>for</a:t>
-            </a:r>
-            <a:r>
-              <a:rPr lang="nl-BE" sz="1800" dirty="0"/>
-              <a:t>.</a:t>
-            </a:r>
-          </a:p>
-          <a:p>
-            <a:pPr marL="0" indent="0">
-              <a:buNone/>
-            </a:pPr>
-            <a:r>
-              <a:rPr lang="nl-BE" sz="1800" dirty="0" err="1"/>
-              <a:t>Results</a:t>
-            </a:r>
-            <a:r>
-              <a:rPr lang="nl-BE" sz="1800" dirty="0"/>
-              <a:t> </a:t>
-            </a:r>
-            <a:r>
-              <a:rPr lang="nl-BE" sz="1800" dirty="0" err="1"/>
-              <a:t>for</a:t>
-            </a:r>
-            <a:r>
-              <a:rPr lang="nl-BE" sz="1800" dirty="0"/>
-              <a:t> </a:t>
-            </a:r>
-            <a:r>
-              <a:rPr lang="nl-BE" sz="1800" dirty="0" err="1"/>
-              <a:t>the</a:t>
-            </a:r>
-            <a:r>
-              <a:rPr lang="nl-BE" sz="1800" dirty="0"/>
-              <a:t> </a:t>
-            </a:r>
-            <a:r>
-              <a:rPr lang="nl-BE" sz="1800" dirty="0" err="1"/>
-              <a:t>same</a:t>
-            </a:r>
-            <a:r>
-              <a:rPr lang="nl-BE" sz="1800" dirty="0"/>
-              <a:t> (single) collector:</a:t>
+              <a:rPr lang="nl-BE" sz="3600" dirty="0"/>
+              <a:t> 71</a:t>
             </a:r>
           </a:p>
         </p:txBody>
       </p:sp>
       <p:pic>
         <p:nvPicPr>
-          <p:cNvPr id="6" name="Afbeelding 5">
-            <a:extLst>
-              <a:ext uri="{FF2B5EF4-FFF2-40B4-BE49-F238E27FC236}">
-                <a16:creationId xmlns:a16="http://schemas.microsoft.com/office/drawing/2014/main" id="{2338BBB0-F0B2-4467-B802-3B6676A110FD}"/>
+          <p:cNvPr id="4" name="Afbeelding 3">
+            <a:extLst>
+              <a:ext uri="{FF2B5EF4-FFF2-40B4-BE49-F238E27FC236}">
+                <a16:creationId xmlns:a16="http://schemas.microsoft.com/office/drawing/2014/main" id="{DD7B6710-9B56-40DC-90F7-70360C903827}"/>
               </a:ext>
             </a:extLst>
           </p:cNvPr>
@@ -5365,8 +5081,8 @@
         </p:blipFill>
         <p:spPr>
           <a:xfrm>
-            <a:off x="564789" y="3298093"/>
-            <a:ext cx="4578493" cy="2755631"/>
+            <a:off x="771914" y="3971347"/>
+            <a:ext cx="7821846" cy="2755631"/>
           </a:xfrm>
           <a:prstGeom prst="rect">
             <a:avLst/>
@@ -5375,10 +5091,10 @@
       </p:pic>
       <p:pic>
         <p:nvPicPr>
-          <p:cNvPr id="7" name="Afbeelding 6">
-            <a:extLst>
-              <a:ext uri="{FF2B5EF4-FFF2-40B4-BE49-F238E27FC236}">
-                <a16:creationId xmlns:a16="http://schemas.microsoft.com/office/drawing/2014/main" id="{80568791-AABE-4C87-B823-BA2E0A189798}"/>
+          <p:cNvPr id="5" name="Afbeelding 4">
+            <a:extLst>
+              <a:ext uri="{FF2B5EF4-FFF2-40B4-BE49-F238E27FC236}">
+                <a16:creationId xmlns:a16="http://schemas.microsoft.com/office/drawing/2014/main" id="{2F3A1DC2-3FBB-4005-AE58-3B8C90BF5078}"/>
               </a:ext>
             </a:extLst>
           </p:cNvPr>
@@ -5395,8 +5111,8 @@
         </p:blipFill>
         <p:spPr>
           <a:xfrm>
-            <a:off x="5758675" y="3227251"/>
-            <a:ext cx="4572396" cy="2749534"/>
+            <a:off x="771914" y="1146021"/>
+            <a:ext cx="7821846" cy="2755631"/>
           </a:xfrm>
           <a:prstGeom prst="rect">
             <a:avLst/>
@@ -5406,7 +5122,7 @@
     </p:spTree>
     <p:extLst>
       <p:ext uri="{BB962C8B-B14F-4D97-AF65-F5344CB8AC3E}">
-        <p14:creationId xmlns:p14="http://schemas.microsoft.com/office/powerpoint/2010/main" val="2388487876"/>
+        <p14:creationId xmlns:p14="http://schemas.microsoft.com/office/powerpoint/2010/main" val="2945660218"/>
       </p:ext>
     </p:extLst>
   </p:cSld>
@@ -5466,19 +5182,19 @@
           <a:p>
             <a:r>
               <a:rPr lang="nl-BE" sz="3600" dirty="0" err="1"/>
+              <a:t>Consider</a:t>
+            </a:r>
+            <a:r>
+              <a:rPr lang="nl-BE" sz="3600" dirty="0"/>
+              <a:t> </a:t>
+            </a:r>
+            <a:r>
+              <a:rPr lang="nl-BE" sz="3600" dirty="0" err="1"/>
               <a:t>capacitance</a:t>
             </a:r>
             <a:r>
               <a:rPr lang="nl-BE" sz="3600" dirty="0"/>
-              <a:t> of collector (</a:t>
-            </a:r>
-            <a:r>
-              <a:rPr lang="nl-BE" sz="3600" dirty="0" err="1"/>
-              <a:t>Matlab</a:t>
-            </a:r>
-            <a:r>
-              <a:rPr lang="nl-BE" sz="3600" dirty="0"/>
-              <a:t>)?</a:t>
+              <a:t> of collector (TRNSYS)?</a:t>
             </a:r>
           </a:p>
         </p:txBody>
@@ -5510,6 +5226,191 @@
               <a:buNone/>
             </a:pPr>
             <a:r>
+              <a:rPr lang="nl-BE" sz="1800" dirty="0"/>
+              <a:t>TRNSYS model Type71 </a:t>
+            </a:r>
+            <a:r>
+              <a:rPr lang="nl-BE" sz="1800" dirty="0" err="1"/>
+              <a:t>and</a:t>
+            </a:r>
+            <a:r>
+              <a:rPr lang="nl-BE" sz="1800" dirty="0"/>
+              <a:t> 538 are </a:t>
+            </a:r>
+            <a:r>
+              <a:rPr lang="nl-BE" sz="1800" dirty="0" err="1"/>
+              <a:t>similar</a:t>
+            </a:r>
+            <a:r>
+              <a:rPr lang="nl-BE" sz="1800" dirty="0"/>
+              <a:t> </a:t>
+            </a:r>
+            <a:r>
+              <a:rPr lang="nl-BE" sz="1800" dirty="0" err="1"/>
+              <a:t>models</a:t>
+            </a:r>
+            <a:r>
+              <a:rPr lang="nl-BE" sz="1800" dirty="0"/>
+              <a:t> </a:t>
+            </a:r>
+            <a:r>
+              <a:rPr lang="nl-BE" sz="1800" dirty="0" err="1"/>
+              <a:t>for</a:t>
+            </a:r>
+            <a:r>
+              <a:rPr lang="nl-BE" sz="1800" dirty="0"/>
+              <a:t> </a:t>
+            </a:r>
+            <a:r>
+              <a:rPr lang="nl-BE" sz="1800" dirty="0" err="1"/>
+              <a:t>evacuated</a:t>
+            </a:r>
+            <a:r>
+              <a:rPr lang="nl-BE" sz="1800" dirty="0"/>
+              <a:t> tube </a:t>
+            </a:r>
+            <a:r>
+              <a:rPr lang="nl-BE" sz="1800" dirty="0" err="1"/>
+              <a:t>solar</a:t>
+            </a:r>
+            <a:r>
+              <a:rPr lang="nl-BE" sz="1800" dirty="0"/>
+              <a:t> collector, </a:t>
+            </a:r>
+            <a:r>
+              <a:rPr lang="nl-BE" sz="1800" dirty="0" err="1"/>
+              <a:t>both</a:t>
+            </a:r>
+            <a:r>
+              <a:rPr lang="nl-BE" sz="1800" dirty="0"/>
+              <a:t> </a:t>
+            </a:r>
+            <a:r>
+              <a:rPr lang="nl-BE" sz="1800" dirty="0" err="1"/>
+              <a:t>with</a:t>
+            </a:r>
+            <a:r>
+              <a:rPr lang="nl-BE" sz="1800" dirty="0"/>
+              <a:t> </a:t>
+            </a:r>
+            <a:r>
+              <a:rPr lang="nl-BE" sz="1800" dirty="0" err="1"/>
+              <a:t>quadratic</a:t>
+            </a:r>
+            <a:r>
+              <a:rPr lang="nl-BE" sz="1800" dirty="0"/>
+              <a:t> efficiency curve </a:t>
+            </a:r>
+            <a:r>
+              <a:rPr lang="nl-BE" sz="1800" dirty="0" err="1"/>
+              <a:t>and</a:t>
+            </a:r>
+            <a:r>
+              <a:rPr lang="nl-BE" sz="1800" dirty="0"/>
+              <a:t> bi-</a:t>
+            </a:r>
+            <a:r>
+              <a:rPr lang="nl-BE" sz="1800" dirty="0" err="1"/>
+              <a:t>axial</a:t>
+            </a:r>
+            <a:r>
+              <a:rPr lang="nl-BE" sz="1800" dirty="0"/>
+              <a:t> </a:t>
+            </a:r>
+            <a:r>
+              <a:rPr lang="nl-BE" sz="1800" dirty="0" err="1"/>
+              <a:t>incidence</a:t>
+            </a:r>
+            <a:r>
+              <a:rPr lang="nl-BE" sz="1800" dirty="0"/>
+              <a:t> </a:t>
+            </a:r>
+            <a:r>
+              <a:rPr lang="nl-BE" sz="1800" dirty="0" err="1"/>
+              <a:t>angle</a:t>
+            </a:r>
+            <a:r>
+              <a:rPr lang="nl-BE" sz="1800" dirty="0"/>
+              <a:t> </a:t>
+            </a:r>
+            <a:r>
+              <a:rPr lang="nl-BE" sz="1800" dirty="0" err="1"/>
+              <a:t>modifiers</a:t>
+            </a:r>
+            <a:r>
+              <a:rPr lang="nl-BE" sz="1800" dirty="0"/>
+              <a:t>, but </a:t>
+            </a:r>
+            <a:r>
+              <a:rPr lang="nl-BE" sz="1800" dirty="0" err="1"/>
+              <a:t>only</a:t>
+            </a:r>
+            <a:r>
+              <a:rPr lang="nl-BE" sz="1800" dirty="0"/>
+              <a:t> in Type538 </a:t>
+            </a:r>
+            <a:r>
+              <a:rPr lang="nl-BE" sz="1800" dirty="0" err="1"/>
+              <a:t>the</a:t>
+            </a:r>
+            <a:r>
+              <a:rPr lang="nl-BE" sz="1800" dirty="0"/>
+              <a:t> </a:t>
+            </a:r>
+            <a:r>
+              <a:rPr lang="nl-BE" sz="1800" dirty="0" err="1"/>
+              <a:t>capacitance</a:t>
+            </a:r>
+            <a:r>
+              <a:rPr lang="nl-BE" sz="1800" dirty="0"/>
+              <a:t> of </a:t>
+            </a:r>
+            <a:r>
+              <a:rPr lang="nl-BE" sz="1800" dirty="0" err="1"/>
+              <a:t>the</a:t>
+            </a:r>
+            <a:r>
+              <a:rPr lang="nl-BE" sz="1800" dirty="0"/>
+              <a:t> collector </a:t>
+            </a:r>
+            <a:r>
+              <a:rPr lang="nl-BE" sz="1800" dirty="0" err="1"/>
+              <a:t>may</a:t>
+            </a:r>
+            <a:r>
+              <a:rPr lang="nl-BE" sz="1800" dirty="0"/>
+              <a:t> </a:t>
+            </a:r>
+            <a:r>
+              <a:rPr lang="nl-BE" sz="1800" dirty="0" err="1"/>
+              <a:t>be</a:t>
+            </a:r>
+            <a:r>
+              <a:rPr lang="nl-BE" sz="1800" dirty="0"/>
+              <a:t> </a:t>
+            </a:r>
+            <a:r>
+              <a:rPr lang="nl-BE" sz="1800" dirty="0" err="1"/>
+              <a:t>accounted</a:t>
+            </a:r>
+            <a:r>
+              <a:rPr lang="nl-BE" sz="1800" dirty="0"/>
+              <a:t> </a:t>
+            </a:r>
+            <a:r>
+              <a:rPr lang="nl-BE" sz="1800" dirty="0" err="1"/>
+              <a:t>for</a:t>
+            </a:r>
+            <a:r>
+              <a:rPr lang="nl-BE" sz="1800" dirty="0"/>
+              <a:t>.</a:t>
+            </a:r>
+          </a:p>
+          <a:p>
+            <a:pPr marL="0" indent="0">
+              <a:buNone/>
+            </a:pPr>
+            <a:r>
               <a:rPr lang="nl-BE" sz="1800" dirty="0" err="1"/>
               <a:t>Results</a:t>
             </a:r>
@@ -5539,25 +5440,17 @@
             </a:r>
             <a:r>
               <a:rPr lang="nl-BE" sz="1800" dirty="0"/>
-              <a:t> (single) collector, flow=testflow:	collector </a:t>
-            </a:r>
-            <a:r>
-              <a:rPr lang="nl-BE" sz="1800" dirty="0" err="1"/>
-              <a:t>capacitance</a:t>
-            </a:r>
-            <a:r>
-              <a:rPr lang="nl-BE" sz="1800" dirty="0"/>
-              <a:t> *10, flow=testflow:</a:t>
+              <a:t> (single) collector:</a:t>
             </a:r>
           </a:p>
         </p:txBody>
       </p:sp>
       <p:pic>
         <p:nvPicPr>
-          <p:cNvPr id="4" name="Afbeelding 3">
-            <a:extLst>
-              <a:ext uri="{FF2B5EF4-FFF2-40B4-BE49-F238E27FC236}">
-                <a16:creationId xmlns:a16="http://schemas.microsoft.com/office/drawing/2014/main" id="{9A7027E2-28A5-43F0-BC84-C5EE7887BFEF}"/>
+          <p:cNvPr id="6" name="Afbeelding 5">
+            <a:extLst>
+              <a:ext uri="{FF2B5EF4-FFF2-40B4-BE49-F238E27FC236}">
+                <a16:creationId xmlns:a16="http://schemas.microsoft.com/office/drawing/2014/main" id="{2338BBB0-F0B2-4467-B802-3B6676A110FD}"/>
               </a:ext>
             </a:extLst>
           </p:cNvPr>
@@ -5574,8 +5467,8 @@
         </p:blipFill>
         <p:spPr>
           <a:xfrm>
-            <a:off x="661077" y="2328275"/>
-            <a:ext cx="5591941" cy="1970037"/>
+            <a:off x="564789" y="3298093"/>
+            <a:ext cx="4578493" cy="2755631"/>
           </a:xfrm>
           <a:prstGeom prst="rect">
             <a:avLst/>
@@ -5584,10 +5477,10 @@
       </p:pic>
       <p:pic>
         <p:nvPicPr>
-          <p:cNvPr id="5" name="Afbeelding 4">
-            <a:extLst>
-              <a:ext uri="{FF2B5EF4-FFF2-40B4-BE49-F238E27FC236}">
-                <a16:creationId xmlns:a16="http://schemas.microsoft.com/office/drawing/2014/main" id="{1F402326-7EA2-46E8-BF13-84CE9B982FB2}"/>
+          <p:cNvPr id="7" name="Afbeelding 6">
+            <a:extLst>
+              <a:ext uri="{FF2B5EF4-FFF2-40B4-BE49-F238E27FC236}">
+                <a16:creationId xmlns:a16="http://schemas.microsoft.com/office/drawing/2014/main" id="{80568791-AABE-4C87-B823-BA2E0A189798}"/>
               </a:ext>
             </a:extLst>
           </p:cNvPr>
@@ -5604,68 +5497,8 @@
         </p:blipFill>
         <p:spPr>
           <a:xfrm>
-            <a:off x="661077" y="4378525"/>
-            <a:ext cx="5591942" cy="1970037"/>
-          </a:xfrm>
-          <a:prstGeom prst="rect">
-            <a:avLst/>
-          </a:prstGeom>
-        </p:spPr>
-      </p:pic>
-      <p:pic>
-        <p:nvPicPr>
-          <p:cNvPr id="8" name="Afbeelding 7">
-            <a:extLst>
-              <a:ext uri="{FF2B5EF4-FFF2-40B4-BE49-F238E27FC236}">
-                <a16:creationId xmlns:a16="http://schemas.microsoft.com/office/drawing/2014/main" id="{CF6D3D79-02DF-4253-B8DA-AD03FE81FE09}"/>
-              </a:ext>
-            </a:extLst>
-          </p:cNvPr>
-          <p:cNvPicPr>
-            <a:picLocks noChangeAspect="1"/>
-          </p:cNvPicPr>
-          <p:nvPr/>
-        </p:nvPicPr>
-        <p:blipFill>
-          <a:blip r:embed="rId4"/>
-          <a:stretch>
-            <a:fillRect/>
-          </a:stretch>
-        </p:blipFill>
-        <p:spPr>
-          <a:xfrm>
-            <a:off x="6500096" y="2364068"/>
-            <a:ext cx="5388741" cy="1898450"/>
-          </a:xfrm>
-          <a:prstGeom prst="rect">
-            <a:avLst/>
-          </a:prstGeom>
-        </p:spPr>
-      </p:pic>
-      <p:pic>
-        <p:nvPicPr>
-          <p:cNvPr id="9" name="Afbeelding 8">
-            <a:extLst>
-              <a:ext uri="{FF2B5EF4-FFF2-40B4-BE49-F238E27FC236}">
-                <a16:creationId xmlns:a16="http://schemas.microsoft.com/office/drawing/2014/main" id="{C87B48D7-F765-4099-BD31-9D413F77E886}"/>
-              </a:ext>
-            </a:extLst>
-          </p:cNvPr>
-          <p:cNvPicPr>
-            <a:picLocks noChangeAspect="1"/>
-          </p:cNvPicPr>
-          <p:nvPr/>
-        </p:nvPicPr>
-        <p:blipFill>
-          <a:blip r:embed="rId5"/>
-          <a:stretch>
-            <a:fillRect/>
-          </a:stretch>
-        </p:blipFill>
-        <p:spPr>
-          <a:xfrm>
-            <a:off x="6570325" y="4323623"/>
-            <a:ext cx="5318512" cy="1873708"/>
+            <a:off x="5758675" y="3227251"/>
+            <a:ext cx="4572396" cy="2749534"/>
           </a:xfrm>
           <a:prstGeom prst="rect">
             <a:avLst/>
@@ -5675,7 +5508,7 @@
     </p:spTree>
     <p:extLst>
       <p:ext uri="{BB962C8B-B14F-4D97-AF65-F5344CB8AC3E}">
-        <p14:creationId xmlns:p14="http://schemas.microsoft.com/office/powerpoint/2010/main" val="1429751300"/>
+        <p14:creationId xmlns:p14="http://schemas.microsoft.com/office/powerpoint/2010/main" val="2388487876"/>
       </p:ext>
     </p:extLst>
   </p:cSld>
@@ -5729,6 +5562,275 @@
         <p:spPr/>
         <p:txBody>
           <a:bodyPr>
+            <a:normAutofit/>
+          </a:bodyPr>
+          <a:lstStyle/>
+          <a:p>
+            <a:r>
+              <a:rPr lang="nl-BE" sz="3600" dirty="0" err="1"/>
+              <a:t>capacitance</a:t>
+            </a:r>
+            <a:r>
+              <a:rPr lang="nl-BE" sz="3600" dirty="0"/>
+              <a:t> of collector (</a:t>
+            </a:r>
+            <a:r>
+              <a:rPr lang="nl-BE" sz="3600" dirty="0" err="1"/>
+              <a:t>Matlab</a:t>
+            </a:r>
+            <a:r>
+              <a:rPr lang="nl-BE" sz="3600" dirty="0"/>
+              <a:t>)?</a:t>
+            </a:r>
+          </a:p>
+        </p:txBody>
+      </p:sp>
+      <p:sp>
+        <p:nvSpPr>
+          <p:cNvPr id="3" name="Tijdelijke aanduiding voor inhoud 2">
+            <a:extLst>
+              <a:ext uri="{FF2B5EF4-FFF2-40B4-BE49-F238E27FC236}">
+                <a16:creationId xmlns:a16="http://schemas.microsoft.com/office/drawing/2014/main" id="{9761466D-D366-4CB1-87BC-78FA90F22707}"/>
+              </a:ext>
+            </a:extLst>
+          </p:cNvPr>
+          <p:cNvSpPr>
+            <a:spLocks noGrp="1"/>
+          </p:cNvSpPr>
+          <p:nvPr>
+            <p:ph idx="1"/>
+          </p:nvPr>
+        </p:nvSpPr>
+        <p:spPr/>
+        <p:txBody>
+          <a:bodyPr>
+            <a:normAutofit/>
+          </a:bodyPr>
+          <a:lstStyle/>
+          <a:p>
+            <a:pPr marL="0" indent="0">
+              <a:buNone/>
+            </a:pPr>
+            <a:r>
+              <a:rPr lang="nl-BE" sz="1800" dirty="0" err="1"/>
+              <a:t>Results</a:t>
+            </a:r>
+            <a:r>
+              <a:rPr lang="nl-BE" sz="1800" dirty="0"/>
+              <a:t> </a:t>
+            </a:r>
+            <a:r>
+              <a:rPr lang="nl-BE" sz="1800" dirty="0" err="1"/>
+              <a:t>for</a:t>
+            </a:r>
+            <a:r>
+              <a:rPr lang="nl-BE" sz="1800" dirty="0"/>
+              <a:t> </a:t>
+            </a:r>
+            <a:r>
+              <a:rPr lang="nl-BE" sz="1800" dirty="0" err="1"/>
+              <a:t>the</a:t>
+            </a:r>
+            <a:r>
+              <a:rPr lang="nl-BE" sz="1800" dirty="0"/>
+              <a:t> </a:t>
+            </a:r>
+            <a:r>
+              <a:rPr lang="nl-BE" sz="1800" dirty="0" err="1"/>
+              <a:t>same</a:t>
+            </a:r>
+            <a:r>
+              <a:rPr lang="nl-BE" sz="1800" dirty="0"/>
+              <a:t> (single) collector, flow=testflow:	collector </a:t>
+            </a:r>
+            <a:r>
+              <a:rPr lang="nl-BE" sz="1800" dirty="0" err="1"/>
+              <a:t>capacitance</a:t>
+            </a:r>
+            <a:r>
+              <a:rPr lang="nl-BE" sz="1800" dirty="0"/>
+              <a:t> *10, flow=testflow:</a:t>
+            </a:r>
+          </a:p>
+        </p:txBody>
+      </p:sp>
+      <p:pic>
+        <p:nvPicPr>
+          <p:cNvPr id="4" name="Afbeelding 3">
+            <a:extLst>
+              <a:ext uri="{FF2B5EF4-FFF2-40B4-BE49-F238E27FC236}">
+                <a16:creationId xmlns:a16="http://schemas.microsoft.com/office/drawing/2014/main" id="{9A7027E2-28A5-43F0-BC84-C5EE7887BFEF}"/>
+              </a:ext>
+            </a:extLst>
+          </p:cNvPr>
+          <p:cNvPicPr>
+            <a:picLocks noChangeAspect="1"/>
+          </p:cNvPicPr>
+          <p:nvPr/>
+        </p:nvPicPr>
+        <p:blipFill>
+          <a:blip r:embed="rId2"/>
+          <a:stretch>
+            <a:fillRect/>
+          </a:stretch>
+        </p:blipFill>
+        <p:spPr>
+          <a:xfrm>
+            <a:off x="661077" y="2328275"/>
+            <a:ext cx="5591941" cy="1970037"/>
+          </a:xfrm>
+          <a:prstGeom prst="rect">
+            <a:avLst/>
+          </a:prstGeom>
+        </p:spPr>
+      </p:pic>
+      <p:pic>
+        <p:nvPicPr>
+          <p:cNvPr id="5" name="Afbeelding 4">
+            <a:extLst>
+              <a:ext uri="{FF2B5EF4-FFF2-40B4-BE49-F238E27FC236}">
+                <a16:creationId xmlns:a16="http://schemas.microsoft.com/office/drawing/2014/main" id="{1F402326-7EA2-46E8-BF13-84CE9B982FB2}"/>
+              </a:ext>
+            </a:extLst>
+          </p:cNvPr>
+          <p:cNvPicPr>
+            <a:picLocks noChangeAspect="1"/>
+          </p:cNvPicPr>
+          <p:nvPr/>
+        </p:nvPicPr>
+        <p:blipFill>
+          <a:blip r:embed="rId3"/>
+          <a:stretch>
+            <a:fillRect/>
+          </a:stretch>
+        </p:blipFill>
+        <p:spPr>
+          <a:xfrm>
+            <a:off x="661077" y="4378525"/>
+            <a:ext cx="5591942" cy="1970037"/>
+          </a:xfrm>
+          <a:prstGeom prst="rect">
+            <a:avLst/>
+          </a:prstGeom>
+        </p:spPr>
+      </p:pic>
+      <p:pic>
+        <p:nvPicPr>
+          <p:cNvPr id="8" name="Afbeelding 7">
+            <a:extLst>
+              <a:ext uri="{FF2B5EF4-FFF2-40B4-BE49-F238E27FC236}">
+                <a16:creationId xmlns:a16="http://schemas.microsoft.com/office/drawing/2014/main" id="{CF6D3D79-02DF-4253-B8DA-AD03FE81FE09}"/>
+              </a:ext>
+            </a:extLst>
+          </p:cNvPr>
+          <p:cNvPicPr>
+            <a:picLocks noChangeAspect="1"/>
+          </p:cNvPicPr>
+          <p:nvPr/>
+        </p:nvPicPr>
+        <p:blipFill>
+          <a:blip r:embed="rId4"/>
+          <a:stretch>
+            <a:fillRect/>
+          </a:stretch>
+        </p:blipFill>
+        <p:spPr>
+          <a:xfrm>
+            <a:off x="6500096" y="2364068"/>
+            <a:ext cx="5388741" cy="1898450"/>
+          </a:xfrm>
+          <a:prstGeom prst="rect">
+            <a:avLst/>
+          </a:prstGeom>
+        </p:spPr>
+      </p:pic>
+      <p:pic>
+        <p:nvPicPr>
+          <p:cNvPr id="9" name="Afbeelding 8">
+            <a:extLst>
+              <a:ext uri="{FF2B5EF4-FFF2-40B4-BE49-F238E27FC236}">
+                <a16:creationId xmlns:a16="http://schemas.microsoft.com/office/drawing/2014/main" id="{C87B48D7-F765-4099-BD31-9D413F77E886}"/>
+              </a:ext>
+            </a:extLst>
+          </p:cNvPr>
+          <p:cNvPicPr>
+            <a:picLocks noChangeAspect="1"/>
+          </p:cNvPicPr>
+          <p:nvPr/>
+        </p:nvPicPr>
+        <p:blipFill>
+          <a:blip r:embed="rId5"/>
+          <a:stretch>
+            <a:fillRect/>
+          </a:stretch>
+        </p:blipFill>
+        <p:spPr>
+          <a:xfrm>
+            <a:off x="6570325" y="4323623"/>
+            <a:ext cx="5318512" cy="1873708"/>
+          </a:xfrm>
+          <a:prstGeom prst="rect">
+            <a:avLst/>
+          </a:prstGeom>
+        </p:spPr>
+      </p:pic>
+    </p:spTree>
+    <p:extLst>
+      <p:ext uri="{BB962C8B-B14F-4D97-AF65-F5344CB8AC3E}">
+        <p14:creationId xmlns:p14="http://schemas.microsoft.com/office/powerpoint/2010/main" val="1429751300"/>
+      </p:ext>
+    </p:extLst>
+  </p:cSld>
+  <p:clrMapOvr>
+    <a:masterClrMapping/>
+  </p:clrMapOvr>
+</p:sld>
+</file>
+
+<file path=ppt/slides/slide16.xml><?xml version="1.0" encoding="utf-8"?>
+<p:sld xmlns:a="http://schemas.openxmlformats.org/drawingml/2006/main" xmlns:r="http://schemas.openxmlformats.org/officeDocument/2006/relationships" xmlns:p="http://schemas.openxmlformats.org/presentationml/2006/main">
+  <p:cSld>
+    <p:bg>
+      <p:bgPr>
+        <a:solidFill>
+          <a:schemeClr val="bg1"/>
+        </a:solidFill>
+        <a:effectLst/>
+      </p:bgPr>
+    </p:bg>
+    <p:spTree>
+      <p:nvGrpSpPr>
+        <p:cNvPr id="1" name=""/>
+        <p:cNvGrpSpPr/>
+        <p:nvPr/>
+      </p:nvGrpSpPr>
+      <p:grpSpPr>
+        <a:xfrm>
+          <a:off x="0" y="0"/>
+          <a:ext cx="0" cy="0"/>
+          <a:chOff x="0" y="0"/>
+          <a:chExt cx="0" cy="0"/>
+        </a:xfrm>
+      </p:grpSpPr>
+      <p:sp>
+        <p:nvSpPr>
+          <p:cNvPr id="2" name="Titel 1">
+            <a:extLst>
+              <a:ext uri="{FF2B5EF4-FFF2-40B4-BE49-F238E27FC236}">
+                <a16:creationId xmlns:a16="http://schemas.microsoft.com/office/drawing/2014/main" id="{AE2C7563-49CC-4A95-B8A9-1189C1CE6417}"/>
+              </a:ext>
+            </a:extLst>
+          </p:cNvPr>
+          <p:cNvSpPr>
+            <a:spLocks noGrp="1"/>
+          </p:cNvSpPr>
+          <p:nvPr>
+            <p:ph type="title"/>
+          </p:nvPr>
+        </p:nvSpPr>
+        <p:spPr/>
+        <p:txBody>
+          <a:bodyPr>
             <a:normAutofit fontScale="90000"/>
           </a:bodyPr>
           <a:lstStyle/>
@@ -5966,185 +6068,6 @@
 </p:sld>
 </file>
 
-<file path=ppt/slides/slide16.xml><?xml version="1.0" encoding="utf-8"?>
-<p:sld xmlns:a="http://schemas.openxmlformats.org/drawingml/2006/main" xmlns:r="http://schemas.openxmlformats.org/officeDocument/2006/relationships" xmlns:p="http://schemas.openxmlformats.org/presentationml/2006/main">
-  <p:cSld>
-    <p:spTree>
-      <p:nvGrpSpPr>
-        <p:cNvPr id="1" name=""/>
-        <p:cNvGrpSpPr/>
-        <p:nvPr/>
-      </p:nvGrpSpPr>
-      <p:grpSpPr>
-        <a:xfrm>
-          <a:off x="0" y="0"/>
-          <a:ext cx="0" cy="0"/>
-          <a:chOff x="0" y="0"/>
-          <a:chExt cx="0" cy="0"/>
-        </a:xfrm>
-      </p:grpSpPr>
-      <p:sp>
-        <p:nvSpPr>
-          <p:cNvPr id="2" name="Titel 1">
-            <a:extLst>
-              <a:ext uri="{FF2B5EF4-FFF2-40B4-BE49-F238E27FC236}">
-                <a16:creationId xmlns:a16="http://schemas.microsoft.com/office/drawing/2014/main" id="{0FB152EC-7524-422B-83AA-B36AD364E0C6}"/>
-              </a:ext>
-            </a:extLst>
-          </p:cNvPr>
-          <p:cNvSpPr>
-            <a:spLocks noGrp="1"/>
-          </p:cNvSpPr>
-          <p:nvPr>
-            <p:ph type="title"/>
-          </p:nvPr>
-        </p:nvSpPr>
-        <p:spPr/>
-        <p:txBody>
-          <a:bodyPr/>
-          <a:lstStyle/>
-          <a:p>
-            <a:endParaRPr lang="nl-BE" dirty="0"/>
-          </a:p>
-        </p:txBody>
-      </p:sp>
-      <p:sp>
-        <p:nvSpPr>
-          <p:cNvPr id="3" name="Tijdelijke aanduiding voor inhoud 2">
-            <a:extLst>
-              <a:ext uri="{FF2B5EF4-FFF2-40B4-BE49-F238E27FC236}">
-                <a16:creationId xmlns:a16="http://schemas.microsoft.com/office/drawing/2014/main" id="{2FEC862C-5520-4ADA-8815-6A52DECE288B}"/>
-              </a:ext>
-            </a:extLst>
-          </p:cNvPr>
-          <p:cNvSpPr>
-            <a:spLocks noGrp="1"/>
-          </p:cNvSpPr>
-          <p:nvPr>
-            <p:ph idx="1"/>
-          </p:nvPr>
-        </p:nvSpPr>
-        <p:spPr/>
-        <p:txBody>
-          <a:bodyPr/>
-          <a:lstStyle/>
-          <a:p>
-            <a:r>
-              <a:rPr lang="nl-BE" dirty="0" err="1"/>
-              <a:t>Better</a:t>
-            </a:r>
-            <a:r>
-              <a:rPr lang="nl-BE" dirty="0"/>
-              <a:t> </a:t>
-            </a:r>
-            <a:r>
-              <a:rPr lang="nl-BE" dirty="0" err="1"/>
-              <a:t>to</a:t>
-            </a:r>
-            <a:r>
-              <a:rPr lang="nl-BE" dirty="0"/>
-              <a:t> </a:t>
-            </a:r>
-            <a:r>
-              <a:rPr lang="nl-BE" dirty="0" err="1"/>
-              <a:t>use</a:t>
-            </a:r>
-            <a:r>
-              <a:rPr lang="nl-BE" dirty="0"/>
-              <a:t> model </a:t>
-            </a:r>
-            <a:r>
-              <a:rPr lang="nl-BE" dirty="0" err="1"/>
-              <a:t>with</a:t>
-            </a:r>
-            <a:r>
-              <a:rPr lang="nl-BE" dirty="0"/>
-              <a:t> </a:t>
-            </a:r>
-            <a:r>
-              <a:rPr lang="nl-BE" dirty="0" err="1"/>
-              <a:t>capacitance</a:t>
-            </a:r>
-            <a:r>
-              <a:rPr lang="nl-BE" dirty="0"/>
-              <a:t>, </a:t>
-            </a:r>
-            <a:r>
-              <a:rPr lang="nl-BE" dirty="0" err="1"/>
-              <a:t>for</a:t>
-            </a:r>
-            <a:r>
-              <a:rPr lang="nl-BE" dirty="0"/>
-              <a:t> control, </a:t>
-            </a:r>
-            <a:r>
-              <a:rPr lang="nl-BE" dirty="0" err="1"/>
-              <a:t>cf</a:t>
-            </a:r>
-            <a:r>
-              <a:rPr lang="nl-BE" dirty="0"/>
-              <a:t> </a:t>
-            </a:r>
-            <a:r>
-              <a:rPr lang="nl-BE" dirty="0" err="1"/>
-              <a:t>if</a:t>
-            </a:r>
-            <a:r>
-              <a:rPr lang="nl-BE" dirty="0"/>
-              <a:t> no </a:t>
-            </a:r>
-            <a:r>
-              <a:rPr lang="nl-BE" dirty="0" err="1"/>
-              <a:t>capacitance</a:t>
-            </a:r>
-            <a:r>
-              <a:rPr lang="nl-BE" dirty="0"/>
-              <a:t> </a:t>
-            </a:r>
-            <a:r>
-              <a:rPr lang="nl-BE" dirty="0" err="1"/>
-              <a:t>Tout</a:t>
-            </a:r>
-            <a:r>
-              <a:rPr lang="nl-BE" dirty="0"/>
-              <a:t> has no </a:t>
-            </a:r>
-            <a:r>
-              <a:rPr lang="nl-BE" dirty="0" err="1"/>
-              <a:t>meaning</a:t>
-            </a:r>
-            <a:r>
-              <a:rPr lang="nl-BE"/>
-              <a:t> if</a:t>
-            </a:r>
-            <a:r>
-              <a:rPr lang="nl-BE" dirty="0"/>
-              <a:t> flow=0 (no </a:t>
-            </a:r>
-            <a:r>
-              <a:rPr lang="nl-BE" dirty="0" err="1"/>
-              <a:t>increase</a:t>
-            </a:r>
-            <a:r>
-              <a:rPr lang="nl-BE" dirty="0"/>
-              <a:t> of collector temp)</a:t>
-            </a:r>
-          </a:p>
-        </p:txBody>
-      </p:sp>
-    </p:spTree>
-    <p:extLst>
-      <p:ext uri="{BB962C8B-B14F-4D97-AF65-F5344CB8AC3E}">
-        <p14:creationId xmlns:p14="http://schemas.microsoft.com/office/powerpoint/2010/main" val="3082891033"/>
-      </p:ext>
-    </p:extLst>
-  </p:cSld>
-  <p:clrMapOvr>
-    <a:masterClrMapping/>
-  </p:clrMapOvr>
-</p:sld>
-</file>
-
 <file path=ppt/slides/slide17.xml><?xml version="1.0" encoding="utf-8"?>
 <p:sld xmlns:a="http://schemas.openxmlformats.org/drawingml/2006/main" xmlns:r="http://schemas.openxmlformats.org/officeDocument/2006/relationships" xmlns:p="http://schemas.openxmlformats.org/presentationml/2006/main">
   <p:cSld>
@@ -6167,7 +6090,7 @@
           <p:cNvPr id="2" name="Titel 1">
             <a:extLst>
               <a:ext uri="{FF2B5EF4-FFF2-40B4-BE49-F238E27FC236}">
-                <a16:creationId xmlns:a16="http://schemas.microsoft.com/office/drawing/2014/main" id="{78B7A5A0-3956-4D53-BE46-2736BFCB2509}"/>
+                <a16:creationId xmlns:a16="http://schemas.microsoft.com/office/drawing/2014/main" id="{0FB152EC-7524-422B-83AA-B36AD364E0C6}"/>
               </a:ext>
             </a:extLst>
           </p:cNvPr>
@@ -6183,10 +6106,7 @@
           <a:bodyPr/>
           <a:lstStyle/>
           <a:p>
-            <a:r>
-              <a:rPr lang="nl-BE" dirty="0"/>
-              <a:t>??</a:t>
-            </a:r>
+            <a:endParaRPr lang="nl-BE" dirty="0"/>
           </a:p>
         </p:txBody>
       </p:sp>
@@ -6195,7 +6115,7 @@
           <p:cNvPr id="3" name="Tijdelijke aanduiding voor inhoud 2">
             <a:extLst>
               <a:ext uri="{FF2B5EF4-FFF2-40B4-BE49-F238E27FC236}">
-                <a16:creationId xmlns:a16="http://schemas.microsoft.com/office/drawing/2014/main" id="{E56D5EFE-1051-430F-B289-6F6E49A1750F}"/>
+                <a16:creationId xmlns:a16="http://schemas.microsoft.com/office/drawing/2014/main" id="{2FEC862C-5520-4ADA-8815-6A52DECE288B}"/>
               </a:ext>
             </a:extLst>
           </p:cNvPr>
@@ -6212,6 +6132,188 @@
           <a:lstStyle/>
           <a:p>
             <a:r>
+              <a:rPr lang="nl-BE" dirty="0" err="1"/>
+              <a:t>Better</a:t>
+            </a:r>
+            <a:r>
+              <a:rPr lang="nl-BE" dirty="0"/>
+              <a:t> </a:t>
+            </a:r>
+            <a:r>
+              <a:rPr lang="nl-BE" dirty="0" err="1"/>
+              <a:t>to</a:t>
+            </a:r>
+            <a:r>
+              <a:rPr lang="nl-BE" dirty="0"/>
+              <a:t> </a:t>
+            </a:r>
+            <a:r>
+              <a:rPr lang="nl-BE" dirty="0" err="1"/>
+              <a:t>use</a:t>
+            </a:r>
+            <a:r>
+              <a:rPr lang="nl-BE" dirty="0"/>
+              <a:t> model </a:t>
+            </a:r>
+            <a:r>
+              <a:rPr lang="nl-BE" dirty="0" err="1"/>
+              <a:t>with</a:t>
+            </a:r>
+            <a:r>
+              <a:rPr lang="nl-BE" dirty="0"/>
+              <a:t> </a:t>
+            </a:r>
+            <a:r>
+              <a:rPr lang="nl-BE" dirty="0" err="1"/>
+              <a:t>capacitance</a:t>
+            </a:r>
+            <a:r>
+              <a:rPr lang="nl-BE" dirty="0"/>
+              <a:t>, </a:t>
+            </a:r>
+            <a:r>
+              <a:rPr lang="nl-BE" dirty="0" err="1"/>
+              <a:t>for</a:t>
+            </a:r>
+            <a:r>
+              <a:rPr lang="nl-BE" dirty="0"/>
+              <a:t> control, </a:t>
+            </a:r>
+            <a:r>
+              <a:rPr lang="nl-BE" dirty="0" err="1"/>
+              <a:t>cf</a:t>
+            </a:r>
+            <a:r>
+              <a:rPr lang="nl-BE" dirty="0"/>
+              <a:t> </a:t>
+            </a:r>
+            <a:r>
+              <a:rPr lang="nl-BE" dirty="0" err="1"/>
+              <a:t>if</a:t>
+            </a:r>
+            <a:r>
+              <a:rPr lang="nl-BE" dirty="0"/>
+              <a:t> no </a:t>
+            </a:r>
+            <a:r>
+              <a:rPr lang="nl-BE" dirty="0" err="1"/>
+              <a:t>capacitance</a:t>
+            </a:r>
+            <a:r>
+              <a:rPr lang="nl-BE" dirty="0"/>
+              <a:t> </a:t>
+            </a:r>
+            <a:r>
+              <a:rPr lang="nl-BE" dirty="0" err="1"/>
+              <a:t>Tout</a:t>
+            </a:r>
+            <a:r>
+              <a:rPr lang="nl-BE" dirty="0"/>
+              <a:t> has no </a:t>
+            </a:r>
+            <a:r>
+              <a:rPr lang="nl-BE" dirty="0" err="1"/>
+              <a:t>meaning</a:t>
+            </a:r>
+            <a:r>
+              <a:rPr lang="nl-BE"/>
+              <a:t> if</a:t>
+            </a:r>
+            <a:r>
+              <a:rPr lang="nl-BE" dirty="0"/>
+              <a:t> flow=0 (no </a:t>
+            </a:r>
+            <a:r>
+              <a:rPr lang="nl-BE" dirty="0" err="1"/>
+              <a:t>increase</a:t>
+            </a:r>
+            <a:r>
+              <a:rPr lang="nl-BE" dirty="0"/>
+              <a:t> of collector temp)</a:t>
+            </a:r>
+          </a:p>
+        </p:txBody>
+      </p:sp>
+    </p:spTree>
+    <p:extLst>
+      <p:ext uri="{BB962C8B-B14F-4D97-AF65-F5344CB8AC3E}">
+        <p14:creationId xmlns:p14="http://schemas.microsoft.com/office/powerpoint/2010/main" val="3082891033"/>
+      </p:ext>
+    </p:extLst>
+  </p:cSld>
+  <p:clrMapOvr>
+    <a:masterClrMapping/>
+  </p:clrMapOvr>
+</p:sld>
+</file>
+
+<file path=ppt/slides/slide18.xml><?xml version="1.0" encoding="utf-8"?>
+<p:sld xmlns:a="http://schemas.openxmlformats.org/drawingml/2006/main" xmlns:r="http://schemas.openxmlformats.org/officeDocument/2006/relationships" xmlns:p="http://schemas.openxmlformats.org/presentationml/2006/main">
+  <p:cSld>
+    <p:spTree>
+      <p:nvGrpSpPr>
+        <p:cNvPr id="1" name=""/>
+        <p:cNvGrpSpPr/>
+        <p:nvPr/>
+      </p:nvGrpSpPr>
+      <p:grpSpPr>
+        <a:xfrm>
+          <a:off x="0" y="0"/>
+          <a:ext cx="0" cy="0"/>
+          <a:chOff x="0" y="0"/>
+          <a:chExt cx="0" cy="0"/>
+        </a:xfrm>
+      </p:grpSpPr>
+      <p:sp>
+        <p:nvSpPr>
+          <p:cNvPr id="2" name="Titel 1">
+            <a:extLst>
+              <a:ext uri="{FF2B5EF4-FFF2-40B4-BE49-F238E27FC236}">
+                <a16:creationId xmlns:a16="http://schemas.microsoft.com/office/drawing/2014/main" id="{78B7A5A0-3956-4D53-BE46-2736BFCB2509}"/>
+              </a:ext>
+            </a:extLst>
+          </p:cNvPr>
+          <p:cNvSpPr>
+            <a:spLocks noGrp="1"/>
+          </p:cNvSpPr>
+          <p:nvPr>
+            <p:ph type="title"/>
+          </p:nvPr>
+        </p:nvSpPr>
+        <p:spPr/>
+        <p:txBody>
+          <a:bodyPr/>
+          <a:lstStyle/>
+          <a:p>
+            <a:r>
+              <a:rPr lang="nl-BE" dirty="0"/>
+              <a:t>??</a:t>
+            </a:r>
+          </a:p>
+        </p:txBody>
+      </p:sp>
+      <p:sp>
+        <p:nvSpPr>
+          <p:cNvPr id="3" name="Tijdelijke aanduiding voor inhoud 2">
+            <a:extLst>
+              <a:ext uri="{FF2B5EF4-FFF2-40B4-BE49-F238E27FC236}">
+                <a16:creationId xmlns:a16="http://schemas.microsoft.com/office/drawing/2014/main" id="{E56D5EFE-1051-430F-B289-6F6E49A1750F}"/>
+              </a:ext>
+            </a:extLst>
+          </p:cNvPr>
+          <p:cNvSpPr>
+            <a:spLocks noGrp="1"/>
+          </p:cNvSpPr>
+          <p:nvPr>
+            <p:ph idx="1"/>
+          </p:nvPr>
+        </p:nvSpPr>
+        <p:spPr/>
+        <p:txBody>
+          <a:bodyPr/>
+          <a:lstStyle/>
+          <a:p>
+            <a:r>
               <a:rPr lang="nl-BE" dirty="0"/>
               <a:t>Model </a:t>
             </a:r>
@@ -6387,6 +6489,98 @@
     <p:extLst>
       <p:ext uri="{BB962C8B-B14F-4D97-AF65-F5344CB8AC3E}">
         <p14:creationId xmlns:p14="http://schemas.microsoft.com/office/powerpoint/2010/main" val="3092109684"/>
+      </p:ext>
+    </p:extLst>
+  </p:cSld>
+  <p:clrMapOvr>
+    <a:masterClrMapping/>
+  </p:clrMapOvr>
+</p:sld>
+</file>
+
+<file path=ppt/slides/slide19.xml><?xml version="1.0" encoding="utf-8"?>
+<p:sld xmlns:a="http://schemas.openxmlformats.org/drawingml/2006/main" xmlns:r="http://schemas.openxmlformats.org/officeDocument/2006/relationships" xmlns:p="http://schemas.openxmlformats.org/presentationml/2006/main">
+  <p:cSld>
+    <p:spTree>
+      <p:nvGrpSpPr>
+        <p:cNvPr id="1" name=""/>
+        <p:cNvGrpSpPr/>
+        <p:nvPr/>
+      </p:nvGrpSpPr>
+      <p:grpSpPr>
+        <a:xfrm>
+          <a:off x="0" y="0"/>
+          <a:ext cx="0" cy="0"/>
+          <a:chOff x="0" y="0"/>
+          <a:chExt cx="0" cy="0"/>
+        </a:xfrm>
+      </p:grpSpPr>
+      <p:sp>
+        <p:nvSpPr>
+          <p:cNvPr id="2" name="Titel 1">
+            <a:extLst>
+              <a:ext uri="{FF2B5EF4-FFF2-40B4-BE49-F238E27FC236}">
+                <a16:creationId xmlns:a16="http://schemas.microsoft.com/office/drawing/2014/main" id="{D899AC27-B87F-4616-BBB3-5669A780B3CD}"/>
+              </a:ext>
+            </a:extLst>
+          </p:cNvPr>
+          <p:cNvSpPr>
+            <a:spLocks noGrp="1"/>
+          </p:cNvSpPr>
+          <p:nvPr>
+            <p:ph type="title"/>
+          </p:nvPr>
+        </p:nvSpPr>
+        <p:spPr/>
+        <p:txBody>
+          <a:bodyPr/>
+          <a:lstStyle/>
+          <a:p>
+            <a:r>
+              <a:rPr lang="nl-BE" dirty="0" err="1"/>
+              <a:t>Validation</a:t>
+            </a:r>
+            <a:r>
+              <a:rPr lang="nl-BE" dirty="0"/>
+              <a:t> 2: energy </a:t>
+            </a:r>
+            <a:r>
+              <a:rPr lang="nl-BE" dirty="0" err="1"/>
+              <a:t>balance</a:t>
+            </a:r>
+            <a:endParaRPr lang="nl-BE" dirty="0"/>
+          </a:p>
+        </p:txBody>
+      </p:sp>
+      <p:sp>
+        <p:nvSpPr>
+          <p:cNvPr id="3" name="Tijdelijke aanduiding voor tekst 2">
+            <a:extLst>
+              <a:ext uri="{FF2B5EF4-FFF2-40B4-BE49-F238E27FC236}">
+                <a16:creationId xmlns:a16="http://schemas.microsoft.com/office/drawing/2014/main" id="{ACEDBAD6-EE42-42AF-B9AF-F5952122C3B7}"/>
+              </a:ext>
+            </a:extLst>
+          </p:cNvPr>
+          <p:cNvSpPr>
+            <a:spLocks noGrp="1"/>
+          </p:cNvSpPr>
+          <p:nvPr>
+            <p:ph type="body" idx="1"/>
+          </p:nvPr>
+        </p:nvSpPr>
+        <p:spPr/>
+        <p:txBody>
+          <a:bodyPr/>
+          <a:lstStyle/>
+          <a:p>
+            <a:endParaRPr lang="nl-BE"/>
+          </a:p>
+        </p:txBody>
+      </p:sp>
+    </p:spTree>
+    <p:extLst>
+      <p:ext uri="{BB962C8B-B14F-4D97-AF65-F5344CB8AC3E}">
+        <p14:creationId xmlns:p14="http://schemas.microsoft.com/office/powerpoint/2010/main" val="3552567772"/>
       </p:ext>
     </p:extLst>
   </p:cSld>
@@ -6638,6 +6832,4277 @@
 </p:sld>
 </file>
 
+<file path=ppt/slides/slide20.xml><?xml version="1.0" encoding="utf-8"?>
+<p:sld xmlns:a="http://schemas.openxmlformats.org/drawingml/2006/main" xmlns:r="http://schemas.openxmlformats.org/officeDocument/2006/relationships" xmlns:p="http://schemas.openxmlformats.org/presentationml/2006/main">
+  <p:cSld>
+    <p:spTree>
+      <p:nvGrpSpPr>
+        <p:cNvPr id="1" name=""/>
+        <p:cNvGrpSpPr/>
+        <p:nvPr/>
+      </p:nvGrpSpPr>
+      <p:grpSpPr>
+        <a:xfrm>
+          <a:off x="0" y="0"/>
+          <a:ext cx="0" cy="0"/>
+          <a:chOff x="0" y="0"/>
+          <a:chExt cx="0" cy="0"/>
+        </a:xfrm>
+      </p:grpSpPr>
+      <p:sp>
+        <p:nvSpPr>
+          <p:cNvPr id="2" name="Titel 1">
+            <a:extLst>
+              <a:ext uri="{FF2B5EF4-FFF2-40B4-BE49-F238E27FC236}">
+                <a16:creationId xmlns:a16="http://schemas.microsoft.com/office/drawing/2014/main" id="{2696C5B4-F792-4329-A514-76046ADCBA8A}"/>
+              </a:ext>
+            </a:extLst>
+          </p:cNvPr>
+          <p:cNvSpPr>
+            <a:spLocks noGrp="1"/>
+          </p:cNvSpPr>
+          <p:nvPr>
+            <p:ph type="title"/>
+          </p:nvPr>
+        </p:nvSpPr>
+        <p:spPr/>
+        <p:txBody>
+          <a:bodyPr/>
+          <a:lstStyle/>
+          <a:p>
+            <a:r>
+              <a:rPr lang="nl-BE" dirty="0"/>
+              <a:t>Energy </a:t>
+            </a:r>
+            <a:r>
+              <a:rPr lang="nl-BE" dirty="0" err="1"/>
+              <a:t>balance</a:t>
+            </a:r>
+            <a:r>
+              <a:rPr lang="nl-BE" dirty="0"/>
+              <a:t> </a:t>
+            </a:r>
+            <a:r>
+              <a:rPr lang="nl-BE" dirty="0" err="1"/>
+              <a:t>for</a:t>
+            </a:r>
+            <a:r>
+              <a:rPr lang="nl-BE" dirty="0"/>
+              <a:t> steady state model </a:t>
+            </a:r>
+            <a:r>
+              <a:rPr lang="nl-BE" dirty="0" err="1"/>
+              <a:t>with</a:t>
+            </a:r>
+            <a:r>
+              <a:rPr lang="nl-BE" dirty="0"/>
+              <a:t> constant </a:t>
+            </a:r>
+            <a:r>
+              <a:rPr lang="nl-BE" dirty="0" err="1"/>
+              <a:t>mass</a:t>
+            </a:r>
+            <a:r>
+              <a:rPr lang="nl-BE" dirty="0"/>
+              <a:t> flow (</a:t>
+            </a:r>
+            <a:r>
+              <a:rPr lang="nl-BE" dirty="0" err="1"/>
+              <a:t>for</a:t>
+            </a:r>
+            <a:r>
+              <a:rPr lang="nl-BE" dirty="0"/>
+              <a:t> first 17 </a:t>
+            </a:r>
+            <a:r>
+              <a:rPr lang="nl-BE" dirty="0" err="1"/>
+              <a:t>days</a:t>
+            </a:r>
+            <a:r>
+              <a:rPr lang="nl-BE" dirty="0"/>
+              <a:t> of </a:t>
+            </a:r>
+            <a:r>
+              <a:rPr lang="nl-BE" dirty="0" err="1"/>
+              <a:t>year</a:t>
+            </a:r>
+            <a:r>
+              <a:rPr lang="nl-BE" dirty="0"/>
+              <a:t>)</a:t>
+            </a:r>
+          </a:p>
+        </p:txBody>
+      </p:sp>
+      <p:pic>
+        <p:nvPicPr>
+          <p:cNvPr id="4" name="Afbeelding 3">
+            <a:extLst>
+              <a:ext uri="{FF2B5EF4-FFF2-40B4-BE49-F238E27FC236}">
+                <a16:creationId xmlns:a16="http://schemas.microsoft.com/office/drawing/2014/main" id="{12785D8C-A71A-452D-B667-6D49CFD55C6F}"/>
+              </a:ext>
+            </a:extLst>
+          </p:cNvPr>
+          <p:cNvPicPr>
+            <a:picLocks noChangeAspect="1"/>
+          </p:cNvPicPr>
+          <p:nvPr/>
+        </p:nvPicPr>
+        <p:blipFill>
+          <a:blip r:embed="rId2"/>
+          <a:stretch>
+            <a:fillRect/>
+          </a:stretch>
+        </p:blipFill>
+        <p:spPr>
+          <a:xfrm>
+            <a:off x="1028700" y="2542520"/>
+            <a:ext cx="3083020" cy="2028826"/>
+          </a:xfrm>
+          <a:prstGeom prst="rect">
+            <a:avLst/>
+          </a:prstGeom>
+        </p:spPr>
+      </p:pic>
+      <p:sp>
+        <p:nvSpPr>
+          <p:cNvPr id="5" name="Tekstvak 4">
+            <a:extLst>
+              <a:ext uri="{FF2B5EF4-FFF2-40B4-BE49-F238E27FC236}">
+                <a16:creationId xmlns:a16="http://schemas.microsoft.com/office/drawing/2014/main" id="{0F1813E1-EA67-430A-98C5-EC7DA91EB125}"/>
+              </a:ext>
+            </a:extLst>
+          </p:cNvPr>
+          <p:cNvSpPr txBox="1"/>
+          <p:nvPr/>
+        </p:nvSpPr>
+        <p:spPr>
+          <a:xfrm>
+            <a:off x="923925" y="2019300"/>
+            <a:ext cx="4322017" cy="523220"/>
+          </a:xfrm>
+          <a:prstGeom prst="rect">
+            <a:avLst/>
+          </a:prstGeom>
+          <a:noFill/>
+        </p:spPr>
+        <p:txBody>
+          <a:bodyPr wrap="none" rtlCol="0">
+            <a:spAutoFit/>
+          </a:bodyPr>
+          <a:lstStyle/>
+          <a:p>
+            <a:r>
+              <a:rPr lang="nl-BE" sz="1400" dirty="0" err="1"/>
+              <a:t>Qloss</a:t>
+            </a:r>
+            <a:r>
+              <a:rPr lang="nl-BE" sz="1400" dirty="0"/>
+              <a:t> is </a:t>
+            </a:r>
+            <a:r>
+              <a:rPr lang="nl-BE" sz="1400" dirty="0" err="1"/>
+              <a:t>calculated</a:t>
+            </a:r>
+            <a:r>
+              <a:rPr lang="nl-BE" sz="1400" dirty="0"/>
+              <a:t> </a:t>
+            </a:r>
+            <a:r>
+              <a:rPr lang="nl-BE" sz="1400" dirty="0" err="1"/>
+              <a:t>with</a:t>
+            </a:r>
+            <a:r>
+              <a:rPr lang="nl-BE" sz="1400" dirty="0"/>
+              <a:t> </a:t>
+            </a:r>
+            <a:r>
+              <a:rPr lang="nl-BE" sz="1400" dirty="0" err="1"/>
+              <a:t>Tout</a:t>
+            </a:r>
+            <a:r>
+              <a:rPr lang="nl-BE" sz="1400" dirty="0"/>
+              <a:t> of </a:t>
+            </a:r>
+            <a:r>
+              <a:rPr lang="nl-BE" sz="1400" dirty="0" err="1"/>
+              <a:t>previous</a:t>
+            </a:r>
+            <a:r>
+              <a:rPr lang="nl-BE" sz="1400" dirty="0"/>
+              <a:t> timestep</a:t>
+            </a:r>
+          </a:p>
+          <a:p>
+            <a:r>
+              <a:rPr lang="nl-BE" sz="1400" dirty="0"/>
+              <a:t>(in </a:t>
+            </a:r>
+            <a:r>
+              <a:rPr lang="nl-BE" sz="1400" dirty="0" err="1"/>
+              <a:t>calculation</a:t>
+            </a:r>
+            <a:r>
+              <a:rPr lang="nl-BE" sz="1400" dirty="0"/>
+              <a:t> of </a:t>
+            </a:r>
+            <a:r>
+              <a:rPr lang="nl-BE" sz="1400" dirty="0" err="1"/>
+              <a:t>Tout_new</a:t>
+            </a:r>
+            <a:r>
+              <a:rPr lang="nl-BE" sz="1400" dirty="0"/>
+              <a:t> as well as in energy </a:t>
+            </a:r>
+            <a:r>
+              <a:rPr lang="nl-BE" sz="1400" dirty="0" err="1"/>
+              <a:t>balance</a:t>
+            </a:r>
+            <a:r>
+              <a:rPr lang="nl-BE" sz="1400" dirty="0"/>
+              <a:t>):</a:t>
+            </a:r>
+          </a:p>
+        </p:txBody>
+      </p:sp>
+      <p:sp>
+        <p:nvSpPr>
+          <p:cNvPr id="6" name="Tekstvak 5">
+            <a:extLst>
+              <a:ext uri="{FF2B5EF4-FFF2-40B4-BE49-F238E27FC236}">
+                <a16:creationId xmlns:a16="http://schemas.microsoft.com/office/drawing/2014/main" id="{3BF4EEB1-22A2-41FF-8BD2-FB430D3D690C}"/>
+              </a:ext>
+            </a:extLst>
+          </p:cNvPr>
+          <p:cNvSpPr txBox="1"/>
+          <p:nvPr/>
+        </p:nvSpPr>
+        <p:spPr>
+          <a:xfrm>
+            <a:off x="858166" y="5358966"/>
+            <a:ext cx="7651967" cy="400110"/>
+          </a:xfrm>
+          <a:prstGeom prst="rect">
+            <a:avLst/>
+          </a:prstGeom>
+          <a:noFill/>
+        </p:spPr>
+        <p:txBody>
+          <a:bodyPr wrap="none" rtlCol="0">
+            <a:spAutoFit/>
+          </a:bodyPr>
+          <a:lstStyle/>
+          <a:p>
+            <a:r>
+              <a:rPr lang="nl-BE" sz="2000" b="1" dirty="0"/>
+              <a:t>-&gt; </a:t>
+            </a:r>
+            <a:r>
+              <a:rPr lang="nl-BE" sz="2000" b="1" dirty="0" err="1"/>
+              <a:t>This</a:t>
+            </a:r>
+            <a:r>
+              <a:rPr lang="nl-BE" sz="2000" b="1" dirty="0"/>
+              <a:t> shows </a:t>
+            </a:r>
+            <a:r>
+              <a:rPr lang="nl-BE" sz="2000" b="1" dirty="0" err="1"/>
+              <a:t>that</a:t>
+            </a:r>
+            <a:r>
+              <a:rPr lang="nl-BE" sz="2000" b="1" dirty="0"/>
+              <a:t> </a:t>
+            </a:r>
+            <a:r>
+              <a:rPr lang="nl-BE" sz="2000" b="1" dirty="0" err="1"/>
+              <a:t>calculation</a:t>
+            </a:r>
+            <a:r>
+              <a:rPr lang="nl-BE" sz="2000" b="1" dirty="0"/>
+              <a:t> of energy </a:t>
+            </a:r>
+            <a:r>
+              <a:rPr lang="nl-BE" sz="2000" b="1" dirty="0" err="1"/>
+              <a:t>balance</a:t>
+            </a:r>
+            <a:r>
+              <a:rPr lang="nl-BE" sz="2000" b="1" dirty="0"/>
+              <a:t> (without storage) is ok</a:t>
+            </a:r>
+          </a:p>
+        </p:txBody>
+      </p:sp>
+      <p:sp>
+        <p:nvSpPr>
+          <p:cNvPr id="7" name="Tekstvak 6">
+            <a:extLst>
+              <a:ext uri="{FF2B5EF4-FFF2-40B4-BE49-F238E27FC236}">
+                <a16:creationId xmlns:a16="http://schemas.microsoft.com/office/drawing/2014/main" id="{FD17DEDF-79ED-4738-A036-81A25AF9FFB1}"/>
+              </a:ext>
+            </a:extLst>
+          </p:cNvPr>
+          <p:cNvSpPr txBox="1"/>
+          <p:nvPr/>
+        </p:nvSpPr>
+        <p:spPr>
+          <a:xfrm>
+            <a:off x="6946060" y="1752867"/>
+            <a:ext cx="4786823" cy="923330"/>
+          </a:xfrm>
+          <a:prstGeom prst="rect">
+            <a:avLst/>
+          </a:prstGeom>
+          <a:noFill/>
+        </p:spPr>
+        <p:txBody>
+          <a:bodyPr wrap="none" rtlCol="0">
+            <a:spAutoFit/>
+          </a:bodyPr>
+          <a:lstStyle/>
+          <a:p>
+            <a:r>
+              <a:rPr lang="nl-BE" dirty="0"/>
+              <a:t>Of course, </a:t>
+            </a:r>
+            <a:r>
+              <a:rPr lang="nl-BE" dirty="0" err="1"/>
+              <a:t>if</a:t>
+            </a:r>
+            <a:r>
+              <a:rPr lang="nl-BE" dirty="0"/>
+              <a:t> energy </a:t>
+            </a:r>
+            <a:r>
+              <a:rPr lang="nl-BE" dirty="0" err="1"/>
+              <a:t>balance</a:t>
+            </a:r>
+            <a:r>
+              <a:rPr lang="nl-BE" dirty="0"/>
+              <a:t> is </a:t>
+            </a:r>
+            <a:r>
+              <a:rPr lang="nl-BE" dirty="0" err="1"/>
+              <a:t>verified</a:t>
+            </a:r>
+            <a:r>
+              <a:rPr lang="nl-BE" dirty="0"/>
+              <a:t> </a:t>
+            </a:r>
+            <a:r>
+              <a:rPr lang="nl-BE" dirty="0" err="1"/>
+              <a:t>with</a:t>
+            </a:r>
+            <a:r>
+              <a:rPr lang="nl-BE" dirty="0"/>
+              <a:t> </a:t>
+            </a:r>
+            <a:r>
+              <a:rPr lang="nl-BE" dirty="0" err="1"/>
+              <a:t>Qloss</a:t>
+            </a:r>
+            <a:endParaRPr lang="nl-BE" dirty="0"/>
+          </a:p>
+          <a:p>
+            <a:r>
+              <a:rPr lang="nl-BE" dirty="0" err="1"/>
+              <a:t>based</a:t>
+            </a:r>
+            <a:r>
+              <a:rPr lang="nl-BE" dirty="0"/>
+              <a:t> on </a:t>
+            </a:r>
+            <a:r>
+              <a:rPr lang="nl-BE" dirty="0" err="1"/>
+              <a:t>Tout_new</a:t>
+            </a:r>
+            <a:r>
+              <a:rPr lang="nl-BE" dirty="0"/>
+              <a:t> (</a:t>
+            </a:r>
+            <a:r>
+              <a:rPr lang="nl-BE" dirty="0" err="1"/>
+              <a:t>actual</a:t>
+            </a:r>
+            <a:r>
+              <a:rPr lang="nl-BE" dirty="0"/>
+              <a:t> timestep), </a:t>
+            </a:r>
+          </a:p>
+          <a:p>
+            <a:r>
+              <a:rPr lang="nl-BE" dirty="0" err="1"/>
+              <a:t>errors</a:t>
+            </a:r>
+            <a:r>
+              <a:rPr lang="nl-BE" dirty="0"/>
+              <a:t> </a:t>
+            </a:r>
+            <a:r>
+              <a:rPr lang="nl-BE" dirty="0" err="1"/>
+              <a:t>become</a:t>
+            </a:r>
+            <a:r>
+              <a:rPr lang="nl-BE" dirty="0"/>
+              <a:t> </a:t>
+            </a:r>
+            <a:r>
+              <a:rPr lang="nl-BE" dirty="0" err="1"/>
+              <a:t>greater</a:t>
+            </a:r>
+            <a:endParaRPr lang="nl-BE" dirty="0"/>
+          </a:p>
+        </p:txBody>
+      </p:sp>
+      <p:pic>
+        <p:nvPicPr>
+          <p:cNvPr id="8" name="Afbeelding 7">
+            <a:extLst>
+              <a:ext uri="{FF2B5EF4-FFF2-40B4-BE49-F238E27FC236}">
+                <a16:creationId xmlns:a16="http://schemas.microsoft.com/office/drawing/2014/main" id="{0B2928B1-4889-4239-8A5E-622CCC47D5C1}"/>
+              </a:ext>
+            </a:extLst>
+          </p:cNvPr>
+          <p:cNvPicPr>
+            <a:picLocks noChangeAspect="1"/>
+          </p:cNvPicPr>
+          <p:nvPr/>
+        </p:nvPicPr>
+        <p:blipFill>
+          <a:blip r:embed="rId3"/>
+          <a:stretch>
+            <a:fillRect/>
+          </a:stretch>
+        </p:blipFill>
+        <p:spPr>
+          <a:xfrm>
+            <a:off x="7542887" y="2846354"/>
+            <a:ext cx="2962275" cy="1924050"/>
+          </a:xfrm>
+          <a:prstGeom prst="rect">
+            <a:avLst/>
+          </a:prstGeom>
+        </p:spPr>
+      </p:pic>
+    </p:spTree>
+    <p:extLst>
+      <p:ext uri="{BB962C8B-B14F-4D97-AF65-F5344CB8AC3E}">
+        <p14:creationId xmlns:p14="http://schemas.microsoft.com/office/powerpoint/2010/main" val="1772462489"/>
+      </p:ext>
+    </p:extLst>
+  </p:cSld>
+  <p:clrMapOvr>
+    <a:masterClrMapping/>
+  </p:clrMapOvr>
+</p:sld>
+</file>
+
+<file path=ppt/slides/slide21.xml><?xml version="1.0" encoding="utf-8"?>
+<p:sld xmlns:a="http://schemas.openxmlformats.org/drawingml/2006/main" xmlns:r="http://schemas.openxmlformats.org/officeDocument/2006/relationships" xmlns:p="http://schemas.openxmlformats.org/presentationml/2006/main">
+  <p:cSld>
+    <p:spTree>
+      <p:nvGrpSpPr>
+        <p:cNvPr id="1" name=""/>
+        <p:cNvGrpSpPr/>
+        <p:nvPr/>
+      </p:nvGrpSpPr>
+      <p:grpSpPr>
+        <a:xfrm>
+          <a:off x="0" y="0"/>
+          <a:ext cx="0" cy="0"/>
+          <a:chOff x="0" y="0"/>
+          <a:chExt cx="0" cy="0"/>
+        </a:xfrm>
+      </p:grpSpPr>
+      <p:sp>
+        <p:nvSpPr>
+          <p:cNvPr id="2" name="Titel 1">
+            <a:extLst>
+              <a:ext uri="{FF2B5EF4-FFF2-40B4-BE49-F238E27FC236}">
+                <a16:creationId xmlns:a16="http://schemas.microsoft.com/office/drawing/2014/main" id="{EEE8B92A-3EA6-46D8-A74D-F62EE0AC85CF}"/>
+              </a:ext>
+            </a:extLst>
+          </p:cNvPr>
+          <p:cNvSpPr>
+            <a:spLocks noGrp="1"/>
+          </p:cNvSpPr>
+          <p:nvPr>
+            <p:ph type="title"/>
+          </p:nvPr>
+        </p:nvSpPr>
+        <p:spPr/>
+        <p:txBody>
+          <a:bodyPr/>
+          <a:lstStyle/>
+          <a:p>
+            <a:r>
+              <a:rPr lang="nl-BE" dirty="0" err="1"/>
+              <a:t>Dynamic</a:t>
+            </a:r>
+            <a:r>
+              <a:rPr lang="nl-BE" dirty="0"/>
+              <a:t> </a:t>
+            </a:r>
+            <a:r>
+              <a:rPr lang="nl-BE" dirty="0" err="1"/>
+              <a:t>simulation</a:t>
+            </a:r>
+            <a:r>
+              <a:rPr lang="nl-BE" dirty="0"/>
+              <a:t> </a:t>
+            </a:r>
+            <a:r>
+              <a:rPr lang="nl-BE" dirty="0" err="1"/>
+              <a:t>with</a:t>
+            </a:r>
+            <a:r>
+              <a:rPr lang="nl-BE" dirty="0"/>
+              <a:t> constant </a:t>
+            </a:r>
+            <a:r>
+              <a:rPr lang="nl-BE" dirty="0" err="1"/>
+              <a:t>mass</a:t>
+            </a:r>
+            <a:r>
+              <a:rPr lang="nl-BE" dirty="0"/>
+              <a:t> flow, </a:t>
+            </a:r>
+            <a:r>
+              <a:rPr lang="nl-BE" dirty="0" err="1"/>
+              <a:t>and</a:t>
+            </a:r>
+            <a:r>
+              <a:rPr lang="nl-BE" dirty="0"/>
+              <a:t> C-&gt;0</a:t>
+            </a:r>
+          </a:p>
+        </p:txBody>
+      </p:sp>
+      <p:sp>
+        <p:nvSpPr>
+          <p:cNvPr id="3" name="Tijdelijke aanduiding voor inhoud 2">
+            <a:extLst>
+              <a:ext uri="{FF2B5EF4-FFF2-40B4-BE49-F238E27FC236}">
+                <a16:creationId xmlns:a16="http://schemas.microsoft.com/office/drawing/2014/main" id="{F36715CE-80C9-4ABC-A924-46B8ED7DC018}"/>
+              </a:ext>
+            </a:extLst>
+          </p:cNvPr>
+          <p:cNvSpPr>
+            <a:spLocks noGrp="1"/>
+          </p:cNvSpPr>
+          <p:nvPr>
+            <p:ph idx="1"/>
+          </p:nvPr>
+        </p:nvSpPr>
+        <p:spPr/>
+        <p:txBody>
+          <a:bodyPr>
+            <a:normAutofit/>
+          </a:bodyPr>
+          <a:lstStyle/>
+          <a:p>
+            <a:pPr marL="0" indent="0">
+              <a:buNone/>
+            </a:pPr>
+            <a:r>
+              <a:rPr lang="nl-BE" sz="2000" dirty="0" err="1"/>
+              <a:t>approximation</a:t>
+            </a:r>
+            <a:r>
+              <a:rPr lang="nl-BE" sz="2000" dirty="0"/>
+              <a:t> of steady state analysis</a:t>
+            </a:r>
+          </a:p>
+          <a:p>
+            <a:pPr>
+              <a:buFontTx/>
+              <a:buChar char="-"/>
+            </a:pPr>
+            <a:r>
+              <a:rPr lang="nl-BE" sz="2000" dirty="0" err="1"/>
+              <a:t>Tout</a:t>
+            </a:r>
+            <a:r>
+              <a:rPr lang="nl-BE" sz="2000" dirty="0"/>
+              <a:t> </a:t>
+            </a:r>
+            <a:r>
+              <a:rPr lang="nl-BE" sz="2000" dirty="0" err="1"/>
+              <a:t>corresponds</a:t>
+            </a:r>
+            <a:r>
+              <a:rPr lang="nl-BE" sz="2000" dirty="0"/>
+              <a:t> well </a:t>
+            </a:r>
+            <a:r>
+              <a:rPr lang="nl-BE" sz="2000" dirty="0" err="1"/>
+              <a:t>to</a:t>
+            </a:r>
+            <a:r>
+              <a:rPr lang="nl-BE" sz="2000" dirty="0"/>
+              <a:t> steady state </a:t>
+            </a:r>
+            <a:r>
+              <a:rPr lang="nl-BE" sz="2000" dirty="0" err="1"/>
+              <a:t>calculation</a:t>
+            </a:r>
+            <a:r>
+              <a:rPr lang="nl-BE" sz="2000" dirty="0"/>
+              <a:t>, </a:t>
+            </a:r>
+            <a:r>
+              <a:rPr lang="nl-BE" sz="2000" dirty="0" err="1"/>
+              <a:t>cf</a:t>
+            </a:r>
+            <a:r>
+              <a:rPr lang="nl-BE" sz="2000" dirty="0"/>
+              <a:t> absolute error</a:t>
+            </a:r>
+          </a:p>
+          <a:p>
+            <a:pPr>
+              <a:buFontTx/>
+              <a:buChar char="-"/>
+            </a:pPr>
+            <a:r>
+              <a:rPr lang="nl-BE" sz="2000" u="sng" dirty="0"/>
+              <a:t>But error energy </a:t>
+            </a:r>
+            <a:r>
+              <a:rPr lang="nl-BE" sz="2000" u="sng" dirty="0" err="1"/>
+              <a:t>balance</a:t>
+            </a:r>
+            <a:r>
+              <a:rPr lang="nl-BE" sz="2000" u="sng" dirty="0"/>
+              <a:t> is </a:t>
+            </a:r>
+            <a:r>
+              <a:rPr lang="nl-BE" sz="2000" u="sng" dirty="0" err="1"/>
+              <a:t>remarkable</a:t>
+            </a:r>
+            <a:r>
+              <a:rPr lang="nl-BE" sz="2000" u="sng" dirty="0"/>
+              <a:t> </a:t>
+            </a:r>
+            <a:r>
+              <a:rPr lang="nl-BE" sz="2000" u="sng" dirty="0" err="1"/>
+              <a:t>greater</a:t>
+            </a:r>
+            <a:r>
+              <a:rPr lang="nl-BE" sz="2000" u="sng" dirty="0"/>
+              <a:t> </a:t>
+            </a:r>
+            <a:r>
+              <a:rPr lang="nl-BE" sz="2000" dirty="0" err="1"/>
+              <a:t>than</a:t>
+            </a:r>
+            <a:r>
+              <a:rPr lang="nl-BE" sz="2000" dirty="0"/>
+              <a:t> </a:t>
+            </a:r>
+            <a:r>
+              <a:rPr lang="nl-BE" sz="2000" dirty="0" err="1"/>
+              <a:t>for</a:t>
+            </a:r>
+            <a:r>
+              <a:rPr lang="nl-BE" sz="2000" dirty="0"/>
+              <a:t> steady state </a:t>
+            </a:r>
+            <a:r>
+              <a:rPr lang="nl-BE" sz="2000" dirty="0" err="1"/>
+              <a:t>calculation</a:t>
+            </a:r>
+            <a:r>
+              <a:rPr lang="nl-BE" sz="2000" dirty="0"/>
+              <a:t> -&gt; indeed, </a:t>
+            </a:r>
+            <a:r>
+              <a:rPr lang="nl-BE" sz="2000" dirty="0" err="1"/>
+              <a:t>Tout_mean</a:t>
+            </a:r>
+            <a:r>
+              <a:rPr lang="nl-BE" sz="2000" dirty="0"/>
+              <a:t> = (</a:t>
+            </a:r>
+            <a:r>
+              <a:rPr lang="nl-BE" sz="2000" dirty="0" err="1"/>
+              <a:t>Tout+Tout_new</a:t>
+            </a:r>
+            <a:r>
+              <a:rPr lang="nl-BE" sz="2000" dirty="0"/>
+              <a:t>)/2 is </a:t>
+            </a:r>
+            <a:r>
+              <a:rPr lang="nl-BE" sz="2000" dirty="0" err="1"/>
+              <a:t>not</a:t>
+            </a:r>
+            <a:r>
+              <a:rPr lang="nl-BE" sz="2000" dirty="0"/>
+              <a:t> a </a:t>
+            </a:r>
+            <a:r>
+              <a:rPr lang="nl-BE" sz="2000" dirty="0" err="1"/>
+              <a:t>good</a:t>
+            </a:r>
+            <a:r>
+              <a:rPr lang="nl-BE" sz="2000" dirty="0"/>
+              <a:t> </a:t>
+            </a:r>
+            <a:r>
+              <a:rPr lang="nl-BE" sz="2000" dirty="0" err="1"/>
+              <a:t>approximation</a:t>
+            </a:r>
+            <a:r>
+              <a:rPr lang="nl-BE" sz="2000" dirty="0"/>
+              <a:t> in </a:t>
+            </a:r>
+            <a:r>
+              <a:rPr lang="nl-BE" sz="2000" dirty="0" err="1"/>
+              <a:t>nearly</a:t>
+            </a:r>
+            <a:r>
+              <a:rPr lang="nl-BE" sz="2000" dirty="0"/>
+              <a:t> station. case -&gt; </a:t>
+            </a:r>
+            <a:r>
+              <a:rPr lang="nl-BE" sz="2000" dirty="0" err="1"/>
+              <a:t>for</a:t>
+            </a:r>
+            <a:r>
+              <a:rPr lang="nl-BE" sz="2000" dirty="0"/>
+              <a:t> </a:t>
+            </a:r>
+            <a:r>
+              <a:rPr lang="nl-BE" sz="2000" dirty="0" err="1"/>
+              <a:t>Tout_mean</a:t>
+            </a:r>
+            <a:r>
+              <a:rPr lang="nl-BE" sz="2000" dirty="0"/>
+              <a:t>=</a:t>
+            </a:r>
+            <a:r>
+              <a:rPr lang="nl-BE" sz="2000" dirty="0" err="1"/>
+              <a:t>T_out_new</a:t>
+            </a:r>
+            <a:r>
+              <a:rPr lang="nl-BE" sz="2000" dirty="0"/>
+              <a:t>, </a:t>
+            </a:r>
+            <a:r>
+              <a:rPr lang="nl-BE" sz="2000" dirty="0" err="1"/>
+              <a:t>errors</a:t>
+            </a:r>
+            <a:r>
+              <a:rPr lang="nl-BE" sz="2000" dirty="0"/>
+              <a:t> are smaller!</a:t>
+            </a:r>
+          </a:p>
+        </p:txBody>
+      </p:sp>
+      <p:pic>
+        <p:nvPicPr>
+          <p:cNvPr id="5" name="Afbeelding 4">
+            <a:extLst>
+              <a:ext uri="{FF2B5EF4-FFF2-40B4-BE49-F238E27FC236}">
+                <a16:creationId xmlns:a16="http://schemas.microsoft.com/office/drawing/2014/main" id="{B5E30783-B070-4465-A403-992BE0326AF2}"/>
+              </a:ext>
+            </a:extLst>
+          </p:cNvPr>
+          <p:cNvPicPr>
+            <a:picLocks noChangeAspect="1"/>
+          </p:cNvPicPr>
+          <p:nvPr/>
+        </p:nvPicPr>
+        <p:blipFill>
+          <a:blip r:embed="rId2"/>
+          <a:stretch>
+            <a:fillRect/>
+          </a:stretch>
+        </p:blipFill>
+        <p:spPr>
+          <a:xfrm>
+            <a:off x="870156" y="3737244"/>
+            <a:ext cx="3965164" cy="2386490"/>
+          </a:xfrm>
+          <a:prstGeom prst="rect">
+            <a:avLst/>
+          </a:prstGeom>
+        </p:spPr>
+      </p:pic>
+      <p:pic>
+        <p:nvPicPr>
+          <p:cNvPr id="6" name="Afbeelding 5">
+            <a:extLst>
+              <a:ext uri="{FF2B5EF4-FFF2-40B4-BE49-F238E27FC236}">
+                <a16:creationId xmlns:a16="http://schemas.microsoft.com/office/drawing/2014/main" id="{215C53C9-5364-439D-97E7-E2735D425762}"/>
+              </a:ext>
+            </a:extLst>
+          </p:cNvPr>
+          <p:cNvPicPr>
+            <a:picLocks noChangeAspect="1"/>
+          </p:cNvPicPr>
+          <p:nvPr/>
+        </p:nvPicPr>
+        <p:blipFill>
+          <a:blip r:embed="rId3"/>
+          <a:stretch>
+            <a:fillRect/>
+          </a:stretch>
+        </p:blipFill>
+        <p:spPr>
+          <a:xfrm>
+            <a:off x="5053107" y="4199320"/>
+            <a:ext cx="2890744" cy="1914525"/>
+          </a:xfrm>
+          <a:prstGeom prst="rect">
+            <a:avLst/>
+          </a:prstGeom>
+        </p:spPr>
+      </p:pic>
+      <p:sp>
+        <p:nvSpPr>
+          <p:cNvPr id="7" name="Tekstvak 6">
+            <a:extLst>
+              <a:ext uri="{FF2B5EF4-FFF2-40B4-BE49-F238E27FC236}">
+                <a16:creationId xmlns:a16="http://schemas.microsoft.com/office/drawing/2014/main" id="{11092A3A-7774-4AAA-BA36-C1C658D89F1E}"/>
+              </a:ext>
+            </a:extLst>
+          </p:cNvPr>
+          <p:cNvSpPr txBox="1"/>
+          <p:nvPr/>
+        </p:nvSpPr>
+        <p:spPr>
+          <a:xfrm>
+            <a:off x="5359331" y="3695052"/>
+            <a:ext cx="3226974" cy="369332"/>
+          </a:xfrm>
+          <a:prstGeom prst="rect">
+            <a:avLst/>
+          </a:prstGeom>
+          <a:noFill/>
+        </p:spPr>
+        <p:txBody>
+          <a:bodyPr wrap="none" rtlCol="0">
+            <a:spAutoFit/>
+          </a:bodyPr>
+          <a:lstStyle/>
+          <a:p>
+            <a:r>
+              <a:rPr lang="nl-BE" dirty="0" err="1"/>
+              <a:t>Tout_mean</a:t>
+            </a:r>
+            <a:r>
+              <a:rPr lang="nl-BE" dirty="0"/>
+              <a:t>=(</a:t>
+            </a:r>
+            <a:r>
+              <a:rPr lang="nl-BE" dirty="0" err="1"/>
+              <a:t>Tout+Tout_new</a:t>
+            </a:r>
+            <a:r>
+              <a:rPr lang="nl-BE" dirty="0"/>
+              <a:t>)/2:</a:t>
+            </a:r>
+          </a:p>
+        </p:txBody>
+      </p:sp>
+      <p:sp>
+        <p:nvSpPr>
+          <p:cNvPr id="8" name="Tekstvak 7">
+            <a:extLst>
+              <a:ext uri="{FF2B5EF4-FFF2-40B4-BE49-F238E27FC236}">
+                <a16:creationId xmlns:a16="http://schemas.microsoft.com/office/drawing/2014/main" id="{BD7B8707-41A3-44D5-A074-F1F27F1456B1}"/>
+              </a:ext>
+            </a:extLst>
+          </p:cNvPr>
+          <p:cNvSpPr txBox="1"/>
+          <p:nvPr/>
+        </p:nvSpPr>
+        <p:spPr>
+          <a:xfrm>
+            <a:off x="8899899" y="3670314"/>
+            <a:ext cx="2421945" cy="369332"/>
+          </a:xfrm>
+          <a:prstGeom prst="rect">
+            <a:avLst/>
+          </a:prstGeom>
+          <a:noFill/>
+        </p:spPr>
+        <p:txBody>
+          <a:bodyPr wrap="none" rtlCol="0">
+            <a:spAutoFit/>
+          </a:bodyPr>
+          <a:lstStyle/>
+          <a:p>
+            <a:r>
+              <a:rPr lang="nl-BE" dirty="0" err="1"/>
+              <a:t>Tout_mean</a:t>
+            </a:r>
+            <a:r>
+              <a:rPr lang="nl-BE" dirty="0"/>
+              <a:t>=</a:t>
+            </a:r>
+            <a:r>
+              <a:rPr lang="nl-BE" dirty="0" err="1"/>
+              <a:t>Tout_new</a:t>
+            </a:r>
+            <a:r>
+              <a:rPr lang="nl-BE" dirty="0"/>
+              <a:t>:</a:t>
+            </a:r>
+          </a:p>
+        </p:txBody>
+      </p:sp>
+      <p:pic>
+        <p:nvPicPr>
+          <p:cNvPr id="9" name="Afbeelding 8">
+            <a:extLst>
+              <a:ext uri="{FF2B5EF4-FFF2-40B4-BE49-F238E27FC236}">
+                <a16:creationId xmlns:a16="http://schemas.microsoft.com/office/drawing/2014/main" id="{00299CA5-5979-4629-BC5A-61CC6DE791B6}"/>
+              </a:ext>
+            </a:extLst>
+          </p:cNvPr>
+          <p:cNvPicPr>
+            <a:picLocks noChangeAspect="1"/>
+          </p:cNvPicPr>
+          <p:nvPr/>
+        </p:nvPicPr>
+        <p:blipFill>
+          <a:blip r:embed="rId4"/>
+          <a:stretch>
+            <a:fillRect/>
+          </a:stretch>
+        </p:blipFill>
+        <p:spPr>
+          <a:xfrm>
+            <a:off x="8586305" y="4064384"/>
+            <a:ext cx="3019123" cy="1957560"/>
+          </a:xfrm>
+          <a:prstGeom prst="rect">
+            <a:avLst/>
+          </a:prstGeom>
+        </p:spPr>
+      </p:pic>
+    </p:spTree>
+    <p:extLst>
+      <p:ext uri="{BB962C8B-B14F-4D97-AF65-F5344CB8AC3E}">
+        <p14:creationId xmlns:p14="http://schemas.microsoft.com/office/powerpoint/2010/main" val="1525695019"/>
+      </p:ext>
+    </p:extLst>
+  </p:cSld>
+  <p:clrMapOvr>
+    <a:masterClrMapping/>
+  </p:clrMapOvr>
+</p:sld>
+</file>
+
+<file path=ppt/slides/slide22.xml><?xml version="1.0" encoding="utf-8"?>
+<p:sld xmlns:a="http://schemas.openxmlformats.org/drawingml/2006/main" xmlns:r="http://schemas.openxmlformats.org/officeDocument/2006/relationships" xmlns:p="http://schemas.openxmlformats.org/presentationml/2006/main">
+  <p:cSld>
+    <p:spTree>
+      <p:nvGrpSpPr>
+        <p:cNvPr id="1" name=""/>
+        <p:cNvGrpSpPr/>
+        <p:nvPr/>
+      </p:nvGrpSpPr>
+      <p:grpSpPr>
+        <a:xfrm>
+          <a:off x="0" y="0"/>
+          <a:ext cx="0" cy="0"/>
+          <a:chOff x="0" y="0"/>
+          <a:chExt cx="0" cy="0"/>
+        </a:xfrm>
+      </p:grpSpPr>
+      <p:sp>
+        <p:nvSpPr>
+          <p:cNvPr id="2" name="Titel 1">
+            <a:extLst>
+              <a:ext uri="{FF2B5EF4-FFF2-40B4-BE49-F238E27FC236}">
+                <a16:creationId xmlns:a16="http://schemas.microsoft.com/office/drawing/2014/main" id="{475B5F49-17D4-4ACD-A9E9-1A5F4896BAAC}"/>
+              </a:ext>
+            </a:extLst>
+          </p:cNvPr>
+          <p:cNvSpPr>
+            <a:spLocks noGrp="1"/>
+          </p:cNvSpPr>
+          <p:nvPr>
+            <p:ph type="title"/>
+          </p:nvPr>
+        </p:nvSpPr>
+        <p:spPr/>
+        <p:txBody>
+          <a:bodyPr/>
+          <a:lstStyle/>
+          <a:p>
+            <a:r>
+              <a:rPr lang="nl-BE" dirty="0" err="1"/>
+              <a:t>Dynamic</a:t>
+            </a:r>
+            <a:r>
+              <a:rPr lang="nl-BE" dirty="0"/>
+              <a:t> </a:t>
+            </a:r>
+            <a:r>
+              <a:rPr lang="nl-BE" dirty="0" err="1"/>
+              <a:t>simulation</a:t>
+            </a:r>
+            <a:r>
+              <a:rPr lang="nl-BE" dirty="0"/>
+              <a:t> </a:t>
+            </a:r>
+            <a:r>
+              <a:rPr lang="nl-BE" dirty="0" err="1"/>
+              <a:t>with</a:t>
+            </a:r>
+            <a:r>
+              <a:rPr lang="nl-BE" dirty="0"/>
+              <a:t> constant </a:t>
+            </a:r>
+            <a:r>
+              <a:rPr lang="nl-BE" dirty="0" err="1"/>
+              <a:t>mass</a:t>
+            </a:r>
+            <a:r>
+              <a:rPr lang="nl-BE" dirty="0"/>
+              <a:t> flow</a:t>
+            </a:r>
+          </a:p>
+        </p:txBody>
+      </p:sp>
+      <p:sp>
+        <p:nvSpPr>
+          <p:cNvPr id="3" name="Tijdelijke aanduiding voor inhoud 2">
+            <a:extLst>
+              <a:ext uri="{FF2B5EF4-FFF2-40B4-BE49-F238E27FC236}">
+                <a16:creationId xmlns:a16="http://schemas.microsoft.com/office/drawing/2014/main" id="{B306A579-35FF-4378-9864-AFCCB52B17EB}"/>
+              </a:ext>
+            </a:extLst>
+          </p:cNvPr>
+          <p:cNvSpPr>
+            <a:spLocks noGrp="1"/>
+          </p:cNvSpPr>
+          <p:nvPr>
+            <p:ph idx="1"/>
+          </p:nvPr>
+        </p:nvSpPr>
+        <p:spPr/>
+        <p:txBody>
+          <a:bodyPr/>
+          <a:lstStyle/>
+          <a:p>
+            <a:r>
+              <a:rPr lang="nl-BE" dirty="0" err="1"/>
+              <a:t>Errors</a:t>
+            </a:r>
+            <a:r>
+              <a:rPr lang="nl-BE" dirty="0"/>
+              <a:t> are </a:t>
+            </a:r>
+            <a:r>
+              <a:rPr lang="nl-BE" dirty="0" err="1"/>
+              <a:t>related</a:t>
+            </a:r>
+            <a:r>
+              <a:rPr lang="nl-BE" dirty="0"/>
+              <a:t> </a:t>
+            </a:r>
+            <a:r>
+              <a:rPr lang="nl-BE" dirty="0" err="1"/>
+              <a:t>to</a:t>
+            </a:r>
+            <a:r>
+              <a:rPr lang="nl-BE" dirty="0"/>
+              <a:t> </a:t>
+            </a:r>
+            <a:r>
+              <a:rPr lang="nl-BE" dirty="0" err="1"/>
+              <a:t>approximation</a:t>
+            </a:r>
+            <a:r>
+              <a:rPr lang="nl-BE" dirty="0"/>
+              <a:t> </a:t>
+            </a:r>
+            <a:r>
+              <a:rPr lang="nl-BE" dirty="0" err="1"/>
+              <a:t>for</a:t>
+            </a:r>
+            <a:r>
+              <a:rPr lang="nl-BE" dirty="0"/>
+              <a:t> </a:t>
+            </a:r>
+            <a:r>
+              <a:rPr lang="nl-BE" dirty="0" err="1"/>
+              <a:t>Tout_mean</a:t>
+            </a:r>
+            <a:endParaRPr lang="nl-BE" dirty="0"/>
+          </a:p>
+          <a:p>
+            <a:r>
+              <a:rPr lang="nl-BE" dirty="0"/>
+              <a:t>Check error over </a:t>
+            </a:r>
+            <a:r>
+              <a:rPr lang="nl-BE" dirty="0" err="1"/>
+              <a:t>whole</a:t>
+            </a:r>
+            <a:r>
+              <a:rPr lang="nl-BE" dirty="0"/>
+              <a:t> </a:t>
+            </a:r>
+            <a:r>
+              <a:rPr lang="nl-BE" dirty="0" err="1"/>
+              <a:t>summer</a:t>
+            </a:r>
+            <a:endParaRPr lang="nl-BE" dirty="0"/>
+          </a:p>
+          <a:p>
+            <a:r>
+              <a:rPr lang="nl-BE" dirty="0"/>
+              <a:t>Is </a:t>
+            </a:r>
+            <a:r>
+              <a:rPr lang="nl-BE" dirty="0" err="1"/>
+              <a:t>it</a:t>
+            </a:r>
+            <a:r>
+              <a:rPr lang="nl-BE" dirty="0"/>
+              <a:t> </a:t>
+            </a:r>
+            <a:r>
+              <a:rPr lang="nl-BE" dirty="0" err="1"/>
+              <a:t>necessary</a:t>
+            </a:r>
+            <a:r>
+              <a:rPr lang="nl-BE" dirty="0"/>
+              <a:t> </a:t>
+            </a:r>
+            <a:r>
+              <a:rPr lang="nl-BE" dirty="0" err="1"/>
+              <a:t>to</a:t>
+            </a:r>
+            <a:r>
+              <a:rPr lang="nl-BE" dirty="0"/>
+              <a:t> change </a:t>
+            </a:r>
+            <a:r>
+              <a:rPr lang="nl-BE" dirty="0" err="1"/>
+              <a:t>calculation</a:t>
+            </a:r>
+            <a:r>
+              <a:rPr lang="nl-BE" dirty="0"/>
+              <a:t> of </a:t>
+            </a:r>
+            <a:r>
+              <a:rPr lang="nl-BE" dirty="0" err="1"/>
+              <a:t>Tout_mean</a:t>
+            </a:r>
+            <a:r>
+              <a:rPr lang="nl-BE" dirty="0"/>
+              <a:t>?</a:t>
+            </a:r>
+          </a:p>
+          <a:p>
+            <a:r>
+              <a:rPr lang="nl-BE" dirty="0" err="1"/>
+              <a:t>What</a:t>
+            </a:r>
+            <a:r>
+              <a:rPr lang="nl-BE" dirty="0"/>
+              <a:t> </a:t>
+            </a:r>
+            <a:r>
+              <a:rPr lang="nl-BE" dirty="0" err="1"/>
+              <a:t>if</a:t>
+            </a:r>
+            <a:r>
+              <a:rPr lang="nl-BE" dirty="0"/>
+              <a:t> on/off control is </a:t>
+            </a:r>
+            <a:r>
+              <a:rPr lang="nl-BE" dirty="0" err="1"/>
+              <a:t>added</a:t>
+            </a:r>
+            <a:r>
+              <a:rPr lang="nl-BE" dirty="0"/>
+              <a:t>?</a:t>
+            </a:r>
+          </a:p>
+        </p:txBody>
+      </p:sp>
+      <p:pic>
+        <p:nvPicPr>
+          <p:cNvPr id="4" name="Afbeelding 3">
+            <a:extLst>
+              <a:ext uri="{FF2B5EF4-FFF2-40B4-BE49-F238E27FC236}">
+                <a16:creationId xmlns:a16="http://schemas.microsoft.com/office/drawing/2014/main" id="{C25C8E0E-868F-420D-B966-D9BF1D26ABC7}"/>
+              </a:ext>
+            </a:extLst>
+          </p:cNvPr>
+          <p:cNvPicPr>
+            <a:picLocks noChangeAspect="1"/>
+          </p:cNvPicPr>
+          <p:nvPr/>
+        </p:nvPicPr>
+        <p:blipFill>
+          <a:blip r:embed="rId2"/>
+          <a:stretch>
+            <a:fillRect/>
+          </a:stretch>
+        </p:blipFill>
+        <p:spPr>
+          <a:xfrm>
+            <a:off x="1438275" y="4235450"/>
+            <a:ext cx="3181350" cy="2076450"/>
+          </a:xfrm>
+          <a:prstGeom prst="rect">
+            <a:avLst/>
+          </a:prstGeom>
+        </p:spPr>
+      </p:pic>
+      <p:sp>
+        <p:nvSpPr>
+          <p:cNvPr id="5" name="Tekstvak 4">
+            <a:extLst>
+              <a:ext uri="{FF2B5EF4-FFF2-40B4-BE49-F238E27FC236}">
+                <a16:creationId xmlns:a16="http://schemas.microsoft.com/office/drawing/2014/main" id="{3C8A1676-31A2-47BD-874F-8B9ADB70216F}"/>
+              </a:ext>
+            </a:extLst>
+          </p:cNvPr>
+          <p:cNvSpPr txBox="1"/>
+          <p:nvPr/>
+        </p:nvSpPr>
+        <p:spPr>
+          <a:xfrm>
+            <a:off x="962025" y="3857387"/>
+            <a:ext cx="5452839" cy="369332"/>
+          </a:xfrm>
+          <a:prstGeom prst="rect">
+            <a:avLst/>
+          </a:prstGeom>
+          <a:noFill/>
+        </p:spPr>
+        <p:txBody>
+          <a:bodyPr wrap="none" rtlCol="0">
+            <a:spAutoFit/>
+          </a:bodyPr>
+          <a:lstStyle/>
+          <a:p>
+            <a:r>
+              <a:rPr lang="nl-BE" dirty="0"/>
+              <a:t>Error </a:t>
+            </a:r>
+            <a:r>
+              <a:rPr lang="nl-BE" dirty="0" err="1"/>
+              <a:t>dynamic</a:t>
+            </a:r>
+            <a:r>
+              <a:rPr lang="nl-BE" dirty="0"/>
+              <a:t> model </a:t>
+            </a:r>
+            <a:r>
+              <a:rPr lang="nl-BE" dirty="0" err="1"/>
+              <a:t>with</a:t>
+            </a:r>
+            <a:r>
+              <a:rPr lang="nl-BE" dirty="0"/>
+              <a:t> lineair </a:t>
+            </a:r>
+            <a:r>
+              <a:rPr lang="nl-BE" dirty="0" err="1"/>
+              <a:t>approximation</a:t>
+            </a:r>
+            <a:r>
+              <a:rPr lang="nl-BE" dirty="0"/>
+              <a:t> of </a:t>
+            </a:r>
+            <a:r>
+              <a:rPr lang="nl-BE" dirty="0" err="1"/>
+              <a:t>Tout</a:t>
+            </a:r>
+            <a:r>
+              <a:rPr lang="nl-BE" dirty="0"/>
+              <a:t>:</a:t>
+            </a:r>
+          </a:p>
+        </p:txBody>
+      </p:sp>
+    </p:spTree>
+    <p:extLst>
+      <p:ext uri="{BB962C8B-B14F-4D97-AF65-F5344CB8AC3E}">
+        <p14:creationId xmlns:p14="http://schemas.microsoft.com/office/powerpoint/2010/main" val="1905653224"/>
+      </p:ext>
+    </p:extLst>
+  </p:cSld>
+  <p:clrMapOvr>
+    <a:masterClrMapping/>
+  </p:clrMapOvr>
+</p:sld>
+</file>
+
+<file path=ppt/slides/slide23.xml><?xml version="1.0" encoding="utf-8"?>
+<p:sld xmlns:a="http://schemas.openxmlformats.org/drawingml/2006/main" xmlns:r="http://schemas.openxmlformats.org/officeDocument/2006/relationships" xmlns:p="http://schemas.openxmlformats.org/presentationml/2006/main">
+  <p:cSld>
+    <p:spTree>
+      <p:nvGrpSpPr>
+        <p:cNvPr id="1" name=""/>
+        <p:cNvGrpSpPr/>
+        <p:nvPr/>
+      </p:nvGrpSpPr>
+      <p:grpSpPr>
+        <a:xfrm>
+          <a:off x="0" y="0"/>
+          <a:ext cx="0" cy="0"/>
+          <a:chOff x="0" y="0"/>
+          <a:chExt cx="0" cy="0"/>
+        </a:xfrm>
+      </p:grpSpPr>
+      <p:sp>
+        <p:nvSpPr>
+          <p:cNvPr id="2" name="Titel 1">
+            <a:extLst>
+              <a:ext uri="{FF2B5EF4-FFF2-40B4-BE49-F238E27FC236}">
+                <a16:creationId xmlns:a16="http://schemas.microsoft.com/office/drawing/2014/main" id="{475B5F49-17D4-4ACD-A9E9-1A5F4896BAAC}"/>
+              </a:ext>
+            </a:extLst>
+          </p:cNvPr>
+          <p:cNvSpPr>
+            <a:spLocks noGrp="1"/>
+          </p:cNvSpPr>
+          <p:nvPr>
+            <p:ph type="title"/>
+          </p:nvPr>
+        </p:nvSpPr>
+        <p:spPr/>
+        <p:txBody>
+          <a:bodyPr/>
+          <a:lstStyle/>
+          <a:p>
+            <a:r>
+              <a:rPr lang="nl-BE" dirty="0" err="1"/>
+              <a:t>Dynamic</a:t>
+            </a:r>
+            <a:r>
+              <a:rPr lang="nl-BE" dirty="0"/>
+              <a:t> </a:t>
+            </a:r>
+            <a:r>
+              <a:rPr lang="nl-BE" dirty="0" err="1"/>
+              <a:t>simulation</a:t>
+            </a:r>
+            <a:r>
+              <a:rPr lang="nl-BE" dirty="0"/>
+              <a:t> </a:t>
+            </a:r>
+            <a:r>
+              <a:rPr lang="nl-BE" dirty="0" err="1"/>
+              <a:t>with</a:t>
+            </a:r>
+            <a:r>
+              <a:rPr lang="nl-BE" dirty="0"/>
+              <a:t> constant </a:t>
+            </a:r>
+            <a:r>
+              <a:rPr lang="nl-BE" dirty="0" err="1"/>
+              <a:t>mass</a:t>
+            </a:r>
+            <a:r>
+              <a:rPr lang="nl-BE" dirty="0"/>
+              <a:t> flow</a:t>
+            </a:r>
+          </a:p>
+        </p:txBody>
+      </p:sp>
+      <p:sp>
+        <p:nvSpPr>
+          <p:cNvPr id="3" name="Tijdelijke aanduiding voor inhoud 2">
+            <a:extLst>
+              <a:ext uri="{FF2B5EF4-FFF2-40B4-BE49-F238E27FC236}">
+                <a16:creationId xmlns:a16="http://schemas.microsoft.com/office/drawing/2014/main" id="{B306A579-35FF-4378-9864-AFCCB52B17EB}"/>
+              </a:ext>
+            </a:extLst>
+          </p:cNvPr>
+          <p:cNvSpPr>
+            <a:spLocks noGrp="1"/>
+          </p:cNvSpPr>
+          <p:nvPr>
+            <p:ph idx="1"/>
+          </p:nvPr>
+        </p:nvSpPr>
+        <p:spPr>
+          <a:xfrm>
+            <a:off x="838200" y="1825624"/>
+            <a:ext cx="10515600" cy="4899025"/>
+          </a:xfrm>
+        </p:spPr>
+        <p:txBody>
+          <a:bodyPr>
+            <a:normAutofit/>
+          </a:bodyPr>
+          <a:lstStyle/>
+          <a:p>
+            <a:pPr marL="0" indent="0">
+              <a:buNone/>
+            </a:pPr>
+            <a:r>
+              <a:rPr lang="nl-BE" sz="1800" dirty="0"/>
+              <a:t>Error </a:t>
+            </a:r>
+            <a:r>
+              <a:rPr lang="nl-BE" sz="1800" dirty="0" err="1"/>
+              <a:t>dynamic</a:t>
+            </a:r>
+            <a:r>
+              <a:rPr lang="nl-BE" sz="1800" dirty="0"/>
+              <a:t> model </a:t>
+            </a:r>
+            <a:r>
+              <a:rPr lang="nl-BE" sz="1800" dirty="0" err="1"/>
+              <a:t>with</a:t>
+            </a:r>
+            <a:r>
+              <a:rPr lang="nl-BE" sz="1800" dirty="0"/>
+              <a:t> lineair </a:t>
+            </a:r>
+            <a:r>
+              <a:rPr lang="nl-BE" sz="1800" dirty="0" err="1"/>
+              <a:t>approximation</a:t>
+            </a:r>
+            <a:r>
+              <a:rPr lang="nl-BE" sz="1800" dirty="0"/>
+              <a:t> of </a:t>
+            </a:r>
+            <a:r>
+              <a:rPr lang="nl-BE" sz="1800" dirty="0" err="1"/>
+              <a:t>Tout</a:t>
+            </a:r>
+            <a:r>
+              <a:rPr lang="nl-BE" sz="1800" dirty="0"/>
+              <a:t>, 1 </a:t>
+            </a:r>
+            <a:r>
+              <a:rPr lang="nl-BE" sz="1800" dirty="0" err="1"/>
+              <a:t>year</a:t>
+            </a:r>
+            <a:r>
+              <a:rPr lang="nl-BE" sz="1800" dirty="0"/>
+              <a:t>:</a:t>
+            </a:r>
+          </a:p>
+          <a:p>
+            <a:pPr marL="0" indent="0">
+              <a:buNone/>
+            </a:pPr>
+            <a:endParaRPr lang="nl-BE" sz="1800" dirty="0"/>
+          </a:p>
+          <a:p>
+            <a:pPr marL="0" indent="0">
+              <a:buNone/>
+            </a:pPr>
+            <a:endParaRPr lang="nl-BE" sz="1800" dirty="0"/>
+          </a:p>
+          <a:p>
+            <a:pPr marL="0" indent="0">
+              <a:buNone/>
+            </a:pPr>
+            <a:endParaRPr lang="nl-BE" sz="1800" dirty="0"/>
+          </a:p>
+          <a:p>
+            <a:pPr marL="0" indent="0">
+              <a:buNone/>
+            </a:pPr>
+            <a:endParaRPr lang="nl-BE" sz="1800" dirty="0"/>
+          </a:p>
+          <a:p>
+            <a:pPr marL="0" indent="0">
+              <a:buNone/>
+            </a:pPr>
+            <a:endParaRPr lang="nl-BE" sz="1800" dirty="0"/>
+          </a:p>
+          <a:p>
+            <a:pPr marL="0" indent="0">
+              <a:buNone/>
+            </a:pPr>
+            <a:r>
+              <a:rPr lang="nl-BE" sz="1800" dirty="0" err="1"/>
+              <a:t>With</a:t>
+            </a:r>
+            <a:r>
+              <a:rPr lang="nl-BE" sz="1800" dirty="0"/>
+              <a:t> </a:t>
+            </a:r>
+            <a:r>
+              <a:rPr lang="nl-BE" sz="1800" dirty="0" err="1"/>
+              <a:t>exponential</a:t>
+            </a:r>
+            <a:r>
+              <a:rPr lang="nl-BE" sz="1800" dirty="0"/>
+              <a:t> </a:t>
+            </a:r>
+            <a:r>
+              <a:rPr lang="nl-BE" sz="1800" dirty="0" err="1"/>
+              <a:t>approximation</a:t>
+            </a:r>
+            <a:endParaRPr lang="nl-BE" sz="1800" dirty="0"/>
+          </a:p>
+        </p:txBody>
+      </p:sp>
+      <p:pic>
+        <p:nvPicPr>
+          <p:cNvPr id="4" name="Afbeelding 3">
+            <a:extLst>
+              <a:ext uri="{FF2B5EF4-FFF2-40B4-BE49-F238E27FC236}">
+                <a16:creationId xmlns:a16="http://schemas.microsoft.com/office/drawing/2014/main" id="{C25C8E0E-868F-420D-B966-D9BF1D26ABC7}"/>
+              </a:ext>
+            </a:extLst>
+          </p:cNvPr>
+          <p:cNvPicPr>
+            <a:picLocks noChangeAspect="1"/>
+          </p:cNvPicPr>
+          <p:nvPr/>
+        </p:nvPicPr>
+        <p:blipFill>
+          <a:blip r:embed="rId2"/>
+          <a:stretch>
+            <a:fillRect/>
+          </a:stretch>
+        </p:blipFill>
+        <p:spPr>
+          <a:xfrm>
+            <a:off x="975870" y="2271238"/>
+            <a:ext cx="2643630" cy="1725483"/>
+          </a:xfrm>
+          <a:prstGeom prst="rect">
+            <a:avLst/>
+          </a:prstGeom>
+        </p:spPr>
+      </p:pic>
+      <p:pic>
+        <p:nvPicPr>
+          <p:cNvPr id="6" name="Afbeelding 5">
+            <a:extLst>
+              <a:ext uri="{FF2B5EF4-FFF2-40B4-BE49-F238E27FC236}">
+                <a16:creationId xmlns:a16="http://schemas.microsoft.com/office/drawing/2014/main" id="{A72E9DFF-C551-4E29-92DC-430A99F18331}"/>
+              </a:ext>
+            </a:extLst>
+          </p:cNvPr>
+          <p:cNvPicPr>
+            <a:picLocks noChangeAspect="1"/>
+          </p:cNvPicPr>
+          <p:nvPr/>
+        </p:nvPicPr>
+        <p:blipFill>
+          <a:blip r:embed="rId3"/>
+          <a:stretch>
+            <a:fillRect/>
+          </a:stretch>
+        </p:blipFill>
+        <p:spPr>
+          <a:xfrm>
+            <a:off x="838200" y="4638675"/>
+            <a:ext cx="3152775" cy="2219325"/>
+          </a:xfrm>
+          <a:prstGeom prst="rect">
+            <a:avLst/>
+          </a:prstGeom>
+        </p:spPr>
+      </p:pic>
+      <p:sp>
+        <p:nvSpPr>
+          <p:cNvPr id="7" name="Tekstvak 6">
+            <a:extLst>
+              <a:ext uri="{FF2B5EF4-FFF2-40B4-BE49-F238E27FC236}">
+                <a16:creationId xmlns:a16="http://schemas.microsoft.com/office/drawing/2014/main" id="{71D82D2A-A756-44A7-A984-88CABB8542A1}"/>
+              </a:ext>
+            </a:extLst>
+          </p:cNvPr>
+          <p:cNvSpPr txBox="1"/>
+          <p:nvPr/>
+        </p:nvSpPr>
+        <p:spPr>
+          <a:xfrm>
+            <a:off x="5791003" y="3346515"/>
+            <a:ext cx="5562998" cy="369332"/>
+          </a:xfrm>
+          <a:prstGeom prst="rect">
+            <a:avLst/>
+          </a:prstGeom>
+          <a:noFill/>
+        </p:spPr>
+        <p:txBody>
+          <a:bodyPr wrap="none" rtlCol="0">
+            <a:spAutoFit/>
+          </a:bodyPr>
+          <a:lstStyle/>
+          <a:p>
+            <a:r>
+              <a:rPr lang="nl-BE" dirty="0" err="1">
+                <a:highlight>
+                  <a:srgbClr val="FFFF00"/>
+                </a:highlight>
+              </a:rPr>
+              <a:t>This</a:t>
+            </a:r>
+            <a:r>
+              <a:rPr lang="nl-BE" dirty="0">
+                <a:highlight>
+                  <a:srgbClr val="FFFF00"/>
+                </a:highlight>
+              </a:rPr>
+              <a:t> is </a:t>
+            </a:r>
+            <a:r>
+              <a:rPr lang="nl-BE" dirty="0" err="1">
+                <a:highlight>
+                  <a:srgbClr val="FFFF00"/>
+                </a:highlight>
+              </a:rPr>
+              <a:t>with</a:t>
+            </a:r>
+            <a:r>
+              <a:rPr lang="nl-BE" dirty="0">
+                <a:highlight>
+                  <a:srgbClr val="FFFF00"/>
+                </a:highlight>
+              </a:rPr>
+              <a:t> </a:t>
+            </a:r>
+            <a:r>
+              <a:rPr lang="nl-BE" dirty="0" err="1">
+                <a:highlight>
+                  <a:srgbClr val="FFFF00"/>
+                </a:highlight>
+              </a:rPr>
+              <a:t>inHyd</a:t>
+            </a:r>
+            <a:r>
+              <a:rPr lang="nl-BE" dirty="0">
+                <a:highlight>
+                  <a:srgbClr val="FFFF00"/>
+                </a:highlight>
+              </a:rPr>
+              <a:t> </a:t>
+            </a:r>
+            <a:r>
+              <a:rPr lang="nl-BE" dirty="0" err="1">
+                <a:highlight>
+                  <a:srgbClr val="FFFF00"/>
+                </a:highlight>
+              </a:rPr>
+              <a:t>based</a:t>
+            </a:r>
+            <a:r>
+              <a:rPr lang="nl-BE" dirty="0">
+                <a:highlight>
+                  <a:srgbClr val="FFFF00"/>
+                </a:highlight>
+              </a:rPr>
+              <a:t> on </a:t>
+            </a:r>
+            <a:r>
+              <a:rPr lang="nl-BE" dirty="0" err="1">
+                <a:highlight>
+                  <a:srgbClr val="FFFF00"/>
+                </a:highlight>
+              </a:rPr>
+              <a:t>T_out</a:t>
+            </a:r>
+            <a:r>
+              <a:rPr lang="nl-BE" dirty="0">
+                <a:highlight>
+                  <a:srgbClr val="FFFF00"/>
+                </a:highlight>
+              </a:rPr>
+              <a:t> </a:t>
+            </a:r>
+            <a:r>
+              <a:rPr lang="nl-BE" dirty="0" err="1">
+                <a:highlight>
+                  <a:srgbClr val="FFFF00"/>
+                </a:highlight>
+              </a:rPr>
+              <a:t>instead</a:t>
+            </a:r>
+            <a:r>
+              <a:rPr lang="nl-BE" dirty="0">
+                <a:highlight>
+                  <a:srgbClr val="FFFF00"/>
+                </a:highlight>
+              </a:rPr>
+              <a:t> of </a:t>
+            </a:r>
+            <a:r>
+              <a:rPr lang="nl-BE" dirty="0" err="1">
+                <a:highlight>
+                  <a:srgbClr val="FFFF00"/>
+                </a:highlight>
+              </a:rPr>
+              <a:t>T_out_mean</a:t>
+            </a:r>
+            <a:endParaRPr lang="nl-BE" dirty="0">
+              <a:highlight>
+                <a:srgbClr val="FFFF00"/>
+              </a:highlight>
+            </a:endParaRPr>
+          </a:p>
+        </p:txBody>
+      </p:sp>
+      <p:cxnSp>
+        <p:nvCxnSpPr>
+          <p:cNvPr id="11" name="Rechte verbindingslijn 10">
+            <a:extLst>
+              <a:ext uri="{FF2B5EF4-FFF2-40B4-BE49-F238E27FC236}">
+                <a16:creationId xmlns:a16="http://schemas.microsoft.com/office/drawing/2014/main" id="{80EC0AE3-5EA2-4889-942B-DF727C5262FA}"/>
+              </a:ext>
+            </a:extLst>
+          </p:cNvPr>
+          <p:cNvCxnSpPr/>
+          <p:nvPr/>
+        </p:nvCxnSpPr>
+        <p:spPr>
+          <a:xfrm flipV="1">
+            <a:off x="414779" y="1621410"/>
+            <a:ext cx="6966409" cy="4817097"/>
+          </a:xfrm>
+          <a:prstGeom prst="line">
+            <a:avLst/>
+          </a:prstGeom>
+          <a:ln w="57150"/>
+        </p:spPr>
+        <p:style>
+          <a:lnRef idx="1">
+            <a:schemeClr val="accent1"/>
+          </a:lnRef>
+          <a:fillRef idx="0">
+            <a:schemeClr val="accent1"/>
+          </a:fillRef>
+          <a:effectRef idx="0">
+            <a:schemeClr val="accent1"/>
+          </a:effectRef>
+          <a:fontRef idx="minor">
+            <a:schemeClr val="tx1"/>
+          </a:fontRef>
+        </p:style>
+      </p:cxnSp>
+    </p:spTree>
+    <p:extLst>
+      <p:ext uri="{BB962C8B-B14F-4D97-AF65-F5344CB8AC3E}">
+        <p14:creationId xmlns:p14="http://schemas.microsoft.com/office/powerpoint/2010/main" val="3624673706"/>
+      </p:ext>
+    </p:extLst>
+  </p:cSld>
+  <p:clrMapOvr>
+    <a:masterClrMapping/>
+  </p:clrMapOvr>
+</p:sld>
+</file>
+
+<file path=ppt/slides/slide24.xml><?xml version="1.0" encoding="utf-8"?>
+<p:sld xmlns:a="http://schemas.openxmlformats.org/drawingml/2006/main" xmlns:r="http://schemas.openxmlformats.org/officeDocument/2006/relationships" xmlns:p="http://schemas.openxmlformats.org/presentationml/2006/main">
+  <p:cSld>
+    <p:spTree>
+      <p:nvGrpSpPr>
+        <p:cNvPr id="1" name=""/>
+        <p:cNvGrpSpPr/>
+        <p:nvPr/>
+      </p:nvGrpSpPr>
+      <p:grpSpPr>
+        <a:xfrm>
+          <a:off x="0" y="0"/>
+          <a:ext cx="0" cy="0"/>
+          <a:chOff x="0" y="0"/>
+          <a:chExt cx="0" cy="0"/>
+        </a:xfrm>
+      </p:grpSpPr>
+      <p:sp>
+        <p:nvSpPr>
+          <p:cNvPr id="2" name="Titel 1">
+            <a:extLst>
+              <a:ext uri="{FF2B5EF4-FFF2-40B4-BE49-F238E27FC236}">
+                <a16:creationId xmlns:a16="http://schemas.microsoft.com/office/drawing/2014/main" id="{475B5F49-17D4-4ACD-A9E9-1A5F4896BAAC}"/>
+              </a:ext>
+            </a:extLst>
+          </p:cNvPr>
+          <p:cNvSpPr>
+            <a:spLocks noGrp="1"/>
+          </p:cNvSpPr>
+          <p:nvPr>
+            <p:ph type="title"/>
+          </p:nvPr>
+        </p:nvSpPr>
+        <p:spPr/>
+        <p:txBody>
+          <a:bodyPr/>
+          <a:lstStyle/>
+          <a:p>
+            <a:r>
+              <a:rPr lang="nl-BE" dirty="0" err="1"/>
+              <a:t>Dynamic</a:t>
+            </a:r>
+            <a:r>
+              <a:rPr lang="nl-BE" dirty="0"/>
+              <a:t> </a:t>
+            </a:r>
+            <a:r>
+              <a:rPr lang="nl-BE" dirty="0" err="1"/>
+              <a:t>simulation</a:t>
+            </a:r>
+            <a:r>
+              <a:rPr lang="nl-BE" dirty="0"/>
+              <a:t> </a:t>
+            </a:r>
+            <a:r>
+              <a:rPr lang="nl-BE" dirty="0" err="1"/>
+              <a:t>with</a:t>
+            </a:r>
+            <a:r>
+              <a:rPr lang="nl-BE" dirty="0"/>
+              <a:t> constant </a:t>
+            </a:r>
+            <a:r>
+              <a:rPr lang="nl-BE" dirty="0" err="1"/>
+              <a:t>mass</a:t>
+            </a:r>
+            <a:r>
+              <a:rPr lang="nl-BE" dirty="0"/>
+              <a:t> flow</a:t>
+            </a:r>
+          </a:p>
+        </p:txBody>
+      </p:sp>
+      <p:sp>
+        <p:nvSpPr>
+          <p:cNvPr id="3" name="Tijdelijke aanduiding voor inhoud 2">
+            <a:extLst>
+              <a:ext uri="{FF2B5EF4-FFF2-40B4-BE49-F238E27FC236}">
+                <a16:creationId xmlns:a16="http://schemas.microsoft.com/office/drawing/2014/main" id="{B306A579-35FF-4378-9864-AFCCB52B17EB}"/>
+              </a:ext>
+            </a:extLst>
+          </p:cNvPr>
+          <p:cNvSpPr>
+            <a:spLocks noGrp="1"/>
+          </p:cNvSpPr>
+          <p:nvPr>
+            <p:ph idx="1"/>
+          </p:nvPr>
+        </p:nvSpPr>
+        <p:spPr>
+          <a:xfrm>
+            <a:off x="838200" y="1825624"/>
+            <a:ext cx="10515600" cy="4899025"/>
+          </a:xfrm>
+        </p:spPr>
+        <p:txBody>
+          <a:bodyPr>
+            <a:normAutofit/>
+          </a:bodyPr>
+          <a:lstStyle/>
+          <a:p>
+            <a:pPr marL="0" indent="0">
+              <a:buNone/>
+            </a:pPr>
+            <a:r>
+              <a:rPr lang="nl-BE" sz="1800" dirty="0"/>
+              <a:t>Error </a:t>
+            </a:r>
+            <a:r>
+              <a:rPr lang="nl-BE" sz="1800" dirty="0" err="1"/>
+              <a:t>dynamic</a:t>
+            </a:r>
+            <a:r>
+              <a:rPr lang="nl-BE" sz="1800" dirty="0"/>
+              <a:t> model </a:t>
+            </a:r>
+            <a:r>
+              <a:rPr lang="nl-BE" sz="1800" dirty="0" err="1"/>
+              <a:t>with</a:t>
+            </a:r>
+            <a:r>
+              <a:rPr lang="nl-BE" sz="1800" dirty="0"/>
+              <a:t> lineair </a:t>
+            </a:r>
+            <a:r>
+              <a:rPr lang="nl-BE" sz="1800" dirty="0" err="1"/>
+              <a:t>approximation</a:t>
+            </a:r>
+            <a:r>
+              <a:rPr lang="nl-BE" sz="1800" dirty="0"/>
+              <a:t> of </a:t>
+            </a:r>
+            <a:r>
+              <a:rPr lang="nl-BE" sz="1800" dirty="0" err="1"/>
+              <a:t>Tout</a:t>
+            </a:r>
+            <a:r>
+              <a:rPr lang="nl-BE" sz="1800" dirty="0"/>
+              <a:t> </a:t>
+            </a:r>
+            <a:r>
+              <a:rPr lang="nl-BE" sz="1800" dirty="0" err="1"/>
+              <a:t>for</a:t>
+            </a:r>
+            <a:r>
+              <a:rPr lang="nl-BE" sz="1800" dirty="0"/>
+              <a:t> </a:t>
+            </a:r>
+            <a:r>
+              <a:rPr lang="nl-BE" sz="1800" dirty="0" err="1"/>
+              <a:t>losses</a:t>
+            </a:r>
+            <a:r>
+              <a:rPr lang="nl-BE" sz="1800" dirty="0"/>
+              <a:t> </a:t>
+            </a:r>
+            <a:r>
+              <a:rPr lang="nl-BE" sz="1800" dirty="0" err="1"/>
+              <a:t>and</a:t>
+            </a:r>
+            <a:r>
+              <a:rPr lang="nl-BE" sz="1800" dirty="0"/>
+              <a:t> </a:t>
+            </a:r>
+            <a:r>
+              <a:rPr lang="nl-BE" sz="1800" dirty="0" err="1"/>
+              <a:t>inHyd</a:t>
+            </a:r>
+            <a:r>
+              <a:rPr lang="nl-BE" sz="1800" dirty="0"/>
+              <a:t>, 1 </a:t>
+            </a:r>
+            <a:r>
+              <a:rPr lang="nl-BE" sz="1800" dirty="0" err="1"/>
+              <a:t>year</a:t>
+            </a:r>
+            <a:r>
+              <a:rPr lang="nl-BE" sz="1800" dirty="0"/>
+              <a:t>:</a:t>
+            </a:r>
+          </a:p>
+          <a:p>
+            <a:pPr marL="0" indent="0">
+              <a:buNone/>
+            </a:pPr>
+            <a:endParaRPr lang="nl-BE" sz="1800" dirty="0"/>
+          </a:p>
+          <a:p>
+            <a:pPr marL="0" indent="0">
+              <a:buNone/>
+            </a:pPr>
+            <a:endParaRPr lang="nl-BE" sz="1800" dirty="0"/>
+          </a:p>
+          <a:p>
+            <a:pPr marL="0" indent="0">
+              <a:buNone/>
+            </a:pPr>
+            <a:endParaRPr lang="nl-BE" sz="1800" dirty="0"/>
+          </a:p>
+          <a:p>
+            <a:pPr marL="0" indent="0">
+              <a:buNone/>
+            </a:pPr>
+            <a:endParaRPr lang="nl-BE" sz="1800" dirty="0"/>
+          </a:p>
+          <a:p>
+            <a:pPr marL="0" indent="0">
+              <a:buNone/>
+            </a:pPr>
+            <a:endParaRPr lang="nl-BE" sz="1800" dirty="0"/>
+          </a:p>
+          <a:p>
+            <a:pPr marL="0" indent="0">
+              <a:buNone/>
+            </a:pPr>
+            <a:r>
+              <a:rPr lang="nl-BE" sz="1800" dirty="0" err="1"/>
+              <a:t>With</a:t>
+            </a:r>
+            <a:r>
+              <a:rPr lang="nl-BE" sz="1800" dirty="0"/>
+              <a:t> </a:t>
+            </a:r>
+            <a:r>
+              <a:rPr lang="nl-BE" sz="1800" dirty="0" err="1"/>
+              <a:t>exponential</a:t>
+            </a:r>
+            <a:r>
+              <a:rPr lang="nl-BE" sz="1800" dirty="0"/>
+              <a:t> </a:t>
+            </a:r>
+            <a:r>
+              <a:rPr lang="nl-BE" sz="1800" dirty="0" err="1"/>
+              <a:t>approximation</a:t>
+            </a:r>
+            <a:r>
+              <a:rPr lang="nl-BE" sz="1800" dirty="0"/>
+              <a:t> </a:t>
+            </a:r>
+            <a:r>
+              <a:rPr lang="nl-BE" sz="1800" dirty="0" err="1"/>
+              <a:t>for</a:t>
+            </a:r>
+            <a:r>
+              <a:rPr lang="nl-BE" sz="1800" dirty="0"/>
+              <a:t> </a:t>
+            </a:r>
+            <a:r>
+              <a:rPr lang="nl-BE" sz="1800" dirty="0" err="1"/>
+              <a:t>losses</a:t>
+            </a:r>
+            <a:r>
+              <a:rPr lang="nl-BE" sz="1800" dirty="0"/>
+              <a:t> </a:t>
+            </a:r>
+            <a:r>
+              <a:rPr lang="nl-BE" sz="1800" dirty="0" err="1"/>
+              <a:t>and</a:t>
+            </a:r>
+            <a:r>
+              <a:rPr lang="nl-BE" sz="1800" dirty="0"/>
+              <a:t> </a:t>
+            </a:r>
+            <a:r>
+              <a:rPr lang="nl-BE" sz="1800" dirty="0" err="1"/>
+              <a:t>inHyd</a:t>
+            </a:r>
+            <a:endParaRPr lang="nl-BE" sz="1800" dirty="0"/>
+          </a:p>
+        </p:txBody>
+      </p:sp>
+      <p:pic>
+        <p:nvPicPr>
+          <p:cNvPr id="5" name="Afbeelding 4">
+            <a:extLst>
+              <a:ext uri="{FF2B5EF4-FFF2-40B4-BE49-F238E27FC236}">
+                <a16:creationId xmlns:a16="http://schemas.microsoft.com/office/drawing/2014/main" id="{A9312803-6C70-4A93-8698-EE9B558E13E0}"/>
+              </a:ext>
+            </a:extLst>
+          </p:cNvPr>
+          <p:cNvPicPr>
+            <a:picLocks noChangeAspect="1"/>
+          </p:cNvPicPr>
+          <p:nvPr/>
+        </p:nvPicPr>
+        <p:blipFill>
+          <a:blip r:embed="rId2"/>
+          <a:stretch>
+            <a:fillRect/>
+          </a:stretch>
+        </p:blipFill>
+        <p:spPr>
+          <a:xfrm>
+            <a:off x="969818" y="4594658"/>
+            <a:ext cx="3048000" cy="2009775"/>
+          </a:xfrm>
+          <a:prstGeom prst="rect">
+            <a:avLst/>
+          </a:prstGeom>
+        </p:spPr>
+      </p:pic>
+      <p:pic>
+        <p:nvPicPr>
+          <p:cNvPr id="7" name="Afbeelding 6">
+            <a:extLst>
+              <a:ext uri="{FF2B5EF4-FFF2-40B4-BE49-F238E27FC236}">
+                <a16:creationId xmlns:a16="http://schemas.microsoft.com/office/drawing/2014/main" id="{D7A7D67C-2965-4C41-AFAA-016321D84154}"/>
+              </a:ext>
+            </a:extLst>
+          </p:cNvPr>
+          <p:cNvPicPr>
+            <a:picLocks noChangeAspect="1"/>
+          </p:cNvPicPr>
+          <p:nvPr/>
+        </p:nvPicPr>
+        <p:blipFill>
+          <a:blip r:embed="rId3"/>
+          <a:stretch>
+            <a:fillRect/>
+          </a:stretch>
+        </p:blipFill>
+        <p:spPr>
+          <a:xfrm>
+            <a:off x="1820740" y="2098796"/>
+            <a:ext cx="3028950" cy="2009775"/>
+          </a:xfrm>
+          <a:prstGeom prst="rect">
+            <a:avLst/>
+          </a:prstGeom>
+        </p:spPr>
+      </p:pic>
+      <p:sp>
+        <p:nvSpPr>
+          <p:cNvPr id="8" name="Tekstvak 7">
+            <a:extLst>
+              <a:ext uri="{FF2B5EF4-FFF2-40B4-BE49-F238E27FC236}">
+                <a16:creationId xmlns:a16="http://schemas.microsoft.com/office/drawing/2014/main" id="{36EBBF46-0EB2-4180-B5A8-4B3E99D8EE86}"/>
+              </a:ext>
+            </a:extLst>
+          </p:cNvPr>
+          <p:cNvSpPr txBox="1"/>
+          <p:nvPr/>
+        </p:nvSpPr>
+        <p:spPr>
+          <a:xfrm rot="669755">
+            <a:off x="6594747" y="3217985"/>
+            <a:ext cx="4392613" cy="369332"/>
+          </a:xfrm>
+          <a:prstGeom prst="rect">
+            <a:avLst/>
+          </a:prstGeom>
+          <a:noFill/>
+        </p:spPr>
+        <p:txBody>
+          <a:bodyPr wrap="none" rtlCol="0">
+            <a:spAutoFit/>
+          </a:bodyPr>
+          <a:lstStyle/>
+          <a:p>
+            <a:r>
+              <a:rPr lang="nl-BE" dirty="0">
+                <a:highlight>
+                  <a:srgbClr val="FFFF00"/>
+                </a:highlight>
+              </a:rPr>
+              <a:t>Lineair </a:t>
+            </a:r>
+            <a:r>
+              <a:rPr lang="nl-BE" dirty="0" err="1">
+                <a:highlight>
+                  <a:srgbClr val="FFFF00"/>
+                </a:highlight>
+              </a:rPr>
+              <a:t>approximation</a:t>
+            </a:r>
+            <a:r>
+              <a:rPr lang="nl-BE" dirty="0">
+                <a:highlight>
+                  <a:srgbClr val="FFFF00"/>
+                </a:highlight>
+              </a:rPr>
+              <a:t> is </a:t>
+            </a:r>
+            <a:r>
+              <a:rPr lang="nl-BE" dirty="0" err="1">
+                <a:highlight>
+                  <a:srgbClr val="FFFF00"/>
+                </a:highlight>
+              </a:rPr>
+              <a:t>better</a:t>
+            </a:r>
+            <a:r>
+              <a:rPr lang="nl-BE" dirty="0">
+                <a:highlight>
+                  <a:srgbClr val="FFFF00"/>
+                </a:highlight>
+              </a:rPr>
+              <a:t> </a:t>
+            </a:r>
+            <a:r>
+              <a:rPr lang="nl-BE" dirty="0" err="1">
+                <a:highlight>
+                  <a:srgbClr val="FFFF00"/>
+                </a:highlight>
+              </a:rPr>
+              <a:t>than</a:t>
+            </a:r>
+            <a:r>
+              <a:rPr lang="nl-BE" dirty="0">
+                <a:highlight>
+                  <a:srgbClr val="FFFF00"/>
+                </a:highlight>
+              </a:rPr>
+              <a:t> </a:t>
+            </a:r>
+            <a:r>
+              <a:rPr lang="nl-BE" dirty="0" err="1">
+                <a:highlight>
+                  <a:srgbClr val="FFFF00"/>
+                </a:highlight>
+              </a:rPr>
+              <a:t>expon</a:t>
+            </a:r>
+            <a:r>
+              <a:rPr lang="nl-BE">
+                <a:highlight>
+                  <a:srgbClr val="FFFF00"/>
+                </a:highlight>
+              </a:rPr>
+              <a:t>??</a:t>
+            </a:r>
+            <a:endParaRPr lang="nl-BE" dirty="0">
+              <a:highlight>
+                <a:srgbClr val="FFFF00"/>
+              </a:highlight>
+            </a:endParaRPr>
+          </a:p>
+        </p:txBody>
+      </p:sp>
+    </p:spTree>
+    <p:extLst>
+      <p:ext uri="{BB962C8B-B14F-4D97-AF65-F5344CB8AC3E}">
+        <p14:creationId xmlns:p14="http://schemas.microsoft.com/office/powerpoint/2010/main" val="2338026009"/>
+      </p:ext>
+    </p:extLst>
+  </p:cSld>
+  <p:clrMapOvr>
+    <a:masterClrMapping/>
+  </p:clrMapOvr>
+</p:sld>
+</file>
+
+<file path=ppt/slides/slide25.xml><?xml version="1.0" encoding="utf-8"?>
+<p:sld xmlns:a="http://schemas.openxmlformats.org/drawingml/2006/main" xmlns:r="http://schemas.openxmlformats.org/officeDocument/2006/relationships" xmlns:p="http://schemas.openxmlformats.org/presentationml/2006/main">
+  <p:cSld>
+    <p:spTree>
+      <p:nvGrpSpPr>
+        <p:cNvPr id="1" name=""/>
+        <p:cNvGrpSpPr/>
+        <p:nvPr/>
+      </p:nvGrpSpPr>
+      <p:grpSpPr>
+        <a:xfrm>
+          <a:off x="0" y="0"/>
+          <a:ext cx="0" cy="0"/>
+          <a:chOff x="0" y="0"/>
+          <a:chExt cx="0" cy="0"/>
+        </a:xfrm>
+      </p:grpSpPr>
+      <p:sp>
+        <p:nvSpPr>
+          <p:cNvPr id="2" name="Titel 1">
+            <a:extLst>
+              <a:ext uri="{FF2B5EF4-FFF2-40B4-BE49-F238E27FC236}">
+                <a16:creationId xmlns:a16="http://schemas.microsoft.com/office/drawing/2014/main" id="{475B5F49-17D4-4ACD-A9E9-1A5F4896BAAC}"/>
+              </a:ext>
+            </a:extLst>
+          </p:cNvPr>
+          <p:cNvSpPr>
+            <a:spLocks noGrp="1"/>
+          </p:cNvSpPr>
+          <p:nvPr>
+            <p:ph type="title"/>
+          </p:nvPr>
+        </p:nvSpPr>
+        <p:spPr/>
+        <p:txBody>
+          <a:bodyPr/>
+          <a:lstStyle/>
+          <a:p>
+            <a:r>
+              <a:rPr lang="nl-BE" dirty="0" err="1"/>
+              <a:t>Dynamic</a:t>
+            </a:r>
+            <a:r>
+              <a:rPr lang="nl-BE" dirty="0"/>
+              <a:t> </a:t>
+            </a:r>
+            <a:r>
+              <a:rPr lang="nl-BE" dirty="0" err="1"/>
+              <a:t>simulation</a:t>
+            </a:r>
+            <a:r>
+              <a:rPr lang="nl-BE" dirty="0"/>
+              <a:t> </a:t>
+            </a:r>
+            <a:r>
+              <a:rPr lang="nl-BE" dirty="0" err="1"/>
+              <a:t>with</a:t>
+            </a:r>
+            <a:r>
+              <a:rPr lang="nl-BE" dirty="0"/>
+              <a:t> constant </a:t>
+            </a:r>
+            <a:r>
+              <a:rPr lang="nl-BE" dirty="0" err="1"/>
+              <a:t>mass</a:t>
+            </a:r>
+            <a:r>
+              <a:rPr lang="nl-BE" dirty="0"/>
+              <a:t> flow</a:t>
+            </a:r>
+          </a:p>
+        </p:txBody>
+      </p:sp>
+      <p:sp>
+        <p:nvSpPr>
+          <p:cNvPr id="3" name="Tijdelijke aanduiding voor inhoud 2">
+            <a:extLst>
+              <a:ext uri="{FF2B5EF4-FFF2-40B4-BE49-F238E27FC236}">
+                <a16:creationId xmlns:a16="http://schemas.microsoft.com/office/drawing/2014/main" id="{B306A579-35FF-4378-9864-AFCCB52B17EB}"/>
+              </a:ext>
+            </a:extLst>
+          </p:cNvPr>
+          <p:cNvSpPr>
+            <a:spLocks noGrp="1"/>
+          </p:cNvSpPr>
+          <p:nvPr>
+            <p:ph idx="1"/>
+          </p:nvPr>
+        </p:nvSpPr>
+        <p:spPr>
+          <a:xfrm>
+            <a:off x="838200" y="1825624"/>
+            <a:ext cx="10515600" cy="4899025"/>
+          </a:xfrm>
+        </p:spPr>
+        <p:txBody>
+          <a:bodyPr>
+            <a:normAutofit/>
+          </a:bodyPr>
+          <a:lstStyle/>
+          <a:p>
+            <a:pPr marL="0" indent="0">
+              <a:buNone/>
+            </a:pPr>
+            <a:r>
+              <a:rPr lang="nl-BE" sz="1800" dirty="0"/>
+              <a:t>Error </a:t>
+            </a:r>
+            <a:r>
+              <a:rPr lang="nl-BE" sz="1800" dirty="0" err="1"/>
+              <a:t>dynamic</a:t>
+            </a:r>
+            <a:r>
+              <a:rPr lang="nl-BE" sz="1800" dirty="0"/>
+              <a:t> model </a:t>
+            </a:r>
+            <a:r>
+              <a:rPr lang="nl-BE" sz="1800" dirty="0" err="1"/>
+              <a:t>with</a:t>
+            </a:r>
+            <a:r>
+              <a:rPr lang="nl-BE" sz="1800" dirty="0"/>
+              <a:t> lineair </a:t>
+            </a:r>
+            <a:r>
+              <a:rPr lang="nl-BE" sz="1800" dirty="0" err="1"/>
+              <a:t>approximation</a:t>
+            </a:r>
+            <a:r>
+              <a:rPr lang="nl-BE" sz="1800" dirty="0"/>
+              <a:t> of </a:t>
+            </a:r>
+            <a:r>
+              <a:rPr lang="nl-BE" sz="1800" dirty="0" err="1"/>
+              <a:t>Tout</a:t>
+            </a:r>
+            <a:r>
+              <a:rPr lang="nl-BE" sz="1800" dirty="0"/>
+              <a:t> </a:t>
+            </a:r>
+            <a:r>
+              <a:rPr lang="nl-BE" sz="1800" dirty="0" err="1"/>
+              <a:t>for</a:t>
+            </a:r>
+            <a:r>
+              <a:rPr lang="nl-BE" sz="1800" dirty="0"/>
+              <a:t> </a:t>
+            </a:r>
+            <a:r>
+              <a:rPr lang="nl-BE" sz="1800" dirty="0" err="1"/>
+              <a:t>losses</a:t>
+            </a:r>
+            <a:r>
+              <a:rPr lang="nl-BE" sz="1800" dirty="0"/>
+              <a:t> </a:t>
+            </a:r>
+            <a:r>
+              <a:rPr lang="nl-BE" sz="1800" dirty="0" err="1"/>
+              <a:t>and</a:t>
+            </a:r>
+            <a:r>
+              <a:rPr lang="nl-BE" sz="1800" dirty="0"/>
+              <a:t> </a:t>
+            </a:r>
+            <a:r>
+              <a:rPr lang="nl-BE" sz="1800" dirty="0" err="1"/>
+              <a:t>inHyd</a:t>
+            </a:r>
+            <a:r>
+              <a:rPr lang="nl-BE" sz="1800" dirty="0"/>
+              <a:t>, 1 </a:t>
+            </a:r>
+            <a:r>
+              <a:rPr lang="nl-BE" sz="1800" dirty="0" err="1"/>
+              <a:t>year</a:t>
+            </a:r>
+            <a:r>
+              <a:rPr lang="nl-BE" sz="1800" dirty="0"/>
+              <a:t>:</a:t>
+            </a:r>
+          </a:p>
+          <a:p>
+            <a:pPr marL="0" indent="0">
+              <a:buNone/>
+            </a:pPr>
+            <a:endParaRPr lang="nl-BE" sz="1800" dirty="0"/>
+          </a:p>
+          <a:p>
+            <a:pPr marL="0" indent="0">
+              <a:buNone/>
+            </a:pPr>
+            <a:endParaRPr lang="nl-BE" sz="1800" dirty="0"/>
+          </a:p>
+          <a:p>
+            <a:pPr marL="0" indent="0">
+              <a:buNone/>
+            </a:pPr>
+            <a:endParaRPr lang="nl-BE" sz="1800" dirty="0"/>
+          </a:p>
+          <a:p>
+            <a:pPr marL="0" indent="0">
+              <a:buNone/>
+            </a:pPr>
+            <a:endParaRPr lang="nl-BE" sz="1800" dirty="0"/>
+          </a:p>
+          <a:p>
+            <a:pPr marL="0" indent="0">
+              <a:buNone/>
+            </a:pPr>
+            <a:endParaRPr lang="nl-BE" sz="1800" dirty="0"/>
+          </a:p>
+          <a:p>
+            <a:pPr marL="0" indent="0">
+              <a:buNone/>
+            </a:pPr>
+            <a:r>
+              <a:rPr lang="nl-BE" sz="1800" dirty="0" err="1"/>
+              <a:t>With</a:t>
+            </a:r>
+            <a:r>
+              <a:rPr lang="nl-BE" sz="1800" dirty="0"/>
+              <a:t> max </a:t>
+            </a:r>
+            <a:r>
+              <a:rPr lang="nl-BE" sz="1800" dirty="0" err="1"/>
+              <a:t>solar</a:t>
+            </a:r>
+            <a:r>
+              <a:rPr lang="nl-BE" sz="1800" dirty="0"/>
+              <a:t> </a:t>
+            </a:r>
+            <a:r>
+              <a:rPr lang="nl-BE" sz="1800" dirty="0" err="1"/>
+              <a:t>gains</a:t>
+            </a:r>
+            <a:r>
+              <a:rPr lang="nl-BE" sz="1800" dirty="0"/>
+              <a:t> (</a:t>
+            </a:r>
+            <a:r>
+              <a:rPr lang="nl-BE" sz="1800" dirty="0" err="1"/>
+              <a:t>to</a:t>
+            </a:r>
+            <a:r>
+              <a:rPr lang="nl-BE" sz="1800" dirty="0"/>
+              <a:t> collector) as </a:t>
+            </a:r>
+            <a:r>
+              <a:rPr lang="nl-BE" sz="1800" dirty="0" err="1"/>
+              <a:t>reference</a:t>
+            </a:r>
+            <a:r>
+              <a:rPr lang="nl-BE" sz="1800" dirty="0"/>
+              <a:t> </a:t>
+            </a:r>
+            <a:r>
+              <a:rPr lang="nl-BE" sz="1800" dirty="0" err="1"/>
+              <a:t>value</a:t>
+            </a:r>
+            <a:r>
+              <a:rPr lang="nl-BE" sz="1800" dirty="0"/>
+              <a:t> (</a:t>
+            </a:r>
+            <a:r>
+              <a:rPr lang="nl-BE" sz="1800" dirty="0" err="1"/>
+              <a:t>instead</a:t>
+            </a:r>
+            <a:r>
+              <a:rPr lang="nl-BE" sz="1800" dirty="0"/>
+              <a:t> of net energy </a:t>
+            </a:r>
+            <a:r>
+              <a:rPr lang="nl-BE" sz="1800" dirty="0" err="1"/>
+              <a:t>gain</a:t>
+            </a:r>
+            <a:r>
+              <a:rPr lang="nl-BE" sz="1800" dirty="0"/>
+              <a:t> of collector </a:t>
+            </a:r>
+            <a:r>
+              <a:rPr lang="nl-BE" sz="1800" dirty="0" err="1"/>
+              <a:t>fluid</a:t>
+            </a:r>
+            <a:r>
+              <a:rPr lang="nl-BE" sz="1800" dirty="0"/>
+              <a:t> in </a:t>
+            </a:r>
+            <a:r>
+              <a:rPr lang="nl-BE" sz="1800" dirty="0" err="1"/>
+              <a:t>each</a:t>
+            </a:r>
+            <a:r>
+              <a:rPr lang="nl-BE" sz="1800" dirty="0"/>
+              <a:t> timestep)</a:t>
+            </a:r>
+          </a:p>
+        </p:txBody>
+      </p:sp>
+      <p:pic>
+        <p:nvPicPr>
+          <p:cNvPr id="7" name="Afbeelding 6">
+            <a:extLst>
+              <a:ext uri="{FF2B5EF4-FFF2-40B4-BE49-F238E27FC236}">
+                <a16:creationId xmlns:a16="http://schemas.microsoft.com/office/drawing/2014/main" id="{D7A7D67C-2965-4C41-AFAA-016321D84154}"/>
+              </a:ext>
+            </a:extLst>
+          </p:cNvPr>
+          <p:cNvPicPr>
+            <a:picLocks noChangeAspect="1"/>
+          </p:cNvPicPr>
+          <p:nvPr/>
+        </p:nvPicPr>
+        <p:blipFill>
+          <a:blip r:embed="rId2"/>
+          <a:stretch>
+            <a:fillRect/>
+          </a:stretch>
+        </p:blipFill>
+        <p:spPr>
+          <a:xfrm>
+            <a:off x="1820740" y="2098796"/>
+            <a:ext cx="3028950" cy="2009775"/>
+          </a:xfrm>
+          <a:prstGeom prst="rect">
+            <a:avLst/>
+          </a:prstGeom>
+        </p:spPr>
+      </p:pic>
+      <p:pic>
+        <p:nvPicPr>
+          <p:cNvPr id="4" name="Afbeelding 3">
+            <a:extLst>
+              <a:ext uri="{FF2B5EF4-FFF2-40B4-BE49-F238E27FC236}">
+                <a16:creationId xmlns:a16="http://schemas.microsoft.com/office/drawing/2014/main" id="{A5702924-AAE8-4CA9-9D10-FA56B03543AE}"/>
+              </a:ext>
+            </a:extLst>
+          </p:cNvPr>
+          <p:cNvPicPr>
+            <a:picLocks noChangeAspect="1"/>
+          </p:cNvPicPr>
+          <p:nvPr/>
+        </p:nvPicPr>
+        <p:blipFill>
+          <a:blip r:embed="rId3"/>
+          <a:stretch>
+            <a:fillRect/>
+          </a:stretch>
+        </p:blipFill>
+        <p:spPr>
+          <a:xfrm>
+            <a:off x="2543319" y="4459347"/>
+            <a:ext cx="3133725" cy="1914525"/>
+          </a:xfrm>
+          <a:prstGeom prst="rect">
+            <a:avLst/>
+          </a:prstGeom>
+        </p:spPr>
+      </p:pic>
+    </p:spTree>
+    <p:extLst>
+      <p:ext uri="{BB962C8B-B14F-4D97-AF65-F5344CB8AC3E}">
+        <p14:creationId xmlns:p14="http://schemas.microsoft.com/office/powerpoint/2010/main" val="388889592"/>
+      </p:ext>
+    </p:extLst>
+  </p:cSld>
+  <p:clrMapOvr>
+    <a:masterClrMapping/>
+  </p:clrMapOvr>
+</p:sld>
+</file>
+
+<file path=ppt/slides/slide26.xml><?xml version="1.0" encoding="utf-8"?>
+<p:sld xmlns:a="http://schemas.openxmlformats.org/drawingml/2006/main" xmlns:r="http://schemas.openxmlformats.org/officeDocument/2006/relationships" xmlns:p="http://schemas.openxmlformats.org/presentationml/2006/main">
+  <p:cSld>
+    <p:spTree>
+      <p:nvGrpSpPr>
+        <p:cNvPr id="1" name=""/>
+        <p:cNvGrpSpPr/>
+        <p:nvPr/>
+      </p:nvGrpSpPr>
+      <p:grpSpPr>
+        <a:xfrm>
+          <a:off x="0" y="0"/>
+          <a:ext cx="0" cy="0"/>
+          <a:chOff x="0" y="0"/>
+          <a:chExt cx="0" cy="0"/>
+        </a:xfrm>
+      </p:grpSpPr>
+      <p:sp>
+        <p:nvSpPr>
+          <p:cNvPr id="2" name="Titel 1">
+            <a:extLst>
+              <a:ext uri="{FF2B5EF4-FFF2-40B4-BE49-F238E27FC236}">
+                <a16:creationId xmlns:a16="http://schemas.microsoft.com/office/drawing/2014/main" id="{475B5F49-17D4-4ACD-A9E9-1A5F4896BAAC}"/>
+              </a:ext>
+            </a:extLst>
+          </p:cNvPr>
+          <p:cNvSpPr>
+            <a:spLocks noGrp="1"/>
+          </p:cNvSpPr>
+          <p:nvPr>
+            <p:ph type="title"/>
+          </p:nvPr>
+        </p:nvSpPr>
+        <p:spPr/>
+        <p:txBody>
+          <a:bodyPr/>
+          <a:lstStyle/>
+          <a:p>
+            <a:r>
+              <a:rPr lang="nl-BE" dirty="0" err="1"/>
+              <a:t>Dynamic</a:t>
+            </a:r>
+            <a:r>
+              <a:rPr lang="nl-BE" dirty="0"/>
+              <a:t> </a:t>
+            </a:r>
+            <a:r>
+              <a:rPr lang="nl-BE" dirty="0" err="1"/>
+              <a:t>simulation</a:t>
+            </a:r>
+            <a:r>
+              <a:rPr lang="nl-BE" dirty="0"/>
+              <a:t> </a:t>
+            </a:r>
+            <a:r>
+              <a:rPr lang="nl-BE" dirty="0" err="1"/>
+              <a:t>with</a:t>
+            </a:r>
+            <a:r>
+              <a:rPr lang="nl-BE" dirty="0"/>
+              <a:t> constant </a:t>
+            </a:r>
+            <a:r>
+              <a:rPr lang="nl-BE" dirty="0" err="1"/>
+              <a:t>mass</a:t>
+            </a:r>
+            <a:r>
+              <a:rPr lang="nl-BE" dirty="0"/>
+              <a:t> flow</a:t>
+            </a:r>
+          </a:p>
+        </p:txBody>
+      </p:sp>
+      <p:sp>
+        <p:nvSpPr>
+          <p:cNvPr id="3" name="Tijdelijke aanduiding voor inhoud 2">
+            <a:extLst>
+              <a:ext uri="{FF2B5EF4-FFF2-40B4-BE49-F238E27FC236}">
+                <a16:creationId xmlns:a16="http://schemas.microsoft.com/office/drawing/2014/main" id="{B306A579-35FF-4378-9864-AFCCB52B17EB}"/>
+              </a:ext>
+            </a:extLst>
+          </p:cNvPr>
+          <p:cNvSpPr>
+            <a:spLocks noGrp="1"/>
+          </p:cNvSpPr>
+          <p:nvPr>
+            <p:ph idx="1"/>
+          </p:nvPr>
+        </p:nvSpPr>
+        <p:spPr>
+          <a:xfrm>
+            <a:off x="838200" y="1825624"/>
+            <a:ext cx="10515600" cy="4899025"/>
+          </a:xfrm>
+        </p:spPr>
+        <p:txBody>
+          <a:bodyPr>
+            <a:normAutofit/>
+          </a:bodyPr>
+          <a:lstStyle/>
+          <a:p>
+            <a:pPr marL="0" indent="0">
+              <a:buNone/>
+            </a:pPr>
+            <a:r>
+              <a:rPr lang="nl-BE" sz="1800" dirty="0" err="1"/>
+              <a:t>With</a:t>
+            </a:r>
+            <a:r>
+              <a:rPr lang="nl-BE" sz="1800" dirty="0"/>
+              <a:t> max </a:t>
+            </a:r>
+            <a:r>
+              <a:rPr lang="nl-BE" sz="1800" dirty="0" err="1"/>
+              <a:t>solar</a:t>
+            </a:r>
+            <a:r>
+              <a:rPr lang="nl-BE" sz="1800" dirty="0"/>
+              <a:t> </a:t>
+            </a:r>
+            <a:r>
+              <a:rPr lang="nl-BE" sz="1800" dirty="0" err="1"/>
+              <a:t>gains</a:t>
+            </a:r>
+            <a:r>
+              <a:rPr lang="nl-BE" sz="1800" dirty="0"/>
+              <a:t> (</a:t>
+            </a:r>
+            <a:r>
+              <a:rPr lang="nl-BE" sz="1800" dirty="0" err="1"/>
+              <a:t>to</a:t>
+            </a:r>
+            <a:r>
+              <a:rPr lang="nl-BE" sz="1800" dirty="0"/>
+              <a:t> collector) as </a:t>
+            </a:r>
+            <a:r>
+              <a:rPr lang="nl-BE" sz="1800" dirty="0" err="1"/>
+              <a:t>reference</a:t>
+            </a:r>
+            <a:r>
+              <a:rPr lang="nl-BE" sz="1800" dirty="0"/>
+              <a:t> </a:t>
+            </a:r>
+            <a:r>
+              <a:rPr lang="nl-BE" sz="1800" dirty="0" err="1"/>
+              <a:t>value</a:t>
+            </a:r>
+            <a:r>
+              <a:rPr lang="nl-BE" sz="1800" dirty="0"/>
+              <a:t> (</a:t>
+            </a:r>
+            <a:r>
+              <a:rPr lang="nl-BE" sz="1800" dirty="0" err="1"/>
+              <a:t>instead</a:t>
+            </a:r>
+            <a:r>
+              <a:rPr lang="nl-BE" sz="1800" dirty="0"/>
+              <a:t> of net energy </a:t>
+            </a:r>
+            <a:r>
+              <a:rPr lang="nl-BE" sz="1800" dirty="0" err="1"/>
+              <a:t>gain</a:t>
+            </a:r>
+            <a:r>
+              <a:rPr lang="nl-BE" sz="1800" dirty="0"/>
+              <a:t> of collector </a:t>
+            </a:r>
+            <a:r>
+              <a:rPr lang="nl-BE" sz="1800" dirty="0" err="1"/>
+              <a:t>fluid</a:t>
+            </a:r>
+            <a:r>
+              <a:rPr lang="nl-BE" sz="1800" dirty="0"/>
+              <a:t> in </a:t>
+            </a:r>
+            <a:r>
+              <a:rPr lang="nl-BE" sz="1800" dirty="0" err="1"/>
+              <a:t>each</a:t>
+            </a:r>
+            <a:r>
+              <a:rPr lang="nl-BE" sz="1800" dirty="0"/>
+              <a:t> timestep)</a:t>
+            </a:r>
+          </a:p>
+          <a:p>
+            <a:pPr marL="0" indent="0">
+              <a:buNone/>
+            </a:pPr>
+            <a:endParaRPr lang="nl-BE" sz="1800" dirty="0"/>
+          </a:p>
+          <a:p>
+            <a:pPr marL="0" indent="0">
+              <a:buNone/>
+            </a:pPr>
+            <a:endParaRPr lang="nl-BE" sz="1800" dirty="0"/>
+          </a:p>
+          <a:p>
+            <a:pPr marL="0" indent="0">
+              <a:buNone/>
+            </a:pPr>
+            <a:endParaRPr lang="nl-BE" sz="1800" dirty="0"/>
+          </a:p>
+          <a:p>
+            <a:pPr marL="0" indent="0">
+              <a:buNone/>
+            </a:pPr>
+            <a:endParaRPr lang="nl-BE" sz="1800" dirty="0"/>
+          </a:p>
+          <a:p>
+            <a:pPr marL="0" indent="0">
+              <a:buNone/>
+            </a:pPr>
+            <a:endParaRPr lang="nl-BE" sz="1800" dirty="0"/>
+          </a:p>
+          <a:p>
+            <a:pPr marL="0" indent="0">
+              <a:buNone/>
+            </a:pPr>
+            <a:r>
+              <a:rPr lang="nl-BE" sz="1800" dirty="0" err="1"/>
+              <a:t>With</a:t>
+            </a:r>
+            <a:r>
+              <a:rPr lang="nl-BE" sz="1800" dirty="0"/>
+              <a:t> </a:t>
+            </a:r>
+            <a:r>
+              <a:rPr lang="nl-BE" sz="1800" dirty="0" err="1"/>
+              <a:t>corrected</a:t>
+            </a:r>
+            <a:r>
+              <a:rPr lang="nl-BE" sz="1800" dirty="0"/>
+              <a:t> (??) lineair </a:t>
+            </a:r>
+            <a:r>
+              <a:rPr lang="nl-BE" sz="1800" dirty="0" err="1"/>
+              <a:t>approximation</a:t>
+            </a:r>
+            <a:r>
+              <a:rPr lang="nl-BE" sz="1800" dirty="0"/>
+              <a:t> </a:t>
+            </a:r>
+            <a:r>
+              <a:rPr lang="nl-BE" sz="1800" dirty="0" err="1"/>
+              <a:t>for</a:t>
+            </a:r>
+            <a:r>
+              <a:rPr lang="nl-BE" sz="1800" dirty="0"/>
+              <a:t> DT_0 &lt; 5  </a:t>
+            </a:r>
+          </a:p>
+        </p:txBody>
+      </p:sp>
+      <p:pic>
+        <p:nvPicPr>
+          <p:cNvPr id="4" name="Afbeelding 3">
+            <a:extLst>
+              <a:ext uri="{FF2B5EF4-FFF2-40B4-BE49-F238E27FC236}">
+                <a16:creationId xmlns:a16="http://schemas.microsoft.com/office/drawing/2014/main" id="{A5702924-AAE8-4CA9-9D10-FA56B03543AE}"/>
+              </a:ext>
+            </a:extLst>
+          </p:cNvPr>
+          <p:cNvPicPr>
+            <a:picLocks noChangeAspect="1"/>
+          </p:cNvPicPr>
+          <p:nvPr/>
+        </p:nvPicPr>
+        <p:blipFill>
+          <a:blip r:embed="rId2"/>
+          <a:stretch>
+            <a:fillRect/>
+          </a:stretch>
+        </p:blipFill>
+        <p:spPr>
+          <a:xfrm>
+            <a:off x="2094911" y="2190932"/>
+            <a:ext cx="3133725" cy="1914525"/>
+          </a:xfrm>
+          <a:prstGeom prst="rect">
+            <a:avLst/>
+          </a:prstGeom>
+        </p:spPr>
+      </p:pic>
+      <p:pic>
+        <p:nvPicPr>
+          <p:cNvPr id="5" name="Afbeelding 4">
+            <a:extLst>
+              <a:ext uri="{FF2B5EF4-FFF2-40B4-BE49-F238E27FC236}">
+                <a16:creationId xmlns:a16="http://schemas.microsoft.com/office/drawing/2014/main" id="{26FAFEB7-7554-42C4-A505-784C61DC5432}"/>
+              </a:ext>
+            </a:extLst>
+          </p:cNvPr>
+          <p:cNvPicPr>
+            <a:picLocks noChangeAspect="1"/>
+          </p:cNvPicPr>
+          <p:nvPr/>
+        </p:nvPicPr>
+        <p:blipFill>
+          <a:blip r:embed="rId3"/>
+          <a:stretch>
+            <a:fillRect/>
+          </a:stretch>
+        </p:blipFill>
+        <p:spPr>
+          <a:xfrm>
+            <a:off x="838200" y="4737434"/>
+            <a:ext cx="2669565" cy="1755441"/>
+          </a:xfrm>
+          <a:prstGeom prst="rect">
+            <a:avLst/>
+          </a:prstGeom>
+        </p:spPr>
+      </p:pic>
+      <p:pic>
+        <p:nvPicPr>
+          <p:cNvPr id="6" name="Afbeelding 5">
+            <a:extLst>
+              <a:ext uri="{FF2B5EF4-FFF2-40B4-BE49-F238E27FC236}">
+                <a16:creationId xmlns:a16="http://schemas.microsoft.com/office/drawing/2014/main" id="{8D2FB159-94BA-40AB-A5F1-AD4DB9C5777C}"/>
+              </a:ext>
+            </a:extLst>
+          </p:cNvPr>
+          <p:cNvPicPr>
+            <a:picLocks noChangeAspect="1"/>
+          </p:cNvPicPr>
+          <p:nvPr/>
+        </p:nvPicPr>
+        <p:blipFill>
+          <a:blip r:embed="rId4"/>
+          <a:stretch>
+            <a:fillRect/>
+          </a:stretch>
+        </p:blipFill>
+        <p:spPr>
+          <a:xfrm>
+            <a:off x="996326" y="6396181"/>
+            <a:ext cx="6434456" cy="425162"/>
+          </a:xfrm>
+          <a:prstGeom prst="rect">
+            <a:avLst/>
+          </a:prstGeom>
+        </p:spPr>
+      </p:pic>
+    </p:spTree>
+    <p:extLst>
+      <p:ext uri="{BB962C8B-B14F-4D97-AF65-F5344CB8AC3E}">
+        <p14:creationId xmlns:p14="http://schemas.microsoft.com/office/powerpoint/2010/main" val="3779480201"/>
+      </p:ext>
+    </p:extLst>
+  </p:cSld>
+  <p:clrMapOvr>
+    <a:masterClrMapping/>
+  </p:clrMapOvr>
+</p:sld>
+</file>
+
+<file path=ppt/slides/slide27.xml><?xml version="1.0" encoding="utf-8"?>
+<p:sld xmlns:a="http://schemas.openxmlformats.org/drawingml/2006/main" xmlns:r="http://schemas.openxmlformats.org/officeDocument/2006/relationships" xmlns:p="http://schemas.openxmlformats.org/presentationml/2006/main">
+  <p:cSld>
+    <p:spTree>
+      <p:nvGrpSpPr>
+        <p:cNvPr id="1" name=""/>
+        <p:cNvGrpSpPr/>
+        <p:nvPr/>
+      </p:nvGrpSpPr>
+      <p:grpSpPr>
+        <a:xfrm>
+          <a:off x="0" y="0"/>
+          <a:ext cx="0" cy="0"/>
+          <a:chOff x="0" y="0"/>
+          <a:chExt cx="0" cy="0"/>
+        </a:xfrm>
+      </p:grpSpPr>
+      <p:sp>
+        <p:nvSpPr>
+          <p:cNvPr id="2" name="Titel 1">
+            <a:extLst>
+              <a:ext uri="{FF2B5EF4-FFF2-40B4-BE49-F238E27FC236}">
+                <a16:creationId xmlns:a16="http://schemas.microsoft.com/office/drawing/2014/main" id="{475B5F49-17D4-4ACD-A9E9-1A5F4896BAAC}"/>
+              </a:ext>
+            </a:extLst>
+          </p:cNvPr>
+          <p:cNvSpPr>
+            <a:spLocks noGrp="1"/>
+          </p:cNvSpPr>
+          <p:nvPr>
+            <p:ph type="title"/>
+          </p:nvPr>
+        </p:nvSpPr>
+        <p:spPr/>
+        <p:txBody>
+          <a:bodyPr/>
+          <a:lstStyle/>
+          <a:p>
+            <a:r>
+              <a:rPr lang="nl-BE" dirty="0" err="1"/>
+              <a:t>Dynamic</a:t>
+            </a:r>
+            <a:r>
+              <a:rPr lang="nl-BE" dirty="0"/>
+              <a:t> </a:t>
+            </a:r>
+            <a:r>
+              <a:rPr lang="nl-BE" dirty="0" err="1"/>
+              <a:t>simulation</a:t>
+            </a:r>
+            <a:r>
+              <a:rPr lang="nl-BE" dirty="0"/>
+              <a:t> </a:t>
+            </a:r>
+            <a:r>
+              <a:rPr lang="nl-BE" dirty="0" err="1"/>
+              <a:t>with</a:t>
+            </a:r>
+            <a:r>
+              <a:rPr lang="nl-BE" dirty="0"/>
+              <a:t> constant </a:t>
+            </a:r>
+            <a:r>
+              <a:rPr lang="nl-BE" dirty="0" err="1"/>
+              <a:t>mass</a:t>
+            </a:r>
+            <a:r>
+              <a:rPr lang="nl-BE" dirty="0"/>
+              <a:t> flow</a:t>
+            </a:r>
+          </a:p>
+        </p:txBody>
+      </p:sp>
+      <p:sp>
+        <p:nvSpPr>
+          <p:cNvPr id="3" name="Tijdelijke aanduiding voor inhoud 2">
+            <a:extLst>
+              <a:ext uri="{FF2B5EF4-FFF2-40B4-BE49-F238E27FC236}">
+                <a16:creationId xmlns:a16="http://schemas.microsoft.com/office/drawing/2014/main" id="{B306A579-35FF-4378-9864-AFCCB52B17EB}"/>
+              </a:ext>
+            </a:extLst>
+          </p:cNvPr>
+          <p:cNvSpPr>
+            <a:spLocks noGrp="1"/>
+          </p:cNvSpPr>
+          <p:nvPr>
+            <p:ph idx="1"/>
+          </p:nvPr>
+        </p:nvSpPr>
+        <p:spPr>
+          <a:xfrm>
+            <a:off x="838200" y="1825624"/>
+            <a:ext cx="10515600" cy="4899025"/>
+          </a:xfrm>
+        </p:spPr>
+        <p:txBody>
+          <a:bodyPr>
+            <a:normAutofit/>
+          </a:bodyPr>
+          <a:lstStyle/>
+          <a:p>
+            <a:pPr marL="0" indent="0">
+              <a:buNone/>
+            </a:pPr>
+            <a:r>
+              <a:rPr lang="nl-BE" sz="1800" dirty="0" err="1"/>
+              <a:t>With</a:t>
+            </a:r>
+            <a:r>
+              <a:rPr lang="nl-BE" sz="1800" dirty="0"/>
+              <a:t> </a:t>
+            </a:r>
+            <a:r>
+              <a:rPr lang="nl-BE" sz="1800" dirty="0" err="1"/>
+              <a:t>corrected</a:t>
+            </a:r>
+            <a:r>
+              <a:rPr lang="nl-BE" sz="1800" dirty="0"/>
+              <a:t> (??) lineair </a:t>
+            </a:r>
+            <a:r>
+              <a:rPr lang="nl-BE" sz="1800" dirty="0" err="1"/>
+              <a:t>approximation</a:t>
+            </a:r>
+            <a:r>
+              <a:rPr lang="nl-BE" sz="1800" dirty="0"/>
+              <a:t> </a:t>
+            </a:r>
+            <a:r>
+              <a:rPr lang="nl-BE" sz="1800" dirty="0" err="1"/>
+              <a:t>for</a:t>
+            </a:r>
+            <a:r>
+              <a:rPr lang="nl-BE" sz="1800" dirty="0"/>
+              <a:t> DT_0 &lt; 5 </a:t>
+            </a:r>
+          </a:p>
+          <a:p>
+            <a:pPr marL="0" indent="0">
+              <a:buNone/>
+            </a:pPr>
+            <a:endParaRPr lang="nl-BE" sz="1800" dirty="0"/>
+          </a:p>
+          <a:p>
+            <a:pPr marL="0" indent="0">
+              <a:buNone/>
+            </a:pPr>
+            <a:endParaRPr lang="nl-BE" sz="1800" dirty="0"/>
+          </a:p>
+          <a:p>
+            <a:pPr marL="0" indent="0">
+              <a:buNone/>
+            </a:pPr>
+            <a:endParaRPr lang="nl-BE" sz="1800" dirty="0"/>
+          </a:p>
+          <a:p>
+            <a:pPr marL="0" indent="0">
+              <a:buNone/>
+            </a:pPr>
+            <a:endParaRPr lang="nl-BE" sz="1800" dirty="0"/>
+          </a:p>
+          <a:p>
+            <a:pPr marL="0" indent="0">
+              <a:buNone/>
+            </a:pPr>
+            <a:endParaRPr lang="nl-BE" sz="1800" dirty="0"/>
+          </a:p>
+          <a:p>
+            <a:pPr marL="0" indent="0">
+              <a:buNone/>
+            </a:pPr>
+            <a:endParaRPr lang="nl-BE" sz="1800" dirty="0"/>
+          </a:p>
+          <a:p>
+            <a:pPr marL="0" indent="0">
+              <a:buNone/>
+            </a:pPr>
+            <a:r>
+              <a:rPr lang="nl-BE" sz="1800" dirty="0" err="1"/>
+              <a:t>And</a:t>
+            </a:r>
+            <a:r>
+              <a:rPr lang="nl-BE" sz="1800" dirty="0"/>
+              <a:t> </a:t>
+            </a:r>
+            <a:r>
+              <a:rPr lang="nl-BE" sz="1800" dirty="0" err="1"/>
+              <a:t>with</a:t>
+            </a:r>
+            <a:r>
+              <a:rPr lang="nl-BE" sz="1800" dirty="0"/>
+              <a:t> </a:t>
+            </a:r>
+            <a:r>
+              <a:rPr lang="nl-BE" sz="1800" dirty="0" err="1"/>
+              <a:t>approximation</a:t>
+            </a:r>
+            <a:r>
+              <a:rPr lang="nl-BE" sz="1800" dirty="0"/>
+              <a:t> </a:t>
+            </a:r>
+            <a:r>
+              <a:rPr lang="nl-BE" sz="1800" dirty="0" err="1"/>
+              <a:t>for</a:t>
+            </a:r>
+            <a:r>
+              <a:rPr lang="nl-BE" sz="1800" dirty="0"/>
+              <a:t> </a:t>
+            </a:r>
+            <a:r>
+              <a:rPr lang="nl-BE" sz="1800" dirty="0" err="1"/>
+              <a:t>DT_mean</a:t>
+            </a:r>
+            <a:r>
+              <a:rPr lang="nl-BE" sz="1800" dirty="0"/>
+              <a:t> in </a:t>
+            </a:r>
+            <a:r>
+              <a:rPr lang="nl-BE" sz="1800" dirty="0" err="1"/>
+              <a:t>previous</a:t>
+            </a:r>
+            <a:r>
+              <a:rPr lang="nl-BE" sz="1800" dirty="0"/>
+              <a:t> </a:t>
+            </a:r>
+            <a:r>
+              <a:rPr lang="nl-BE" sz="1800" dirty="0" err="1"/>
+              <a:t>value</a:t>
+            </a:r>
+            <a:r>
+              <a:rPr lang="nl-BE" sz="1800" dirty="0"/>
+              <a:t> (</a:t>
+            </a:r>
+            <a:r>
+              <a:rPr lang="nl-BE" sz="1800" dirty="0" err="1"/>
+              <a:t>value</a:t>
+            </a:r>
+            <a:r>
+              <a:rPr lang="nl-BE" sz="1800" dirty="0"/>
+              <a:t> at </a:t>
+            </a:r>
+            <a:r>
+              <a:rPr lang="nl-BE" sz="1800" dirty="0" err="1"/>
+              <a:t>beginning</a:t>
+            </a:r>
+            <a:r>
+              <a:rPr lang="nl-BE" sz="1800" dirty="0"/>
+              <a:t> of timestep) </a:t>
+            </a:r>
+            <a:r>
+              <a:rPr lang="nl-BE" sz="1800" dirty="0" err="1"/>
+              <a:t>instead</a:t>
+            </a:r>
+            <a:r>
+              <a:rPr lang="nl-BE" sz="1800" dirty="0"/>
+              <a:t> of new </a:t>
+            </a:r>
+            <a:r>
+              <a:rPr lang="nl-BE" sz="1800" dirty="0" err="1"/>
+              <a:t>value</a:t>
+            </a:r>
+            <a:r>
+              <a:rPr lang="nl-BE" sz="1800" dirty="0"/>
+              <a:t> (at </a:t>
+            </a:r>
+            <a:r>
+              <a:rPr lang="nl-BE" sz="1800" dirty="0" err="1"/>
+              <a:t>the</a:t>
+            </a:r>
+            <a:r>
+              <a:rPr lang="nl-BE" sz="1800" dirty="0"/>
+              <a:t> end of timestep) -&gt; </a:t>
+            </a:r>
+            <a:r>
+              <a:rPr lang="nl-BE" sz="1800" dirty="0" err="1"/>
+              <a:t>should</a:t>
+            </a:r>
+            <a:r>
+              <a:rPr lang="nl-BE" sz="1800" dirty="0"/>
+              <a:t> </a:t>
+            </a:r>
+            <a:r>
+              <a:rPr lang="nl-BE" sz="1800" dirty="0" err="1"/>
+              <a:t>be</a:t>
+            </a:r>
+            <a:r>
+              <a:rPr lang="nl-BE" sz="1800" dirty="0"/>
+              <a:t> </a:t>
+            </a:r>
+            <a:r>
+              <a:rPr lang="nl-BE" sz="1800" dirty="0" err="1"/>
+              <a:t>better</a:t>
+            </a:r>
+            <a:r>
+              <a:rPr lang="nl-BE" sz="1800" dirty="0"/>
+              <a:t> in case DT_0&lt;5 </a:t>
+            </a:r>
+            <a:r>
+              <a:rPr lang="nl-BE" sz="1800" dirty="0" err="1"/>
+              <a:t>because</a:t>
+            </a:r>
+            <a:r>
+              <a:rPr lang="nl-BE" sz="1800" dirty="0"/>
+              <a:t> </a:t>
+            </a:r>
+            <a:r>
+              <a:rPr lang="nl-BE" sz="1800" dirty="0" err="1"/>
+              <a:t>approx</a:t>
+            </a:r>
+            <a:r>
+              <a:rPr lang="nl-BE" sz="1800" dirty="0"/>
+              <a:t> </a:t>
+            </a:r>
+            <a:r>
+              <a:rPr lang="nl-BE" sz="1800" dirty="0" err="1"/>
+              <a:t>there</a:t>
+            </a:r>
+            <a:r>
+              <a:rPr lang="nl-BE" sz="1800" dirty="0"/>
+              <a:t> is </a:t>
+            </a:r>
+            <a:r>
+              <a:rPr lang="nl-BE" sz="1800" dirty="0" err="1"/>
+              <a:t>also</a:t>
+            </a:r>
+            <a:r>
+              <a:rPr lang="nl-BE" sz="1800" dirty="0"/>
+              <a:t> in </a:t>
+            </a:r>
+            <a:r>
+              <a:rPr lang="nl-BE" sz="1800" dirty="0" err="1"/>
+              <a:t>previous</a:t>
+            </a:r>
+            <a:r>
+              <a:rPr lang="nl-BE" sz="1800" dirty="0"/>
+              <a:t> </a:t>
+            </a:r>
+            <a:r>
+              <a:rPr lang="nl-BE" sz="1800" dirty="0" err="1"/>
+              <a:t>value</a:t>
+            </a:r>
+            <a:r>
+              <a:rPr lang="nl-BE" sz="1800" dirty="0"/>
+              <a:t> </a:t>
+            </a:r>
+          </a:p>
+        </p:txBody>
+      </p:sp>
+      <p:pic>
+        <p:nvPicPr>
+          <p:cNvPr id="5" name="Afbeelding 4">
+            <a:extLst>
+              <a:ext uri="{FF2B5EF4-FFF2-40B4-BE49-F238E27FC236}">
+                <a16:creationId xmlns:a16="http://schemas.microsoft.com/office/drawing/2014/main" id="{26FAFEB7-7554-42C4-A505-784C61DC5432}"/>
+              </a:ext>
+            </a:extLst>
+          </p:cNvPr>
+          <p:cNvPicPr>
+            <a:picLocks noChangeAspect="1"/>
+          </p:cNvPicPr>
+          <p:nvPr/>
+        </p:nvPicPr>
+        <p:blipFill>
+          <a:blip r:embed="rId2"/>
+          <a:stretch>
+            <a:fillRect/>
+          </a:stretch>
+        </p:blipFill>
+        <p:spPr>
+          <a:xfrm>
+            <a:off x="996326" y="2284380"/>
+            <a:ext cx="2669565" cy="1755441"/>
+          </a:xfrm>
+          <a:prstGeom prst="rect">
+            <a:avLst/>
+          </a:prstGeom>
+        </p:spPr>
+      </p:pic>
+      <p:pic>
+        <p:nvPicPr>
+          <p:cNvPr id="6" name="Afbeelding 5">
+            <a:extLst>
+              <a:ext uri="{FF2B5EF4-FFF2-40B4-BE49-F238E27FC236}">
+                <a16:creationId xmlns:a16="http://schemas.microsoft.com/office/drawing/2014/main" id="{8D2FB159-94BA-40AB-A5F1-AD4DB9C5777C}"/>
+              </a:ext>
+            </a:extLst>
+          </p:cNvPr>
+          <p:cNvPicPr>
+            <a:picLocks noChangeAspect="1"/>
+          </p:cNvPicPr>
+          <p:nvPr/>
+        </p:nvPicPr>
+        <p:blipFill>
+          <a:blip r:embed="rId3"/>
+          <a:stretch>
+            <a:fillRect/>
+          </a:stretch>
+        </p:blipFill>
+        <p:spPr>
+          <a:xfrm>
+            <a:off x="3968262" y="2486634"/>
+            <a:ext cx="6434456" cy="425162"/>
+          </a:xfrm>
+          <a:prstGeom prst="rect">
+            <a:avLst/>
+          </a:prstGeom>
+        </p:spPr>
+      </p:pic>
+      <p:pic>
+        <p:nvPicPr>
+          <p:cNvPr id="7" name="Afbeelding 6">
+            <a:extLst>
+              <a:ext uri="{FF2B5EF4-FFF2-40B4-BE49-F238E27FC236}">
+                <a16:creationId xmlns:a16="http://schemas.microsoft.com/office/drawing/2014/main" id="{DA6BF142-E263-469C-8D11-93DFD13F663E}"/>
+              </a:ext>
+            </a:extLst>
+          </p:cNvPr>
+          <p:cNvPicPr>
+            <a:picLocks noChangeAspect="1"/>
+          </p:cNvPicPr>
+          <p:nvPr/>
+        </p:nvPicPr>
+        <p:blipFill>
+          <a:blip r:embed="rId4"/>
+          <a:stretch>
+            <a:fillRect/>
+          </a:stretch>
+        </p:blipFill>
+        <p:spPr>
+          <a:xfrm>
+            <a:off x="930563" y="5061384"/>
+            <a:ext cx="2575691" cy="1551854"/>
+          </a:xfrm>
+          <a:prstGeom prst="rect">
+            <a:avLst/>
+          </a:prstGeom>
+        </p:spPr>
+      </p:pic>
+    </p:spTree>
+    <p:extLst>
+      <p:ext uri="{BB962C8B-B14F-4D97-AF65-F5344CB8AC3E}">
+        <p14:creationId xmlns:p14="http://schemas.microsoft.com/office/powerpoint/2010/main" val="3303382453"/>
+      </p:ext>
+    </p:extLst>
+  </p:cSld>
+  <p:clrMapOvr>
+    <a:masterClrMapping/>
+  </p:clrMapOvr>
+</p:sld>
+</file>
+
+<file path=ppt/slides/slide28.xml><?xml version="1.0" encoding="utf-8"?>
+<p:sld xmlns:a="http://schemas.openxmlformats.org/drawingml/2006/main" xmlns:r="http://schemas.openxmlformats.org/officeDocument/2006/relationships" xmlns:p="http://schemas.openxmlformats.org/presentationml/2006/main">
+  <p:cSld>
+    <p:spTree>
+      <p:nvGrpSpPr>
+        <p:cNvPr id="1" name=""/>
+        <p:cNvGrpSpPr/>
+        <p:nvPr/>
+      </p:nvGrpSpPr>
+      <p:grpSpPr>
+        <a:xfrm>
+          <a:off x="0" y="0"/>
+          <a:ext cx="0" cy="0"/>
+          <a:chOff x="0" y="0"/>
+          <a:chExt cx="0" cy="0"/>
+        </a:xfrm>
+      </p:grpSpPr>
+      <p:sp>
+        <p:nvSpPr>
+          <p:cNvPr id="2" name="Titel 1">
+            <a:extLst>
+              <a:ext uri="{FF2B5EF4-FFF2-40B4-BE49-F238E27FC236}">
+                <a16:creationId xmlns:a16="http://schemas.microsoft.com/office/drawing/2014/main" id="{475B5F49-17D4-4ACD-A9E9-1A5F4896BAAC}"/>
+              </a:ext>
+            </a:extLst>
+          </p:cNvPr>
+          <p:cNvSpPr>
+            <a:spLocks noGrp="1"/>
+          </p:cNvSpPr>
+          <p:nvPr>
+            <p:ph type="title"/>
+          </p:nvPr>
+        </p:nvSpPr>
+        <p:spPr/>
+        <p:txBody>
+          <a:bodyPr/>
+          <a:lstStyle/>
+          <a:p>
+            <a:r>
+              <a:rPr lang="nl-BE" dirty="0" err="1"/>
+              <a:t>Dynamic</a:t>
+            </a:r>
+            <a:r>
+              <a:rPr lang="nl-BE" dirty="0"/>
+              <a:t> </a:t>
+            </a:r>
+            <a:r>
+              <a:rPr lang="nl-BE" dirty="0" err="1"/>
+              <a:t>simulation</a:t>
+            </a:r>
+            <a:r>
+              <a:rPr lang="nl-BE" dirty="0"/>
+              <a:t> </a:t>
+            </a:r>
+            <a:r>
+              <a:rPr lang="nl-BE" dirty="0" err="1"/>
+              <a:t>with</a:t>
+            </a:r>
+            <a:r>
+              <a:rPr lang="nl-BE" dirty="0"/>
+              <a:t> constant </a:t>
+            </a:r>
+            <a:r>
+              <a:rPr lang="nl-BE" dirty="0" err="1"/>
+              <a:t>mass</a:t>
+            </a:r>
+            <a:r>
+              <a:rPr lang="nl-BE" dirty="0"/>
+              <a:t> flow</a:t>
+            </a:r>
+          </a:p>
+        </p:txBody>
+      </p:sp>
+      <p:sp>
+        <p:nvSpPr>
+          <p:cNvPr id="3" name="Tijdelijke aanduiding voor inhoud 2">
+            <a:extLst>
+              <a:ext uri="{FF2B5EF4-FFF2-40B4-BE49-F238E27FC236}">
+                <a16:creationId xmlns:a16="http://schemas.microsoft.com/office/drawing/2014/main" id="{B306A579-35FF-4378-9864-AFCCB52B17EB}"/>
+              </a:ext>
+            </a:extLst>
+          </p:cNvPr>
+          <p:cNvSpPr>
+            <a:spLocks noGrp="1"/>
+          </p:cNvSpPr>
+          <p:nvPr>
+            <p:ph idx="1"/>
+          </p:nvPr>
+        </p:nvSpPr>
+        <p:spPr>
+          <a:xfrm>
+            <a:off x="838200" y="1825624"/>
+            <a:ext cx="10515600" cy="4899025"/>
+          </a:xfrm>
+        </p:spPr>
+        <p:txBody>
+          <a:bodyPr>
+            <a:normAutofit/>
+          </a:bodyPr>
+          <a:lstStyle/>
+          <a:p>
+            <a:pPr marL="0" indent="0">
+              <a:buNone/>
+            </a:pPr>
+            <a:r>
+              <a:rPr lang="nl-BE" sz="1800" dirty="0" err="1"/>
+              <a:t>And</a:t>
+            </a:r>
+            <a:r>
+              <a:rPr lang="nl-BE" sz="1800" dirty="0"/>
+              <a:t> </a:t>
+            </a:r>
+            <a:r>
+              <a:rPr lang="nl-BE" sz="1800" dirty="0" err="1"/>
+              <a:t>with</a:t>
+            </a:r>
+            <a:r>
+              <a:rPr lang="nl-BE" sz="1800" dirty="0"/>
+              <a:t> </a:t>
+            </a:r>
+            <a:r>
+              <a:rPr lang="nl-BE" sz="1800" dirty="0" err="1"/>
+              <a:t>approximation</a:t>
+            </a:r>
+            <a:r>
+              <a:rPr lang="nl-BE" sz="1800" dirty="0"/>
+              <a:t> </a:t>
+            </a:r>
+            <a:r>
+              <a:rPr lang="nl-BE" sz="1800" dirty="0" err="1"/>
+              <a:t>for</a:t>
+            </a:r>
+            <a:r>
+              <a:rPr lang="nl-BE" sz="1800" dirty="0"/>
+              <a:t> </a:t>
+            </a:r>
+            <a:r>
+              <a:rPr lang="nl-BE" sz="1800" dirty="0" err="1"/>
+              <a:t>DT_mean</a:t>
+            </a:r>
+            <a:r>
+              <a:rPr lang="nl-BE" sz="1800" dirty="0"/>
+              <a:t> in </a:t>
+            </a:r>
+            <a:r>
+              <a:rPr lang="nl-BE" sz="1800" dirty="0" err="1"/>
+              <a:t>previous</a:t>
+            </a:r>
+            <a:r>
+              <a:rPr lang="nl-BE" sz="1800" dirty="0"/>
+              <a:t> </a:t>
+            </a:r>
+            <a:r>
+              <a:rPr lang="nl-BE" sz="1800" dirty="0" err="1"/>
+              <a:t>value</a:t>
+            </a:r>
+            <a:r>
+              <a:rPr lang="nl-BE" sz="1800" dirty="0"/>
+              <a:t> (</a:t>
+            </a:r>
+            <a:r>
+              <a:rPr lang="nl-BE" sz="1800" dirty="0" err="1"/>
+              <a:t>value</a:t>
+            </a:r>
+            <a:r>
+              <a:rPr lang="nl-BE" sz="1800" dirty="0"/>
+              <a:t> at </a:t>
+            </a:r>
+            <a:r>
+              <a:rPr lang="nl-BE" sz="1800" dirty="0" err="1"/>
+              <a:t>beginning</a:t>
+            </a:r>
+            <a:r>
+              <a:rPr lang="nl-BE" sz="1800" dirty="0"/>
+              <a:t> of timestep) </a:t>
+            </a:r>
+            <a:r>
+              <a:rPr lang="nl-BE" sz="1800" dirty="0" err="1"/>
+              <a:t>instead</a:t>
+            </a:r>
+            <a:r>
+              <a:rPr lang="nl-BE" sz="1800" dirty="0"/>
+              <a:t> of new </a:t>
+            </a:r>
+            <a:r>
+              <a:rPr lang="nl-BE" sz="1800" dirty="0" err="1"/>
+              <a:t>value</a:t>
+            </a:r>
+            <a:r>
+              <a:rPr lang="nl-BE" sz="1800" dirty="0"/>
+              <a:t> (at </a:t>
+            </a:r>
+            <a:r>
+              <a:rPr lang="nl-BE" sz="1800" dirty="0" err="1"/>
+              <a:t>the</a:t>
+            </a:r>
+            <a:r>
+              <a:rPr lang="nl-BE" sz="1800" dirty="0"/>
+              <a:t> end of timestep) -&gt; </a:t>
+            </a:r>
+            <a:r>
+              <a:rPr lang="nl-BE" sz="1800" dirty="0" err="1"/>
+              <a:t>should</a:t>
+            </a:r>
+            <a:r>
+              <a:rPr lang="nl-BE" sz="1800" dirty="0"/>
+              <a:t> </a:t>
+            </a:r>
+            <a:r>
+              <a:rPr lang="nl-BE" sz="1800" dirty="0" err="1"/>
+              <a:t>be</a:t>
+            </a:r>
+            <a:r>
+              <a:rPr lang="nl-BE" sz="1800" dirty="0"/>
+              <a:t> </a:t>
+            </a:r>
+            <a:r>
+              <a:rPr lang="nl-BE" sz="1800" dirty="0" err="1"/>
+              <a:t>better</a:t>
+            </a:r>
+            <a:r>
+              <a:rPr lang="nl-BE" sz="1800" dirty="0"/>
+              <a:t> in case DT_0&lt;5 </a:t>
+            </a:r>
+            <a:r>
+              <a:rPr lang="nl-BE" sz="1800" dirty="0" err="1"/>
+              <a:t>because</a:t>
+            </a:r>
+            <a:r>
+              <a:rPr lang="nl-BE" sz="1800" dirty="0"/>
+              <a:t> </a:t>
+            </a:r>
+            <a:r>
+              <a:rPr lang="nl-BE" sz="1800" dirty="0" err="1"/>
+              <a:t>approx</a:t>
+            </a:r>
+            <a:r>
+              <a:rPr lang="nl-BE" sz="1800" dirty="0"/>
+              <a:t> </a:t>
+            </a:r>
+            <a:r>
+              <a:rPr lang="nl-BE" sz="1800" dirty="0" err="1"/>
+              <a:t>there</a:t>
+            </a:r>
+            <a:r>
+              <a:rPr lang="nl-BE" sz="1800" dirty="0"/>
+              <a:t> is </a:t>
+            </a:r>
+            <a:r>
+              <a:rPr lang="nl-BE" sz="1800" dirty="0" err="1"/>
+              <a:t>also</a:t>
+            </a:r>
+            <a:r>
+              <a:rPr lang="nl-BE" sz="1800" dirty="0"/>
+              <a:t> in </a:t>
+            </a:r>
+            <a:r>
+              <a:rPr lang="nl-BE" sz="1800" dirty="0" err="1"/>
+              <a:t>previous</a:t>
+            </a:r>
+            <a:r>
+              <a:rPr lang="nl-BE" sz="1800" dirty="0"/>
+              <a:t> </a:t>
+            </a:r>
+            <a:r>
+              <a:rPr lang="nl-BE" sz="1800" dirty="0" err="1"/>
+              <a:t>value</a:t>
+            </a:r>
+            <a:r>
+              <a:rPr lang="nl-BE" sz="1800" dirty="0"/>
+              <a:t> </a:t>
+            </a:r>
+          </a:p>
+          <a:p>
+            <a:pPr marL="0" indent="0">
+              <a:buNone/>
+            </a:pPr>
+            <a:endParaRPr lang="nl-BE" sz="1800" dirty="0"/>
+          </a:p>
+          <a:p>
+            <a:pPr marL="0" indent="0">
+              <a:buNone/>
+            </a:pPr>
+            <a:endParaRPr lang="nl-BE" sz="1800" dirty="0"/>
+          </a:p>
+          <a:p>
+            <a:pPr marL="0" indent="0">
+              <a:buNone/>
+            </a:pPr>
+            <a:endParaRPr lang="nl-BE" sz="1800" dirty="0"/>
+          </a:p>
+          <a:p>
+            <a:pPr marL="0" indent="0">
+              <a:buNone/>
+            </a:pPr>
+            <a:endParaRPr lang="nl-BE" sz="1800" dirty="0"/>
+          </a:p>
+          <a:p>
+            <a:pPr marL="0" indent="0">
+              <a:buNone/>
+            </a:pPr>
+            <a:endParaRPr lang="nl-BE" sz="1600" dirty="0"/>
+          </a:p>
+          <a:p>
+            <a:pPr marL="0" indent="0">
+              <a:buNone/>
+            </a:pPr>
+            <a:r>
+              <a:rPr lang="nl-BE" sz="1600" dirty="0" err="1">
+                <a:highlight>
+                  <a:srgbClr val="FFFF00"/>
+                </a:highlight>
+              </a:rPr>
+              <a:t>With</a:t>
+            </a:r>
+            <a:r>
+              <a:rPr lang="nl-BE" sz="1600" dirty="0">
+                <a:highlight>
+                  <a:srgbClr val="FFFF00"/>
+                </a:highlight>
+              </a:rPr>
+              <a:t> </a:t>
+            </a:r>
+            <a:r>
+              <a:rPr lang="nl-BE" sz="1600" dirty="0" err="1">
+                <a:highlight>
+                  <a:srgbClr val="FFFF00"/>
+                </a:highlight>
+              </a:rPr>
+              <a:t>always</a:t>
+            </a:r>
+            <a:r>
+              <a:rPr lang="nl-BE" sz="1600" dirty="0">
+                <a:highlight>
+                  <a:srgbClr val="FFFF00"/>
+                </a:highlight>
+              </a:rPr>
+              <a:t> lineair </a:t>
+            </a:r>
+            <a:r>
+              <a:rPr lang="nl-BE" sz="1600" dirty="0" err="1">
+                <a:highlight>
+                  <a:srgbClr val="FFFF00"/>
+                </a:highlight>
+              </a:rPr>
+              <a:t>approximation</a:t>
+            </a:r>
+            <a:r>
+              <a:rPr lang="nl-BE" sz="1600" dirty="0">
+                <a:highlight>
+                  <a:srgbClr val="FFFF00"/>
+                </a:highlight>
+              </a:rPr>
+              <a:t> of </a:t>
+            </a:r>
+            <a:r>
+              <a:rPr lang="nl-BE" sz="1600" dirty="0" err="1">
+                <a:highlight>
+                  <a:srgbClr val="FFFF00"/>
+                </a:highlight>
+              </a:rPr>
+              <a:t>losses</a:t>
+            </a:r>
+            <a:r>
+              <a:rPr lang="nl-BE" sz="1600" dirty="0">
+                <a:highlight>
+                  <a:srgbClr val="FFFF00"/>
+                </a:highlight>
+              </a:rPr>
+              <a:t>, independent of DT_0 (</a:t>
+            </a:r>
+            <a:r>
+              <a:rPr lang="nl-BE" sz="1600" dirty="0" err="1">
+                <a:highlight>
+                  <a:srgbClr val="FFFF00"/>
+                </a:highlight>
+              </a:rPr>
+              <a:t>so</a:t>
+            </a:r>
+            <a:r>
+              <a:rPr lang="nl-BE" sz="1600" dirty="0">
+                <a:highlight>
+                  <a:srgbClr val="FFFF00"/>
+                </a:highlight>
+              </a:rPr>
+              <a:t> </a:t>
+            </a:r>
+            <a:r>
+              <a:rPr lang="nl-BE" sz="1600" dirty="0" err="1">
+                <a:highlight>
+                  <a:srgbClr val="FFFF00"/>
+                </a:highlight>
+              </a:rPr>
+              <a:t>errors</a:t>
+            </a:r>
+            <a:r>
+              <a:rPr lang="nl-BE" sz="1600" dirty="0">
+                <a:highlight>
+                  <a:srgbClr val="FFFF00"/>
+                </a:highlight>
+              </a:rPr>
+              <a:t> on energy </a:t>
+            </a:r>
+            <a:r>
+              <a:rPr lang="nl-BE" sz="1600" dirty="0" err="1">
+                <a:highlight>
+                  <a:srgbClr val="FFFF00"/>
+                </a:highlight>
+              </a:rPr>
+              <a:t>balance</a:t>
+            </a:r>
+            <a:r>
+              <a:rPr lang="nl-BE" sz="1600" dirty="0">
+                <a:highlight>
+                  <a:srgbClr val="FFFF00"/>
+                </a:highlight>
+              </a:rPr>
+              <a:t> </a:t>
+            </a:r>
+            <a:r>
+              <a:rPr lang="nl-BE" sz="1600" dirty="0" err="1">
+                <a:highlight>
+                  <a:srgbClr val="FFFF00"/>
+                </a:highlight>
+              </a:rPr>
+              <a:t>should</a:t>
+            </a:r>
+            <a:r>
+              <a:rPr lang="nl-BE" sz="1600" dirty="0">
+                <a:highlight>
+                  <a:srgbClr val="FFFF00"/>
+                </a:highlight>
+              </a:rPr>
+              <a:t> </a:t>
+            </a:r>
+            <a:r>
+              <a:rPr lang="nl-BE" sz="1600" dirty="0" err="1">
+                <a:highlight>
+                  <a:srgbClr val="FFFF00"/>
+                </a:highlight>
+              </a:rPr>
+              <a:t>be</a:t>
+            </a:r>
+            <a:r>
+              <a:rPr lang="nl-BE" sz="1600" dirty="0">
+                <a:highlight>
+                  <a:srgbClr val="FFFF00"/>
+                </a:highlight>
+              </a:rPr>
+              <a:t> small)</a:t>
+            </a:r>
+          </a:p>
+        </p:txBody>
+      </p:sp>
+      <p:pic>
+        <p:nvPicPr>
+          <p:cNvPr id="7" name="Afbeelding 6">
+            <a:extLst>
+              <a:ext uri="{FF2B5EF4-FFF2-40B4-BE49-F238E27FC236}">
+                <a16:creationId xmlns:a16="http://schemas.microsoft.com/office/drawing/2014/main" id="{DA6BF142-E263-469C-8D11-93DFD13F663E}"/>
+              </a:ext>
+            </a:extLst>
+          </p:cNvPr>
+          <p:cNvPicPr>
+            <a:picLocks noChangeAspect="1"/>
+          </p:cNvPicPr>
+          <p:nvPr/>
+        </p:nvPicPr>
+        <p:blipFill>
+          <a:blip r:embed="rId2"/>
+          <a:stretch>
+            <a:fillRect/>
+          </a:stretch>
+        </p:blipFill>
+        <p:spPr>
+          <a:xfrm>
+            <a:off x="983317" y="2458861"/>
+            <a:ext cx="2575691" cy="1551854"/>
+          </a:xfrm>
+          <a:prstGeom prst="rect">
+            <a:avLst/>
+          </a:prstGeom>
+        </p:spPr>
+      </p:pic>
+      <p:pic>
+        <p:nvPicPr>
+          <p:cNvPr id="4" name="Afbeelding 3">
+            <a:extLst>
+              <a:ext uri="{FF2B5EF4-FFF2-40B4-BE49-F238E27FC236}">
+                <a16:creationId xmlns:a16="http://schemas.microsoft.com/office/drawing/2014/main" id="{E55953D8-3D7B-493B-B29C-C1130AB166C1}"/>
+              </a:ext>
+            </a:extLst>
+          </p:cNvPr>
+          <p:cNvPicPr>
+            <a:picLocks noChangeAspect="1"/>
+          </p:cNvPicPr>
+          <p:nvPr/>
+        </p:nvPicPr>
+        <p:blipFill>
+          <a:blip r:embed="rId3"/>
+          <a:stretch>
+            <a:fillRect/>
+          </a:stretch>
+        </p:blipFill>
+        <p:spPr>
+          <a:xfrm>
+            <a:off x="912456" y="4643952"/>
+            <a:ext cx="2677269" cy="1953683"/>
+          </a:xfrm>
+          <a:prstGeom prst="rect">
+            <a:avLst/>
+          </a:prstGeom>
+        </p:spPr>
+      </p:pic>
+      <p:sp>
+        <p:nvSpPr>
+          <p:cNvPr id="8" name="Tekstvak 7">
+            <a:extLst>
+              <a:ext uri="{FF2B5EF4-FFF2-40B4-BE49-F238E27FC236}">
+                <a16:creationId xmlns:a16="http://schemas.microsoft.com/office/drawing/2014/main" id="{AB70750B-4667-4C42-A544-A10605732D07}"/>
+              </a:ext>
+            </a:extLst>
+          </p:cNvPr>
+          <p:cNvSpPr txBox="1"/>
+          <p:nvPr/>
+        </p:nvSpPr>
+        <p:spPr>
+          <a:xfrm>
+            <a:off x="4562764" y="5620793"/>
+            <a:ext cx="532518" cy="369332"/>
+          </a:xfrm>
+          <a:prstGeom prst="rect">
+            <a:avLst/>
+          </a:prstGeom>
+          <a:noFill/>
+        </p:spPr>
+        <p:txBody>
+          <a:bodyPr wrap="none" rtlCol="0">
+            <a:spAutoFit/>
+          </a:bodyPr>
+          <a:lstStyle/>
+          <a:p>
+            <a:r>
+              <a:rPr lang="nl-BE" dirty="0">
+                <a:solidFill>
+                  <a:srgbClr val="FF0000"/>
+                </a:solidFill>
+              </a:rPr>
+              <a:t>OK!</a:t>
+            </a:r>
+          </a:p>
+        </p:txBody>
+      </p:sp>
+      <p:sp>
+        <p:nvSpPr>
+          <p:cNvPr id="9" name="Tekstvak 8">
+            <a:extLst>
+              <a:ext uri="{FF2B5EF4-FFF2-40B4-BE49-F238E27FC236}">
+                <a16:creationId xmlns:a16="http://schemas.microsoft.com/office/drawing/2014/main" id="{77AD8D9F-121E-4B93-8763-9612E825C182}"/>
+              </a:ext>
+            </a:extLst>
+          </p:cNvPr>
+          <p:cNvSpPr txBox="1"/>
+          <p:nvPr/>
+        </p:nvSpPr>
+        <p:spPr>
+          <a:xfrm>
+            <a:off x="4751011" y="2911622"/>
+            <a:ext cx="5025735" cy="646331"/>
+          </a:xfrm>
+          <a:prstGeom prst="rect">
+            <a:avLst/>
+          </a:prstGeom>
+          <a:noFill/>
+        </p:spPr>
+        <p:txBody>
+          <a:bodyPr wrap="none" rtlCol="0">
+            <a:spAutoFit/>
+          </a:bodyPr>
+          <a:lstStyle/>
+          <a:p>
+            <a:r>
+              <a:rPr lang="nl-BE" dirty="0">
+                <a:solidFill>
+                  <a:srgbClr val="FF0000"/>
+                </a:solidFill>
+              </a:rPr>
+              <a:t>These </a:t>
+            </a:r>
+            <a:r>
+              <a:rPr lang="nl-BE" dirty="0" err="1">
+                <a:solidFill>
+                  <a:srgbClr val="FF0000"/>
+                </a:solidFill>
+              </a:rPr>
+              <a:t>will</a:t>
+            </a:r>
+            <a:r>
+              <a:rPr lang="nl-BE" dirty="0">
+                <a:solidFill>
+                  <a:srgbClr val="FF0000"/>
+                </a:solidFill>
+              </a:rPr>
+              <a:t> </a:t>
+            </a:r>
+            <a:r>
+              <a:rPr lang="nl-BE" dirty="0" err="1">
+                <a:solidFill>
+                  <a:srgbClr val="FF0000"/>
+                </a:solidFill>
+              </a:rPr>
+              <a:t>be</a:t>
+            </a:r>
+            <a:r>
+              <a:rPr lang="nl-BE" dirty="0">
+                <a:solidFill>
+                  <a:srgbClr val="FF0000"/>
+                </a:solidFill>
+              </a:rPr>
+              <a:t> </a:t>
+            </a:r>
+            <a:r>
+              <a:rPr lang="nl-BE" dirty="0" err="1">
+                <a:solidFill>
+                  <a:srgbClr val="FF0000"/>
+                </a:solidFill>
+              </a:rPr>
+              <a:t>errors</a:t>
+            </a:r>
+            <a:r>
+              <a:rPr lang="nl-BE" dirty="0">
+                <a:solidFill>
+                  <a:srgbClr val="FF0000"/>
+                </a:solidFill>
+              </a:rPr>
+              <a:t>, </a:t>
+            </a:r>
+            <a:r>
+              <a:rPr lang="nl-BE" dirty="0" err="1">
+                <a:solidFill>
+                  <a:srgbClr val="FF0000"/>
+                </a:solidFill>
+              </a:rPr>
+              <a:t>biggest</a:t>
+            </a:r>
+            <a:r>
+              <a:rPr lang="nl-BE" dirty="0">
+                <a:solidFill>
+                  <a:srgbClr val="FF0000"/>
+                </a:solidFill>
+              </a:rPr>
+              <a:t> error </a:t>
+            </a:r>
+          </a:p>
+          <a:p>
+            <a:r>
+              <a:rPr lang="nl-BE" dirty="0" err="1">
+                <a:solidFill>
+                  <a:srgbClr val="FF0000"/>
+                </a:solidFill>
+              </a:rPr>
+              <a:t>due</a:t>
+            </a:r>
+            <a:r>
+              <a:rPr lang="nl-BE" dirty="0">
+                <a:solidFill>
+                  <a:srgbClr val="FF0000"/>
+                </a:solidFill>
+              </a:rPr>
+              <a:t> </a:t>
+            </a:r>
+            <a:r>
+              <a:rPr lang="nl-BE" dirty="0" err="1">
+                <a:solidFill>
+                  <a:srgbClr val="FF0000"/>
+                </a:solidFill>
+              </a:rPr>
+              <a:t>to</a:t>
+            </a:r>
+            <a:r>
+              <a:rPr lang="nl-BE" dirty="0">
+                <a:solidFill>
+                  <a:srgbClr val="FF0000"/>
+                </a:solidFill>
+              </a:rPr>
+              <a:t> </a:t>
+            </a:r>
+            <a:r>
+              <a:rPr lang="nl-BE" dirty="0" err="1">
+                <a:solidFill>
+                  <a:srgbClr val="FF0000"/>
+                </a:solidFill>
+              </a:rPr>
+              <a:t>approximation</a:t>
+            </a:r>
+            <a:r>
+              <a:rPr lang="nl-BE" dirty="0">
+                <a:solidFill>
+                  <a:srgbClr val="FF0000"/>
+                </a:solidFill>
+              </a:rPr>
+              <a:t> of DT as </a:t>
+            </a:r>
+            <a:r>
+              <a:rPr lang="nl-BE" dirty="0" err="1">
+                <a:solidFill>
+                  <a:srgbClr val="FF0000"/>
+                </a:solidFill>
+              </a:rPr>
+              <a:t>exponential</a:t>
+            </a:r>
+            <a:r>
+              <a:rPr lang="nl-BE" dirty="0">
+                <a:solidFill>
+                  <a:srgbClr val="FF0000"/>
+                </a:solidFill>
+              </a:rPr>
+              <a:t> curve, </a:t>
+            </a:r>
+            <a:r>
+              <a:rPr lang="nl-BE" dirty="0" err="1">
+                <a:solidFill>
+                  <a:srgbClr val="FF0000"/>
+                </a:solidFill>
+              </a:rPr>
+              <a:t>cf</a:t>
+            </a:r>
+            <a:endParaRPr lang="nl-BE" dirty="0">
+              <a:solidFill>
+                <a:srgbClr val="FF0000"/>
+              </a:solidFill>
+            </a:endParaRPr>
+          </a:p>
+        </p:txBody>
+      </p:sp>
+      <p:sp>
+        <p:nvSpPr>
+          <p:cNvPr id="10" name="Pijl: gekromd links 9">
+            <a:extLst>
+              <a:ext uri="{FF2B5EF4-FFF2-40B4-BE49-F238E27FC236}">
+                <a16:creationId xmlns:a16="http://schemas.microsoft.com/office/drawing/2014/main" id="{3F6FDF0A-F01C-4D90-9BB0-96C27F257D9C}"/>
+              </a:ext>
+            </a:extLst>
+          </p:cNvPr>
+          <p:cNvSpPr/>
+          <p:nvPr/>
+        </p:nvSpPr>
+        <p:spPr>
+          <a:xfrm>
+            <a:off x="9901949" y="3278738"/>
+            <a:ext cx="1066800" cy="2187388"/>
+          </a:xfrm>
+          <a:prstGeom prst="curvedLeftArrow">
+            <a:avLst/>
+          </a:prstGeom>
+        </p:spPr>
+        <p:style>
+          <a:lnRef idx="2">
+            <a:schemeClr val="accent1">
+              <a:shade val="50000"/>
+            </a:schemeClr>
+          </a:lnRef>
+          <a:fillRef idx="1">
+            <a:schemeClr val="accent1"/>
+          </a:fillRef>
+          <a:effectRef idx="0">
+            <a:schemeClr val="accent1"/>
+          </a:effectRef>
+          <a:fontRef idx="minor">
+            <a:schemeClr val="lt1"/>
+          </a:fontRef>
+        </p:style>
+        <p:txBody>
+          <a:bodyPr rtlCol="0" anchor="ctr"/>
+          <a:lstStyle/>
+          <a:p>
+            <a:pPr algn="ctr"/>
+            <a:endParaRPr lang="nl-BE">
+              <a:solidFill>
+                <a:schemeClr val="tx1"/>
+              </a:solidFill>
+            </a:endParaRPr>
+          </a:p>
+        </p:txBody>
+      </p:sp>
+    </p:spTree>
+    <p:extLst>
+      <p:ext uri="{BB962C8B-B14F-4D97-AF65-F5344CB8AC3E}">
+        <p14:creationId xmlns:p14="http://schemas.microsoft.com/office/powerpoint/2010/main" val="4219172336"/>
+      </p:ext>
+    </p:extLst>
+  </p:cSld>
+  <p:clrMapOvr>
+    <a:masterClrMapping/>
+  </p:clrMapOvr>
+</p:sld>
+</file>
+
+<file path=ppt/slides/slide29.xml><?xml version="1.0" encoding="utf-8"?>
+<p:sld xmlns:a="http://schemas.openxmlformats.org/drawingml/2006/main" xmlns:r="http://schemas.openxmlformats.org/officeDocument/2006/relationships" xmlns:p="http://schemas.openxmlformats.org/presentationml/2006/main">
+  <p:cSld>
+    <p:spTree>
+      <p:nvGrpSpPr>
+        <p:cNvPr id="1" name=""/>
+        <p:cNvGrpSpPr/>
+        <p:nvPr/>
+      </p:nvGrpSpPr>
+      <p:grpSpPr>
+        <a:xfrm>
+          <a:off x="0" y="0"/>
+          <a:ext cx="0" cy="0"/>
+          <a:chOff x="0" y="0"/>
+          <a:chExt cx="0" cy="0"/>
+        </a:xfrm>
+      </p:grpSpPr>
+      <p:sp>
+        <p:nvSpPr>
+          <p:cNvPr id="2" name="Titel 1">
+            <a:extLst>
+              <a:ext uri="{FF2B5EF4-FFF2-40B4-BE49-F238E27FC236}">
+                <a16:creationId xmlns:a16="http://schemas.microsoft.com/office/drawing/2014/main" id="{2F381F00-78A6-4F3C-A097-AEC8438341C6}"/>
+              </a:ext>
+            </a:extLst>
+          </p:cNvPr>
+          <p:cNvSpPr>
+            <a:spLocks noGrp="1"/>
+          </p:cNvSpPr>
+          <p:nvPr>
+            <p:ph type="title"/>
+          </p:nvPr>
+        </p:nvSpPr>
+        <p:spPr/>
+        <p:txBody>
+          <a:bodyPr/>
+          <a:lstStyle/>
+          <a:p>
+            <a:endParaRPr lang="nl-BE"/>
+          </a:p>
+        </p:txBody>
+      </p:sp>
+      <p:sp>
+        <p:nvSpPr>
+          <p:cNvPr id="3" name="Tijdelijke aanduiding voor inhoud 2">
+            <a:extLst>
+              <a:ext uri="{FF2B5EF4-FFF2-40B4-BE49-F238E27FC236}">
+                <a16:creationId xmlns:a16="http://schemas.microsoft.com/office/drawing/2014/main" id="{4020D904-78D7-47D2-820C-EBD37732091C}"/>
+              </a:ext>
+            </a:extLst>
+          </p:cNvPr>
+          <p:cNvSpPr>
+            <a:spLocks noGrp="1"/>
+          </p:cNvSpPr>
+          <p:nvPr>
+            <p:ph idx="1"/>
+          </p:nvPr>
+        </p:nvSpPr>
+        <p:spPr/>
+        <p:txBody>
+          <a:bodyPr/>
+          <a:lstStyle/>
+          <a:p>
+            <a:endParaRPr lang="nl-BE"/>
+          </a:p>
+        </p:txBody>
+      </p:sp>
+    </p:spTree>
+    <p:extLst>
+      <p:ext uri="{BB962C8B-B14F-4D97-AF65-F5344CB8AC3E}">
+        <p14:creationId xmlns:p14="http://schemas.microsoft.com/office/powerpoint/2010/main" val="2109159484"/>
+      </p:ext>
+    </p:extLst>
+  </p:cSld>
+  <p:clrMapOvr>
+    <a:masterClrMapping/>
+  </p:clrMapOvr>
+</p:sld>
+</file>
+
 <file path=ppt/slides/slide3.xml><?xml version="1.0" encoding="utf-8"?>
 <p:sld xmlns:a="http://schemas.openxmlformats.org/drawingml/2006/main" xmlns:r="http://schemas.openxmlformats.org/officeDocument/2006/relationships" xmlns:p="http://schemas.openxmlformats.org/presentationml/2006/main">
   <p:cSld>
@@ -7358,6 +11823,618 @@
     <p:extLst>
       <p:ext uri="{BB962C8B-B14F-4D97-AF65-F5344CB8AC3E}">
         <p14:creationId xmlns:p14="http://schemas.microsoft.com/office/powerpoint/2010/main" val="748341156"/>
+      </p:ext>
+    </p:extLst>
+  </p:cSld>
+  <p:clrMapOvr>
+    <a:masterClrMapping/>
+  </p:clrMapOvr>
+</p:sld>
+</file>
+
+<file path=ppt/slides/slide30.xml><?xml version="1.0" encoding="utf-8"?>
+<p:sld xmlns:a="http://schemas.openxmlformats.org/drawingml/2006/main" xmlns:r="http://schemas.openxmlformats.org/officeDocument/2006/relationships" xmlns:p="http://schemas.openxmlformats.org/presentationml/2006/main">
+  <p:cSld>
+    <p:spTree>
+      <p:nvGrpSpPr>
+        <p:cNvPr id="1" name=""/>
+        <p:cNvGrpSpPr/>
+        <p:nvPr/>
+      </p:nvGrpSpPr>
+      <p:grpSpPr>
+        <a:xfrm>
+          <a:off x="0" y="0"/>
+          <a:ext cx="0" cy="0"/>
+          <a:chOff x="0" y="0"/>
+          <a:chExt cx="0" cy="0"/>
+        </a:xfrm>
+      </p:grpSpPr>
+      <p:sp>
+        <p:nvSpPr>
+          <p:cNvPr id="2" name="Titel 1">
+            <a:extLst>
+              <a:ext uri="{FF2B5EF4-FFF2-40B4-BE49-F238E27FC236}">
+                <a16:creationId xmlns:a16="http://schemas.microsoft.com/office/drawing/2014/main" id="{975D8798-9A93-472B-809D-EC378B64CFE4}"/>
+              </a:ext>
+            </a:extLst>
+          </p:cNvPr>
+          <p:cNvSpPr>
+            <a:spLocks noGrp="1"/>
+          </p:cNvSpPr>
+          <p:nvPr>
+            <p:ph type="title"/>
+          </p:nvPr>
+        </p:nvSpPr>
+        <p:spPr/>
+        <p:txBody>
+          <a:bodyPr/>
+          <a:lstStyle/>
+          <a:p>
+            <a:r>
+              <a:rPr lang="nl-BE" dirty="0"/>
+              <a:t>Is </a:t>
+            </a:r>
+            <a:r>
+              <a:rPr lang="nl-BE" dirty="0" err="1"/>
+              <a:t>approximation</a:t>
+            </a:r>
+            <a:r>
+              <a:rPr lang="nl-BE" dirty="0"/>
+              <a:t> of </a:t>
+            </a:r>
+            <a:r>
+              <a:rPr lang="nl-BE" dirty="0" err="1"/>
+              <a:t>Tout_mean</a:t>
+            </a:r>
+            <a:r>
+              <a:rPr lang="nl-BE" dirty="0"/>
+              <a:t> </a:t>
+            </a:r>
+            <a:r>
+              <a:rPr lang="nl-BE" dirty="0" err="1"/>
+              <a:t>the</a:t>
+            </a:r>
+            <a:r>
+              <a:rPr lang="nl-BE" dirty="0"/>
+              <a:t> </a:t>
+            </a:r>
+            <a:r>
+              <a:rPr lang="nl-BE" dirty="0" err="1"/>
+              <a:t>problem</a:t>
+            </a:r>
+            <a:r>
+              <a:rPr lang="nl-BE" dirty="0"/>
+              <a:t>?</a:t>
+            </a:r>
+          </a:p>
+        </p:txBody>
+      </p:sp>
+      <p:sp>
+        <p:nvSpPr>
+          <p:cNvPr id="3" name="Tijdelijke aanduiding voor inhoud 2">
+            <a:extLst>
+              <a:ext uri="{FF2B5EF4-FFF2-40B4-BE49-F238E27FC236}">
+                <a16:creationId xmlns:a16="http://schemas.microsoft.com/office/drawing/2014/main" id="{E173C441-6529-4B50-B3DB-2595A139D2F9}"/>
+              </a:ext>
+            </a:extLst>
+          </p:cNvPr>
+          <p:cNvSpPr>
+            <a:spLocks noGrp="1"/>
+          </p:cNvSpPr>
+          <p:nvPr>
+            <p:ph idx="1"/>
+          </p:nvPr>
+        </p:nvSpPr>
+        <p:spPr/>
+        <p:txBody>
+          <a:bodyPr/>
+          <a:lstStyle/>
+          <a:p>
+            <a:pPr marL="0" indent="0">
+              <a:buNone/>
+            </a:pPr>
+            <a:r>
+              <a:rPr lang="nl-BE" dirty="0" err="1"/>
+              <a:t>Simulation</a:t>
+            </a:r>
+            <a:r>
+              <a:rPr lang="nl-BE" dirty="0"/>
+              <a:t> </a:t>
+            </a:r>
+            <a:r>
+              <a:rPr lang="nl-BE" dirty="0" err="1"/>
+              <a:t>with</a:t>
+            </a:r>
+            <a:r>
+              <a:rPr lang="nl-BE" dirty="0"/>
+              <a:t> constant </a:t>
+            </a:r>
+            <a:r>
+              <a:rPr lang="nl-BE" dirty="0" err="1"/>
+              <a:t>conditions</a:t>
+            </a:r>
+            <a:r>
+              <a:rPr lang="nl-BE" dirty="0"/>
+              <a:t> </a:t>
+            </a:r>
+            <a:r>
+              <a:rPr lang="nl-BE" dirty="0" err="1"/>
+              <a:t>and</a:t>
+            </a:r>
+            <a:r>
+              <a:rPr lang="nl-BE" dirty="0"/>
+              <a:t> </a:t>
+            </a:r>
+            <a:r>
+              <a:rPr lang="nl-BE" dirty="0" err="1"/>
+              <a:t>Tamb</a:t>
+            </a:r>
+            <a:r>
+              <a:rPr lang="nl-BE" dirty="0"/>
+              <a:t>=Tcoll_i-1:</a:t>
+            </a:r>
+          </a:p>
+          <a:p>
+            <a:pPr marL="0" indent="0">
+              <a:buNone/>
+            </a:pPr>
+            <a:r>
+              <a:rPr lang="nl-BE" dirty="0" err="1"/>
+              <a:t>Qsolrad</a:t>
+            </a:r>
+            <a:r>
+              <a:rPr lang="nl-BE" dirty="0"/>
+              <a:t>=1203W, Tin =  20°C, </a:t>
+            </a:r>
+            <a:r>
+              <a:rPr lang="nl-BE" dirty="0" err="1"/>
+              <a:t>mdot</a:t>
+            </a:r>
+            <a:r>
+              <a:rPr lang="nl-BE" dirty="0"/>
+              <a:t>=0,0456kg/s</a:t>
+            </a:r>
+          </a:p>
+          <a:p>
+            <a:pPr marL="0" indent="0">
+              <a:buNone/>
+            </a:pPr>
+            <a:r>
+              <a:rPr lang="nl-BE" dirty="0" err="1"/>
+              <a:t>Errors</a:t>
+            </a:r>
+            <a:r>
+              <a:rPr lang="nl-BE" dirty="0"/>
+              <a:t> in first timesteps (</a:t>
+            </a:r>
+            <a:r>
+              <a:rPr lang="nl-BE" dirty="0" err="1"/>
+              <a:t>evolution</a:t>
+            </a:r>
+            <a:r>
+              <a:rPr lang="nl-BE" dirty="0"/>
+              <a:t> </a:t>
+            </a:r>
+            <a:r>
+              <a:rPr lang="nl-BE" dirty="0" err="1"/>
+              <a:t>to</a:t>
+            </a:r>
+            <a:r>
+              <a:rPr lang="nl-BE" dirty="0"/>
+              <a:t> steady state) </a:t>
+            </a:r>
+            <a:r>
+              <a:rPr lang="nl-BE" dirty="0" err="1"/>
+              <a:t>great</a:t>
+            </a:r>
+            <a:r>
+              <a:rPr lang="nl-BE" dirty="0"/>
+              <a:t>, but </a:t>
+            </a:r>
+            <a:r>
+              <a:rPr lang="nl-BE" dirty="0" err="1"/>
+              <a:t>going</a:t>
+            </a:r>
+            <a:r>
+              <a:rPr lang="nl-BE" dirty="0"/>
+              <a:t> </a:t>
+            </a:r>
+            <a:r>
+              <a:rPr lang="nl-BE" dirty="0" err="1"/>
+              <a:t>to</a:t>
+            </a:r>
+            <a:r>
+              <a:rPr lang="nl-BE" dirty="0"/>
+              <a:t> 10-18 in steady state</a:t>
+            </a:r>
+          </a:p>
+          <a:p>
+            <a:pPr marL="0" indent="0">
+              <a:buNone/>
+            </a:pPr>
+            <a:endParaRPr lang="nl-BE" dirty="0"/>
+          </a:p>
+          <a:p>
+            <a:pPr marL="0" indent="0">
+              <a:buNone/>
+            </a:pPr>
+            <a:endParaRPr lang="nl-BE" dirty="0"/>
+          </a:p>
+          <a:p>
+            <a:pPr marL="0" indent="0">
+              <a:buNone/>
+            </a:pPr>
+            <a:endParaRPr lang="nl-BE" dirty="0"/>
+          </a:p>
+          <a:p>
+            <a:pPr marL="0" indent="0">
+              <a:buNone/>
+            </a:pPr>
+            <a:r>
+              <a:rPr lang="nl-BE" dirty="0"/>
+              <a:t>See next slide</a:t>
+            </a:r>
+          </a:p>
+        </p:txBody>
+      </p:sp>
+      <p:pic>
+        <p:nvPicPr>
+          <p:cNvPr id="4" name="Afbeelding 3">
+            <a:extLst>
+              <a:ext uri="{FF2B5EF4-FFF2-40B4-BE49-F238E27FC236}">
+                <a16:creationId xmlns:a16="http://schemas.microsoft.com/office/drawing/2014/main" id="{E5AFDF6F-A300-436D-95DA-DD9CF14868BC}"/>
+              </a:ext>
+            </a:extLst>
+          </p:cNvPr>
+          <p:cNvPicPr>
+            <a:picLocks noChangeAspect="1"/>
+          </p:cNvPicPr>
+          <p:nvPr/>
+        </p:nvPicPr>
+        <p:blipFill>
+          <a:blip r:embed="rId2"/>
+          <a:stretch>
+            <a:fillRect/>
+          </a:stretch>
+        </p:blipFill>
+        <p:spPr>
+          <a:xfrm>
+            <a:off x="4119562" y="3352800"/>
+            <a:ext cx="2364815" cy="1514475"/>
+          </a:xfrm>
+          <a:prstGeom prst="rect">
+            <a:avLst/>
+          </a:prstGeom>
+        </p:spPr>
+      </p:pic>
+    </p:spTree>
+    <p:extLst>
+      <p:ext uri="{BB962C8B-B14F-4D97-AF65-F5344CB8AC3E}">
+        <p14:creationId xmlns:p14="http://schemas.microsoft.com/office/powerpoint/2010/main" val="608208597"/>
+      </p:ext>
+    </p:extLst>
+  </p:cSld>
+  <p:clrMapOvr>
+    <a:masterClrMapping/>
+  </p:clrMapOvr>
+</p:sld>
+</file>
+
+<file path=ppt/slides/slide31.xml><?xml version="1.0" encoding="utf-8"?>
+<p:sld xmlns:a="http://schemas.openxmlformats.org/drawingml/2006/main" xmlns:r="http://schemas.openxmlformats.org/officeDocument/2006/relationships" xmlns:p="http://schemas.openxmlformats.org/presentationml/2006/main">
+  <p:cSld>
+    <p:spTree>
+      <p:nvGrpSpPr>
+        <p:cNvPr id="1" name=""/>
+        <p:cNvGrpSpPr/>
+        <p:nvPr/>
+      </p:nvGrpSpPr>
+      <p:grpSpPr>
+        <a:xfrm>
+          <a:off x="0" y="0"/>
+          <a:ext cx="0" cy="0"/>
+          <a:chOff x="0" y="0"/>
+          <a:chExt cx="0" cy="0"/>
+        </a:xfrm>
+      </p:grpSpPr>
+      <p:sp>
+        <p:nvSpPr>
+          <p:cNvPr id="2" name="Titel 1">
+            <a:extLst>
+              <a:ext uri="{FF2B5EF4-FFF2-40B4-BE49-F238E27FC236}">
+                <a16:creationId xmlns:a16="http://schemas.microsoft.com/office/drawing/2014/main" id="{6798D97F-47EE-4E8F-AF04-A9A459BB8974}"/>
+              </a:ext>
+            </a:extLst>
+          </p:cNvPr>
+          <p:cNvSpPr>
+            <a:spLocks noGrp="1"/>
+          </p:cNvSpPr>
+          <p:nvPr>
+            <p:ph type="title"/>
+          </p:nvPr>
+        </p:nvSpPr>
+        <p:spPr/>
+        <p:txBody>
+          <a:bodyPr/>
+          <a:lstStyle/>
+          <a:p>
+            <a:r>
+              <a:rPr lang="nl-BE" dirty="0"/>
+              <a:t>Is </a:t>
+            </a:r>
+            <a:r>
+              <a:rPr lang="nl-BE" dirty="0" err="1"/>
+              <a:t>approximation</a:t>
+            </a:r>
+            <a:r>
+              <a:rPr lang="nl-BE" dirty="0"/>
+              <a:t> of </a:t>
+            </a:r>
+            <a:r>
+              <a:rPr lang="nl-BE" dirty="0" err="1"/>
+              <a:t>Tout_mean</a:t>
+            </a:r>
+            <a:r>
+              <a:rPr lang="nl-BE" dirty="0"/>
+              <a:t> </a:t>
+            </a:r>
+            <a:r>
+              <a:rPr lang="nl-BE" dirty="0" err="1"/>
+              <a:t>the</a:t>
+            </a:r>
+            <a:r>
+              <a:rPr lang="nl-BE" dirty="0"/>
+              <a:t> </a:t>
+            </a:r>
+            <a:r>
+              <a:rPr lang="nl-BE" dirty="0" err="1"/>
+              <a:t>problem</a:t>
+            </a:r>
+            <a:r>
+              <a:rPr lang="nl-BE" dirty="0"/>
+              <a:t>?</a:t>
+            </a:r>
+          </a:p>
+        </p:txBody>
+      </p:sp>
+      <p:sp>
+        <p:nvSpPr>
+          <p:cNvPr id="3" name="Tijdelijke aanduiding voor inhoud 2">
+            <a:extLst>
+              <a:ext uri="{FF2B5EF4-FFF2-40B4-BE49-F238E27FC236}">
+                <a16:creationId xmlns:a16="http://schemas.microsoft.com/office/drawing/2014/main" id="{398DF19A-0D97-477E-9F21-197E4422746A}"/>
+              </a:ext>
+            </a:extLst>
+          </p:cNvPr>
+          <p:cNvSpPr>
+            <a:spLocks noGrp="1"/>
+          </p:cNvSpPr>
+          <p:nvPr>
+            <p:ph idx="1"/>
+          </p:nvPr>
+        </p:nvSpPr>
+        <p:spPr/>
+        <p:txBody>
+          <a:bodyPr>
+            <a:normAutofit/>
+          </a:bodyPr>
+          <a:lstStyle/>
+          <a:p>
+            <a:r>
+              <a:rPr lang="nl-BE" sz="2400" dirty="0"/>
+              <a:t>For </a:t>
+            </a:r>
+            <a:r>
+              <a:rPr lang="nl-BE" sz="2400" dirty="0" err="1"/>
+              <a:t>instance</a:t>
+            </a:r>
+            <a:r>
+              <a:rPr lang="nl-BE" sz="2400" dirty="0"/>
+              <a:t> timestep 4: </a:t>
+            </a:r>
+            <a:r>
+              <a:rPr lang="nl-BE" sz="2400" dirty="0" err="1"/>
+              <a:t>Tout_mean</a:t>
+            </a:r>
+            <a:r>
+              <a:rPr lang="nl-BE" sz="2400" dirty="0"/>
+              <a:t> (in </a:t>
+            </a:r>
+            <a:r>
+              <a:rPr lang="nl-BE" sz="2400" dirty="0" err="1"/>
+              <a:t>Qdot</a:t>
+            </a:r>
+            <a:r>
+              <a:rPr lang="nl-BE" sz="2400" dirty="0"/>
+              <a:t>) is 24,96°C </a:t>
+            </a:r>
+            <a:r>
+              <a:rPr lang="nl-BE" sz="2400" dirty="0" err="1"/>
+              <a:t>if</a:t>
+            </a:r>
+            <a:r>
+              <a:rPr lang="nl-BE" sz="2400" dirty="0"/>
+              <a:t> lineair </a:t>
+            </a:r>
+            <a:r>
+              <a:rPr lang="nl-BE" sz="2400" dirty="0" err="1"/>
+              <a:t>approximation</a:t>
+            </a:r>
+            <a:r>
+              <a:rPr lang="nl-BE" sz="2400" dirty="0"/>
+              <a:t>, but </a:t>
+            </a:r>
+            <a:r>
+              <a:rPr lang="nl-BE" sz="2400" dirty="0" err="1"/>
+              <a:t>according</a:t>
+            </a:r>
+            <a:r>
+              <a:rPr lang="nl-BE" sz="2400" dirty="0"/>
+              <a:t> </a:t>
+            </a:r>
+            <a:r>
+              <a:rPr lang="nl-BE" sz="2400" dirty="0" err="1"/>
+              <a:t>to</a:t>
+            </a:r>
+            <a:r>
+              <a:rPr lang="nl-BE" sz="2400" dirty="0"/>
+              <a:t> </a:t>
+            </a:r>
+            <a:r>
+              <a:rPr lang="nl-BE" sz="2400" dirty="0" err="1"/>
+              <a:t>graph</a:t>
+            </a:r>
+            <a:r>
+              <a:rPr lang="nl-BE" sz="2400" dirty="0"/>
+              <a:t> 25,008 is </a:t>
+            </a:r>
+            <a:r>
+              <a:rPr lang="nl-BE" sz="2400" dirty="0" err="1"/>
+              <a:t>better</a:t>
+            </a:r>
+            <a:r>
+              <a:rPr lang="nl-BE" sz="2400" dirty="0"/>
+              <a:t> </a:t>
+            </a:r>
+            <a:r>
+              <a:rPr lang="nl-BE" sz="2400" dirty="0" err="1"/>
+              <a:t>value</a:t>
+            </a:r>
+            <a:r>
+              <a:rPr lang="nl-BE" sz="2400" dirty="0"/>
+              <a:t>, </a:t>
+            </a:r>
+            <a:r>
+              <a:rPr lang="nl-BE" sz="2400" dirty="0" err="1"/>
+              <a:t>and</a:t>
+            </a:r>
+            <a:r>
+              <a:rPr lang="nl-BE" sz="2400" dirty="0"/>
+              <a:t> indeed </a:t>
+            </a:r>
+            <a:r>
+              <a:rPr lang="nl-BE" sz="2400" dirty="0" err="1"/>
+              <a:t>brings</a:t>
+            </a:r>
+            <a:r>
+              <a:rPr lang="nl-BE" sz="2400" dirty="0"/>
+              <a:t> error </a:t>
+            </a:r>
+            <a:r>
+              <a:rPr lang="nl-BE" sz="2400" dirty="0" err="1"/>
+              <a:t>near</a:t>
+            </a:r>
+            <a:r>
+              <a:rPr lang="nl-BE" sz="2400" dirty="0"/>
+              <a:t> zero (</a:t>
+            </a:r>
+            <a:r>
+              <a:rPr lang="nl-BE" sz="2400" dirty="0" err="1"/>
+              <a:t>Qdotloss</a:t>
+            </a:r>
+            <a:r>
+              <a:rPr lang="nl-BE" sz="2400" dirty="0"/>
+              <a:t> is </a:t>
+            </a:r>
+            <a:r>
+              <a:rPr lang="nl-BE" sz="2400" dirty="0" err="1"/>
+              <a:t>very</a:t>
+            </a:r>
+            <a:r>
+              <a:rPr lang="nl-BE" sz="2400" dirty="0"/>
+              <a:t> low, </a:t>
+            </a:r>
+            <a:r>
+              <a:rPr lang="nl-BE" sz="2400" dirty="0" err="1"/>
+              <a:t>influence</a:t>
+            </a:r>
+            <a:r>
+              <a:rPr lang="nl-BE" sz="2400" dirty="0"/>
+              <a:t> on </a:t>
+            </a:r>
+            <a:r>
+              <a:rPr lang="nl-BE" sz="2400" dirty="0" err="1"/>
+              <a:t>Qdotloss</a:t>
+            </a:r>
+            <a:r>
+              <a:rPr lang="nl-BE" sz="2400" dirty="0"/>
+              <a:t> is </a:t>
+            </a:r>
+            <a:r>
+              <a:rPr lang="nl-BE" sz="2400" dirty="0" err="1"/>
+              <a:t>neglected</a:t>
+            </a:r>
+            <a:r>
+              <a:rPr lang="nl-BE" sz="2400" dirty="0"/>
+              <a:t>)</a:t>
+            </a:r>
+          </a:p>
+        </p:txBody>
+      </p:sp>
+      <p:pic>
+        <p:nvPicPr>
+          <p:cNvPr id="4" name="Afbeelding 3">
+            <a:extLst>
+              <a:ext uri="{FF2B5EF4-FFF2-40B4-BE49-F238E27FC236}">
+                <a16:creationId xmlns:a16="http://schemas.microsoft.com/office/drawing/2014/main" id="{1B21855B-474B-4DF7-AAE0-C62B9518663D}"/>
+              </a:ext>
+            </a:extLst>
+          </p:cNvPr>
+          <p:cNvPicPr>
+            <a:picLocks noChangeAspect="1"/>
+          </p:cNvPicPr>
+          <p:nvPr/>
+        </p:nvPicPr>
+        <p:blipFill>
+          <a:blip r:embed="rId2"/>
+          <a:stretch>
+            <a:fillRect/>
+          </a:stretch>
+        </p:blipFill>
+        <p:spPr>
+          <a:xfrm>
+            <a:off x="1308299" y="3190966"/>
+            <a:ext cx="10287721" cy="666659"/>
+          </a:xfrm>
+          <a:prstGeom prst="rect">
+            <a:avLst/>
+          </a:prstGeom>
+        </p:spPr>
+      </p:pic>
+      <p:pic>
+        <p:nvPicPr>
+          <p:cNvPr id="5" name="Afbeelding 4">
+            <a:extLst>
+              <a:ext uri="{FF2B5EF4-FFF2-40B4-BE49-F238E27FC236}">
+                <a16:creationId xmlns:a16="http://schemas.microsoft.com/office/drawing/2014/main" id="{FFB219EF-4AD8-4991-8ED3-D2E8A1CE756E}"/>
+              </a:ext>
+            </a:extLst>
+          </p:cNvPr>
+          <p:cNvPicPr>
+            <a:picLocks noChangeAspect="1"/>
+          </p:cNvPicPr>
+          <p:nvPr/>
+        </p:nvPicPr>
+        <p:blipFill>
+          <a:blip r:embed="rId3"/>
+          <a:stretch>
+            <a:fillRect/>
+          </a:stretch>
+        </p:blipFill>
+        <p:spPr>
+          <a:xfrm>
+            <a:off x="1413203" y="4001294"/>
+            <a:ext cx="4292271" cy="2728520"/>
+          </a:xfrm>
+          <a:prstGeom prst="rect">
+            <a:avLst/>
+          </a:prstGeom>
+        </p:spPr>
+      </p:pic>
+    </p:spTree>
+    <p:extLst>
+      <p:ext uri="{BB962C8B-B14F-4D97-AF65-F5344CB8AC3E}">
+        <p14:creationId xmlns:p14="http://schemas.microsoft.com/office/powerpoint/2010/main" val="1269087070"/>
       </p:ext>
     </p:extLst>
   </p:cSld>
